--- a/docs/diagrams/ModelComponentClassBetterOopDiagram.pptx
+++ b/docs/diagrams/ModelComponentClassBetterOopDiagram.pptx
@@ -208,7 +208,7 @@
           <a:p>
             <a:fld id="{F5CC4B3F-88C1-4FFA-B1B6-F41C21DC6924}" type="datetimeFigureOut">
               <a:rPr lang="en-US" smtClean="0"/>
-              <a:t>6/27/2018</a:t>
+              <a:t>9/28/2018</a:t>
             </a:fld>
             <a:endParaRPr lang="en-US"/>
           </a:p>
@@ -654,7 +654,7 @@
           <a:p>
             <a:fld id="{78C97017-6FC3-485B-9764-EAC9E56C1D49}" type="datetimeFigureOut">
               <a:rPr lang="en-US" smtClean="0"/>
-              <a:t>6/27/2018</a:t>
+              <a:t>9/28/2018</a:t>
             </a:fld>
             <a:endParaRPr lang="en-US"/>
           </a:p>
@@ -822,7 +822,7 @@
           <a:p>
             <a:fld id="{78C97017-6FC3-485B-9764-EAC9E56C1D49}" type="datetimeFigureOut">
               <a:rPr lang="en-US" smtClean="0"/>
-              <a:t>6/27/2018</a:t>
+              <a:t>9/28/2018</a:t>
             </a:fld>
             <a:endParaRPr lang="en-US"/>
           </a:p>
@@ -1000,7 +1000,7 @@
           <a:p>
             <a:fld id="{78C97017-6FC3-485B-9764-EAC9E56C1D49}" type="datetimeFigureOut">
               <a:rPr lang="en-US" smtClean="0"/>
-              <a:t>6/27/2018</a:t>
+              <a:t>9/28/2018</a:t>
             </a:fld>
             <a:endParaRPr lang="en-US"/>
           </a:p>
@@ -1168,7 +1168,7 @@
           <a:p>
             <a:fld id="{78C97017-6FC3-485B-9764-EAC9E56C1D49}" type="datetimeFigureOut">
               <a:rPr lang="en-US" smtClean="0"/>
-              <a:t>6/27/2018</a:t>
+              <a:t>9/28/2018</a:t>
             </a:fld>
             <a:endParaRPr lang="en-US"/>
           </a:p>
@@ -1413,7 +1413,7 @@
           <a:p>
             <a:fld id="{78C97017-6FC3-485B-9764-EAC9E56C1D49}" type="datetimeFigureOut">
               <a:rPr lang="en-US" smtClean="0"/>
-              <a:t>6/27/2018</a:t>
+              <a:t>9/28/2018</a:t>
             </a:fld>
             <a:endParaRPr lang="en-US"/>
           </a:p>
@@ -1698,7 +1698,7 @@
           <a:p>
             <a:fld id="{78C97017-6FC3-485B-9764-EAC9E56C1D49}" type="datetimeFigureOut">
               <a:rPr lang="en-US" smtClean="0"/>
-              <a:t>6/27/2018</a:t>
+              <a:t>9/28/2018</a:t>
             </a:fld>
             <a:endParaRPr lang="en-US"/>
           </a:p>
@@ -2117,7 +2117,7 @@
           <a:p>
             <a:fld id="{78C97017-6FC3-485B-9764-EAC9E56C1D49}" type="datetimeFigureOut">
               <a:rPr lang="en-US" smtClean="0"/>
-              <a:t>6/27/2018</a:t>
+              <a:t>9/28/2018</a:t>
             </a:fld>
             <a:endParaRPr lang="en-US"/>
           </a:p>
@@ -2234,7 +2234,7 @@
           <a:p>
             <a:fld id="{78C97017-6FC3-485B-9764-EAC9E56C1D49}" type="datetimeFigureOut">
               <a:rPr lang="en-US" smtClean="0"/>
-              <a:t>6/27/2018</a:t>
+              <a:t>9/28/2018</a:t>
             </a:fld>
             <a:endParaRPr lang="en-US"/>
           </a:p>
@@ -2329,7 +2329,7 @@
           <a:p>
             <a:fld id="{78C97017-6FC3-485B-9764-EAC9E56C1D49}" type="datetimeFigureOut">
               <a:rPr lang="en-US" smtClean="0"/>
-              <a:t>6/27/2018</a:t>
+              <a:t>9/28/2018</a:t>
             </a:fld>
             <a:endParaRPr lang="en-US"/>
           </a:p>
@@ -2604,7 +2604,7 @@
           <a:p>
             <a:fld id="{78C97017-6FC3-485B-9764-EAC9E56C1D49}" type="datetimeFigureOut">
               <a:rPr lang="en-US" smtClean="0"/>
-              <a:t>6/27/2018</a:t>
+              <a:t>9/28/2018</a:t>
             </a:fld>
             <a:endParaRPr lang="en-US"/>
           </a:p>
@@ -2856,7 +2856,7 @@
           <a:p>
             <a:fld id="{78C97017-6FC3-485B-9764-EAC9E56C1D49}" type="datetimeFigureOut">
               <a:rPr lang="en-US" smtClean="0"/>
-              <a:t>6/27/2018</a:t>
+              <a:t>9/28/2018</a:t>
             </a:fld>
             <a:endParaRPr lang="en-US"/>
           </a:p>
@@ -3067,7 +3067,7 @@
           <a:p>
             <a:fld id="{78C97017-6FC3-485B-9764-EAC9E56C1D49}" type="datetimeFigureOut">
               <a:rPr lang="en-US" smtClean="0"/>
-              <a:t>6/27/2018</a:t>
+              <a:t>9/28/2018</a:t>
             </a:fld>
             <a:endParaRPr lang="en-US"/>
           </a:p>
@@ -3997,7 +3997,7 @@
                   <a:srgbClr val="7030A0"/>
                 </a:solidFill>
               </a:rPr>
-              <a:t>VersionedAddressBook</a:t>
+              <a:t>VersionedForumBook</a:t>
             </a:r>
             <a:endParaRPr lang="en-SG" sz="1050" dirty="0">
               <a:solidFill>
@@ -4134,12 +4134,12 @@
           <a:p>
             <a:pPr algn="ctr"/>
             <a:r>
-              <a:rPr lang="en-US" sz="1050" dirty="0" err="1">
+              <a:rPr lang="en-US" sz="1050" dirty="0" err="1" smtClean="0">
                 <a:solidFill>
                   <a:srgbClr val="7030A0"/>
                 </a:solidFill>
               </a:rPr>
-              <a:t>UniquePersonList</a:t>
+              <a:t>UniqueThreadList</a:t>
             </a:r>
             <a:endParaRPr lang="en-SG" sz="1050" dirty="0">
               <a:solidFill>
@@ -4278,12 +4278,12 @@
           <a:p>
             <a:pPr algn="ctr"/>
             <a:r>
-              <a:rPr lang="en-US" sz="1050" dirty="0">
+              <a:rPr lang="en-US" sz="1050" dirty="0" smtClean="0">
                 <a:solidFill>
                   <a:srgbClr val="7030A0"/>
                 </a:solidFill>
               </a:rPr>
-              <a:t>Person</a:t>
+              <a:t>Thread</a:t>
             </a:r>
             <a:endParaRPr lang="en-SG" sz="1050" dirty="0">
               <a:solidFill>
@@ -4421,12 +4421,12 @@
           <a:p>
             <a:pPr algn="ctr"/>
             <a:r>
-              <a:rPr lang="en-US" sz="1050" dirty="0">
+              <a:rPr lang="en-US" sz="1050" dirty="0" smtClean="0">
                 <a:solidFill>
                   <a:srgbClr val="7030A0"/>
                 </a:solidFill>
               </a:rPr>
-              <a:t>Name</a:t>
+              <a:t>Tile</a:t>
             </a:r>
             <a:endParaRPr lang="en-SG" sz="1050" dirty="0">
               <a:solidFill>
@@ -4564,12 +4564,12 @@
           <a:p>
             <a:pPr algn="ctr"/>
             <a:r>
-              <a:rPr lang="en-US" sz="1050" dirty="0">
+              <a:rPr lang="en-US" sz="1050" dirty="0" err="1" smtClean="0">
                 <a:solidFill>
                   <a:srgbClr val="7030A0"/>
                 </a:solidFill>
               </a:rPr>
-              <a:t>Phone</a:t>
+              <a:t>LikeBy</a:t>
             </a:r>
             <a:endParaRPr lang="en-SG" sz="1050" dirty="0">
               <a:solidFill>
@@ -4622,13 +4622,13 @@
       </p:cxnSp>
       <p:sp>
         <p:nvSpPr>
-          <p:cNvPr id="83" name="Rectangle 8"/>
+          <p:cNvPr id="85" name="Rectangle 8"/>
           <p:cNvSpPr/>
           <p:nvPr/>
         </p:nvSpPr>
         <p:spPr>
           <a:xfrm>
-            <a:off x="7712397" y="3210194"/>
+            <a:off x="7717921" y="3202920"/>
             <a:ext cx="708186" cy="285783"/>
           </a:xfrm>
           <a:prstGeom prst="rect">
@@ -4661,14 +4661,14 @@
           <a:p>
             <a:pPr algn="ctr"/>
             <a:r>
-              <a:rPr lang="en-US" sz="1050" dirty="0">
+              <a:rPr lang="en-US" sz="700" dirty="0" err="1" smtClean="0">
                 <a:solidFill>
                   <a:srgbClr val="7030A0"/>
                 </a:solidFill>
               </a:rPr>
-              <a:t>Email</a:t>
-            </a:r>
-            <a:endParaRPr lang="en-SG" sz="1050" dirty="0">
+              <a:t>CreateDate</a:t>
+            </a:r>
+            <a:endParaRPr lang="en-SG" sz="700" dirty="0">
               <a:solidFill>
                 <a:srgbClr val="7030A0"/>
               </a:solidFill>
@@ -4678,17 +4678,17 @@
       </p:sp>
       <p:cxnSp>
         <p:nvCxnSpPr>
-          <p:cNvPr id="84" name="Elbow Connector 83"/>
+          <p:cNvPr id="86" name="Elbow Connector 85"/>
           <p:cNvCxnSpPr>
             <a:stCxn id="78" idx="3"/>
-            <a:endCxn id="83" idx="1"/>
+            <a:endCxn id="85" idx="1"/>
           </p:cNvCxnSpPr>
           <p:nvPr/>
         </p:nvCxnSpPr>
         <p:spPr>
           <a:xfrm>
             <a:off x="7277995" y="3034891"/>
-            <a:ext cx="434402" cy="318195"/>
+            <a:ext cx="439926" cy="310921"/>
           </a:xfrm>
           <a:prstGeom prst="bentConnector3">
             <a:avLst/>
@@ -4719,14 +4719,53 @@
       </p:cxnSp>
       <p:sp>
         <p:nvSpPr>
-          <p:cNvPr id="85" name="Rectangle 8"/>
+          <p:cNvPr id="114" name="TextBox 113"/>
+          <p:cNvSpPr txBox="1"/>
+          <p:nvPr/>
+        </p:nvSpPr>
+        <p:spPr>
+          <a:xfrm rot="16200000">
+            <a:off x="6362886" y="3586305"/>
+            <a:ext cx="881018" cy="261610"/>
+          </a:xfrm>
+          <a:prstGeom prst="rect">
+            <a:avLst/>
+          </a:prstGeom>
+          <a:noFill/>
+        </p:spPr>
+        <p:txBody>
+          <a:bodyPr wrap="square" rtlCol="0">
+            <a:spAutoFit/>
+          </a:bodyPr>
+          <a:lstStyle/>
+          <a:p>
+            <a:pPr algn="r"/>
+            <a:r>
+              <a:rPr lang="en-US" sz="1100" dirty="0">
+                <a:solidFill>
+                  <a:srgbClr val="7030A0"/>
+                </a:solidFill>
+              </a:rPr>
+              <a:t>filtered list</a:t>
+            </a:r>
+            <a:endParaRPr lang="en-SG" sz="1100" dirty="0">
+              <a:solidFill>
+                <a:srgbClr val="7030A0"/>
+              </a:solidFill>
+            </a:endParaRPr>
+          </a:p>
+        </p:txBody>
+      </p:sp>
+      <p:sp>
+        <p:nvSpPr>
+          <p:cNvPr id="122" name="Rectangle 8"/>
           <p:cNvSpPr/>
           <p:nvPr/>
         </p:nvSpPr>
         <p:spPr>
           <a:xfrm>
-            <a:off x="7712397" y="3533171"/>
-            <a:ext cx="708186" cy="285783"/>
+            <a:off x="2057401" y="4239491"/>
+            <a:ext cx="1066800" cy="346760"/>
           </a:xfrm>
           <a:prstGeom prst="rect">
             <a:avLst/>
@@ -4763,7 +4802,30 @@
                   <a:srgbClr val="7030A0"/>
                 </a:solidFill>
               </a:rPr>
-              <a:t>Address</a:t>
+              <a:t>&lt;&lt;interface&gt;&gt;</a:t>
+            </a:r>
+            <a:r>
+              <a:rPr lang="en-US" sz="1050">
+                <a:solidFill>
+                  <a:srgbClr val="7030A0"/>
+                </a:solidFill>
+              </a:rPr>
+              <a:t/>
+            </a:r>
+            <a:br>
+              <a:rPr lang="en-US" sz="1050">
+                <a:solidFill>
+                  <a:srgbClr val="7030A0"/>
+                </a:solidFill>
+              </a:rPr>
+            </a:br>
+            <a:r>
+              <a:rPr lang="en-US" sz="1050" dirty="0" err="1">
+                <a:solidFill>
+                  <a:srgbClr val="7030A0"/>
+                </a:solidFill>
+              </a:rPr>
+              <a:t>ObservableList</a:t>
             </a:r>
             <a:endParaRPr lang="en-SG" sz="1050" dirty="0">
               <a:solidFill>
@@ -4775,25 +4837,26 @@
       </p:sp>
       <p:cxnSp>
         <p:nvCxnSpPr>
-          <p:cNvPr id="86" name="Elbow Connector 85"/>
+          <p:cNvPr id="124" name="Elbow Connector 122"/>
           <p:cNvCxnSpPr>
-            <a:stCxn id="78" idx="3"/>
-            <a:endCxn id="85" idx="1"/>
+            <a:stCxn id="119" idx="1"/>
+            <a:endCxn id="122" idx="1"/>
           </p:cNvCxnSpPr>
           <p:nvPr/>
         </p:nvCxnSpPr>
         <p:spPr>
-          <a:xfrm>
-            <a:off x="7277995" y="3034891"/>
-            <a:ext cx="434402" cy="641172"/>
-          </a:xfrm>
-          <a:prstGeom prst="bentConnector3">
+          <a:xfrm rot="16200000" flipH="1">
+            <a:off x="1364475" y="3719944"/>
+            <a:ext cx="831471" cy="554381"/>
+          </a:xfrm>
+          <a:prstGeom prst="bentConnector2">
             <a:avLst/>
           </a:prstGeom>
           <a:ln w="19050">
             <a:solidFill>
               <a:srgbClr val="7030A0"/>
             </a:solidFill>
+            <a:prstDash val="sysDot"/>
             <a:headEnd type="none" w="med" len="med"/>
             <a:tailEnd type="arrow" w="med" len="med"/>
           </a:ln>
@@ -4816,14 +4879,14 @@
       </p:cxnSp>
       <p:sp>
         <p:nvSpPr>
-          <p:cNvPr id="114" name="TextBox 113"/>
+          <p:cNvPr id="54" name="TextBox 53"/>
           <p:cNvSpPr txBox="1"/>
           <p:nvPr/>
         </p:nvSpPr>
         <p:spPr>
-          <a:xfrm rot="16200000">
-            <a:off x="6362886" y="3586305"/>
-            <a:ext cx="881018" cy="261610"/>
+          <a:xfrm>
+            <a:off x="4324972" y="3058864"/>
+            <a:ext cx="189257" cy="178683"/>
           </a:xfrm>
           <a:prstGeom prst="rect">
             <a:avLst/>
@@ -4831,19 +4894,19 @@
           <a:noFill/>
         </p:spPr>
         <p:txBody>
-          <a:bodyPr wrap="square" rtlCol="0">
-            <a:spAutoFit/>
+          <a:bodyPr wrap="square" lIns="0" tIns="0" rIns="0" bIns="0" rtlCol="0">
+            <a:noAutofit/>
           </a:bodyPr>
           <a:lstStyle/>
           <a:p>
-            <a:pPr algn="r"/>
+            <a:pPr algn="ctr"/>
             <a:r>
               <a:rPr lang="en-US" sz="1100" dirty="0">
                 <a:solidFill>
                   <a:srgbClr val="7030A0"/>
                 </a:solidFill>
               </a:rPr>
-              <a:t>filtered list</a:t>
+              <a:t>1</a:t>
             </a:r>
             <a:endParaRPr lang="en-SG" sz="1100" dirty="0">
               <a:solidFill>
@@ -4855,14 +4918,176 @@
       </p:sp>
       <p:sp>
         <p:nvSpPr>
-          <p:cNvPr id="122" name="Rectangle 8"/>
+          <p:cNvPr id="61" name="TextBox 60"/>
+          <p:cNvSpPr txBox="1"/>
+          <p:nvPr/>
+        </p:nvSpPr>
+        <p:spPr>
+          <a:xfrm>
+            <a:off x="6135256" y="3097917"/>
+            <a:ext cx="189257" cy="178683"/>
+          </a:xfrm>
+          <a:prstGeom prst="rect">
+            <a:avLst/>
+          </a:prstGeom>
+          <a:noFill/>
+        </p:spPr>
+        <p:txBody>
+          <a:bodyPr wrap="square" lIns="0" tIns="0" rIns="0" bIns="0" rtlCol="0">
+            <a:noAutofit/>
+          </a:bodyPr>
+          <a:lstStyle/>
+          <a:p>
+            <a:pPr algn="ctr"/>
+            <a:r>
+              <a:rPr lang="en-US" sz="1100" dirty="0">
+                <a:solidFill>
+                  <a:srgbClr val="7030A0"/>
+                </a:solidFill>
+              </a:rPr>
+              <a:t>*</a:t>
+            </a:r>
+            <a:endParaRPr lang="en-SG" sz="1100" dirty="0">
+              <a:solidFill>
+                <a:srgbClr val="7030A0"/>
+              </a:solidFill>
+            </a:endParaRPr>
+          </a:p>
+        </p:txBody>
+      </p:sp>
+      <p:sp>
+        <p:nvSpPr>
+          <p:cNvPr id="65" name="TextBox 64"/>
+          <p:cNvSpPr txBox="1"/>
+          <p:nvPr/>
+        </p:nvSpPr>
+        <p:spPr>
+          <a:xfrm>
+            <a:off x="2560167" y="2753818"/>
+            <a:ext cx="78378" cy="193767"/>
+          </a:xfrm>
+          <a:prstGeom prst="rect">
+            <a:avLst/>
+          </a:prstGeom>
+          <a:noFill/>
+        </p:spPr>
+        <p:txBody>
+          <a:bodyPr wrap="square" lIns="0" tIns="0" rIns="0" bIns="0" rtlCol="0">
+            <a:noAutofit/>
+          </a:bodyPr>
+          <a:lstStyle/>
+          <a:p>
+            <a:pPr algn="ctr"/>
+            <a:r>
+              <a:rPr lang="en-US" sz="1100" dirty="0">
+                <a:solidFill>
+                  <a:srgbClr val="7030A0"/>
+                </a:solidFill>
+              </a:rPr>
+              <a:t>1</a:t>
+            </a:r>
+            <a:endParaRPr lang="en-SG" sz="1100" dirty="0">
+              <a:solidFill>
+                <a:srgbClr val="7030A0"/>
+              </a:solidFill>
+            </a:endParaRPr>
+          </a:p>
+        </p:txBody>
+      </p:sp>
+      <p:sp>
+        <p:nvSpPr>
+          <p:cNvPr id="66" name="TextBox 65"/>
+          <p:cNvSpPr txBox="1"/>
+          <p:nvPr/>
+        </p:nvSpPr>
+        <p:spPr>
+          <a:xfrm>
+            <a:off x="2707070" y="3667737"/>
+            <a:ext cx="189257" cy="178683"/>
+          </a:xfrm>
+          <a:prstGeom prst="rect">
+            <a:avLst/>
+          </a:prstGeom>
+          <a:noFill/>
+        </p:spPr>
+        <p:txBody>
+          <a:bodyPr wrap="square" lIns="0" tIns="0" rIns="0" bIns="0" rtlCol="0">
+            <a:noAutofit/>
+          </a:bodyPr>
+          <a:lstStyle/>
+          <a:p>
+            <a:pPr algn="ctr"/>
+            <a:r>
+              <a:rPr lang="en-US" sz="1100" dirty="0">
+                <a:solidFill>
+                  <a:srgbClr val="7030A0"/>
+                </a:solidFill>
+              </a:rPr>
+              <a:t>1</a:t>
+            </a:r>
+            <a:endParaRPr lang="en-SG" sz="1100" dirty="0">
+              <a:solidFill>
+                <a:srgbClr val="7030A0"/>
+              </a:solidFill>
+            </a:endParaRPr>
+          </a:p>
+        </p:txBody>
+      </p:sp>
+      <p:sp>
+        <p:nvSpPr>
+          <p:cNvPr id="70" name="TextBox 69"/>
+          <p:cNvSpPr txBox="1"/>
+          <p:nvPr/>
+        </p:nvSpPr>
+        <p:spPr>
+          <a:xfrm>
+            <a:off x="6449896" y="3204826"/>
+            <a:ext cx="189257" cy="178683"/>
+          </a:xfrm>
+          <a:prstGeom prst="rect">
+            <a:avLst/>
+          </a:prstGeom>
+          <a:noFill/>
+        </p:spPr>
+        <p:txBody>
+          <a:bodyPr wrap="square" lIns="0" tIns="0" rIns="0" bIns="0" rtlCol="0">
+            <a:noAutofit/>
+          </a:bodyPr>
+          <a:lstStyle/>
+          <a:p>
+            <a:pPr algn="ctr"/>
+            <a:r>
+              <a:rPr lang="en-US" sz="1100" dirty="0">
+                <a:solidFill>
+                  <a:srgbClr val="7030A0"/>
+                </a:solidFill>
+              </a:rPr>
+              <a:t>1</a:t>
+            </a:r>
+            <a:endParaRPr lang="en-SG" sz="1100" dirty="0">
+              <a:solidFill>
+                <a:srgbClr val="7030A0"/>
+              </a:solidFill>
+            </a:endParaRPr>
+          </a:p>
+        </p:txBody>
+      </p:sp>
+      <p:sp>
+        <p:nvSpPr>
+          <p:cNvPr id="52" name="Rectangle 8">
+            <a:extLst>
+              <a:ext uri="{FF2B5EF4-FFF2-40B4-BE49-F238E27FC236}">
+                <a16:creationId xmlns:a16="http://schemas.microsoft.com/office/drawing/2014/main" xmlns="" id="{ABDCDBD2-131A-4B66-A2F2-43BBEE82C773}"/>
+              </a:ext>
+            </a:extLst>
+          </p:cNvPr>
           <p:cNvSpPr/>
           <p:nvPr/>
         </p:nvSpPr>
         <p:spPr>
           <a:xfrm>
-            <a:off x="2057401" y="4239491"/>
-            <a:ext cx="1066800" cy="346760"/>
+            <a:off x="4755872" y="2206861"/>
+            <a:ext cx="1156969" cy="285783"/>
           </a:xfrm>
           <a:prstGeom prst="rect">
             <a:avLst/>
@@ -4894,35 +5119,12 @@
           <a:p>
             <a:pPr algn="ctr"/>
             <a:r>
-              <a:rPr lang="en-US" sz="1050" dirty="0">
-                <a:solidFill>
-                  <a:srgbClr val="7030A0"/>
-                </a:solidFill>
-              </a:rPr>
-              <a:t>&lt;&lt;interface&gt;&gt;</a:t>
-            </a:r>
-            <a:r>
-              <a:rPr lang="en-US" sz="1050">
-                <a:solidFill>
-                  <a:srgbClr val="7030A0"/>
-                </a:solidFill>
-              </a:rPr>
-              <a:t/>
-            </a:r>
-            <a:br>
-              <a:rPr lang="en-US" sz="1050">
-                <a:solidFill>
-                  <a:srgbClr val="7030A0"/>
-                </a:solidFill>
-              </a:rPr>
-            </a:br>
-            <a:r>
               <a:rPr lang="en-US" sz="1050" dirty="0" err="1">
                 <a:solidFill>
                   <a:srgbClr val="7030A0"/>
                 </a:solidFill>
               </a:rPr>
-              <a:t>ObservableList</a:t>
+              <a:t>UniqueTagList</a:t>
             </a:r>
             <a:endParaRPr lang="en-SG" sz="1050" dirty="0">
               <a:solidFill>
@@ -4934,17 +5136,24 @@
       </p:sp>
       <p:cxnSp>
         <p:nvCxnSpPr>
-          <p:cNvPr id="124" name="Elbow Connector 122"/>
+          <p:cNvPr id="53" name="Elbow Connector 78">
+            <a:extLst>
+              <a:ext uri="{FF2B5EF4-FFF2-40B4-BE49-F238E27FC236}">
+                <a16:creationId xmlns:a16="http://schemas.microsoft.com/office/drawing/2014/main" xmlns="" id="{B97967F8-618A-448B-81FD-CDFD4AF0EC64}"/>
+              </a:ext>
+            </a:extLst>
+          </p:cNvPr>
           <p:cNvCxnSpPr>
-            <a:stCxn id="119" idx="1"/>
-            <a:endCxn id="122" idx="1"/>
+            <a:cxnSpLocks/>
+            <a:stCxn id="54" idx="0"/>
+            <a:endCxn id="52" idx="1"/>
           </p:cNvCxnSpPr>
           <p:nvPr/>
         </p:nvCxnSpPr>
         <p:spPr>
-          <a:xfrm rot="16200000" flipH="1">
-            <a:off x="1364475" y="3719944"/>
-            <a:ext cx="831471" cy="554381"/>
+          <a:xfrm rot="5400000" flipH="1" flipV="1">
+            <a:off x="4233181" y="2536174"/>
+            <a:ext cx="709111" cy="336271"/>
           </a:xfrm>
           <a:prstGeom prst="bentConnector2">
             <a:avLst/>
@@ -4953,7 +5162,6 @@
             <a:solidFill>
               <a:srgbClr val="7030A0"/>
             </a:solidFill>
-            <a:prstDash val="sysDot"/>
             <a:headEnd type="none" w="med" len="med"/>
             <a:tailEnd type="arrow" w="med" len="med"/>
           </a:ln>
@@ -4976,52 +5184,19 @@
       </p:cxnSp>
       <p:sp>
         <p:nvSpPr>
-          <p:cNvPr id="54" name="TextBox 53"/>
+          <p:cNvPr id="50" name="TextBox 49">
+            <a:extLst>
+              <a:ext uri="{FF2B5EF4-FFF2-40B4-BE49-F238E27FC236}">
+                <a16:creationId xmlns:a16="http://schemas.microsoft.com/office/drawing/2014/main" xmlns="" id="{B3FA9D57-880F-49C4-AD0B-A64E30D6F403}"/>
+              </a:ext>
+            </a:extLst>
+          </p:cNvPr>
           <p:cNvSpPr txBox="1"/>
           <p:nvPr/>
         </p:nvSpPr>
         <p:spPr>
           <a:xfrm>
-            <a:off x="4324972" y="3058864"/>
-            <a:ext cx="189257" cy="178683"/>
-          </a:xfrm>
-          <a:prstGeom prst="rect">
-            <a:avLst/>
-          </a:prstGeom>
-          <a:noFill/>
-        </p:spPr>
-        <p:txBody>
-          <a:bodyPr wrap="square" lIns="0" tIns="0" rIns="0" bIns="0" rtlCol="0">
-            <a:noAutofit/>
-          </a:bodyPr>
-          <a:lstStyle/>
-          <a:p>
-            <a:pPr algn="ctr"/>
-            <a:r>
-              <a:rPr lang="en-US" sz="1100" dirty="0">
-                <a:solidFill>
-                  <a:srgbClr val="7030A0"/>
-                </a:solidFill>
-              </a:rPr>
-              <a:t>1</a:t>
-            </a:r>
-            <a:endParaRPr lang="en-SG" sz="1100" dirty="0">
-              <a:solidFill>
-                <a:srgbClr val="7030A0"/>
-              </a:solidFill>
-            </a:endParaRPr>
-          </a:p>
-        </p:txBody>
-      </p:sp>
-      <p:sp>
-        <p:nvSpPr>
-          <p:cNvPr id="61" name="TextBox 60"/>
-          <p:cNvSpPr txBox="1"/>
-          <p:nvPr/>
-        </p:nvSpPr>
-        <p:spPr>
-          <a:xfrm>
-            <a:off x="6135256" y="3097917"/>
+            <a:off x="6714344" y="2430721"/>
             <a:ext cx="189257" cy="178683"/>
           </a:xfrm>
           <a:prstGeom prst="rect">
@@ -5054,127 +5229,10 @@
       </p:sp>
       <p:sp>
         <p:nvSpPr>
-          <p:cNvPr id="65" name="TextBox 64"/>
-          <p:cNvSpPr txBox="1"/>
-          <p:nvPr/>
-        </p:nvSpPr>
-        <p:spPr>
-          <a:xfrm>
-            <a:off x="2560167" y="2753818"/>
-            <a:ext cx="78378" cy="193767"/>
-          </a:xfrm>
-          <a:prstGeom prst="rect">
-            <a:avLst/>
-          </a:prstGeom>
-          <a:noFill/>
-        </p:spPr>
-        <p:txBody>
-          <a:bodyPr wrap="square" lIns="0" tIns="0" rIns="0" bIns="0" rtlCol="0">
-            <a:noAutofit/>
-          </a:bodyPr>
-          <a:lstStyle/>
-          <a:p>
-            <a:pPr algn="ctr"/>
-            <a:r>
-              <a:rPr lang="en-US" sz="1100" dirty="0">
-                <a:solidFill>
-                  <a:srgbClr val="7030A0"/>
-                </a:solidFill>
-              </a:rPr>
-              <a:t>1</a:t>
-            </a:r>
-            <a:endParaRPr lang="en-SG" sz="1100" dirty="0">
-              <a:solidFill>
-                <a:srgbClr val="7030A0"/>
-              </a:solidFill>
-            </a:endParaRPr>
-          </a:p>
-        </p:txBody>
-      </p:sp>
-      <p:sp>
-        <p:nvSpPr>
-          <p:cNvPr id="66" name="TextBox 65"/>
-          <p:cNvSpPr txBox="1"/>
-          <p:nvPr/>
-        </p:nvSpPr>
-        <p:spPr>
-          <a:xfrm>
-            <a:off x="2707070" y="3667737"/>
-            <a:ext cx="189257" cy="178683"/>
-          </a:xfrm>
-          <a:prstGeom prst="rect">
-            <a:avLst/>
-          </a:prstGeom>
-          <a:noFill/>
-        </p:spPr>
-        <p:txBody>
-          <a:bodyPr wrap="square" lIns="0" tIns="0" rIns="0" bIns="0" rtlCol="0">
-            <a:noAutofit/>
-          </a:bodyPr>
-          <a:lstStyle/>
-          <a:p>
-            <a:pPr algn="ctr"/>
-            <a:r>
-              <a:rPr lang="en-US" sz="1100" dirty="0">
-                <a:solidFill>
-                  <a:srgbClr val="7030A0"/>
-                </a:solidFill>
-              </a:rPr>
-              <a:t>1</a:t>
-            </a:r>
-            <a:endParaRPr lang="en-SG" sz="1100" dirty="0">
-              <a:solidFill>
-                <a:srgbClr val="7030A0"/>
-              </a:solidFill>
-            </a:endParaRPr>
-          </a:p>
-        </p:txBody>
-      </p:sp>
-      <p:sp>
-        <p:nvSpPr>
-          <p:cNvPr id="70" name="TextBox 69"/>
-          <p:cNvSpPr txBox="1"/>
-          <p:nvPr/>
-        </p:nvSpPr>
-        <p:spPr>
-          <a:xfrm>
-            <a:off x="6449896" y="3204826"/>
-            <a:ext cx="189257" cy="178683"/>
-          </a:xfrm>
-          <a:prstGeom prst="rect">
-            <a:avLst/>
-          </a:prstGeom>
-          <a:noFill/>
-        </p:spPr>
-        <p:txBody>
-          <a:bodyPr wrap="square" lIns="0" tIns="0" rIns="0" bIns="0" rtlCol="0">
-            <a:noAutofit/>
-          </a:bodyPr>
-          <a:lstStyle/>
-          <a:p>
-            <a:pPr algn="ctr"/>
-            <a:r>
-              <a:rPr lang="en-US" sz="1100" dirty="0">
-                <a:solidFill>
-                  <a:srgbClr val="7030A0"/>
-                </a:solidFill>
-              </a:rPr>
-              <a:t>1</a:t>
-            </a:r>
-            <a:endParaRPr lang="en-SG" sz="1100" dirty="0">
-              <a:solidFill>
-                <a:srgbClr val="7030A0"/>
-              </a:solidFill>
-            </a:endParaRPr>
-          </a:p>
-        </p:txBody>
-      </p:sp>
-      <p:sp>
-        <p:nvSpPr>
-          <p:cNvPr id="52" name="Rectangle 8">
+          <p:cNvPr id="55" name="Flowchart: Decision 96">
             <a:extLst>
               <a:ext uri="{FF2B5EF4-FFF2-40B4-BE49-F238E27FC236}">
-                <a16:creationId xmlns:a16="http://schemas.microsoft.com/office/drawing/2014/main" id="{ABDCDBD2-131A-4B66-A2F2-43BBEE82C773}"/>
+                <a16:creationId xmlns:a16="http://schemas.microsoft.com/office/drawing/2014/main" xmlns="" id="{B9F96195-942D-4692-91B7-CF34229E7461}"/>
               </a:ext>
             </a:extLst>
           </p:cNvPr>
@@ -5182,13 +5240,14 @@
           <p:nvPr/>
         </p:nvSpPr>
         <p:spPr>
-          <a:xfrm>
-            <a:off x="4755872" y="2206861"/>
-            <a:ext cx="1156969" cy="285783"/>
-          </a:xfrm>
-          <a:prstGeom prst="rect">
+          <a:xfrm rot="16200000">
+            <a:off x="6553482" y="2664721"/>
+            <a:ext cx="236048" cy="173380"/>
+          </a:xfrm>
+          <a:prstGeom prst="flowChartDecision">
             <a:avLst/>
           </a:prstGeom>
+          <a:noFill/>
           <a:ln w="19050">
             <a:solidFill>
               <a:srgbClr val="7030A0"/>
@@ -5198,13 +5257,13 @@
         </p:spPr>
         <p:style>
           <a:lnRef idx="1">
-            <a:schemeClr val="accent4"/>
+            <a:schemeClr val="accent6"/>
           </a:lnRef>
           <a:fillRef idx="2">
-            <a:schemeClr val="accent4"/>
+            <a:schemeClr val="accent6"/>
           </a:fillRef>
           <a:effectRef idx="1">
-            <a:schemeClr val="accent4"/>
+            <a:schemeClr val="accent6"/>
           </a:effectRef>
           <a:fontRef idx="minor">
             <a:schemeClr val="dk1"/>
@@ -5215,44 +5274,31 @@
           <a:lstStyle/>
           <a:p>
             <a:pPr algn="ctr"/>
-            <a:r>
-              <a:rPr lang="en-US" sz="1050" dirty="0" err="1">
-                <a:solidFill>
-                  <a:srgbClr val="7030A0"/>
-                </a:solidFill>
-              </a:rPr>
-              <a:t>UniqueTagList</a:t>
-            </a:r>
-            <a:endParaRPr lang="en-SG" sz="1050" dirty="0">
-              <a:solidFill>
-                <a:srgbClr val="7030A0"/>
-              </a:solidFill>
-            </a:endParaRPr>
+            <a:endParaRPr lang="en-US" sz="1050"/>
           </a:p>
         </p:txBody>
       </p:sp>
       <p:cxnSp>
         <p:nvCxnSpPr>
-          <p:cNvPr id="53" name="Elbow Connector 78">
+          <p:cNvPr id="59" name="Elbow Connector 63">
             <a:extLst>
               <a:ext uri="{FF2B5EF4-FFF2-40B4-BE49-F238E27FC236}">
-                <a16:creationId xmlns:a16="http://schemas.microsoft.com/office/drawing/2014/main" id="{B97967F8-618A-448B-81FD-CDFD4AF0EC64}"/>
+                <a16:creationId xmlns:a16="http://schemas.microsoft.com/office/drawing/2014/main" xmlns="" id="{E2D6A56C-A223-4236-A1F0-7EFEBA2FC940}"/>
               </a:ext>
             </a:extLst>
           </p:cNvPr>
           <p:cNvCxnSpPr>
             <a:cxnSpLocks/>
-            <a:stCxn id="54" idx="0"/>
-            <a:endCxn id="52" idx="1"/>
+            <a:endCxn id="67" idx="1"/>
           </p:cNvCxnSpPr>
           <p:nvPr/>
         </p:nvCxnSpPr>
         <p:spPr>
-          <a:xfrm rot="5400000" flipH="1" flipV="1">
-            <a:off x="4233181" y="2536174"/>
-            <a:ext cx="709111" cy="336271"/>
-          </a:xfrm>
-          <a:prstGeom prst="bentConnector2">
+          <a:xfrm flipV="1">
+            <a:off x="5884280" y="2233006"/>
+            <a:ext cx="432916" cy="111294"/>
+          </a:xfrm>
+          <a:prstGeom prst="bentConnector3">
             <a:avLst/>
           </a:prstGeom>
           <a:ln w="19050">
@@ -5281,10 +5327,72 @@
       </p:cxnSp>
       <p:sp>
         <p:nvSpPr>
-          <p:cNvPr id="50" name="TextBox 49">
+          <p:cNvPr id="67" name="Rectangle 8">
             <a:extLst>
               <a:ext uri="{FF2B5EF4-FFF2-40B4-BE49-F238E27FC236}">
-                <a16:creationId xmlns:a16="http://schemas.microsoft.com/office/drawing/2014/main" id="{B3FA9D57-880F-49C4-AD0B-A64E30D6F403}"/>
+                <a16:creationId xmlns:a16="http://schemas.microsoft.com/office/drawing/2014/main" xmlns="" id="{36D68104-33BB-4C8F-B764-F3F0B25E592B}"/>
+              </a:ext>
+            </a:extLst>
+          </p:cNvPr>
+          <p:cNvSpPr/>
+          <p:nvPr/>
+        </p:nvSpPr>
+        <p:spPr>
+          <a:xfrm>
+            <a:off x="6317196" y="2059626"/>
+            <a:ext cx="708186" cy="346760"/>
+          </a:xfrm>
+          <a:prstGeom prst="rect">
+            <a:avLst/>
+          </a:prstGeom>
+          <a:ln w="19050">
+            <a:solidFill>
+              <a:srgbClr val="7030A0"/>
+            </a:solidFill>
+          </a:ln>
+          <a:effectLst/>
+        </p:spPr>
+        <p:style>
+          <a:lnRef idx="1">
+            <a:schemeClr val="accent4"/>
+          </a:lnRef>
+          <a:fillRef idx="2">
+            <a:schemeClr val="accent4"/>
+          </a:fillRef>
+          <a:effectRef idx="1">
+            <a:schemeClr val="accent4"/>
+          </a:effectRef>
+          <a:fontRef idx="minor">
+            <a:schemeClr val="dk1"/>
+          </a:fontRef>
+        </p:style>
+        <p:txBody>
+          <a:bodyPr rtlCol="0" anchor="ctr"/>
+          <a:lstStyle/>
+          <a:p>
+            <a:pPr algn="ctr"/>
+            <a:r>
+              <a:rPr lang="en-US" sz="1050" dirty="0">
+                <a:solidFill>
+                  <a:srgbClr val="7030A0"/>
+                </a:solidFill>
+              </a:rPr>
+              <a:t>Tag</a:t>
+            </a:r>
+            <a:endParaRPr lang="en-SG" sz="1050" dirty="0">
+              <a:solidFill>
+                <a:srgbClr val="7030A0"/>
+              </a:solidFill>
+            </a:endParaRPr>
+          </a:p>
+        </p:txBody>
+      </p:sp>
+      <p:sp>
+        <p:nvSpPr>
+          <p:cNvPr id="68" name="TextBox 67">
+            <a:extLst>
+              <a:ext uri="{FF2B5EF4-FFF2-40B4-BE49-F238E27FC236}">
+                <a16:creationId xmlns:a16="http://schemas.microsoft.com/office/drawing/2014/main" xmlns="" id="{18A2ABF0-4DA8-43EE-BACE-A737C4E4CFEC}"/>
               </a:ext>
             </a:extLst>
           </p:cNvPr>
@@ -5293,7 +5401,7 @@
         </p:nvSpPr>
         <p:spPr>
           <a:xfrm>
-            <a:off x="6714344" y="2430721"/>
+            <a:off x="6135256" y="2278014"/>
             <a:ext cx="189257" cy="178683"/>
           </a:xfrm>
           <a:prstGeom prst="rect">
@@ -5326,10 +5434,55 @@
       </p:sp>
       <p:sp>
         <p:nvSpPr>
-          <p:cNvPr id="55" name="Flowchart: Decision 96">
+          <p:cNvPr id="69" name="TextBox 68">
             <a:extLst>
               <a:ext uri="{FF2B5EF4-FFF2-40B4-BE49-F238E27FC236}">
-                <a16:creationId xmlns:a16="http://schemas.microsoft.com/office/drawing/2014/main" id="{B9F96195-942D-4692-91B7-CF34229E7461}"/>
+                <a16:creationId xmlns:a16="http://schemas.microsoft.com/office/drawing/2014/main" xmlns="" id="{8CF9406A-39C7-4163-8880-BB65541FC08E}"/>
+              </a:ext>
+            </a:extLst>
+          </p:cNvPr>
+          <p:cNvSpPr txBox="1"/>
+          <p:nvPr/>
+        </p:nvSpPr>
+        <p:spPr>
+          <a:xfrm>
+            <a:off x="4367100" y="2172972"/>
+            <a:ext cx="189257" cy="178683"/>
+          </a:xfrm>
+          <a:prstGeom prst="rect">
+            <a:avLst/>
+          </a:prstGeom>
+          <a:noFill/>
+        </p:spPr>
+        <p:txBody>
+          <a:bodyPr wrap="square" lIns="0" tIns="0" rIns="0" bIns="0" rtlCol="0">
+            <a:noAutofit/>
+          </a:bodyPr>
+          <a:lstStyle/>
+          <a:p>
+            <a:pPr algn="ctr"/>
+            <a:r>
+              <a:rPr lang="en-US" sz="1100" dirty="0">
+                <a:solidFill>
+                  <a:srgbClr val="7030A0"/>
+                </a:solidFill>
+              </a:rPr>
+              <a:t>1</a:t>
+            </a:r>
+            <a:endParaRPr lang="en-SG" sz="1100" dirty="0">
+              <a:solidFill>
+                <a:srgbClr val="7030A0"/>
+              </a:solidFill>
+            </a:endParaRPr>
+          </a:p>
+        </p:txBody>
+      </p:sp>
+      <p:sp>
+        <p:nvSpPr>
+          <p:cNvPr id="71" name="Flowchart: Decision 96">
+            <a:extLst>
+              <a:ext uri="{FF2B5EF4-FFF2-40B4-BE49-F238E27FC236}">
+                <a16:creationId xmlns:a16="http://schemas.microsoft.com/office/drawing/2014/main" xmlns="" id="{233007D4-EEA2-4CA6-ACFE-1517B654224E}"/>
               </a:ext>
             </a:extLst>
           </p:cNvPr>
@@ -5337,14 +5490,16 @@
           <p:nvPr/>
         </p:nvSpPr>
         <p:spPr>
-          <a:xfrm rot="16200000">
-            <a:off x="6553482" y="2664721"/>
+          <a:xfrm>
+            <a:off x="5911329" y="2262081"/>
             <a:ext cx="236048" cy="173380"/>
           </a:xfrm>
           <a:prstGeom prst="flowChartDecision">
             <a:avLst/>
           </a:prstGeom>
-          <a:noFill/>
+          <a:solidFill>
+            <a:srgbClr val="7030A0"/>
+          </a:solidFill>
           <a:ln w="19050">
             <a:solidFill>
               <a:srgbClr val="7030A0"/>
@@ -5377,262 +5532,10 @@
       </p:sp>
       <p:cxnSp>
         <p:nvCxnSpPr>
-          <p:cNvPr id="59" name="Elbow Connector 63">
-            <a:extLst>
-              <a:ext uri="{FF2B5EF4-FFF2-40B4-BE49-F238E27FC236}">
-                <a16:creationId xmlns:a16="http://schemas.microsoft.com/office/drawing/2014/main" id="{E2D6A56C-A223-4236-A1F0-7EFEBA2FC940}"/>
-              </a:ext>
-            </a:extLst>
-          </p:cNvPr>
-          <p:cNvCxnSpPr>
-            <a:cxnSpLocks/>
-            <a:endCxn id="67" idx="1"/>
-          </p:cNvCxnSpPr>
-          <p:nvPr/>
-        </p:nvCxnSpPr>
-        <p:spPr>
-          <a:xfrm flipV="1">
-            <a:off x="5884280" y="2233006"/>
-            <a:ext cx="432916" cy="111294"/>
-          </a:xfrm>
-          <a:prstGeom prst="bentConnector3">
-            <a:avLst/>
-          </a:prstGeom>
-          <a:ln w="19050">
-            <a:solidFill>
-              <a:srgbClr val="7030A0"/>
-            </a:solidFill>
-            <a:headEnd type="none" w="med" len="med"/>
-            <a:tailEnd type="arrow" w="med" len="med"/>
-          </a:ln>
-          <a:effectLst/>
-        </p:spPr>
-        <p:style>
-          <a:lnRef idx="1">
-            <a:schemeClr val="accent2"/>
-          </a:lnRef>
-          <a:fillRef idx="2">
-            <a:schemeClr val="accent2"/>
-          </a:fillRef>
-          <a:effectRef idx="1">
-            <a:schemeClr val="accent2"/>
-          </a:effectRef>
-          <a:fontRef idx="minor">
-            <a:schemeClr val="dk1"/>
-          </a:fontRef>
-        </p:style>
-      </p:cxnSp>
-      <p:sp>
-        <p:nvSpPr>
-          <p:cNvPr id="67" name="Rectangle 8">
-            <a:extLst>
-              <a:ext uri="{FF2B5EF4-FFF2-40B4-BE49-F238E27FC236}">
-                <a16:creationId xmlns:a16="http://schemas.microsoft.com/office/drawing/2014/main" id="{36D68104-33BB-4C8F-B764-F3F0B25E592B}"/>
-              </a:ext>
-            </a:extLst>
-          </p:cNvPr>
-          <p:cNvSpPr/>
-          <p:nvPr/>
-        </p:nvSpPr>
-        <p:spPr>
-          <a:xfrm>
-            <a:off x="6317196" y="2059626"/>
-            <a:ext cx="708186" cy="346760"/>
-          </a:xfrm>
-          <a:prstGeom prst="rect">
-            <a:avLst/>
-          </a:prstGeom>
-          <a:ln w="19050">
-            <a:solidFill>
-              <a:srgbClr val="7030A0"/>
-            </a:solidFill>
-          </a:ln>
-          <a:effectLst/>
-        </p:spPr>
-        <p:style>
-          <a:lnRef idx="1">
-            <a:schemeClr val="accent4"/>
-          </a:lnRef>
-          <a:fillRef idx="2">
-            <a:schemeClr val="accent4"/>
-          </a:fillRef>
-          <a:effectRef idx="1">
-            <a:schemeClr val="accent4"/>
-          </a:effectRef>
-          <a:fontRef idx="minor">
-            <a:schemeClr val="dk1"/>
-          </a:fontRef>
-        </p:style>
-        <p:txBody>
-          <a:bodyPr rtlCol="0" anchor="ctr"/>
-          <a:lstStyle/>
-          <a:p>
-            <a:pPr algn="ctr"/>
-            <a:r>
-              <a:rPr lang="en-US" sz="1050" dirty="0">
-                <a:solidFill>
-                  <a:srgbClr val="7030A0"/>
-                </a:solidFill>
-              </a:rPr>
-              <a:t>Tag</a:t>
-            </a:r>
-            <a:endParaRPr lang="en-SG" sz="1050" dirty="0">
-              <a:solidFill>
-                <a:srgbClr val="7030A0"/>
-              </a:solidFill>
-            </a:endParaRPr>
-          </a:p>
-        </p:txBody>
-      </p:sp>
-      <p:sp>
-        <p:nvSpPr>
-          <p:cNvPr id="68" name="TextBox 67">
-            <a:extLst>
-              <a:ext uri="{FF2B5EF4-FFF2-40B4-BE49-F238E27FC236}">
-                <a16:creationId xmlns:a16="http://schemas.microsoft.com/office/drawing/2014/main" id="{18A2ABF0-4DA8-43EE-BACE-A737C4E4CFEC}"/>
-              </a:ext>
-            </a:extLst>
-          </p:cNvPr>
-          <p:cNvSpPr txBox="1"/>
-          <p:nvPr/>
-        </p:nvSpPr>
-        <p:spPr>
-          <a:xfrm>
-            <a:off x="6135256" y="2278014"/>
-            <a:ext cx="189257" cy="178683"/>
-          </a:xfrm>
-          <a:prstGeom prst="rect">
-            <a:avLst/>
-          </a:prstGeom>
-          <a:noFill/>
-        </p:spPr>
-        <p:txBody>
-          <a:bodyPr wrap="square" lIns="0" tIns="0" rIns="0" bIns="0" rtlCol="0">
-            <a:noAutofit/>
-          </a:bodyPr>
-          <a:lstStyle/>
-          <a:p>
-            <a:pPr algn="ctr"/>
-            <a:r>
-              <a:rPr lang="en-US" sz="1100" dirty="0">
-                <a:solidFill>
-                  <a:srgbClr val="7030A0"/>
-                </a:solidFill>
-              </a:rPr>
-              <a:t>*</a:t>
-            </a:r>
-            <a:endParaRPr lang="en-SG" sz="1100" dirty="0">
-              <a:solidFill>
-                <a:srgbClr val="7030A0"/>
-              </a:solidFill>
-            </a:endParaRPr>
-          </a:p>
-        </p:txBody>
-      </p:sp>
-      <p:sp>
-        <p:nvSpPr>
-          <p:cNvPr id="69" name="TextBox 68">
-            <a:extLst>
-              <a:ext uri="{FF2B5EF4-FFF2-40B4-BE49-F238E27FC236}">
-                <a16:creationId xmlns:a16="http://schemas.microsoft.com/office/drawing/2014/main" id="{8CF9406A-39C7-4163-8880-BB65541FC08E}"/>
-              </a:ext>
-            </a:extLst>
-          </p:cNvPr>
-          <p:cNvSpPr txBox="1"/>
-          <p:nvPr/>
-        </p:nvSpPr>
-        <p:spPr>
-          <a:xfrm>
-            <a:off x="4367100" y="2172972"/>
-            <a:ext cx="189257" cy="178683"/>
-          </a:xfrm>
-          <a:prstGeom prst="rect">
-            <a:avLst/>
-          </a:prstGeom>
-          <a:noFill/>
-        </p:spPr>
-        <p:txBody>
-          <a:bodyPr wrap="square" lIns="0" tIns="0" rIns="0" bIns="0" rtlCol="0">
-            <a:noAutofit/>
-          </a:bodyPr>
-          <a:lstStyle/>
-          <a:p>
-            <a:pPr algn="ctr"/>
-            <a:r>
-              <a:rPr lang="en-US" sz="1100" dirty="0">
-                <a:solidFill>
-                  <a:srgbClr val="7030A0"/>
-                </a:solidFill>
-              </a:rPr>
-              <a:t>1</a:t>
-            </a:r>
-            <a:endParaRPr lang="en-SG" sz="1100" dirty="0">
-              <a:solidFill>
-                <a:srgbClr val="7030A0"/>
-              </a:solidFill>
-            </a:endParaRPr>
-          </a:p>
-        </p:txBody>
-      </p:sp>
-      <p:sp>
-        <p:nvSpPr>
-          <p:cNvPr id="71" name="Flowchart: Decision 96">
-            <a:extLst>
-              <a:ext uri="{FF2B5EF4-FFF2-40B4-BE49-F238E27FC236}">
-                <a16:creationId xmlns:a16="http://schemas.microsoft.com/office/drawing/2014/main" id="{233007D4-EEA2-4CA6-ACFE-1517B654224E}"/>
-              </a:ext>
-            </a:extLst>
-          </p:cNvPr>
-          <p:cNvSpPr/>
-          <p:nvPr/>
-        </p:nvSpPr>
-        <p:spPr>
-          <a:xfrm>
-            <a:off x="5911329" y="2262081"/>
-            <a:ext cx="236048" cy="173380"/>
-          </a:xfrm>
-          <a:prstGeom prst="flowChartDecision">
-            <a:avLst/>
-          </a:prstGeom>
-          <a:solidFill>
-            <a:srgbClr val="7030A0"/>
-          </a:solidFill>
-          <a:ln w="19050">
-            <a:solidFill>
-              <a:srgbClr val="7030A0"/>
-            </a:solidFill>
-          </a:ln>
-          <a:effectLst/>
-        </p:spPr>
-        <p:style>
-          <a:lnRef idx="1">
-            <a:schemeClr val="accent6"/>
-          </a:lnRef>
-          <a:fillRef idx="2">
-            <a:schemeClr val="accent6"/>
-          </a:fillRef>
-          <a:effectRef idx="1">
-            <a:schemeClr val="accent6"/>
-          </a:effectRef>
-          <a:fontRef idx="minor">
-            <a:schemeClr val="dk1"/>
-          </a:fontRef>
-        </p:style>
-        <p:txBody>
-          <a:bodyPr rtlCol="0" anchor="ctr"/>
-          <a:lstStyle/>
-          <a:p>
-            <a:pPr algn="ctr"/>
-            <a:endParaRPr lang="en-US" sz="1050"/>
-          </a:p>
-        </p:txBody>
-      </p:sp>
-      <p:cxnSp>
-        <p:nvCxnSpPr>
           <p:cNvPr id="72" name="Elbow Connector 78">
             <a:extLst>
               <a:ext uri="{FF2B5EF4-FFF2-40B4-BE49-F238E27FC236}">
-                <a16:creationId xmlns:a16="http://schemas.microsoft.com/office/drawing/2014/main" id="{D5DFB8C5-B0B0-46C1-967B-4449112ABD6F}"/>
+                <a16:creationId xmlns:a16="http://schemas.microsoft.com/office/drawing/2014/main" xmlns="" id="{D5DFB8C5-B0B0-46C1-967B-4449112ABD6F}"/>
               </a:ext>
             </a:extLst>
           </p:cNvPr>
@@ -5824,12 +5727,12 @@
               </a:rPr>
             </a:br>
             <a:r>
-              <a:rPr lang="en-US" sz="1050" dirty="0" err="1">
+              <a:rPr lang="en-US" sz="1050" dirty="0" err="1" smtClean="0">
                 <a:solidFill>
                   <a:srgbClr val="7030A0"/>
                 </a:solidFill>
               </a:rPr>
-              <a:t>ReadOnlyAddressBook</a:t>
+              <a:t>ReadOnlyForumBook</a:t>
             </a:r>
             <a:endParaRPr lang="en-SG" sz="1050" dirty="0">
               <a:solidFill>
@@ -5880,12 +5783,20 @@
           <a:p>
             <a:pPr algn="ctr"/>
             <a:r>
-              <a:rPr lang="en-US" sz="1050" dirty="0" err="1">
+              <a:rPr lang="en-US" sz="1050" dirty="0" err="1" smtClean="0">
                 <a:solidFill>
                   <a:srgbClr val="7030A0"/>
                 </a:solidFill>
               </a:rPr>
-              <a:t>AddressBook</a:t>
+              <a:t>Forum</a:t>
+            </a:r>
+            <a:r>
+              <a:rPr lang="en-US" sz="1050" dirty="0" err="1" smtClean="0">
+                <a:solidFill>
+                  <a:srgbClr val="7030A0"/>
+                </a:solidFill>
+              </a:rPr>
+              <a:t>Book</a:t>
             </a:r>
             <a:endParaRPr lang="en-SG" sz="1050" dirty="0">
               <a:solidFill>
@@ -6001,6 +5912,13 @@
   <p:clrMapOvr>
     <a:masterClrMapping/>
   </p:clrMapOvr>
+  <p:timing>
+    <p:tnLst>
+      <p:par>
+        <p:cTn id="1" dur="indefinite" restart="never" nodeType="tmRoot"/>
+      </p:par>
+    </p:tnLst>
+  </p:timing>
 </p:sld>
 </file>
 

--- a/docs/diagrams/ModelComponentClassBetterOopDiagram.pptx
+++ b/docs/diagrams/ModelComponentClassBetterOopDiagram.pptx
@@ -208,7 +208,7 @@
           <a:p>
             <a:fld id="{F5CC4B3F-88C1-4FFA-B1B6-F41C21DC6924}" type="datetimeFigureOut">
               <a:rPr lang="en-US" smtClean="0"/>
-              <a:t>6/27/2018</a:t>
+              <a:t>10/16/18</a:t>
             </a:fld>
             <a:endParaRPr lang="en-US"/>
           </a:p>
@@ -654,7 +654,7 @@
           <a:p>
             <a:fld id="{78C97017-6FC3-485B-9764-EAC9E56C1D49}" type="datetimeFigureOut">
               <a:rPr lang="en-US" smtClean="0"/>
-              <a:t>6/27/2018</a:t>
+              <a:t>10/16/18</a:t>
             </a:fld>
             <a:endParaRPr lang="en-US"/>
           </a:p>
@@ -822,7 +822,7 @@
           <a:p>
             <a:fld id="{78C97017-6FC3-485B-9764-EAC9E56C1D49}" type="datetimeFigureOut">
               <a:rPr lang="en-US" smtClean="0"/>
-              <a:t>6/27/2018</a:t>
+              <a:t>10/16/18</a:t>
             </a:fld>
             <a:endParaRPr lang="en-US"/>
           </a:p>
@@ -1000,7 +1000,7 @@
           <a:p>
             <a:fld id="{78C97017-6FC3-485B-9764-EAC9E56C1D49}" type="datetimeFigureOut">
               <a:rPr lang="en-US" smtClean="0"/>
-              <a:t>6/27/2018</a:t>
+              <a:t>10/16/18</a:t>
             </a:fld>
             <a:endParaRPr lang="en-US"/>
           </a:p>
@@ -1168,7 +1168,7 @@
           <a:p>
             <a:fld id="{78C97017-6FC3-485B-9764-EAC9E56C1D49}" type="datetimeFigureOut">
               <a:rPr lang="en-US" smtClean="0"/>
-              <a:t>6/27/2018</a:t>
+              <a:t>10/16/18</a:t>
             </a:fld>
             <a:endParaRPr lang="en-US"/>
           </a:p>
@@ -1413,7 +1413,7 @@
           <a:p>
             <a:fld id="{78C97017-6FC3-485B-9764-EAC9E56C1D49}" type="datetimeFigureOut">
               <a:rPr lang="en-US" smtClean="0"/>
-              <a:t>6/27/2018</a:t>
+              <a:t>10/16/18</a:t>
             </a:fld>
             <a:endParaRPr lang="en-US"/>
           </a:p>
@@ -1698,7 +1698,7 @@
           <a:p>
             <a:fld id="{78C97017-6FC3-485B-9764-EAC9E56C1D49}" type="datetimeFigureOut">
               <a:rPr lang="en-US" smtClean="0"/>
-              <a:t>6/27/2018</a:t>
+              <a:t>10/16/18</a:t>
             </a:fld>
             <a:endParaRPr lang="en-US"/>
           </a:p>
@@ -2117,7 +2117,7 @@
           <a:p>
             <a:fld id="{78C97017-6FC3-485B-9764-EAC9E56C1D49}" type="datetimeFigureOut">
               <a:rPr lang="en-US" smtClean="0"/>
-              <a:t>6/27/2018</a:t>
+              <a:t>10/16/18</a:t>
             </a:fld>
             <a:endParaRPr lang="en-US"/>
           </a:p>
@@ -2234,7 +2234,7 @@
           <a:p>
             <a:fld id="{78C97017-6FC3-485B-9764-EAC9E56C1D49}" type="datetimeFigureOut">
               <a:rPr lang="en-US" smtClean="0"/>
-              <a:t>6/27/2018</a:t>
+              <a:t>10/16/18</a:t>
             </a:fld>
             <a:endParaRPr lang="en-US"/>
           </a:p>
@@ -2329,7 +2329,7 @@
           <a:p>
             <a:fld id="{78C97017-6FC3-485B-9764-EAC9E56C1D49}" type="datetimeFigureOut">
               <a:rPr lang="en-US" smtClean="0"/>
-              <a:t>6/27/2018</a:t>
+              <a:t>10/16/18</a:t>
             </a:fld>
             <a:endParaRPr lang="en-US"/>
           </a:p>
@@ -2604,7 +2604,7 @@
           <a:p>
             <a:fld id="{78C97017-6FC3-485B-9764-EAC9E56C1D49}" type="datetimeFigureOut">
               <a:rPr lang="en-US" smtClean="0"/>
-              <a:t>6/27/2018</a:t>
+              <a:t>10/16/18</a:t>
             </a:fld>
             <a:endParaRPr lang="en-US"/>
           </a:p>
@@ -2856,7 +2856,7 @@
           <a:p>
             <a:fld id="{78C97017-6FC3-485B-9764-EAC9E56C1D49}" type="datetimeFigureOut">
               <a:rPr lang="en-US" smtClean="0"/>
-              <a:t>6/27/2018</a:t>
+              <a:t>10/16/18</a:t>
             </a:fld>
             <a:endParaRPr lang="en-US"/>
           </a:p>
@@ -3067,7 +3067,7 @@
           <a:p>
             <a:fld id="{78C97017-6FC3-485B-9764-EAC9E56C1D49}" type="datetimeFigureOut">
               <a:rPr lang="en-US" smtClean="0"/>
-              <a:t>6/27/2018</a:t>
+              <a:t>10/16/18</a:t>
             </a:fld>
             <a:endParaRPr lang="en-US"/>
           </a:p>
@@ -3992,7 +3992,7 @@
           <a:p>
             <a:pPr algn="ctr"/>
             <a:r>
-              <a:rPr lang="en-US" sz="1050" dirty="0" err="1" smtClean="0">
+              <a:rPr lang="en-US" sz="1050" dirty="0" err="1">
                 <a:solidFill>
                   <a:srgbClr val="7030A0"/>
                 </a:solidFill>
@@ -4421,14 +4421,14 @@
           <a:p>
             <a:pPr algn="ctr"/>
             <a:r>
-              <a:rPr lang="en-US" sz="1050" dirty="0">
+              <a:rPr lang="en-US" sz="750" dirty="0">
                 <a:solidFill>
                   <a:srgbClr val="7030A0"/>
                 </a:solidFill>
               </a:rPr>
               <a:t>Name</a:t>
             </a:r>
-            <a:endParaRPr lang="en-SG" sz="1050" dirty="0">
+            <a:endParaRPr lang="en-SG" sz="750" dirty="0">
               <a:solidFill>
                 <a:srgbClr val="7030A0"/>
               </a:solidFill>
@@ -4564,14 +4564,14 @@
           <a:p>
             <a:pPr algn="ctr"/>
             <a:r>
-              <a:rPr lang="en-US" sz="1050" dirty="0">
+              <a:rPr lang="en-US" sz="750" dirty="0">
                 <a:solidFill>
                   <a:srgbClr val="7030A0"/>
                 </a:solidFill>
               </a:rPr>
               <a:t>Phone</a:t>
             </a:r>
-            <a:endParaRPr lang="en-SG" sz="1050" dirty="0">
+            <a:endParaRPr lang="en-SG" sz="750" dirty="0">
               <a:solidFill>
                 <a:srgbClr val="7030A0"/>
               </a:solidFill>
@@ -4661,14 +4661,14 @@
           <a:p>
             <a:pPr algn="ctr"/>
             <a:r>
-              <a:rPr lang="en-US" sz="1050" dirty="0">
+              <a:rPr lang="en-US" sz="750" dirty="0">
                 <a:solidFill>
                   <a:srgbClr val="7030A0"/>
                 </a:solidFill>
               </a:rPr>
               <a:t>Email</a:t>
             </a:r>
-            <a:endParaRPr lang="en-SG" sz="1050" dirty="0">
+            <a:endParaRPr lang="en-SG" sz="750" dirty="0">
               <a:solidFill>
                 <a:srgbClr val="7030A0"/>
               </a:solidFill>
@@ -4758,14 +4758,14 @@
           <a:p>
             <a:pPr algn="ctr"/>
             <a:r>
-              <a:rPr lang="en-US" sz="1050" dirty="0">
+              <a:rPr lang="en-US" sz="750" dirty="0">
                 <a:solidFill>
                   <a:srgbClr val="7030A0"/>
                 </a:solidFill>
               </a:rPr>
               <a:t>Address</a:t>
             </a:r>
-            <a:endParaRPr lang="en-SG" sz="1050" dirty="0">
+            <a:endParaRPr lang="en-SG" sz="750" dirty="0">
               <a:solidFill>
                 <a:srgbClr val="7030A0"/>
               </a:solidFill>
@@ -4900,14 +4900,6 @@
                 </a:solidFill>
               </a:rPr>
               <a:t>&lt;&lt;interface&gt;&gt;</a:t>
-            </a:r>
-            <a:r>
-              <a:rPr lang="en-US" sz="1050">
-                <a:solidFill>
-                  <a:srgbClr val="7030A0"/>
-                </a:solidFill>
-              </a:rPr>
-              <a:t/>
             </a:r>
             <a:br>
               <a:rPr lang="en-US" sz="1050">
@@ -5991,6 +5983,160 @@
           </a:fontRef>
         </p:style>
       </p:cxnSp>
+      <p:sp>
+        <p:nvSpPr>
+          <p:cNvPr id="56" name="Rectangle 8">
+            <a:extLst>
+              <a:ext uri="{FF2B5EF4-FFF2-40B4-BE49-F238E27FC236}">
+                <a16:creationId xmlns:a16="http://schemas.microsoft.com/office/drawing/2014/main" id="{189FCC6B-9B90-0446-9C53-F4E5F143E74F}"/>
+              </a:ext>
+            </a:extLst>
+          </p:cNvPr>
+          <p:cNvSpPr/>
+          <p:nvPr/>
+        </p:nvSpPr>
+        <p:spPr>
+          <a:xfrm>
+            <a:off x="7709338" y="2237286"/>
+            <a:ext cx="708186" cy="285783"/>
+          </a:xfrm>
+          <a:prstGeom prst="rect">
+            <a:avLst/>
+          </a:prstGeom>
+          <a:ln w="19050">
+            <a:solidFill>
+              <a:srgbClr val="7030A0"/>
+            </a:solidFill>
+          </a:ln>
+          <a:effectLst/>
+        </p:spPr>
+        <p:style>
+          <a:lnRef idx="1">
+            <a:schemeClr val="accent4"/>
+          </a:lnRef>
+          <a:fillRef idx="2">
+            <a:schemeClr val="accent4"/>
+          </a:fillRef>
+          <a:effectRef idx="1">
+            <a:schemeClr val="accent4"/>
+          </a:effectRef>
+          <a:fontRef idx="minor">
+            <a:schemeClr val="dk1"/>
+          </a:fontRef>
+        </p:style>
+        <p:txBody>
+          <a:bodyPr rtlCol="0" anchor="ctr"/>
+          <a:lstStyle/>
+          <a:p>
+            <a:pPr algn="ctr"/>
+            <a:r>
+              <a:rPr lang="en-US" sz="750" dirty="0" err="1">
+                <a:solidFill>
+                  <a:srgbClr val="7030A0"/>
+                </a:solidFill>
+              </a:rPr>
+              <a:t>EnrolledClass</a:t>
+            </a:r>
+            <a:endParaRPr lang="en-SG" sz="750" dirty="0">
+              <a:solidFill>
+                <a:srgbClr val="7030A0"/>
+              </a:solidFill>
+            </a:endParaRPr>
+          </a:p>
+        </p:txBody>
+      </p:sp>
+      <p:cxnSp>
+        <p:nvCxnSpPr>
+          <p:cNvPr id="6" name="Elbow Connector 5">
+            <a:extLst>
+              <a:ext uri="{FF2B5EF4-FFF2-40B4-BE49-F238E27FC236}">
+                <a16:creationId xmlns:a16="http://schemas.microsoft.com/office/drawing/2014/main" id="{E61B193B-4D2B-8F47-A6AF-BA767E451244}"/>
+              </a:ext>
+            </a:extLst>
+          </p:cNvPr>
+          <p:cNvCxnSpPr>
+            <a:stCxn id="78" idx="3"/>
+            <a:endCxn id="56" idx="1"/>
+          </p:cNvCxnSpPr>
+          <p:nvPr/>
+        </p:nvCxnSpPr>
+        <p:spPr>
+          <a:xfrm flipV="1">
+            <a:off x="7277995" y="2380178"/>
+            <a:ext cx="431343" cy="654713"/>
+          </a:xfrm>
+          <a:prstGeom prst="bentConnector3">
+            <a:avLst/>
+          </a:prstGeom>
+          <a:ln w="19050">
+            <a:solidFill>
+              <a:srgbClr val="7030A0"/>
+            </a:solidFill>
+            <a:headEnd type="none" w="med" len="med"/>
+            <a:tailEnd type="arrow" w="med" len="med"/>
+          </a:ln>
+          <a:effectLst/>
+        </p:spPr>
+        <p:style>
+          <a:lnRef idx="1">
+            <a:schemeClr val="accent2"/>
+          </a:lnRef>
+          <a:fillRef idx="2">
+            <a:schemeClr val="accent2"/>
+          </a:fillRef>
+          <a:effectRef idx="1">
+            <a:schemeClr val="accent2"/>
+          </a:effectRef>
+          <a:fontRef idx="minor">
+            <a:schemeClr val="dk1"/>
+          </a:fontRef>
+        </p:style>
+      </p:cxnSp>
+      <p:sp>
+        <p:nvSpPr>
+          <p:cNvPr id="60" name="TextBox 59">
+            <a:extLst>
+              <a:ext uri="{FF2B5EF4-FFF2-40B4-BE49-F238E27FC236}">
+                <a16:creationId xmlns:a16="http://schemas.microsoft.com/office/drawing/2014/main" id="{058B5FA9-7A55-3842-9144-5EB87D212ADF}"/>
+              </a:ext>
+            </a:extLst>
+          </p:cNvPr>
+          <p:cNvSpPr txBox="1"/>
+          <p:nvPr/>
+        </p:nvSpPr>
+        <p:spPr>
+          <a:xfrm>
+            <a:off x="7458905" y="2240908"/>
+            <a:ext cx="189257" cy="178683"/>
+          </a:xfrm>
+          <a:prstGeom prst="rect">
+            <a:avLst/>
+          </a:prstGeom>
+          <a:noFill/>
+        </p:spPr>
+        <p:txBody>
+          <a:bodyPr wrap="square" lIns="0" tIns="0" rIns="0" bIns="0" rtlCol="0">
+            <a:noAutofit/>
+          </a:bodyPr>
+          <a:lstStyle/>
+          <a:p>
+            <a:pPr algn="ctr"/>
+            <a:r>
+              <a:rPr lang="en-US" sz="1100" dirty="0">
+                <a:solidFill>
+                  <a:srgbClr val="7030A0"/>
+                </a:solidFill>
+              </a:rPr>
+              <a:t>*</a:t>
+            </a:r>
+            <a:endParaRPr lang="en-SG" sz="1100" dirty="0">
+              <a:solidFill>
+                <a:srgbClr val="7030A0"/>
+              </a:solidFill>
+            </a:endParaRPr>
+          </a:p>
+        </p:txBody>
+      </p:sp>
     </p:spTree>
     <p:extLst>
       <p:ext uri="{BB962C8B-B14F-4D97-AF65-F5344CB8AC3E}">

--- a/docs/diagrams/ModelComponentClassBetterOopDiagram.pptx
+++ b/docs/diagrams/ModelComponentClassBetterOopDiagram.pptx
@@ -208,7 +208,7 @@
           <a:p>
             <a:fld id="{F5CC4B3F-88C1-4FFA-B1B6-F41C21DC6924}" type="datetimeFigureOut">
               <a:rPr lang="en-US" smtClean="0"/>
-              <a:t>6/27/2018</a:t>
+              <a:t>10/16/2018</a:t>
             </a:fld>
             <a:endParaRPr lang="en-US"/>
           </a:p>
@@ -654,7 +654,7 @@
           <a:p>
             <a:fld id="{78C97017-6FC3-485B-9764-EAC9E56C1D49}" type="datetimeFigureOut">
               <a:rPr lang="en-US" smtClean="0"/>
-              <a:t>6/27/2018</a:t>
+              <a:t>10/16/2018</a:t>
             </a:fld>
             <a:endParaRPr lang="en-US"/>
           </a:p>
@@ -822,7 +822,7 @@
           <a:p>
             <a:fld id="{78C97017-6FC3-485B-9764-EAC9E56C1D49}" type="datetimeFigureOut">
               <a:rPr lang="en-US" smtClean="0"/>
-              <a:t>6/27/2018</a:t>
+              <a:t>10/16/2018</a:t>
             </a:fld>
             <a:endParaRPr lang="en-US"/>
           </a:p>
@@ -1000,7 +1000,7 @@
           <a:p>
             <a:fld id="{78C97017-6FC3-485B-9764-EAC9E56C1D49}" type="datetimeFigureOut">
               <a:rPr lang="en-US" smtClean="0"/>
-              <a:t>6/27/2018</a:t>
+              <a:t>10/16/2018</a:t>
             </a:fld>
             <a:endParaRPr lang="en-US"/>
           </a:p>
@@ -1168,7 +1168,7 @@
           <a:p>
             <a:fld id="{78C97017-6FC3-485B-9764-EAC9E56C1D49}" type="datetimeFigureOut">
               <a:rPr lang="en-US" smtClean="0"/>
-              <a:t>6/27/2018</a:t>
+              <a:t>10/16/2018</a:t>
             </a:fld>
             <a:endParaRPr lang="en-US"/>
           </a:p>
@@ -1413,7 +1413,7 @@
           <a:p>
             <a:fld id="{78C97017-6FC3-485B-9764-EAC9E56C1D49}" type="datetimeFigureOut">
               <a:rPr lang="en-US" smtClean="0"/>
-              <a:t>6/27/2018</a:t>
+              <a:t>10/16/2018</a:t>
             </a:fld>
             <a:endParaRPr lang="en-US"/>
           </a:p>
@@ -1698,7 +1698,7 @@
           <a:p>
             <a:fld id="{78C97017-6FC3-485B-9764-EAC9E56C1D49}" type="datetimeFigureOut">
               <a:rPr lang="en-US" smtClean="0"/>
-              <a:t>6/27/2018</a:t>
+              <a:t>10/16/2018</a:t>
             </a:fld>
             <a:endParaRPr lang="en-US"/>
           </a:p>
@@ -2117,7 +2117,7 @@
           <a:p>
             <a:fld id="{78C97017-6FC3-485B-9764-EAC9E56C1D49}" type="datetimeFigureOut">
               <a:rPr lang="en-US" smtClean="0"/>
-              <a:t>6/27/2018</a:t>
+              <a:t>10/16/2018</a:t>
             </a:fld>
             <a:endParaRPr lang="en-US"/>
           </a:p>
@@ -2234,7 +2234,7 @@
           <a:p>
             <a:fld id="{78C97017-6FC3-485B-9764-EAC9E56C1D49}" type="datetimeFigureOut">
               <a:rPr lang="en-US" smtClean="0"/>
-              <a:t>6/27/2018</a:t>
+              <a:t>10/16/2018</a:t>
             </a:fld>
             <a:endParaRPr lang="en-US"/>
           </a:p>
@@ -2329,7 +2329,7 @@
           <a:p>
             <a:fld id="{78C97017-6FC3-485B-9764-EAC9E56C1D49}" type="datetimeFigureOut">
               <a:rPr lang="en-US" smtClean="0"/>
-              <a:t>6/27/2018</a:t>
+              <a:t>10/16/2018</a:t>
             </a:fld>
             <a:endParaRPr lang="en-US"/>
           </a:p>
@@ -2604,7 +2604,7 @@
           <a:p>
             <a:fld id="{78C97017-6FC3-485B-9764-EAC9E56C1D49}" type="datetimeFigureOut">
               <a:rPr lang="en-US" smtClean="0"/>
-              <a:t>6/27/2018</a:t>
+              <a:t>10/16/2018</a:t>
             </a:fld>
             <a:endParaRPr lang="en-US"/>
           </a:p>
@@ -2856,7 +2856,7 @@
           <a:p>
             <a:fld id="{78C97017-6FC3-485B-9764-EAC9E56C1D49}" type="datetimeFigureOut">
               <a:rPr lang="en-US" smtClean="0"/>
-              <a:t>6/27/2018</a:t>
+              <a:t>10/16/2018</a:t>
             </a:fld>
             <a:endParaRPr lang="en-US"/>
           </a:p>
@@ -3067,7 +3067,7 @@
           <a:p>
             <a:fld id="{78C97017-6FC3-485B-9764-EAC9E56C1D49}" type="datetimeFigureOut">
               <a:rPr lang="en-US" smtClean="0"/>
-              <a:t>6/27/2018</a:t>
+              <a:t>10/16/2018</a:t>
             </a:fld>
             <a:endParaRPr lang="en-US"/>
           </a:p>
@@ -3992,7 +3992,7 @@
           <a:p>
             <a:pPr algn="ctr"/>
             <a:r>
-              <a:rPr lang="en-US" sz="1050" dirty="0" err="1" smtClean="0">
+              <a:rPr lang="en-US" sz="1050" dirty="0" err="1">
                 <a:solidFill>
                   <a:srgbClr val="7030A0"/>
                 </a:solidFill>
@@ -4900,14 +4900,6 @@
                 </a:solidFill>
               </a:rPr>
               <a:t>&lt;&lt;interface&gt;&gt;</a:t>
-            </a:r>
-            <a:r>
-              <a:rPr lang="en-US" sz="1050">
-                <a:solidFill>
-                  <a:srgbClr val="7030A0"/>
-                </a:solidFill>
-              </a:rPr>
-              <a:t/>
             </a:r>
             <a:br>
               <a:rPr lang="en-US" sz="1050">

--- a/docs/diagrams/ModelComponentClassBetterOopDiagram.pptx
+++ b/docs/diagrams/ModelComponentClassBetterOopDiagram.pptx
@@ -208,7 +208,7 @@
           <a:p>
             <a:fld id="{F5CC4B3F-88C1-4FFA-B1B6-F41C21DC6924}" type="datetimeFigureOut">
               <a:rPr lang="en-US" smtClean="0"/>
-              <a:t>10/16/18</a:t>
+              <a:t>10/23/18</a:t>
             </a:fld>
             <a:endParaRPr lang="en-US"/>
           </a:p>
@@ -654,7 +654,7 @@
           <a:p>
             <a:fld id="{78C97017-6FC3-485B-9764-EAC9E56C1D49}" type="datetimeFigureOut">
               <a:rPr lang="en-US" smtClean="0"/>
-              <a:t>10/16/18</a:t>
+              <a:t>10/23/18</a:t>
             </a:fld>
             <a:endParaRPr lang="en-US"/>
           </a:p>
@@ -822,7 +822,7 @@
           <a:p>
             <a:fld id="{78C97017-6FC3-485B-9764-EAC9E56C1D49}" type="datetimeFigureOut">
               <a:rPr lang="en-US" smtClean="0"/>
-              <a:t>10/16/18</a:t>
+              <a:t>10/23/18</a:t>
             </a:fld>
             <a:endParaRPr lang="en-US"/>
           </a:p>
@@ -1000,7 +1000,7 @@
           <a:p>
             <a:fld id="{78C97017-6FC3-485B-9764-EAC9E56C1D49}" type="datetimeFigureOut">
               <a:rPr lang="en-US" smtClean="0"/>
-              <a:t>10/16/18</a:t>
+              <a:t>10/23/18</a:t>
             </a:fld>
             <a:endParaRPr lang="en-US"/>
           </a:p>
@@ -1168,7 +1168,7 @@
           <a:p>
             <a:fld id="{78C97017-6FC3-485B-9764-EAC9E56C1D49}" type="datetimeFigureOut">
               <a:rPr lang="en-US" smtClean="0"/>
-              <a:t>10/16/18</a:t>
+              <a:t>10/23/18</a:t>
             </a:fld>
             <a:endParaRPr lang="en-US"/>
           </a:p>
@@ -1413,7 +1413,7 @@
           <a:p>
             <a:fld id="{78C97017-6FC3-485B-9764-EAC9E56C1D49}" type="datetimeFigureOut">
               <a:rPr lang="en-US" smtClean="0"/>
-              <a:t>10/16/18</a:t>
+              <a:t>10/23/18</a:t>
             </a:fld>
             <a:endParaRPr lang="en-US"/>
           </a:p>
@@ -1698,7 +1698,7 @@
           <a:p>
             <a:fld id="{78C97017-6FC3-485B-9764-EAC9E56C1D49}" type="datetimeFigureOut">
               <a:rPr lang="en-US" smtClean="0"/>
-              <a:t>10/16/18</a:t>
+              <a:t>10/23/18</a:t>
             </a:fld>
             <a:endParaRPr lang="en-US"/>
           </a:p>
@@ -2117,7 +2117,7 @@
           <a:p>
             <a:fld id="{78C97017-6FC3-485B-9764-EAC9E56C1D49}" type="datetimeFigureOut">
               <a:rPr lang="en-US" smtClean="0"/>
-              <a:t>10/16/18</a:t>
+              <a:t>10/23/18</a:t>
             </a:fld>
             <a:endParaRPr lang="en-US"/>
           </a:p>
@@ -2234,7 +2234,7 @@
           <a:p>
             <a:fld id="{78C97017-6FC3-485B-9764-EAC9E56C1D49}" type="datetimeFigureOut">
               <a:rPr lang="en-US" smtClean="0"/>
-              <a:t>10/16/18</a:t>
+              <a:t>10/23/18</a:t>
             </a:fld>
             <a:endParaRPr lang="en-US"/>
           </a:p>
@@ -2329,7 +2329,7 @@
           <a:p>
             <a:fld id="{78C97017-6FC3-485B-9764-EAC9E56C1D49}" type="datetimeFigureOut">
               <a:rPr lang="en-US" smtClean="0"/>
-              <a:t>10/16/18</a:t>
+              <a:t>10/23/18</a:t>
             </a:fld>
             <a:endParaRPr lang="en-US"/>
           </a:p>
@@ -2604,7 +2604,7 @@
           <a:p>
             <a:fld id="{78C97017-6FC3-485B-9764-EAC9E56C1D49}" type="datetimeFigureOut">
               <a:rPr lang="en-US" smtClean="0"/>
-              <a:t>10/16/18</a:t>
+              <a:t>10/23/18</a:t>
             </a:fld>
             <a:endParaRPr lang="en-US"/>
           </a:p>
@@ -2856,7 +2856,7 @@
           <a:p>
             <a:fld id="{78C97017-6FC3-485B-9764-EAC9E56C1D49}" type="datetimeFigureOut">
               <a:rPr lang="en-US" smtClean="0"/>
-              <a:t>10/16/18</a:t>
+              <a:t>10/23/18</a:t>
             </a:fld>
             <a:endParaRPr lang="en-US"/>
           </a:p>
@@ -3067,7 +3067,7 @@
           <a:p>
             <a:fld id="{78C97017-6FC3-485B-9764-EAC9E56C1D49}" type="datetimeFigureOut">
               <a:rPr lang="en-US" smtClean="0"/>
-              <a:t>10/16/18</a:t>
+              <a:t>10/23/18</a:t>
             </a:fld>
             <a:endParaRPr lang="en-US"/>
           </a:p>
@@ -6030,12 +6030,12 @@
           <a:p>
             <a:pPr algn="ctr"/>
             <a:r>
-              <a:rPr lang="en-US" sz="750" dirty="0" err="1">
+              <a:rPr lang="en-US" sz="600" dirty="0" err="1">
                 <a:solidFill>
                   <a:srgbClr val="7030A0"/>
                 </a:solidFill>
               </a:rPr>
-              <a:t>EnrolledClass</a:t>
+              <a:t>EnrolledModule</a:t>
             </a:r>
             <a:endParaRPr lang="en-SG" sz="750" dirty="0">
               <a:solidFill>

--- a/docs/diagrams/ModelComponentClassBetterOopDiagram.pptx
+++ b/docs/diagrams/ModelComponentClassBetterOopDiagram.pptx
@@ -208,7 +208,7 @@
           <a:p>
             <a:fld id="{F5CC4B3F-88C1-4FFA-B1B6-F41C21DC6924}" type="datetimeFigureOut">
               <a:rPr lang="en-US" smtClean="0"/>
-              <a:t>6/27/2018</a:t>
+              <a:t>11/2/18</a:t>
             </a:fld>
             <a:endParaRPr lang="en-US"/>
           </a:p>
@@ -654,7 +654,7 @@
           <a:p>
             <a:fld id="{78C97017-6FC3-485B-9764-EAC9E56C1D49}" type="datetimeFigureOut">
               <a:rPr lang="en-US" smtClean="0"/>
-              <a:t>6/27/2018</a:t>
+              <a:t>11/2/18</a:t>
             </a:fld>
             <a:endParaRPr lang="en-US"/>
           </a:p>
@@ -822,7 +822,7 @@
           <a:p>
             <a:fld id="{78C97017-6FC3-485B-9764-EAC9E56C1D49}" type="datetimeFigureOut">
               <a:rPr lang="en-US" smtClean="0"/>
-              <a:t>6/27/2018</a:t>
+              <a:t>11/2/18</a:t>
             </a:fld>
             <a:endParaRPr lang="en-US"/>
           </a:p>
@@ -1000,7 +1000,7 @@
           <a:p>
             <a:fld id="{78C97017-6FC3-485B-9764-EAC9E56C1D49}" type="datetimeFigureOut">
               <a:rPr lang="en-US" smtClean="0"/>
-              <a:t>6/27/2018</a:t>
+              <a:t>11/2/18</a:t>
             </a:fld>
             <a:endParaRPr lang="en-US"/>
           </a:p>
@@ -1168,7 +1168,7 @@
           <a:p>
             <a:fld id="{78C97017-6FC3-485B-9764-EAC9E56C1D49}" type="datetimeFigureOut">
               <a:rPr lang="en-US" smtClean="0"/>
-              <a:t>6/27/2018</a:t>
+              <a:t>11/2/18</a:t>
             </a:fld>
             <a:endParaRPr lang="en-US"/>
           </a:p>
@@ -1413,7 +1413,7 @@
           <a:p>
             <a:fld id="{78C97017-6FC3-485B-9764-EAC9E56C1D49}" type="datetimeFigureOut">
               <a:rPr lang="en-US" smtClean="0"/>
-              <a:t>6/27/2018</a:t>
+              <a:t>11/2/18</a:t>
             </a:fld>
             <a:endParaRPr lang="en-US"/>
           </a:p>
@@ -1698,7 +1698,7 @@
           <a:p>
             <a:fld id="{78C97017-6FC3-485B-9764-EAC9E56C1D49}" type="datetimeFigureOut">
               <a:rPr lang="en-US" smtClean="0"/>
-              <a:t>6/27/2018</a:t>
+              <a:t>11/2/18</a:t>
             </a:fld>
             <a:endParaRPr lang="en-US"/>
           </a:p>
@@ -2117,7 +2117,7 @@
           <a:p>
             <a:fld id="{78C97017-6FC3-485B-9764-EAC9E56C1D49}" type="datetimeFigureOut">
               <a:rPr lang="en-US" smtClean="0"/>
-              <a:t>6/27/2018</a:t>
+              <a:t>11/2/18</a:t>
             </a:fld>
             <a:endParaRPr lang="en-US"/>
           </a:p>
@@ -2234,7 +2234,7 @@
           <a:p>
             <a:fld id="{78C97017-6FC3-485B-9764-EAC9E56C1D49}" type="datetimeFigureOut">
               <a:rPr lang="en-US" smtClean="0"/>
-              <a:t>6/27/2018</a:t>
+              <a:t>11/2/18</a:t>
             </a:fld>
             <a:endParaRPr lang="en-US"/>
           </a:p>
@@ -2329,7 +2329,7 @@
           <a:p>
             <a:fld id="{78C97017-6FC3-485B-9764-EAC9E56C1D49}" type="datetimeFigureOut">
               <a:rPr lang="en-US" smtClean="0"/>
-              <a:t>6/27/2018</a:t>
+              <a:t>11/2/18</a:t>
             </a:fld>
             <a:endParaRPr lang="en-US"/>
           </a:p>
@@ -2604,7 +2604,7 @@
           <a:p>
             <a:fld id="{78C97017-6FC3-485B-9764-EAC9E56C1D49}" type="datetimeFigureOut">
               <a:rPr lang="en-US" smtClean="0"/>
-              <a:t>6/27/2018</a:t>
+              <a:t>11/2/18</a:t>
             </a:fld>
             <a:endParaRPr lang="en-US"/>
           </a:p>
@@ -2856,7 +2856,7 @@
           <a:p>
             <a:fld id="{78C97017-6FC3-485B-9764-EAC9E56C1D49}" type="datetimeFigureOut">
               <a:rPr lang="en-US" smtClean="0"/>
-              <a:t>6/27/2018</a:t>
+              <a:t>11/2/18</a:t>
             </a:fld>
             <a:endParaRPr lang="en-US"/>
           </a:p>
@@ -3067,7 +3067,7 @@
           <a:p>
             <a:fld id="{78C97017-6FC3-485B-9764-EAC9E56C1D49}" type="datetimeFigureOut">
               <a:rPr lang="en-US" smtClean="0"/>
-              <a:t>6/27/2018</a:t>
+              <a:t>11/2/18</a:t>
             </a:fld>
             <a:endParaRPr lang="en-US"/>
           </a:p>
@@ -3992,14 +3992,14 @@
           <a:p>
             <a:pPr algn="ctr"/>
             <a:r>
-              <a:rPr lang="en-US" sz="1050" dirty="0" err="1" smtClean="0">
+              <a:rPr lang="en-US" sz="900" dirty="0" err="1">
                 <a:solidFill>
                   <a:srgbClr val="7030A0"/>
                 </a:solidFill>
               </a:rPr>
-              <a:t>VersionedAddressBook</a:t>
-            </a:r>
-            <a:endParaRPr lang="en-SG" sz="1050" dirty="0">
+              <a:t>VersionedEventManager</a:t>
+            </a:r>
+            <a:endParaRPr lang="en-SG" sz="900" dirty="0">
               <a:solidFill>
                 <a:srgbClr val="7030A0"/>
               </a:solidFill>
@@ -4139,7 +4139,7 @@
                   <a:srgbClr val="7030A0"/>
                 </a:solidFill>
               </a:rPr>
-              <a:t>UniquePersonList</a:t>
+              <a:t>UniqueEventList</a:t>
             </a:r>
             <a:endParaRPr lang="en-SG" sz="1050" dirty="0">
               <a:solidFill>
@@ -4283,7 +4283,7 @@
                   <a:srgbClr val="7030A0"/>
                 </a:solidFill>
               </a:rPr>
-              <a:t>Person</a:t>
+              <a:t>Event</a:t>
             </a:r>
             <a:endParaRPr lang="en-SG" sz="1050" dirty="0">
               <a:solidFill>
@@ -4900,14 +4900,6 @@
                 </a:solidFill>
               </a:rPr>
               <a:t>&lt;&lt;interface&gt;&gt;</a:t>
-            </a:r>
-            <a:r>
-              <a:rPr lang="en-US" sz="1050">
-                <a:solidFill>
-                  <a:srgbClr val="7030A0"/>
-                </a:solidFill>
-              </a:rPr>
-              <a:t/>
             </a:r>
             <a:br>
               <a:rPr lang="en-US" sz="1050">
@@ -5809,7 +5801,7 @@
           <a:p>
             <a:pPr algn="ctr"/>
             <a:r>
-              <a:rPr lang="en-US" sz="1050" dirty="0">
+              <a:rPr lang="en-US" sz="1000" dirty="0">
                 <a:solidFill>
                   <a:srgbClr val="7030A0"/>
                 </a:solidFill>
@@ -5817,21 +5809,21 @@
               <a:t>&lt;&lt;interface&gt;&gt;</a:t>
             </a:r>
             <a:br>
-              <a:rPr lang="en-US" sz="1050" dirty="0">
+              <a:rPr lang="en-US" sz="1000" dirty="0">
                 <a:solidFill>
                   <a:srgbClr val="7030A0"/>
                 </a:solidFill>
               </a:rPr>
             </a:br>
             <a:r>
-              <a:rPr lang="en-US" sz="1050" dirty="0" err="1">
+              <a:rPr lang="en-US" sz="1000" dirty="0" err="1">
                 <a:solidFill>
                   <a:srgbClr val="7030A0"/>
                 </a:solidFill>
               </a:rPr>
-              <a:t>ReadOnlyAddressBook</a:t>
-            </a:r>
-            <a:endParaRPr lang="en-SG" sz="1050" dirty="0">
+              <a:t>ReadOnlyEventManager</a:t>
+            </a:r>
+            <a:endParaRPr lang="en-SG" sz="1000" dirty="0">
               <a:solidFill>
                 <a:srgbClr val="7030A0"/>
               </a:solidFill>
@@ -5885,7 +5877,7 @@
                   <a:srgbClr val="7030A0"/>
                 </a:solidFill>
               </a:rPr>
-              <a:t>AddressBook</a:t>
+              <a:t>EventManager</a:t>
             </a:r>
             <a:endParaRPr lang="en-SG" sz="1050" dirty="0">
               <a:solidFill>

--- a/docs/diagrams/ModelComponentClassBetterOopDiagram.pptx
+++ b/docs/diagrams/ModelComponentClassBetterOopDiagram.pptx
@@ -208,7 +208,7 @@
           <a:p>
             <a:fld id="{F5CC4B3F-88C1-4FFA-B1B6-F41C21DC6924}" type="datetimeFigureOut">
               <a:rPr lang="en-US" smtClean="0"/>
-              <a:t>6/27/2018</a:t>
+              <a:t>11/7/2018</a:t>
             </a:fld>
             <a:endParaRPr lang="en-US"/>
           </a:p>
@@ -654,7 +654,7 @@
           <a:p>
             <a:fld id="{78C97017-6FC3-485B-9764-EAC9E56C1D49}" type="datetimeFigureOut">
               <a:rPr lang="en-US" smtClean="0"/>
-              <a:t>6/27/2018</a:t>
+              <a:t>11/7/2018</a:t>
             </a:fld>
             <a:endParaRPr lang="en-US"/>
           </a:p>
@@ -822,7 +822,7 @@
           <a:p>
             <a:fld id="{78C97017-6FC3-485B-9764-EAC9E56C1D49}" type="datetimeFigureOut">
               <a:rPr lang="en-US" smtClean="0"/>
-              <a:t>6/27/2018</a:t>
+              <a:t>11/7/2018</a:t>
             </a:fld>
             <a:endParaRPr lang="en-US"/>
           </a:p>
@@ -1000,7 +1000,7 @@
           <a:p>
             <a:fld id="{78C97017-6FC3-485B-9764-EAC9E56C1D49}" type="datetimeFigureOut">
               <a:rPr lang="en-US" smtClean="0"/>
-              <a:t>6/27/2018</a:t>
+              <a:t>11/7/2018</a:t>
             </a:fld>
             <a:endParaRPr lang="en-US"/>
           </a:p>
@@ -1168,7 +1168,7 @@
           <a:p>
             <a:fld id="{78C97017-6FC3-485B-9764-EAC9E56C1D49}" type="datetimeFigureOut">
               <a:rPr lang="en-US" smtClean="0"/>
-              <a:t>6/27/2018</a:t>
+              <a:t>11/7/2018</a:t>
             </a:fld>
             <a:endParaRPr lang="en-US"/>
           </a:p>
@@ -1413,7 +1413,7 @@
           <a:p>
             <a:fld id="{78C97017-6FC3-485B-9764-EAC9E56C1D49}" type="datetimeFigureOut">
               <a:rPr lang="en-US" smtClean="0"/>
-              <a:t>6/27/2018</a:t>
+              <a:t>11/7/2018</a:t>
             </a:fld>
             <a:endParaRPr lang="en-US"/>
           </a:p>
@@ -1698,7 +1698,7 @@
           <a:p>
             <a:fld id="{78C97017-6FC3-485B-9764-EAC9E56C1D49}" type="datetimeFigureOut">
               <a:rPr lang="en-US" smtClean="0"/>
-              <a:t>6/27/2018</a:t>
+              <a:t>11/7/2018</a:t>
             </a:fld>
             <a:endParaRPr lang="en-US"/>
           </a:p>
@@ -2117,7 +2117,7 @@
           <a:p>
             <a:fld id="{78C97017-6FC3-485B-9764-EAC9E56C1D49}" type="datetimeFigureOut">
               <a:rPr lang="en-US" smtClean="0"/>
-              <a:t>6/27/2018</a:t>
+              <a:t>11/7/2018</a:t>
             </a:fld>
             <a:endParaRPr lang="en-US"/>
           </a:p>
@@ -2234,7 +2234,7 @@
           <a:p>
             <a:fld id="{78C97017-6FC3-485B-9764-EAC9E56C1D49}" type="datetimeFigureOut">
               <a:rPr lang="en-US" smtClean="0"/>
-              <a:t>6/27/2018</a:t>
+              <a:t>11/7/2018</a:t>
             </a:fld>
             <a:endParaRPr lang="en-US"/>
           </a:p>
@@ -2329,7 +2329,7 @@
           <a:p>
             <a:fld id="{78C97017-6FC3-485B-9764-EAC9E56C1D49}" type="datetimeFigureOut">
               <a:rPr lang="en-US" smtClean="0"/>
-              <a:t>6/27/2018</a:t>
+              <a:t>11/7/2018</a:t>
             </a:fld>
             <a:endParaRPr lang="en-US"/>
           </a:p>
@@ -2604,7 +2604,7 @@
           <a:p>
             <a:fld id="{78C97017-6FC3-485B-9764-EAC9E56C1D49}" type="datetimeFigureOut">
               <a:rPr lang="en-US" smtClean="0"/>
-              <a:t>6/27/2018</a:t>
+              <a:t>11/7/2018</a:t>
             </a:fld>
             <a:endParaRPr lang="en-US"/>
           </a:p>
@@ -2856,7 +2856,7 @@
           <a:p>
             <a:fld id="{78C97017-6FC3-485B-9764-EAC9E56C1D49}" type="datetimeFigureOut">
               <a:rPr lang="en-US" smtClean="0"/>
-              <a:t>6/27/2018</a:t>
+              <a:t>11/7/2018</a:t>
             </a:fld>
             <a:endParaRPr lang="en-US"/>
           </a:p>
@@ -3067,7 +3067,7 @@
           <a:p>
             <a:fld id="{78C97017-6FC3-485B-9764-EAC9E56C1D49}" type="datetimeFigureOut">
               <a:rPr lang="en-US" smtClean="0"/>
-              <a:t>6/27/2018</a:t>
+              <a:t>11/7/2018</a:t>
             </a:fld>
             <a:endParaRPr lang="en-US"/>
           </a:p>
@@ -3444,14 +3444,20 @@
       </p:grpSpPr>
       <p:sp>
         <p:nvSpPr>
-          <p:cNvPr id="118" name="Rectangle 65"/>
+          <p:cNvPr id="177" name="Rectangle 65">
+            <a:extLst>
+              <a:ext uri="{FF2B5EF4-FFF2-40B4-BE49-F238E27FC236}">
+                <a16:creationId xmlns:a16="http://schemas.microsoft.com/office/drawing/2014/main" id="{67529DD1-621F-456C-920C-09512B2B36B5}"/>
+              </a:ext>
+            </a:extLst>
+          </p:cNvPr>
           <p:cNvSpPr/>
           <p:nvPr/>
         </p:nvSpPr>
         <p:spPr>
           <a:xfrm>
-            <a:off x="1119865" y="1676400"/>
-            <a:ext cx="7490735" cy="3059747"/>
+            <a:off x="1119865" y="1318280"/>
+            <a:ext cx="7719335" cy="4777720"/>
           </a:xfrm>
           <a:prstGeom prst="roundRect">
             <a:avLst>
@@ -3505,13 +3511,19 @@
       </p:sp>
       <p:sp>
         <p:nvSpPr>
-          <p:cNvPr id="2" name="Rectangle 8"/>
+          <p:cNvPr id="178" name="Rectangle 8">
+            <a:extLst>
+              <a:ext uri="{FF2B5EF4-FFF2-40B4-BE49-F238E27FC236}">
+                <a16:creationId xmlns:a16="http://schemas.microsoft.com/office/drawing/2014/main" id="{5DCB2EDE-98F0-4E5D-BBC1-6D50A9DF6924}"/>
+              </a:ext>
+            </a:extLst>
+          </p:cNvPr>
           <p:cNvSpPr/>
           <p:nvPr/>
         </p:nvSpPr>
         <p:spPr>
           <a:xfrm>
-            <a:off x="2877180" y="3463240"/>
+            <a:off x="2877180" y="3405461"/>
             <a:ext cx="1093635" cy="346760"/>
           </a:xfrm>
           <a:prstGeom prst="rect">
@@ -3564,14 +3576,20 @@
       </p:sp>
       <p:sp>
         <p:nvSpPr>
-          <p:cNvPr id="9" name="Rectangle 62"/>
+          <p:cNvPr id="179" name="Rectangle 62">
+            <a:extLst>
+              <a:ext uri="{FF2B5EF4-FFF2-40B4-BE49-F238E27FC236}">
+                <a16:creationId xmlns:a16="http://schemas.microsoft.com/office/drawing/2014/main" id="{CDC84C9A-4DCE-4CB9-9A86-92D7FDD3330E}"/>
+              </a:ext>
+            </a:extLst>
+          </p:cNvPr>
           <p:cNvSpPr/>
           <p:nvPr/>
         </p:nvSpPr>
         <p:spPr>
           <a:xfrm rot="16200000">
-            <a:off x="1661548" y="3097750"/>
-            <a:ext cx="1093635" cy="346760"/>
+            <a:off x="1175298" y="3347454"/>
+            <a:ext cx="2066136" cy="346760"/>
           </a:xfrm>
           <a:prstGeom prst="rect">
             <a:avLst/>
@@ -3623,21 +3641,26 @@
       </p:sp>
       <p:cxnSp>
         <p:nvCxnSpPr>
-          <p:cNvPr id="107" name="Elbow Connector 106"/>
+          <p:cNvPr id="180" name="Elbow Connector 106">
+            <a:extLst>
+              <a:ext uri="{FF2B5EF4-FFF2-40B4-BE49-F238E27FC236}">
+                <a16:creationId xmlns:a16="http://schemas.microsoft.com/office/drawing/2014/main" id="{965A248B-D92F-462C-98A7-AE9ABDB59442}"/>
+              </a:ext>
+            </a:extLst>
+          </p:cNvPr>
           <p:cNvCxnSpPr>
             <a:cxnSpLocks/>
+            <a:endCxn id="192" idx="2"/>
           </p:cNvCxnSpPr>
           <p:nvPr/>
         </p:nvCxnSpPr>
         <p:spPr>
-          <a:xfrm rot="5400000" flipH="1" flipV="1">
-            <a:off x="4155901" y="1308943"/>
-            <a:ext cx="613122" cy="4459404"/>
-          </a:xfrm>
-          <a:prstGeom prst="bentConnector3">
-            <a:avLst>
-              <a:gd name="adj1" fmla="val -26668"/>
-            </a:avLst>
+          <a:xfrm flipV="1">
+            <a:off x="2220076" y="3072520"/>
+            <a:ext cx="4447694" cy="192452"/>
+          </a:xfrm>
+          <a:prstGeom prst="bentConnector2">
+            <a:avLst/>
           </a:prstGeom>
           <a:ln w="19050">
             <a:solidFill>
@@ -3666,7 +3689,13 @@
       </p:cxnSp>
       <p:sp>
         <p:nvSpPr>
-          <p:cNvPr id="119" name="Rectangle 62"/>
+          <p:cNvPr id="181" name="Rectangle 62">
+            <a:extLst>
+              <a:ext uri="{FF2B5EF4-FFF2-40B4-BE49-F238E27FC236}">
+                <a16:creationId xmlns:a16="http://schemas.microsoft.com/office/drawing/2014/main" id="{0CB37032-92A9-4BDD-8CEB-56BC5B55F9F1}"/>
+              </a:ext>
+            </a:extLst>
+          </p:cNvPr>
           <p:cNvSpPr/>
           <p:nvPr/>
         </p:nvSpPr>
@@ -3736,7 +3765,13 @@
       </p:sp>
       <p:sp>
         <p:nvSpPr>
-          <p:cNvPr id="120" name="Isosceles Triangle 102"/>
+          <p:cNvPr id="182" name="Isosceles Triangle 102">
+            <a:extLst>
+              <a:ext uri="{FF2B5EF4-FFF2-40B4-BE49-F238E27FC236}">
+                <a16:creationId xmlns:a16="http://schemas.microsoft.com/office/drawing/2014/main" id="{CB751D11-75DA-4C3C-9215-4406D8BCF876}"/>
+              </a:ext>
+            </a:extLst>
+          </p:cNvPr>
           <p:cNvSpPr/>
           <p:nvPr/>
         </p:nvSpPr>
@@ -3783,16 +3818,22 @@
       </p:sp>
       <p:cxnSp>
         <p:nvCxnSpPr>
-          <p:cNvPr id="58" name="Straight Arrow Connector 57"/>
+          <p:cNvPr id="183" name="Straight Arrow Connector 182">
+            <a:extLst>
+              <a:ext uri="{FF2B5EF4-FFF2-40B4-BE49-F238E27FC236}">
+                <a16:creationId xmlns:a16="http://schemas.microsoft.com/office/drawing/2014/main" id="{7B8263C1-6F1B-43D6-B764-DDD2FE1FAF00}"/>
+              </a:ext>
+            </a:extLst>
+          </p:cNvPr>
           <p:cNvCxnSpPr>
-            <a:stCxn id="42" idx="3"/>
-            <a:endCxn id="2" idx="1"/>
+            <a:stCxn id="186" idx="3"/>
+            <a:endCxn id="178" idx="1"/>
           </p:cNvCxnSpPr>
           <p:nvPr/>
         </p:nvCxnSpPr>
         <p:spPr>
           <a:xfrm>
-            <a:off x="2609828" y="3636620"/>
+            <a:off x="2609828" y="3578841"/>
             <a:ext cx="267352" cy="0"/>
           </a:xfrm>
           <a:prstGeom prst="straightConnector1">
@@ -3824,7 +3865,13 @@
       </p:cxnSp>
       <p:cxnSp>
         <p:nvCxnSpPr>
-          <p:cNvPr id="75" name="Elbow Connector 122"/>
+          <p:cNvPr id="184" name="Elbow Connector 122">
+            <a:extLst>
+              <a:ext uri="{FF2B5EF4-FFF2-40B4-BE49-F238E27FC236}">
+                <a16:creationId xmlns:a16="http://schemas.microsoft.com/office/drawing/2014/main" id="{04F2E7FF-45B4-4A79-8B6C-2AB82BEF5D0D}"/>
+              </a:ext>
+            </a:extLst>
+          </p:cNvPr>
           <p:cNvCxnSpPr/>
           <p:nvPr/>
         </p:nvCxnSpPr>
@@ -3867,9 +3914,15 @@
       </p:cxnSp>
       <p:cxnSp>
         <p:nvCxnSpPr>
-          <p:cNvPr id="21" name="Straight Connector 20"/>
+          <p:cNvPr id="185" name="Straight Connector 184">
+            <a:extLst>
+              <a:ext uri="{FF2B5EF4-FFF2-40B4-BE49-F238E27FC236}">
+                <a16:creationId xmlns:a16="http://schemas.microsoft.com/office/drawing/2014/main" id="{F7F9ACD8-61B9-4D94-B88F-71409D08086E}"/>
+              </a:ext>
+            </a:extLst>
+          </p:cNvPr>
           <p:cNvCxnSpPr>
-            <a:stCxn id="120" idx="3"/>
+            <a:stCxn id="182" idx="3"/>
           </p:cNvCxnSpPr>
           <p:nvPr/>
         </p:nvCxnSpPr>
@@ -3908,13 +3961,19 @@
       </p:cxnSp>
       <p:sp>
         <p:nvSpPr>
-          <p:cNvPr id="42" name="Flowchart: Decision 96"/>
+          <p:cNvPr id="186" name="Flowchart: Decision 96">
+            <a:extLst>
+              <a:ext uri="{FF2B5EF4-FFF2-40B4-BE49-F238E27FC236}">
+                <a16:creationId xmlns:a16="http://schemas.microsoft.com/office/drawing/2014/main" id="{5F48B114-522B-439A-B6B7-2F6103DD5BD3}"/>
+              </a:ext>
+            </a:extLst>
+          </p:cNvPr>
           <p:cNvSpPr/>
           <p:nvPr/>
         </p:nvSpPr>
         <p:spPr>
           <a:xfrm>
-            <a:off x="2373780" y="3549930"/>
+            <a:off x="2373780" y="3492151"/>
             <a:ext cx="236048" cy="173380"/>
           </a:xfrm>
           <a:prstGeom prst="flowChartDecision">
@@ -3953,14 +4012,20 @@
       </p:sp>
       <p:sp>
         <p:nvSpPr>
-          <p:cNvPr id="46" name="Rectangle 8"/>
+          <p:cNvPr id="187" name="Rectangle 8">
+            <a:extLst>
+              <a:ext uri="{FF2B5EF4-FFF2-40B4-BE49-F238E27FC236}">
+                <a16:creationId xmlns:a16="http://schemas.microsoft.com/office/drawing/2014/main" id="{E22EB20F-9122-4F7A-8C54-50FDF8BF5AF8}"/>
+              </a:ext>
+            </a:extLst>
+          </p:cNvPr>
           <p:cNvSpPr/>
           <p:nvPr/>
         </p:nvSpPr>
         <p:spPr>
           <a:xfrm>
-            <a:off x="2786406" y="2834911"/>
-            <a:ext cx="1447688" cy="346760"/>
+            <a:off x="2825280" y="2713856"/>
+            <a:ext cx="1490560" cy="334856"/>
           </a:xfrm>
           <a:prstGeom prst="rect">
             <a:avLst/>
@@ -3992,7 +4057,7 @@
           <a:p>
             <a:pPr algn="ctr"/>
             <a:r>
-              <a:rPr lang="en-US" sz="1050" dirty="0" err="1" smtClean="0">
+              <a:rPr lang="en-US" sz="1050" dirty="0" err="1">
                 <a:solidFill>
                   <a:srgbClr val="7030A0"/>
                 </a:solidFill>
@@ -4009,17 +4074,23 @@
       </p:sp>
       <p:cxnSp>
         <p:nvCxnSpPr>
-          <p:cNvPr id="47" name="Straight Arrow Connector 46"/>
+          <p:cNvPr id="188" name="Straight Arrow Connector 187">
+            <a:extLst>
+              <a:ext uri="{FF2B5EF4-FFF2-40B4-BE49-F238E27FC236}">
+                <a16:creationId xmlns:a16="http://schemas.microsoft.com/office/drawing/2014/main" id="{8DC12CEB-C051-4B43-A45B-ED44B0F6CC9D}"/>
+              </a:ext>
+            </a:extLst>
+          </p:cNvPr>
           <p:cNvCxnSpPr>
-            <a:stCxn id="48" idx="3"/>
-            <a:endCxn id="46" idx="1"/>
+            <a:stCxn id="189" idx="3"/>
+            <a:endCxn id="187" idx="1"/>
           </p:cNvCxnSpPr>
           <p:nvPr/>
         </p:nvCxnSpPr>
         <p:spPr>
           <a:xfrm>
-            <a:off x="2624360" y="3003033"/>
-            <a:ext cx="162046" cy="5258"/>
+            <a:off x="2624360" y="2870727"/>
+            <a:ext cx="200920" cy="10557"/>
           </a:xfrm>
           <a:prstGeom prst="straightConnector1">
             <a:avLst/>
@@ -4050,13 +4121,19 @@
       </p:cxnSp>
       <p:sp>
         <p:nvSpPr>
-          <p:cNvPr id="48" name="Flowchart: Decision 96"/>
+          <p:cNvPr id="189" name="Flowchart: Decision 96">
+            <a:extLst>
+              <a:ext uri="{FF2B5EF4-FFF2-40B4-BE49-F238E27FC236}">
+                <a16:creationId xmlns:a16="http://schemas.microsoft.com/office/drawing/2014/main" id="{AF5E970E-DACC-4D7B-BB30-3E470C5CF3C4}"/>
+              </a:ext>
+            </a:extLst>
+          </p:cNvPr>
           <p:cNvSpPr/>
           <p:nvPr/>
         </p:nvSpPr>
         <p:spPr>
           <a:xfrm>
-            <a:off x="2388312" y="2916343"/>
+            <a:off x="2388312" y="2784037"/>
             <a:ext cx="236048" cy="173380"/>
           </a:xfrm>
           <a:prstGeom prst="flowChartDecision">
@@ -4095,13 +4172,19 @@
       </p:sp>
       <p:sp>
         <p:nvSpPr>
-          <p:cNvPr id="49" name="Rectangle 8"/>
+          <p:cNvPr id="190" name="Rectangle 8">
+            <a:extLst>
+              <a:ext uri="{FF2B5EF4-FFF2-40B4-BE49-F238E27FC236}">
+                <a16:creationId xmlns:a16="http://schemas.microsoft.com/office/drawing/2014/main" id="{F6E321C6-9A3D-4BD4-8DDF-E8CD604D5FEF}"/>
+              </a:ext>
+            </a:extLst>
+          </p:cNvPr>
           <p:cNvSpPr/>
           <p:nvPr/>
         </p:nvSpPr>
         <p:spPr>
           <a:xfrm>
-            <a:off x="4762209" y="2863434"/>
+            <a:off x="4692650" y="2713856"/>
             <a:ext cx="1156969" cy="346760"/>
           </a:xfrm>
           <a:prstGeom prst="rect">
@@ -4151,13 +4234,19 @@
       </p:sp>
       <p:sp>
         <p:nvSpPr>
-          <p:cNvPr id="51" name="Flowchart: Decision 96"/>
+          <p:cNvPr id="191" name="Flowchart: Decision 96">
+            <a:extLst>
+              <a:ext uri="{FF2B5EF4-FFF2-40B4-BE49-F238E27FC236}">
+                <a16:creationId xmlns:a16="http://schemas.microsoft.com/office/drawing/2014/main" id="{A28A0BDD-CD36-461B-8366-2618EDF1E64C}"/>
+              </a:ext>
+            </a:extLst>
+          </p:cNvPr>
           <p:cNvSpPr/>
           <p:nvPr/>
         </p:nvSpPr>
         <p:spPr>
           <a:xfrm>
-            <a:off x="4233246" y="2948201"/>
+            <a:off x="4325899" y="2796993"/>
             <a:ext cx="236048" cy="173380"/>
           </a:xfrm>
           <a:prstGeom prst="flowChartDecision">
@@ -4196,56 +4285,21 @@
           </a:p>
         </p:txBody>
       </p:sp>
-      <p:cxnSp>
-        <p:nvCxnSpPr>
-          <p:cNvPr id="30" name="Elbow Connector 29"/>
-          <p:cNvCxnSpPr>
-            <a:stCxn id="51" idx="3"/>
-            <a:endCxn id="49" idx="1"/>
-          </p:cNvCxnSpPr>
-          <p:nvPr/>
-        </p:nvCxnSpPr>
-        <p:spPr>
-          <a:xfrm>
-            <a:off x="4469294" y="3034891"/>
-            <a:ext cx="292915" cy="1923"/>
-          </a:xfrm>
-          <a:prstGeom prst="bentConnector3">
-            <a:avLst/>
-          </a:prstGeom>
-          <a:ln w="19050">
-            <a:solidFill>
-              <a:srgbClr val="7030A0"/>
-            </a:solidFill>
-            <a:headEnd type="none" w="med" len="med"/>
-            <a:tailEnd type="arrow" w="med" len="med"/>
-          </a:ln>
-          <a:effectLst/>
-        </p:spPr>
-        <p:style>
-          <a:lnRef idx="1">
-            <a:schemeClr val="accent2"/>
-          </a:lnRef>
-          <a:fillRef idx="2">
-            <a:schemeClr val="accent2"/>
-          </a:fillRef>
-          <a:effectRef idx="1">
-            <a:schemeClr val="accent2"/>
-          </a:effectRef>
-          <a:fontRef idx="minor">
-            <a:schemeClr val="dk1"/>
-          </a:fontRef>
-        </p:style>
-      </p:cxnSp>
-      <p:sp>
-        <p:nvSpPr>
-          <p:cNvPr id="62" name="Rectangle 8"/>
+      <p:sp>
+        <p:nvSpPr>
+          <p:cNvPr id="192" name="Rectangle 8">
+            <a:extLst>
+              <a:ext uri="{FF2B5EF4-FFF2-40B4-BE49-F238E27FC236}">
+                <a16:creationId xmlns:a16="http://schemas.microsoft.com/office/drawing/2014/main" id="{3E30A2F7-F7FD-4209-85AC-35996436A5AC}"/>
+              </a:ext>
+            </a:extLst>
+          </p:cNvPr>
           <p:cNvSpPr/>
           <p:nvPr/>
         </p:nvSpPr>
         <p:spPr>
           <a:xfrm>
-            <a:off x="6313677" y="2858066"/>
+            <a:off x="6313677" y="2725760"/>
             <a:ext cx="708186" cy="346760"/>
           </a:xfrm>
           <a:prstGeom prst="rect">
@@ -4295,13 +4349,19 @@
       </p:sp>
       <p:sp>
         <p:nvSpPr>
-          <p:cNvPr id="63" name="Flowchart: Decision 96"/>
+          <p:cNvPr id="193" name="Flowchart: Decision 96">
+            <a:extLst>
+              <a:ext uri="{FF2B5EF4-FFF2-40B4-BE49-F238E27FC236}">
+                <a16:creationId xmlns:a16="http://schemas.microsoft.com/office/drawing/2014/main" id="{6754A0C2-72AF-44D9-82F7-FAFDC52544F6}"/>
+              </a:ext>
+            </a:extLst>
+          </p:cNvPr>
           <p:cNvSpPr/>
           <p:nvPr/>
         </p:nvSpPr>
         <p:spPr>
           <a:xfrm>
-            <a:off x="5918460" y="2941065"/>
+            <a:off x="5858751" y="2809370"/>
             <a:ext cx="236048" cy="173380"/>
           </a:xfrm>
           <a:prstGeom prst="flowChartDecision">
@@ -4340,18 +4400,23 @@
       </p:sp>
       <p:cxnSp>
         <p:nvCxnSpPr>
-          <p:cNvPr id="64" name="Elbow Connector 63"/>
+          <p:cNvPr id="194" name="Elbow Connector 63">
+            <a:extLst>
+              <a:ext uri="{FF2B5EF4-FFF2-40B4-BE49-F238E27FC236}">
+                <a16:creationId xmlns:a16="http://schemas.microsoft.com/office/drawing/2014/main" id="{2FD966AC-10DF-4F51-BEE3-9226FD2F9398}"/>
+              </a:ext>
+            </a:extLst>
+          </p:cNvPr>
           <p:cNvCxnSpPr>
-            <a:cxnSpLocks/>
-            <a:stCxn id="63" idx="3"/>
-            <a:endCxn id="62" idx="1"/>
+            <a:stCxn id="193" idx="3"/>
+            <a:endCxn id="192" idx="1"/>
           </p:cNvCxnSpPr>
           <p:nvPr/>
         </p:nvCxnSpPr>
         <p:spPr>
           <a:xfrm>
-            <a:off x="6154508" y="3027755"/>
-            <a:ext cx="159169" cy="3691"/>
+            <a:off x="6094799" y="2896060"/>
+            <a:ext cx="218878" cy="3080"/>
           </a:xfrm>
           <a:prstGeom prst="bentConnector3">
             <a:avLst/>
@@ -4382,13 +4447,19 @@
       </p:cxnSp>
       <p:sp>
         <p:nvSpPr>
-          <p:cNvPr id="76" name="Rectangle 8"/>
+          <p:cNvPr id="195" name="Rectangle 8">
+            <a:extLst>
+              <a:ext uri="{FF2B5EF4-FFF2-40B4-BE49-F238E27FC236}">
+                <a16:creationId xmlns:a16="http://schemas.microsoft.com/office/drawing/2014/main" id="{50B2CCDF-9D16-4F53-985B-0363F4244707}"/>
+              </a:ext>
+            </a:extLst>
+          </p:cNvPr>
           <p:cNvSpPr/>
           <p:nvPr/>
         </p:nvSpPr>
         <p:spPr>
           <a:xfrm>
-            <a:off x="7712397" y="2564238"/>
+            <a:off x="7712397" y="2431932"/>
             <a:ext cx="708186" cy="285783"/>
           </a:xfrm>
           <a:prstGeom prst="rect">
@@ -4438,13 +4509,19 @@
       </p:sp>
       <p:sp>
         <p:nvSpPr>
-          <p:cNvPr id="78" name="Flowchart: Decision 96"/>
+          <p:cNvPr id="196" name="Flowchart: Decision 96">
+            <a:extLst>
+              <a:ext uri="{FF2B5EF4-FFF2-40B4-BE49-F238E27FC236}">
+                <a16:creationId xmlns:a16="http://schemas.microsoft.com/office/drawing/2014/main" id="{59AE52E1-9D22-4274-A80A-976C5C8F601F}"/>
+              </a:ext>
+            </a:extLst>
+          </p:cNvPr>
           <p:cNvSpPr/>
           <p:nvPr/>
         </p:nvSpPr>
         <p:spPr>
           <a:xfrm>
-            <a:off x="7041947" y="2948201"/>
+            <a:off x="7041947" y="2815895"/>
             <a:ext cx="236048" cy="173380"/>
           </a:xfrm>
           <a:prstGeom prst="flowChartDecision">
@@ -4485,7 +4562,13 @@
       </p:sp>
       <p:cxnSp>
         <p:nvCxnSpPr>
-          <p:cNvPr id="79" name="Elbow Connector 78"/>
+          <p:cNvPr id="197" name="Elbow Connector 78">
+            <a:extLst>
+              <a:ext uri="{FF2B5EF4-FFF2-40B4-BE49-F238E27FC236}">
+                <a16:creationId xmlns:a16="http://schemas.microsoft.com/office/drawing/2014/main" id="{D6E1813A-FE79-454C-8D64-38AF790424D9}"/>
+              </a:ext>
+            </a:extLst>
+          </p:cNvPr>
           <p:cNvCxnSpPr>
             <a:cxnSpLocks/>
           </p:cNvCxnSpPr>
@@ -4493,7 +4576,7 @@
         </p:nvCxnSpPr>
         <p:spPr>
           <a:xfrm flipV="1">
-            <a:off x="7277995" y="2706821"/>
+            <a:off x="7277995" y="2574515"/>
             <a:ext cx="434402" cy="327761"/>
           </a:xfrm>
           <a:prstGeom prst="bentConnector3">
@@ -4525,13 +4608,19 @@
       </p:cxnSp>
       <p:sp>
         <p:nvSpPr>
-          <p:cNvPr id="80" name="Rectangle 8"/>
+          <p:cNvPr id="198" name="Rectangle 8">
+            <a:extLst>
+              <a:ext uri="{FF2B5EF4-FFF2-40B4-BE49-F238E27FC236}">
+                <a16:creationId xmlns:a16="http://schemas.microsoft.com/office/drawing/2014/main" id="{D388AA7E-B7A2-4419-85E3-A853020BEBBD}"/>
+              </a:ext>
+            </a:extLst>
+          </p:cNvPr>
           <p:cNvSpPr/>
           <p:nvPr/>
         </p:nvSpPr>
         <p:spPr>
           <a:xfrm>
-            <a:off x="7712397" y="2887216"/>
+            <a:off x="7712397" y="2754910"/>
             <a:ext cx="708186" cy="285783"/>
           </a:xfrm>
           <a:prstGeom prst="rect">
@@ -4581,16 +4670,22 @@
       </p:sp>
       <p:cxnSp>
         <p:nvCxnSpPr>
-          <p:cNvPr id="81" name="Elbow Connector 80"/>
+          <p:cNvPr id="199" name="Elbow Connector 80">
+            <a:extLst>
+              <a:ext uri="{FF2B5EF4-FFF2-40B4-BE49-F238E27FC236}">
+                <a16:creationId xmlns:a16="http://schemas.microsoft.com/office/drawing/2014/main" id="{C819D702-9F09-4753-83B8-DB1902F1EAA2}"/>
+              </a:ext>
+            </a:extLst>
+          </p:cNvPr>
           <p:cNvCxnSpPr>
-            <a:stCxn id="78" idx="3"/>
-            <a:endCxn id="80" idx="1"/>
+            <a:stCxn id="196" idx="3"/>
+            <a:endCxn id="198" idx="1"/>
           </p:cNvCxnSpPr>
           <p:nvPr/>
         </p:nvCxnSpPr>
         <p:spPr>
           <a:xfrm flipV="1">
-            <a:off x="7277995" y="3030108"/>
+            <a:off x="7277995" y="2897802"/>
             <a:ext cx="434402" cy="4783"/>
           </a:xfrm>
           <a:prstGeom prst="bentConnector3">
@@ -4622,13 +4717,19 @@
       </p:cxnSp>
       <p:sp>
         <p:nvSpPr>
-          <p:cNvPr id="83" name="Rectangle 8"/>
+          <p:cNvPr id="200" name="Rectangle 8">
+            <a:extLst>
+              <a:ext uri="{FF2B5EF4-FFF2-40B4-BE49-F238E27FC236}">
+                <a16:creationId xmlns:a16="http://schemas.microsoft.com/office/drawing/2014/main" id="{9A3210E4-4F22-492F-828B-98DDE4B85C1C}"/>
+              </a:ext>
+            </a:extLst>
+          </p:cNvPr>
           <p:cNvSpPr/>
           <p:nvPr/>
         </p:nvSpPr>
         <p:spPr>
           <a:xfrm>
-            <a:off x="7712397" y="3210194"/>
+            <a:off x="7712397" y="3077888"/>
             <a:ext cx="708186" cy="285783"/>
           </a:xfrm>
           <a:prstGeom prst="rect">
@@ -4678,16 +4779,22 @@
       </p:sp>
       <p:cxnSp>
         <p:nvCxnSpPr>
-          <p:cNvPr id="84" name="Elbow Connector 83"/>
+          <p:cNvPr id="201" name="Elbow Connector 83">
+            <a:extLst>
+              <a:ext uri="{FF2B5EF4-FFF2-40B4-BE49-F238E27FC236}">
+                <a16:creationId xmlns:a16="http://schemas.microsoft.com/office/drawing/2014/main" id="{3E131773-CA1B-42FF-8480-0237C9CD3FFE}"/>
+              </a:ext>
+            </a:extLst>
+          </p:cNvPr>
           <p:cNvCxnSpPr>
-            <a:stCxn id="78" idx="3"/>
-            <a:endCxn id="83" idx="1"/>
+            <a:stCxn id="196" idx="3"/>
+            <a:endCxn id="200" idx="1"/>
           </p:cNvCxnSpPr>
           <p:nvPr/>
         </p:nvCxnSpPr>
         <p:spPr>
           <a:xfrm>
-            <a:off x="7277995" y="3034891"/>
+            <a:off x="7277995" y="2902585"/>
             <a:ext cx="434402" cy="318195"/>
           </a:xfrm>
           <a:prstGeom prst="bentConnector3">
@@ -4719,13 +4826,19 @@
       </p:cxnSp>
       <p:sp>
         <p:nvSpPr>
-          <p:cNvPr id="85" name="Rectangle 8"/>
+          <p:cNvPr id="202" name="Rectangle 8">
+            <a:extLst>
+              <a:ext uri="{FF2B5EF4-FFF2-40B4-BE49-F238E27FC236}">
+                <a16:creationId xmlns:a16="http://schemas.microsoft.com/office/drawing/2014/main" id="{A6F5D332-46B8-4DDD-9E32-AFC37EB5FDDD}"/>
+              </a:ext>
+            </a:extLst>
+          </p:cNvPr>
           <p:cNvSpPr/>
           <p:nvPr/>
         </p:nvSpPr>
         <p:spPr>
           <a:xfrm>
-            <a:off x="7712397" y="3533171"/>
+            <a:off x="7712397" y="3400865"/>
             <a:ext cx="708186" cy="285783"/>
           </a:xfrm>
           <a:prstGeom prst="rect">
@@ -4775,16 +4888,22 @@
       </p:sp>
       <p:cxnSp>
         <p:nvCxnSpPr>
-          <p:cNvPr id="86" name="Elbow Connector 85"/>
+          <p:cNvPr id="203" name="Elbow Connector 85">
+            <a:extLst>
+              <a:ext uri="{FF2B5EF4-FFF2-40B4-BE49-F238E27FC236}">
+                <a16:creationId xmlns:a16="http://schemas.microsoft.com/office/drawing/2014/main" id="{C885CB21-50EC-46D8-A33A-E47059CBB75E}"/>
+              </a:ext>
+            </a:extLst>
+          </p:cNvPr>
           <p:cNvCxnSpPr>
-            <a:stCxn id="78" idx="3"/>
-            <a:endCxn id="85" idx="1"/>
+            <a:stCxn id="196" idx="3"/>
+            <a:endCxn id="202" idx="1"/>
           </p:cNvCxnSpPr>
           <p:nvPr/>
         </p:nvCxnSpPr>
         <p:spPr>
           <a:xfrm>
-            <a:off x="7277995" y="3034891"/>
+            <a:off x="7277995" y="2902585"/>
             <a:ext cx="434402" cy="641172"/>
           </a:xfrm>
           <a:prstGeom prst="bentConnector3">
@@ -4814,57 +4933,73 @@
           </a:fontRef>
         </p:style>
       </p:cxnSp>
-      <p:sp>
-        <p:nvSpPr>
-          <p:cNvPr id="114" name="TextBox 113"/>
-          <p:cNvSpPr txBox="1"/>
-          <p:nvPr/>
-        </p:nvSpPr>
-        <p:spPr>
-          <a:xfrm rot="16200000">
-            <a:off x="6362886" y="3586305"/>
-            <a:ext cx="881018" cy="261610"/>
-          </a:xfrm>
-          <a:prstGeom prst="rect">
-            <a:avLst/>
-          </a:prstGeom>
-          <a:noFill/>
-        </p:spPr>
-        <p:txBody>
-          <a:bodyPr wrap="square" rtlCol="0">
-            <a:spAutoFit/>
-          </a:bodyPr>
-          <a:lstStyle/>
-          <a:p>
-            <a:pPr algn="r"/>
-            <a:r>
-              <a:rPr lang="en-US" sz="1100" dirty="0">
-                <a:solidFill>
-                  <a:srgbClr val="7030A0"/>
-                </a:solidFill>
-              </a:rPr>
-              <a:t>filtered list</a:t>
-            </a:r>
-            <a:endParaRPr lang="en-SG" sz="1100" dirty="0">
-              <a:solidFill>
-                <a:srgbClr val="7030A0"/>
-              </a:solidFill>
-            </a:endParaRPr>
-          </a:p>
-        </p:txBody>
-      </p:sp>
-      <p:sp>
-        <p:nvSpPr>
-          <p:cNvPr id="122" name="Rectangle 8"/>
+      <p:cxnSp>
+        <p:nvCxnSpPr>
+          <p:cNvPr id="204" name="Elbow Connector 63">
+            <a:extLst>
+              <a:ext uri="{FF2B5EF4-FFF2-40B4-BE49-F238E27FC236}">
+                <a16:creationId xmlns:a16="http://schemas.microsoft.com/office/drawing/2014/main" id="{89821431-D9FE-4972-9295-E30CBCB33205}"/>
+              </a:ext>
+            </a:extLst>
+          </p:cNvPr>
+          <p:cNvCxnSpPr>
+            <a:stCxn id="205" idx="3"/>
+          </p:cNvCxnSpPr>
+          <p:nvPr/>
+        </p:nvCxnSpPr>
+        <p:spPr>
+          <a:xfrm rot="5400000">
+            <a:off x="3553611" y="2572450"/>
+            <a:ext cx="293825" cy="5938"/>
+          </a:xfrm>
+          <a:prstGeom prst="bentConnector3">
+            <a:avLst>
+              <a:gd name="adj1" fmla="val 50000"/>
+            </a:avLst>
+          </a:prstGeom>
+          <a:ln w="19050">
+            <a:solidFill>
+              <a:srgbClr val="7030A0"/>
+            </a:solidFill>
+            <a:prstDash val="sysDot"/>
+            <a:headEnd type="none" w="med" len="med"/>
+            <a:tailEnd type="none" w="med" len="med"/>
+          </a:ln>
+          <a:effectLst/>
+        </p:spPr>
+        <p:style>
+          <a:lnRef idx="1">
+            <a:schemeClr val="accent2"/>
+          </a:lnRef>
+          <a:fillRef idx="2">
+            <a:schemeClr val="accent2"/>
+          </a:fillRef>
+          <a:effectRef idx="1">
+            <a:schemeClr val="accent2"/>
+          </a:effectRef>
+          <a:fontRef idx="minor">
+            <a:schemeClr val="dk1"/>
+          </a:fontRef>
+        </p:style>
+      </p:cxnSp>
+      <p:sp>
+        <p:nvSpPr>
+          <p:cNvPr id="205" name="Isosceles Triangle 102">
+            <a:extLst>
+              <a:ext uri="{FF2B5EF4-FFF2-40B4-BE49-F238E27FC236}">
+                <a16:creationId xmlns:a16="http://schemas.microsoft.com/office/drawing/2014/main" id="{8163AB16-F7B5-41EA-B384-DCC21DA70008}"/>
+              </a:ext>
+            </a:extLst>
+          </p:cNvPr>
           <p:cNvSpPr/>
           <p:nvPr/>
         </p:nvSpPr>
         <p:spPr>
-          <a:xfrm>
-            <a:off x="2057401" y="4239491"/>
-            <a:ext cx="1066800" cy="346760"/>
-          </a:xfrm>
-          <a:prstGeom prst="rect">
+          <a:xfrm rot="10800000" flipV="1">
+            <a:off x="3562299" y="2271445"/>
+            <a:ext cx="282387" cy="157062"/>
+          </a:xfrm>
+          <a:prstGeom prst="triangle">
             <a:avLst/>
           </a:prstGeom>
           <a:ln w="19050">
@@ -4893,288 +5028,20 @@
           <a:lstStyle/>
           <a:p>
             <a:pPr algn="ctr"/>
-            <a:r>
-              <a:rPr lang="en-US" sz="1050" dirty="0">
-                <a:solidFill>
-                  <a:srgbClr val="7030A0"/>
-                </a:solidFill>
-              </a:rPr>
-              <a:t>&lt;&lt;interface&gt;&gt;</a:t>
-            </a:r>
-            <a:r>
-              <a:rPr lang="en-US" sz="1050">
-                <a:solidFill>
-                  <a:srgbClr val="7030A0"/>
-                </a:solidFill>
-              </a:rPr>
-              <a:t/>
-            </a:r>
-            <a:br>
-              <a:rPr lang="en-US" sz="1050">
-                <a:solidFill>
-                  <a:srgbClr val="7030A0"/>
-                </a:solidFill>
-              </a:rPr>
-            </a:br>
-            <a:r>
-              <a:rPr lang="en-US" sz="1050" dirty="0" err="1">
-                <a:solidFill>
-                  <a:srgbClr val="7030A0"/>
-                </a:solidFill>
-              </a:rPr>
-              <a:t>ObservableList</a:t>
-            </a:r>
-            <a:endParaRPr lang="en-SG" sz="1050" dirty="0">
+            <a:endParaRPr lang="en-SG" sz="1050" b="1">
               <a:solidFill>
-                <a:srgbClr val="7030A0"/>
+                <a:srgbClr val="92D050"/>
               </a:solidFill>
             </a:endParaRPr>
           </a:p>
         </p:txBody>
       </p:sp>
-      <p:cxnSp>
-        <p:nvCxnSpPr>
-          <p:cNvPr id="124" name="Elbow Connector 122"/>
-          <p:cNvCxnSpPr>
-            <a:stCxn id="119" idx="1"/>
-            <a:endCxn id="122" idx="1"/>
-          </p:cNvCxnSpPr>
-          <p:nvPr/>
-        </p:nvCxnSpPr>
-        <p:spPr>
-          <a:xfrm rot="16200000" flipH="1">
-            <a:off x="1364475" y="3719944"/>
-            <a:ext cx="831471" cy="554381"/>
-          </a:xfrm>
-          <a:prstGeom prst="bentConnector2">
-            <a:avLst/>
-          </a:prstGeom>
-          <a:ln w="19050">
-            <a:solidFill>
-              <a:srgbClr val="7030A0"/>
-            </a:solidFill>
-            <a:prstDash val="sysDot"/>
-            <a:headEnd type="none" w="med" len="med"/>
-            <a:tailEnd type="arrow" w="med" len="med"/>
-          </a:ln>
-          <a:effectLst/>
-        </p:spPr>
-        <p:style>
-          <a:lnRef idx="1">
-            <a:schemeClr val="accent2"/>
-          </a:lnRef>
-          <a:fillRef idx="2">
-            <a:schemeClr val="accent2"/>
-          </a:fillRef>
-          <a:effectRef idx="1">
-            <a:schemeClr val="accent2"/>
-          </a:effectRef>
-          <a:fontRef idx="minor">
-            <a:schemeClr val="dk1"/>
-          </a:fontRef>
-        </p:style>
-      </p:cxnSp>
-      <p:sp>
-        <p:nvSpPr>
-          <p:cNvPr id="54" name="TextBox 53"/>
-          <p:cNvSpPr txBox="1"/>
-          <p:nvPr/>
-        </p:nvSpPr>
-        <p:spPr>
-          <a:xfrm>
-            <a:off x="4324972" y="3058864"/>
-            <a:ext cx="189257" cy="178683"/>
-          </a:xfrm>
-          <a:prstGeom prst="rect">
-            <a:avLst/>
-          </a:prstGeom>
-          <a:noFill/>
-        </p:spPr>
-        <p:txBody>
-          <a:bodyPr wrap="square" lIns="0" tIns="0" rIns="0" bIns="0" rtlCol="0">
-            <a:noAutofit/>
-          </a:bodyPr>
-          <a:lstStyle/>
-          <a:p>
-            <a:pPr algn="ctr"/>
-            <a:r>
-              <a:rPr lang="en-US" sz="1100" dirty="0">
-                <a:solidFill>
-                  <a:srgbClr val="7030A0"/>
-                </a:solidFill>
-              </a:rPr>
-              <a:t>1</a:t>
-            </a:r>
-            <a:endParaRPr lang="en-SG" sz="1100" dirty="0">
-              <a:solidFill>
-                <a:srgbClr val="7030A0"/>
-              </a:solidFill>
-            </a:endParaRPr>
-          </a:p>
-        </p:txBody>
-      </p:sp>
-      <p:sp>
-        <p:nvSpPr>
-          <p:cNvPr id="61" name="TextBox 60"/>
-          <p:cNvSpPr txBox="1"/>
-          <p:nvPr/>
-        </p:nvSpPr>
-        <p:spPr>
-          <a:xfrm>
-            <a:off x="6135256" y="3097917"/>
-            <a:ext cx="189257" cy="178683"/>
-          </a:xfrm>
-          <a:prstGeom prst="rect">
-            <a:avLst/>
-          </a:prstGeom>
-          <a:noFill/>
-        </p:spPr>
-        <p:txBody>
-          <a:bodyPr wrap="square" lIns="0" tIns="0" rIns="0" bIns="0" rtlCol="0">
-            <a:noAutofit/>
-          </a:bodyPr>
-          <a:lstStyle/>
-          <a:p>
-            <a:pPr algn="ctr"/>
-            <a:r>
-              <a:rPr lang="en-US" sz="1100" dirty="0">
-                <a:solidFill>
-                  <a:srgbClr val="7030A0"/>
-                </a:solidFill>
-              </a:rPr>
-              <a:t>*</a:t>
-            </a:r>
-            <a:endParaRPr lang="en-SG" sz="1100" dirty="0">
-              <a:solidFill>
-                <a:srgbClr val="7030A0"/>
-              </a:solidFill>
-            </a:endParaRPr>
-          </a:p>
-        </p:txBody>
-      </p:sp>
-      <p:sp>
-        <p:nvSpPr>
-          <p:cNvPr id="65" name="TextBox 64"/>
-          <p:cNvSpPr txBox="1"/>
-          <p:nvPr/>
-        </p:nvSpPr>
-        <p:spPr>
-          <a:xfrm>
-            <a:off x="2560167" y="2753818"/>
-            <a:ext cx="78378" cy="193767"/>
-          </a:xfrm>
-          <a:prstGeom prst="rect">
-            <a:avLst/>
-          </a:prstGeom>
-          <a:noFill/>
-        </p:spPr>
-        <p:txBody>
-          <a:bodyPr wrap="square" lIns="0" tIns="0" rIns="0" bIns="0" rtlCol="0">
-            <a:noAutofit/>
-          </a:bodyPr>
-          <a:lstStyle/>
-          <a:p>
-            <a:pPr algn="ctr"/>
-            <a:r>
-              <a:rPr lang="en-US" sz="1100" dirty="0">
-                <a:solidFill>
-                  <a:srgbClr val="7030A0"/>
-                </a:solidFill>
-              </a:rPr>
-              <a:t>1</a:t>
-            </a:r>
-            <a:endParaRPr lang="en-SG" sz="1100" dirty="0">
-              <a:solidFill>
-                <a:srgbClr val="7030A0"/>
-              </a:solidFill>
-            </a:endParaRPr>
-          </a:p>
-        </p:txBody>
-      </p:sp>
-      <p:sp>
-        <p:nvSpPr>
-          <p:cNvPr id="66" name="TextBox 65"/>
-          <p:cNvSpPr txBox="1"/>
-          <p:nvPr/>
-        </p:nvSpPr>
-        <p:spPr>
-          <a:xfrm>
-            <a:off x="2707070" y="3667737"/>
-            <a:ext cx="189257" cy="178683"/>
-          </a:xfrm>
-          <a:prstGeom prst="rect">
-            <a:avLst/>
-          </a:prstGeom>
-          <a:noFill/>
-        </p:spPr>
-        <p:txBody>
-          <a:bodyPr wrap="square" lIns="0" tIns="0" rIns="0" bIns="0" rtlCol="0">
-            <a:noAutofit/>
-          </a:bodyPr>
-          <a:lstStyle/>
-          <a:p>
-            <a:pPr algn="ctr"/>
-            <a:r>
-              <a:rPr lang="en-US" sz="1100" dirty="0">
-                <a:solidFill>
-                  <a:srgbClr val="7030A0"/>
-                </a:solidFill>
-              </a:rPr>
-              <a:t>1</a:t>
-            </a:r>
-            <a:endParaRPr lang="en-SG" sz="1100" dirty="0">
-              <a:solidFill>
-                <a:srgbClr val="7030A0"/>
-              </a:solidFill>
-            </a:endParaRPr>
-          </a:p>
-        </p:txBody>
-      </p:sp>
-      <p:sp>
-        <p:nvSpPr>
-          <p:cNvPr id="70" name="TextBox 69"/>
-          <p:cNvSpPr txBox="1"/>
-          <p:nvPr/>
-        </p:nvSpPr>
-        <p:spPr>
-          <a:xfrm>
-            <a:off x="6449896" y="3204826"/>
-            <a:ext cx="189257" cy="178683"/>
-          </a:xfrm>
-          <a:prstGeom prst="rect">
-            <a:avLst/>
-          </a:prstGeom>
-          <a:noFill/>
-        </p:spPr>
-        <p:txBody>
-          <a:bodyPr wrap="square" lIns="0" tIns="0" rIns="0" bIns="0" rtlCol="0">
-            <a:noAutofit/>
-          </a:bodyPr>
-          <a:lstStyle/>
-          <a:p>
-            <a:pPr algn="ctr"/>
-            <a:r>
-              <a:rPr lang="en-US" sz="1100" dirty="0">
-                <a:solidFill>
-                  <a:srgbClr val="7030A0"/>
-                </a:solidFill>
-              </a:rPr>
-              <a:t>1</a:t>
-            </a:r>
-            <a:endParaRPr lang="en-SG" sz="1100" dirty="0">
-              <a:solidFill>
-                <a:srgbClr val="7030A0"/>
-              </a:solidFill>
-            </a:endParaRPr>
-          </a:p>
-        </p:txBody>
-      </p:sp>
-      <p:sp>
-        <p:nvSpPr>
-          <p:cNvPr id="52" name="Rectangle 8">
-            <a:extLst>
-              <a:ext uri="{FF2B5EF4-FFF2-40B4-BE49-F238E27FC236}">
-                <a16:creationId xmlns:a16="http://schemas.microsoft.com/office/drawing/2014/main" id="{ABDCDBD2-131A-4B66-A2F2-43BBEE82C773}"/>
+      <p:sp>
+        <p:nvSpPr>
+          <p:cNvPr id="206" name="Rectangle 8">
+            <a:extLst>
+              <a:ext uri="{FF2B5EF4-FFF2-40B4-BE49-F238E27FC236}">
+                <a16:creationId xmlns:a16="http://schemas.microsoft.com/office/drawing/2014/main" id="{3965C366-05D8-4670-97CC-E5BAFE938789}"/>
               </a:ext>
             </a:extLst>
           </p:cNvPr>
@@ -5183,8 +5050,8 @@
         </p:nvSpPr>
         <p:spPr>
           <a:xfrm>
-            <a:off x="4755872" y="2206861"/>
-            <a:ext cx="1156969" cy="285783"/>
+            <a:off x="1260922" y="1883241"/>
+            <a:ext cx="1443661" cy="364396"/>
           </a:xfrm>
           <a:prstGeom prst="rect">
             <a:avLst/>
@@ -5216,12 +5083,27 @@
           <a:p>
             <a:pPr algn="ctr"/>
             <a:r>
+              <a:rPr lang="en-US" sz="1050" dirty="0">
+                <a:solidFill>
+                  <a:srgbClr val="7030A0"/>
+                </a:solidFill>
+              </a:rPr>
+              <a:t>&lt;&lt;interface&gt;&gt;</a:t>
+            </a:r>
+            <a:br>
+              <a:rPr lang="en-US" sz="1050" dirty="0">
+                <a:solidFill>
+                  <a:srgbClr val="7030A0"/>
+                </a:solidFill>
+              </a:rPr>
+            </a:br>
+            <a:r>
               <a:rPr lang="en-US" sz="1050" dirty="0" err="1">
                 <a:solidFill>
                   <a:srgbClr val="7030A0"/>
                 </a:solidFill>
               </a:rPr>
-              <a:t>UniqueTagList</a:t>
+              <a:t>ReadOnlyAddressBook</a:t>
             </a:r>
             <a:endParaRPr lang="en-SG" sz="1050" dirty="0">
               <a:solidFill>
@@ -5231,29 +5113,488 @@
           </a:p>
         </p:txBody>
       </p:sp>
+      <p:sp>
+        <p:nvSpPr>
+          <p:cNvPr id="207" name="TextBox 206">
+            <a:extLst>
+              <a:ext uri="{FF2B5EF4-FFF2-40B4-BE49-F238E27FC236}">
+                <a16:creationId xmlns:a16="http://schemas.microsoft.com/office/drawing/2014/main" id="{2BBBC45C-84D4-4514-A56D-D9208B063116}"/>
+              </a:ext>
+            </a:extLst>
+          </p:cNvPr>
+          <p:cNvSpPr txBox="1"/>
+          <p:nvPr/>
+        </p:nvSpPr>
+        <p:spPr>
+          <a:xfrm>
+            <a:off x="6302294" y="3270060"/>
+            <a:ext cx="881018" cy="261610"/>
+          </a:xfrm>
+          <a:prstGeom prst="rect">
+            <a:avLst/>
+          </a:prstGeom>
+          <a:noFill/>
+        </p:spPr>
+        <p:txBody>
+          <a:bodyPr wrap="square" rtlCol="0">
+            <a:spAutoFit/>
+          </a:bodyPr>
+          <a:lstStyle/>
+          <a:p>
+            <a:pPr algn="r"/>
+            <a:r>
+              <a:rPr lang="en-US" sz="1100" dirty="0">
+                <a:solidFill>
+                  <a:srgbClr val="7030A0"/>
+                </a:solidFill>
+              </a:rPr>
+              <a:t>filtered list</a:t>
+            </a:r>
+            <a:endParaRPr lang="en-SG" sz="1100" dirty="0">
+              <a:solidFill>
+                <a:srgbClr val="7030A0"/>
+              </a:solidFill>
+            </a:endParaRPr>
+          </a:p>
+        </p:txBody>
+      </p:sp>
+      <p:sp>
+        <p:nvSpPr>
+          <p:cNvPr id="208" name="Rectangle 8">
+            <a:extLst>
+              <a:ext uri="{FF2B5EF4-FFF2-40B4-BE49-F238E27FC236}">
+                <a16:creationId xmlns:a16="http://schemas.microsoft.com/office/drawing/2014/main" id="{677E185E-7194-48F4-BB07-D9DCC39AD64C}"/>
+              </a:ext>
+            </a:extLst>
+          </p:cNvPr>
+          <p:cNvSpPr/>
+          <p:nvPr/>
+        </p:nvSpPr>
+        <p:spPr>
+          <a:xfrm>
+            <a:off x="2049126" y="5486400"/>
+            <a:ext cx="1066800" cy="346760"/>
+          </a:xfrm>
+          <a:prstGeom prst="rect">
+            <a:avLst/>
+          </a:prstGeom>
+          <a:ln w="19050">
+            <a:solidFill>
+              <a:srgbClr val="7030A0"/>
+            </a:solidFill>
+          </a:ln>
+          <a:effectLst/>
+        </p:spPr>
+        <p:style>
+          <a:lnRef idx="1">
+            <a:schemeClr val="accent4"/>
+          </a:lnRef>
+          <a:fillRef idx="2">
+            <a:schemeClr val="accent4"/>
+          </a:fillRef>
+          <a:effectRef idx="1">
+            <a:schemeClr val="accent4"/>
+          </a:effectRef>
+          <a:fontRef idx="minor">
+            <a:schemeClr val="dk1"/>
+          </a:fontRef>
+        </p:style>
+        <p:txBody>
+          <a:bodyPr rtlCol="0" anchor="ctr"/>
+          <a:lstStyle/>
+          <a:p>
+            <a:pPr algn="ctr"/>
+            <a:r>
+              <a:rPr lang="en-US" sz="1050" dirty="0">
+                <a:solidFill>
+                  <a:srgbClr val="7030A0"/>
+                </a:solidFill>
+              </a:rPr>
+              <a:t>&lt;&lt;interface&gt;&gt;</a:t>
+            </a:r>
+            <a:br>
+              <a:rPr lang="en-US" sz="1050" dirty="0">
+                <a:solidFill>
+                  <a:srgbClr val="7030A0"/>
+                </a:solidFill>
+              </a:rPr>
+            </a:br>
+            <a:r>
+              <a:rPr lang="en-US" sz="1050" dirty="0" err="1">
+                <a:solidFill>
+                  <a:srgbClr val="7030A0"/>
+                </a:solidFill>
+              </a:rPr>
+              <a:t>ObservableList</a:t>
+            </a:r>
+            <a:endParaRPr lang="en-SG" sz="1050" dirty="0">
+              <a:solidFill>
+                <a:srgbClr val="7030A0"/>
+              </a:solidFill>
+            </a:endParaRPr>
+          </a:p>
+        </p:txBody>
+      </p:sp>
       <p:cxnSp>
         <p:nvCxnSpPr>
-          <p:cNvPr id="53" name="Elbow Connector 78">
-            <a:extLst>
-              <a:ext uri="{FF2B5EF4-FFF2-40B4-BE49-F238E27FC236}">
-                <a16:creationId xmlns:a16="http://schemas.microsoft.com/office/drawing/2014/main" id="{B97967F8-618A-448B-81FD-CDFD4AF0EC64}"/>
+          <p:cNvPr id="209" name="Elbow Connector 122">
+            <a:extLst>
+              <a:ext uri="{FF2B5EF4-FFF2-40B4-BE49-F238E27FC236}">
+                <a16:creationId xmlns:a16="http://schemas.microsoft.com/office/drawing/2014/main" id="{690B0B90-ED2F-4879-93CE-0017C67BF876}"/>
+              </a:ext>
+            </a:extLst>
+          </p:cNvPr>
+          <p:cNvCxnSpPr>
+            <a:stCxn id="181" idx="1"/>
+            <a:endCxn id="208" idx="1"/>
+          </p:cNvCxnSpPr>
+          <p:nvPr/>
+        </p:nvCxnSpPr>
+        <p:spPr>
+          <a:xfrm rot="16200000" flipH="1">
+            <a:off x="736883" y="4347537"/>
+            <a:ext cx="2078380" cy="546106"/>
+          </a:xfrm>
+          <a:prstGeom prst="bentConnector2">
+            <a:avLst/>
+          </a:prstGeom>
+          <a:ln w="19050">
+            <a:solidFill>
+              <a:srgbClr val="7030A0"/>
+            </a:solidFill>
+            <a:prstDash val="sysDot"/>
+            <a:headEnd type="none" w="med" len="med"/>
+            <a:tailEnd type="arrow" w="med" len="med"/>
+          </a:ln>
+          <a:effectLst/>
+        </p:spPr>
+        <p:style>
+          <a:lnRef idx="1">
+            <a:schemeClr val="accent2"/>
+          </a:lnRef>
+          <a:fillRef idx="2">
+            <a:schemeClr val="accent2"/>
+          </a:fillRef>
+          <a:effectRef idx="1">
+            <a:schemeClr val="accent2"/>
+          </a:effectRef>
+          <a:fontRef idx="minor">
+            <a:schemeClr val="dk1"/>
+          </a:fontRef>
+        </p:style>
+      </p:cxnSp>
+      <p:sp>
+        <p:nvSpPr>
+          <p:cNvPr id="210" name="TextBox 209">
+            <a:extLst>
+              <a:ext uri="{FF2B5EF4-FFF2-40B4-BE49-F238E27FC236}">
+                <a16:creationId xmlns:a16="http://schemas.microsoft.com/office/drawing/2014/main" id="{21F87359-D7FE-49EB-AB1C-C7DB6B312AA2}"/>
+              </a:ext>
+            </a:extLst>
+          </p:cNvPr>
+          <p:cNvSpPr txBox="1"/>
+          <p:nvPr/>
+        </p:nvSpPr>
+        <p:spPr>
+          <a:xfrm>
+            <a:off x="4451250" y="2940550"/>
+            <a:ext cx="189257" cy="178683"/>
+          </a:xfrm>
+          <a:prstGeom prst="rect">
+            <a:avLst/>
+          </a:prstGeom>
+          <a:noFill/>
+        </p:spPr>
+        <p:txBody>
+          <a:bodyPr wrap="square" lIns="0" tIns="0" rIns="0" bIns="0" rtlCol="0">
+            <a:noAutofit/>
+          </a:bodyPr>
+          <a:lstStyle/>
+          <a:p>
+            <a:pPr algn="ctr"/>
+            <a:r>
+              <a:rPr lang="en-US" sz="1100" dirty="0">
+                <a:solidFill>
+                  <a:srgbClr val="7030A0"/>
+                </a:solidFill>
+              </a:rPr>
+              <a:t>1</a:t>
+            </a:r>
+            <a:endParaRPr lang="en-SG" sz="1100" dirty="0">
+              <a:solidFill>
+                <a:srgbClr val="7030A0"/>
+              </a:solidFill>
+            </a:endParaRPr>
+          </a:p>
+        </p:txBody>
+      </p:sp>
+      <p:sp>
+        <p:nvSpPr>
+          <p:cNvPr id="211" name="TextBox 210">
+            <a:extLst>
+              <a:ext uri="{FF2B5EF4-FFF2-40B4-BE49-F238E27FC236}">
+                <a16:creationId xmlns:a16="http://schemas.microsoft.com/office/drawing/2014/main" id="{CD974865-D943-4370-B12C-E929223D79EE}"/>
+              </a:ext>
+            </a:extLst>
+          </p:cNvPr>
+          <p:cNvSpPr txBox="1"/>
+          <p:nvPr/>
+        </p:nvSpPr>
+        <p:spPr>
+          <a:xfrm>
+            <a:off x="6135256" y="2965611"/>
+            <a:ext cx="189257" cy="178683"/>
+          </a:xfrm>
+          <a:prstGeom prst="rect">
+            <a:avLst/>
+          </a:prstGeom>
+          <a:noFill/>
+        </p:spPr>
+        <p:txBody>
+          <a:bodyPr wrap="square" lIns="0" tIns="0" rIns="0" bIns="0" rtlCol="0">
+            <a:noAutofit/>
+          </a:bodyPr>
+          <a:lstStyle/>
+          <a:p>
+            <a:pPr algn="ctr"/>
+            <a:r>
+              <a:rPr lang="en-US" sz="1100" dirty="0">
+                <a:solidFill>
+                  <a:srgbClr val="7030A0"/>
+                </a:solidFill>
+              </a:rPr>
+              <a:t>*</a:t>
+            </a:r>
+            <a:endParaRPr lang="en-SG" sz="1100" dirty="0">
+              <a:solidFill>
+                <a:srgbClr val="7030A0"/>
+              </a:solidFill>
+            </a:endParaRPr>
+          </a:p>
+        </p:txBody>
+      </p:sp>
+      <p:sp>
+        <p:nvSpPr>
+          <p:cNvPr id="212" name="TextBox 211">
+            <a:extLst>
+              <a:ext uri="{FF2B5EF4-FFF2-40B4-BE49-F238E27FC236}">
+                <a16:creationId xmlns:a16="http://schemas.microsoft.com/office/drawing/2014/main" id="{0EC557DD-36AB-469E-93D7-E9198B5F3A7D}"/>
+              </a:ext>
+            </a:extLst>
+          </p:cNvPr>
+          <p:cNvSpPr txBox="1"/>
+          <p:nvPr/>
+        </p:nvSpPr>
+        <p:spPr>
+          <a:xfrm>
+            <a:off x="2573394" y="2624409"/>
+            <a:ext cx="170110" cy="137542"/>
+          </a:xfrm>
+          <a:prstGeom prst="rect">
+            <a:avLst/>
+          </a:prstGeom>
+          <a:noFill/>
+        </p:spPr>
+        <p:txBody>
+          <a:bodyPr wrap="square" lIns="0" tIns="0" rIns="0" bIns="0" rtlCol="0">
+            <a:noAutofit/>
+          </a:bodyPr>
+          <a:lstStyle/>
+          <a:p>
+            <a:pPr algn="ctr"/>
+            <a:r>
+              <a:rPr lang="en-US" sz="1100" dirty="0">
+                <a:solidFill>
+                  <a:srgbClr val="7030A0"/>
+                </a:solidFill>
+              </a:rPr>
+              <a:t>1</a:t>
+            </a:r>
+            <a:endParaRPr lang="en-SG" sz="1100" dirty="0">
+              <a:solidFill>
+                <a:srgbClr val="7030A0"/>
+              </a:solidFill>
+            </a:endParaRPr>
+          </a:p>
+        </p:txBody>
+      </p:sp>
+      <p:sp>
+        <p:nvSpPr>
+          <p:cNvPr id="213" name="TextBox 212">
+            <a:extLst>
+              <a:ext uri="{FF2B5EF4-FFF2-40B4-BE49-F238E27FC236}">
+                <a16:creationId xmlns:a16="http://schemas.microsoft.com/office/drawing/2014/main" id="{F57EFEA8-D1D2-47AA-9B94-349AAA30DAD4}"/>
+              </a:ext>
+            </a:extLst>
+          </p:cNvPr>
+          <p:cNvSpPr txBox="1"/>
+          <p:nvPr/>
+        </p:nvSpPr>
+        <p:spPr>
+          <a:xfrm>
+            <a:off x="2707070" y="3609958"/>
+            <a:ext cx="189257" cy="178683"/>
+          </a:xfrm>
+          <a:prstGeom prst="rect">
+            <a:avLst/>
+          </a:prstGeom>
+          <a:noFill/>
+        </p:spPr>
+        <p:txBody>
+          <a:bodyPr wrap="square" lIns="0" tIns="0" rIns="0" bIns="0" rtlCol="0">
+            <a:noAutofit/>
+          </a:bodyPr>
+          <a:lstStyle/>
+          <a:p>
+            <a:pPr algn="ctr"/>
+            <a:r>
+              <a:rPr lang="en-US" sz="1100" dirty="0">
+                <a:solidFill>
+                  <a:srgbClr val="7030A0"/>
+                </a:solidFill>
+              </a:rPr>
+              <a:t>1</a:t>
+            </a:r>
+            <a:endParaRPr lang="en-SG" sz="1100" dirty="0">
+              <a:solidFill>
+                <a:srgbClr val="7030A0"/>
+              </a:solidFill>
+            </a:endParaRPr>
+          </a:p>
+        </p:txBody>
+      </p:sp>
+      <p:sp>
+        <p:nvSpPr>
+          <p:cNvPr id="214" name="TextBox 213">
+            <a:extLst>
+              <a:ext uri="{FF2B5EF4-FFF2-40B4-BE49-F238E27FC236}">
+                <a16:creationId xmlns:a16="http://schemas.microsoft.com/office/drawing/2014/main" id="{0CE0A2FA-49DB-42A7-9E19-3801F7A2F391}"/>
+              </a:ext>
+            </a:extLst>
+          </p:cNvPr>
+          <p:cNvSpPr txBox="1"/>
+          <p:nvPr/>
+        </p:nvSpPr>
+        <p:spPr>
+          <a:xfrm>
+            <a:off x="6449896" y="3072520"/>
+            <a:ext cx="189257" cy="178683"/>
+          </a:xfrm>
+          <a:prstGeom prst="rect">
+            <a:avLst/>
+          </a:prstGeom>
+          <a:noFill/>
+        </p:spPr>
+        <p:txBody>
+          <a:bodyPr wrap="square" lIns="0" tIns="0" rIns="0" bIns="0" rtlCol="0">
+            <a:noAutofit/>
+          </a:bodyPr>
+          <a:lstStyle/>
+          <a:p>
+            <a:pPr algn="ctr"/>
+            <a:r>
+              <a:rPr lang="en-US" sz="1100" dirty="0">
+                <a:solidFill>
+                  <a:srgbClr val="7030A0"/>
+                </a:solidFill>
+              </a:rPr>
+              <a:t>1</a:t>
+            </a:r>
+            <a:endParaRPr lang="en-SG" sz="1100" dirty="0">
+              <a:solidFill>
+                <a:srgbClr val="7030A0"/>
+              </a:solidFill>
+            </a:endParaRPr>
+          </a:p>
+        </p:txBody>
+      </p:sp>
+      <p:sp>
+        <p:nvSpPr>
+          <p:cNvPr id="215" name="Rectangle 8">
+            <a:extLst>
+              <a:ext uri="{FF2B5EF4-FFF2-40B4-BE49-F238E27FC236}">
+                <a16:creationId xmlns:a16="http://schemas.microsoft.com/office/drawing/2014/main" id="{1C555377-58C2-48B9-B5C7-3729910C208B}"/>
+              </a:ext>
+            </a:extLst>
+          </p:cNvPr>
+          <p:cNvSpPr/>
+          <p:nvPr/>
+        </p:nvSpPr>
+        <p:spPr>
+          <a:xfrm>
+            <a:off x="7712397" y="2096511"/>
+            <a:ext cx="708186" cy="285783"/>
+          </a:xfrm>
+          <a:prstGeom prst="rect">
+            <a:avLst/>
+          </a:prstGeom>
+          <a:ln w="19050">
+            <a:solidFill>
+              <a:srgbClr val="7030A0"/>
+            </a:solidFill>
+          </a:ln>
+          <a:effectLst/>
+        </p:spPr>
+        <p:style>
+          <a:lnRef idx="1">
+            <a:schemeClr val="accent4"/>
+          </a:lnRef>
+          <a:fillRef idx="2">
+            <a:schemeClr val="accent4"/>
+          </a:fillRef>
+          <a:effectRef idx="1">
+            <a:schemeClr val="accent4"/>
+          </a:effectRef>
+          <a:fontRef idx="minor">
+            <a:schemeClr val="dk1"/>
+          </a:fontRef>
+        </p:style>
+        <p:txBody>
+          <a:bodyPr rtlCol="0" anchor="ctr"/>
+          <a:lstStyle/>
+          <a:p>
+            <a:pPr algn="ctr"/>
+            <a:r>
+              <a:rPr lang="en-US" sz="1050" dirty="0">
+                <a:solidFill>
+                  <a:srgbClr val="7030A0"/>
+                </a:solidFill>
+              </a:rPr>
+              <a:t>Tag</a:t>
+            </a:r>
+            <a:endParaRPr lang="en-SG" sz="1050" dirty="0">
+              <a:solidFill>
+                <a:srgbClr val="7030A0"/>
+              </a:solidFill>
+            </a:endParaRPr>
+          </a:p>
+        </p:txBody>
+      </p:sp>
+      <p:cxnSp>
+        <p:nvCxnSpPr>
+          <p:cNvPr id="216" name="Elbow Connector 78">
+            <a:extLst>
+              <a:ext uri="{FF2B5EF4-FFF2-40B4-BE49-F238E27FC236}">
+                <a16:creationId xmlns:a16="http://schemas.microsoft.com/office/drawing/2014/main" id="{DD5861F4-A25C-45D0-905B-F4F9AF16077B}"/>
               </a:ext>
             </a:extLst>
           </p:cNvPr>
           <p:cNvCxnSpPr>
             <a:cxnSpLocks/>
-            <a:stCxn id="54" idx="0"/>
-            <a:endCxn id="52" idx="1"/>
+            <a:stCxn id="196" idx="3"/>
+            <a:endCxn id="215" idx="1"/>
           </p:cNvCxnSpPr>
           <p:nvPr/>
         </p:nvCxnSpPr>
         <p:spPr>
-          <a:xfrm rot="5400000" flipH="1" flipV="1">
-            <a:off x="4233181" y="2536174"/>
-            <a:ext cx="709111" cy="336271"/>
-          </a:xfrm>
-          <a:prstGeom prst="bentConnector2">
-            <a:avLst/>
+          <a:xfrm flipV="1">
+            <a:off x="7277995" y="2239403"/>
+            <a:ext cx="434402" cy="663182"/>
+          </a:xfrm>
+          <a:prstGeom prst="bentConnector3">
+            <a:avLst>
+              <a:gd name="adj1" fmla="val 50000"/>
+            </a:avLst>
           </a:prstGeom>
           <a:ln w="19050">
             <a:solidFill>
@@ -5281,10 +5622,10 @@
       </p:cxnSp>
       <p:sp>
         <p:nvSpPr>
-          <p:cNvPr id="50" name="TextBox 49">
-            <a:extLst>
-              <a:ext uri="{FF2B5EF4-FFF2-40B4-BE49-F238E27FC236}">
-                <a16:creationId xmlns:a16="http://schemas.microsoft.com/office/drawing/2014/main" id="{B3FA9D57-880F-49C4-AD0B-A64E30D6F403}"/>
+          <p:cNvPr id="217" name="TextBox 216">
+            <a:extLst>
+              <a:ext uri="{FF2B5EF4-FFF2-40B4-BE49-F238E27FC236}">
+                <a16:creationId xmlns:a16="http://schemas.microsoft.com/office/drawing/2014/main" id="{2EA638DC-3261-4CDF-97BF-A40E923DF83D}"/>
               </a:ext>
             </a:extLst>
           </p:cNvPr>
@@ -5293,7 +5634,7 @@
         </p:nvSpPr>
         <p:spPr>
           <a:xfrm>
-            <a:off x="6714344" y="2430721"/>
+            <a:off x="7466243" y="2255711"/>
             <a:ext cx="189257" cy="178683"/>
           </a:xfrm>
           <a:prstGeom prst="rect">
@@ -5326,10 +5667,10 @@
       </p:sp>
       <p:sp>
         <p:nvSpPr>
-          <p:cNvPr id="55" name="Flowchart: Decision 96">
-            <a:extLst>
-              <a:ext uri="{FF2B5EF4-FFF2-40B4-BE49-F238E27FC236}">
-                <a16:creationId xmlns:a16="http://schemas.microsoft.com/office/drawing/2014/main" id="{B9F96195-942D-4692-91B7-CF34229E7461}"/>
+          <p:cNvPr id="218" name="Rectangle 8">
+            <a:extLst>
+              <a:ext uri="{FF2B5EF4-FFF2-40B4-BE49-F238E27FC236}">
+                <a16:creationId xmlns:a16="http://schemas.microsoft.com/office/drawing/2014/main" id="{2F8D4629-D8BC-405A-BF7F-3656BCD42FB2}"/>
               </a:ext>
             </a:extLst>
           </p:cNvPr>
@@ -5337,14 +5678,130 @@
           <p:nvPr/>
         </p:nvSpPr>
         <p:spPr>
+          <a:xfrm>
+            <a:off x="3170181" y="1883241"/>
+            <a:ext cx="1060683" cy="364396"/>
+          </a:xfrm>
+          <a:prstGeom prst="rect">
+            <a:avLst/>
+          </a:prstGeom>
+          <a:ln w="19050">
+            <a:solidFill>
+              <a:srgbClr val="7030A0"/>
+            </a:solidFill>
+          </a:ln>
+          <a:effectLst/>
+        </p:spPr>
+        <p:style>
+          <a:lnRef idx="1">
+            <a:schemeClr val="accent4"/>
+          </a:lnRef>
+          <a:fillRef idx="2">
+            <a:schemeClr val="accent4"/>
+          </a:fillRef>
+          <a:effectRef idx="1">
+            <a:schemeClr val="accent4"/>
+          </a:effectRef>
+          <a:fontRef idx="minor">
+            <a:schemeClr val="dk1"/>
+          </a:fontRef>
+        </p:style>
+        <p:txBody>
+          <a:bodyPr rtlCol="0" anchor="ctr"/>
+          <a:lstStyle/>
+          <a:p>
+            <a:pPr algn="ctr"/>
+            <a:r>
+              <a:rPr lang="en-US" sz="1050" dirty="0" err="1">
+                <a:solidFill>
+                  <a:srgbClr val="7030A0"/>
+                </a:solidFill>
+              </a:rPr>
+              <a:t>AddressBook</a:t>
+            </a:r>
+            <a:endParaRPr lang="en-SG" sz="1050" dirty="0">
+              <a:solidFill>
+                <a:srgbClr val="7030A0"/>
+              </a:solidFill>
+            </a:endParaRPr>
+          </a:p>
+        </p:txBody>
+      </p:sp>
+      <p:cxnSp>
+        <p:nvCxnSpPr>
+          <p:cNvPr id="219" name="Straight Arrow Connector 218">
+            <a:extLst>
+              <a:ext uri="{FF2B5EF4-FFF2-40B4-BE49-F238E27FC236}">
+                <a16:creationId xmlns:a16="http://schemas.microsoft.com/office/drawing/2014/main" id="{533BD535-16BE-44AD-AA58-75A4D200A5FF}"/>
+              </a:ext>
+            </a:extLst>
+          </p:cNvPr>
+          <p:cNvCxnSpPr>
+            <a:cxnSpLocks/>
+            <a:endCxn id="190" idx="1"/>
+          </p:cNvCxnSpPr>
+          <p:nvPr/>
+        </p:nvCxnSpPr>
+        <p:spPr>
+          <a:xfrm>
+            <a:off x="4324972" y="2874916"/>
+            <a:ext cx="367678" cy="12320"/>
+          </a:xfrm>
+          <a:prstGeom prst="straightConnector1">
+            <a:avLst/>
+          </a:prstGeom>
+          <a:ln w="19050">
+            <a:solidFill>
+              <a:srgbClr val="7030A0"/>
+            </a:solidFill>
+            <a:headEnd type="none" w="med" len="med"/>
+            <a:tailEnd type="arrow" w="med" len="med"/>
+          </a:ln>
+          <a:effectLst/>
+        </p:spPr>
+        <p:style>
+          <a:lnRef idx="1">
+            <a:schemeClr val="accent2"/>
+          </a:lnRef>
+          <a:fillRef idx="2">
+            <a:schemeClr val="accent2"/>
+          </a:fillRef>
+          <a:effectRef idx="1">
+            <a:schemeClr val="accent2"/>
+          </a:effectRef>
+          <a:fontRef idx="minor">
+            <a:schemeClr val="dk1"/>
+          </a:fontRef>
+        </p:style>
+      </p:cxnSp>
+      <p:sp>
+        <p:nvSpPr>
+          <p:cNvPr id="220" name="Isosceles Triangle 102">
+            <a:extLst>
+              <a:ext uri="{FF2B5EF4-FFF2-40B4-BE49-F238E27FC236}">
+                <a16:creationId xmlns:a16="http://schemas.microsoft.com/office/drawing/2014/main" id="{C31312B4-D123-4696-AB36-E6C4FC15A30B}"/>
+              </a:ext>
+            </a:extLst>
+          </p:cNvPr>
+          <p:cNvSpPr/>
+          <p:nvPr/>
+        </p:nvSpPr>
+        <p:spPr>
           <a:xfrm rot="16200000">
-            <a:off x="6553482" y="2664721"/>
-            <a:ext cx="236048" cy="173380"/>
-          </a:xfrm>
-          <a:prstGeom prst="flowChartDecision">
-            <a:avLst/>
-          </a:prstGeom>
-          <a:noFill/>
+            <a:off x="2669073" y="1954049"/>
+            <a:ext cx="271014" cy="187417"/>
+          </a:xfrm>
+          <a:prstGeom prst="triangle">
+            <a:avLst>
+              <a:gd name="adj" fmla="val 44517"/>
+            </a:avLst>
+          </a:prstGeom>
+          <a:solidFill>
+            <a:schemeClr val="accent4">
+              <a:lumMod val="20000"/>
+              <a:lumOff val="80000"/>
+            </a:schemeClr>
+          </a:solidFill>
           <a:ln w="19050">
             <a:solidFill>
               <a:srgbClr val="7030A0"/>
@@ -5371,39 +5828,42 @@
           <a:lstStyle/>
           <a:p>
             <a:pPr algn="ctr"/>
-            <a:endParaRPr lang="en-US" sz="1050"/>
+            <a:endParaRPr lang="en-SG" sz="1050"/>
           </a:p>
         </p:txBody>
       </p:sp>
       <p:cxnSp>
         <p:nvCxnSpPr>
-          <p:cNvPr id="59" name="Elbow Connector 63">
-            <a:extLst>
-              <a:ext uri="{FF2B5EF4-FFF2-40B4-BE49-F238E27FC236}">
-                <a16:creationId xmlns:a16="http://schemas.microsoft.com/office/drawing/2014/main" id="{E2D6A56C-A223-4236-A1F0-7EFEBA2FC940}"/>
+          <p:cNvPr id="221" name="Elbow Connector 63">
+            <a:extLst>
+              <a:ext uri="{FF2B5EF4-FFF2-40B4-BE49-F238E27FC236}">
+                <a16:creationId xmlns:a16="http://schemas.microsoft.com/office/drawing/2014/main" id="{F23A24C8-102B-442D-8C02-F05D0A53BC8D}"/>
               </a:ext>
             </a:extLst>
           </p:cNvPr>
           <p:cNvCxnSpPr>
-            <a:cxnSpLocks/>
-            <a:endCxn id="67" idx="1"/>
+            <a:stCxn id="220" idx="3"/>
+            <a:endCxn id="218" idx="1"/>
           </p:cNvCxnSpPr>
           <p:nvPr/>
         </p:nvCxnSpPr>
         <p:spPr>
-          <a:xfrm flipV="1">
-            <a:off x="5884280" y="2233006"/>
-            <a:ext cx="432916" cy="111294"/>
+          <a:xfrm>
+            <a:off x="2898289" y="2062618"/>
+            <a:ext cx="271892" cy="2821"/>
           </a:xfrm>
           <a:prstGeom prst="bentConnector3">
-            <a:avLst/>
+            <a:avLst>
+              <a:gd name="adj1" fmla="val 50000"/>
+            </a:avLst>
           </a:prstGeom>
           <a:ln w="19050">
             <a:solidFill>
               <a:srgbClr val="7030A0"/>
             </a:solidFill>
+            <a:prstDash val="sysDot"/>
             <a:headEnd type="none" w="med" len="med"/>
-            <a:tailEnd type="arrow" w="med" len="med"/>
+            <a:tailEnd type="none" w="med" len="med"/>
           </a:ln>
           <a:effectLst/>
         </p:spPr>
@@ -5424,10 +5884,10 @@
       </p:cxnSp>
       <p:sp>
         <p:nvSpPr>
-          <p:cNvPr id="67" name="Rectangle 8">
-            <a:extLst>
-              <a:ext uri="{FF2B5EF4-FFF2-40B4-BE49-F238E27FC236}">
-                <a16:creationId xmlns:a16="http://schemas.microsoft.com/office/drawing/2014/main" id="{36D68104-33BB-4C8F-B764-F3F0B25E592B}"/>
+          <p:cNvPr id="222" name="Rectangle 8">
+            <a:extLst>
+              <a:ext uri="{FF2B5EF4-FFF2-40B4-BE49-F238E27FC236}">
+                <a16:creationId xmlns:a16="http://schemas.microsoft.com/office/drawing/2014/main" id="{F087045D-28B2-42B5-9C83-02AC6E68AFD4}"/>
               </a:ext>
             </a:extLst>
           </p:cNvPr>
@@ -5436,8 +5896,8 @@
         </p:nvSpPr>
         <p:spPr>
           <a:xfrm>
-            <a:off x="6317196" y="2059626"/>
-            <a:ext cx="708186" cy="346760"/>
+            <a:off x="7712396" y="1764616"/>
+            <a:ext cx="898204" cy="285783"/>
           </a:xfrm>
           <a:prstGeom prst="rect">
             <a:avLst/>
@@ -5474,7 +5934,7 @@
                   <a:srgbClr val="7030A0"/>
                 </a:solidFill>
               </a:rPr>
-              <a:t>Tag</a:t>
+              <a:t>Department</a:t>
             </a:r>
             <a:endParaRPr lang="en-SG" sz="1050" dirty="0">
               <a:solidFill>
@@ -5486,42 +5946,59 @@
       </p:sp>
       <p:sp>
         <p:nvSpPr>
-          <p:cNvPr id="68" name="TextBox 67">
-            <a:extLst>
-              <a:ext uri="{FF2B5EF4-FFF2-40B4-BE49-F238E27FC236}">
-                <a16:creationId xmlns:a16="http://schemas.microsoft.com/office/drawing/2014/main" id="{18A2ABF0-4DA8-43EE-BACE-A737C4E4CFEC}"/>
-              </a:ext>
-            </a:extLst>
-          </p:cNvPr>
-          <p:cNvSpPr txBox="1"/>
-          <p:nvPr/>
-        </p:nvSpPr>
-        <p:spPr>
-          <a:xfrm>
-            <a:off x="6135256" y="2278014"/>
-            <a:ext cx="189257" cy="178683"/>
+          <p:cNvPr id="223" name="Rectangle 8">
+            <a:extLst>
+              <a:ext uri="{FF2B5EF4-FFF2-40B4-BE49-F238E27FC236}">
+                <a16:creationId xmlns:a16="http://schemas.microsoft.com/office/drawing/2014/main" id="{9EEC79AC-1DB9-4342-8812-5044F64E31AA}"/>
+              </a:ext>
+            </a:extLst>
+          </p:cNvPr>
+          <p:cNvSpPr/>
+          <p:nvPr/>
+        </p:nvSpPr>
+        <p:spPr>
+          <a:xfrm>
+            <a:off x="7712396" y="1429195"/>
+            <a:ext cx="898204" cy="285783"/>
           </a:xfrm>
           <a:prstGeom prst="rect">
             <a:avLst/>
           </a:prstGeom>
-          <a:noFill/>
-        </p:spPr>
-        <p:txBody>
-          <a:bodyPr wrap="square" lIns="0" tIns="0" rIns="0" bIns="0" rtlCol="0">
-            <a:noAutofit/>
-          </a:bodyPr>
+          <a:ln w="19050">
+            <a:solidFill>
+              <a:srgbClr val="7030A0"/>
+            </a:solidFill>
+          </a:ln>
+          <a:effectLst/>
+        </p:spPr>
+        <p:style>
+          <a:lnRef idx="1">
+            <a:schemeClr val="accent4"/>
+          </a:lnRef>
+          <a:fillRef idx="2">
+            <a:schemeClr val="accent4"/>
+          </a:fillRef>
+          <a:effectRef idx="1">
+            <a:schemeClr val="accent4"/>
+          </a:effectRef>
+          <a:fontRef idx="minor">
+            <a:schemeClr val="dk1"/>
+          </a:fontRef>
+        </p:style>
+        <p:txBody>
+          <a:bodyPr rtlCol="0" anchor="ctr"/>
           <a:lstStyle/>
           <a:p>
             <a:pPr algn="ctr"/>
             <a:r>
-              <a:rPr lang="en-US" sz="1100" dirty="0">
+              <a:rPr lang="en-US" sz="1050" dirty="0">
                 <a:solidFill>
                   <a:srgbClr val="7030A0"/>
                 </a:solidFill>
               </a:rPr>
-              <a:t>*</a:t>
-            </a:r>
-            <a:endParaRPr lang="en-SG" sz="1100" dirty="0">
+              <a:t>Designation</a:t>
+            </a:r>
+            <a:endParaRPr lang="en-SG" sz="1050" dirty="0">
               <a:solidFill>
                 <a:srgbClr val="7030A0"/>
               </a:solidFill>
@@ -5529,44 +6006,209 @@
           </a:p>
         </p:txBody>
       </p:sp>
-      <p:sp>
-        <p:nvSpPr>
-          <p:cNvPr id="69" name="TextBox 68">
-            <a:extLst>
-              <a:ext uri="{FF2B5EF4-FFF2-40B4-BE49-F238E27FC236}">
-                <a16:creationId xmlns:a16="http://schemas.microsoft.com/office/drawing/2014/main" id="{8CF9406A-39C7-4163-8880-BB65541FC08E}"/>
-              </a:ext>
-            </a:extLst>
-          </p:cNvPr>
-          <p:cNvSpPr txBox="1"/>
-          <p:nvPr/>
-        </p:nvSpPr>
-        <p:spPr>
-          <a:xfrm>
-            <a:off x="4367100" y="2172972"/>
-            <a:ext cx="189257" cy="178683"/>
+      <p:cxnSp>
+        <p:nvCxnSpPr>
+          <p:cNvPr id="224" name="Elbow Connector 78">
+            <a:extLst>
+              <a:ext uri="{FF2B5EF4-FFF2-40B4-BE49-F238E27FC236}">
+                <a16:creationId xmlns:a16="http://schemas.microsoft.com/office/drawing/2014/main" id="{D9E27835-B31D-4C49-842B-CE8ED4A11EB9}"/>
+              </a:ext>
+            </a:extLst>
+          </p:cNvPr>
+          <p:cNvCxnSpPr>
+            <a:cxnSpLocks/>
+          </p:cNvCxnSpPr>
+          <p:nvPr/>
+        </p:nvCxnSpPr>
+        <p:spPr>
+          <a:xfrm flipV="1">
+            <a:off x="7270103" y="2232878"/>
+            <a:ext cx="434402" cy="663182"/>
+          </a:xfrm>
+          <a:prstGeom prst="bentConnector3">
+            <a:avLst>
+              <a:gd name="adj1" fmla="val 50000"/>
+            </a:avLst>
+          </a:prstGeom>
+          <a:ln w="19050">
+            <a:solidFill>
+              <a:srgbClr val="7030A0"/>
+            </a:solidFill>
+            <a:headEnd type="none" w="med" len="med"/>
+            <a:tailEnd type="arrow" w="med" len="med"/>
+          </a:ln>
+          <a:effectLst/>
+        </p:spPr>
+        <p:style>
+          <a:lnRef idx="1">
+            <a:schemeClr val="accent2"/>
+          </a:lnRef>
+          <a:fillRef idx="2">
+            <a:schemeClr val="accent2"/>
+          </a:fillRef>
+          <a:effectRef idx="1">
+            <a:schemeClr val="accent2"/>
+          </a:effectRef>
+          <a:fontRef idx="minor">
+            <a:schemeClr val="dk1"/>
+          </a:fontRef>
+        </p:style>
+      </p:cxnSp>
+      <p:cxnSp>
+        <p:nvCxnSpPr>
+          <p:cNvPr id="225" name="Elbow Connector 78">
+            <a:extLst>
+              <a:ext uri="{FF2B5EF4-FFF2-40B4-BE49-F238E27FC236}">
+                <a16:creationId xmlns:a16="http://schemas.microsoft.com/office/drawing/2014/main" id="{8D86C177-4A09-4CB2-87AC-447B44BA63FA}"/>
+              </a:ext>
+            </a:extLst>
+          </p:cNvPr>
+          <p:cNvCxnSpPr>
+            <a:cxnSpLocks/>
+            <a:stCxn id="196" idx="3"/>
+            <a:endCxn id="222" idx="1"/>
+          </p:cNvCxnSpPr>
+          <p:nvPr/>
+        </p:nvCxnSpPr>
+        <p:spPr>
+          <a:xfrm flipV="1">
+            <a:off x="7277995" y="1907508"/>
+            <a:ext cx="434401" cy="995077"/>
+          </a:xfrm>
+          <a:prstGeom prst="bentConnector3">
+            <a:avLst>
+              <a:gd name="adj1" fmla="val 50000"/>
+            </a:avLst>
+          </a:prstGeom>
+          <a:ln w="19050">
+            <a:solidFill>
+              <a:srgbClr val="7030A0"/>
+            </a:solidFill>
+            <a:headEnd type="none" w="med" len="med"/>
+            <a:tailEnd type="arrow" w="med" len="med"/>
+          </a:ln>
+          <a:effectLst/>
+        </p:spPr>
+        <p:style>
+          <a:lnRef idx="1">
+            <a:schemeClr val="accent2"/>
+          </a:lnRef>
+          <a:fillRef idx="2">
+            <a:schemeClr val="accent2"/>
+          </a:fillRef>
+          <a:effectRef idx="1">
+            <a:schemeClr val="accent2"/>
+          </a:effectRef>
+          <a:fontRef idx="minor">
+            <a:schemeClr val="dk1"/>
+          </a:fontRef>
+        </p:style>
+      </p:cxnSp>
+      <p:cxnSp>
+        <p:nvCxnSpPr>
+          <p:cNvPr id="226" name="Elbow Connector 78">
+            <a:extLst>
+              <a:ext uri="{FF2B5EF4-FFF2-40B4-BE49-F238E27FC236}">
+                <a16:creationId xmlns:a16="http://schemas.microsoft.com/office/drawing/2014/main" id="{A11078A2-4EAF-4109-AE2C-CADB3C023EEB}"/>
+              </a:ext>
+            </a:extLst>
+          </p:cNvPr>
+          <p:cNvCxnSpPr>
+            <a:cxnSpLocks/>
+            <a:stCxn id="196" idx="3"/>
+            <a:endCxn id="223" idx="1"/>
+          </p:cNvCxnSpPr>
+          <p:nvPr/>
+        </p:nvCxnSpPr>
+        <p:spPr>
+          <a:xfrm flipV="1">
+            <a:off x="7277995" y="1572087"/>
+            <a:ext cx="434401" cy="1330498"/>
+          </a:xfrm>
+          <a:prstGeom prst="bentConnector3">
+            <a:avLst>
+              <a:gd name="adj1" fmla="val 50000"/>
+            </a:avLst>
+          </a:prstGeom>
+          <a:ln w="19050">
+            <a:solidFill>
+              <a:srgbClr val="7030A0"/>
+            </a:solidFill>
+            <a:headEnd type="none" w="med" len="med"/>
+            <a:tailEnd type="arrow" w="med" len="med"/>
+          </a:ln>
+          <a:effectLst/>
+        </p:spPr>
+        <p:style>
+          <a:lnRef idx="1">
+            <a:schemeClr val="accent2"/>
+          </a:lnRef>
+          <a:fillRef idx="2">
+            <a:schemeClr val="accent2"/>
+          </a:fillRef>
+          <a:effectRef idx="1">
+            <a:schemeClr val="accent2"/>
+          </a:effectRef>
+          <a:fontRef idx="minor">
+            <a:schemeClr val="dk1"/>
+          </a:fontRef>
+        </p:style>
+      </p:cxnSp>
+      <p:sp>
+        <p:nvSpPr>
+          <p:cNvPr id="227" name="Rectangle 8">
+            <a:extLst>
+              <a:ext uri="{FF2B5EF4-FFF2-40B4-BE49-F238E27FC236}">
+                <a16:creationId xmlns:a16="http://schemas.microsoft.com/office/drawing/2014/main" id="{CF29C074-CDE0-47FC-91AC-B2EB995EE04F}"/>
+              </a:ext>
+            </a:extLst>
+          </p:cNvPr>
+          <p:cNvSpPr/>
+          <p:nvPr/>
+        </p:nvSpPr>
+        <p:spPr>
+          <a:xfrm>
+            <a:off x="2834412" y="4123465"/>
+            <a:ext cx="1490560" cy="334856"/>
           </a:xfrm>
           <a:prstGeom prst="rect">
             <a:avLst/>
           </a:prstGeom>
-          <a:noFill/>
-        </p:spPr>
-        <p:txBody>
-          <a:bodyPr wrap="square" lIns="0" tIns="0" rIns="0" bIns="0" rtlCol="0">
-            <a:noAutofit/>
-          </a:bodyPr>
+          <a:ln w="19050">
+            <a:solidFill>
+              <a:srgbClr val="7030A0"/>
+            </a:solidFill>
+          </a:ln>
+          <a:effectLst/>
+        </p:spPr>
+        <p:style>
+          <a:lnRef idx="1">
+            <a:schemeClr val="accent4"/>
+          </a:lnRef>
+          <a:fillRef idx="2">
+            <a:schemeClr val="accent4"/>
+          </a:fillRef>
+          <a:effectRef idx="1">
+            <a:schemeClr val="accent4"/>
+          </a:effectRef>
+          <a:fontRef idx="minor">
+            <a:schemeClr val="dk1"/>
+          </a:fontRef>
+        </p:style>
+        <p:txBody>
+          <a:bodyPr rtlCol="0" anchor="ctr"/>
           <a:lstStyle/>
           <a:p>
             <a:pPr algn="ctr"/>
             <a:r>
-              <a:rPr lang="en-US" sz="1100" dirty="0">
+              <a:rPr lang="en-US" sz="1050" dirty="0" err="1">
                 <a:solidFill>
                   <a:srgbClr val="7030A0"/>
                 </a:solidFill>
               </a:rPr>
-              <a:t>1</a:t>
-            </a:r>
-            <a:endParaRPr lang="en-SG" sz="1100" dirty="0">
+              <a:t>VersionedEventList</a:t>
+            </a:r>
+            <a:endParaRPr lang="en-SG" sz="1050" dirty="0">
               <a:solidFill>
                 <a:srgbClr val="7030A0"/>
               </a:solidFill>
@@ -5574,12 +6216,59 @@
           </a:p>
         </p:txBody>
       </p:sp>
-      <p:sp>
-        <p:nvSpPr>
-          <p:cNvPr id="71" name="Flowchart: Decision 96">
-            <a:extLst>
-              <a:ext uri="{FF2B5EF4-FFF2-40B4-BE49-F238E27FC236}">
-                <a16:creationId xmlns:a16="http://schemas.microsoft.com/office/drawing/2014/main" id="{233007D4-EEA2-4CA6-ACFE-1517B654224E}"/>
+      <p:cxnSp>
+        <p:nvCxnSpPr>
+          <p:cNvPr id="228" name="Straight Arrow Connector 227">
+            <a:extLst>
+              <a:ext uri="{FF2B5EF4-FFF2-40B4-BE49-F238E27FC236}">
+                <a16:creationId xmlns:a16="http://schemas.microsoft.com/office/drawing/2014/main" id="{E924F568-5BB6-4225-B9DE-31C831FCBF4A}"/>
+              </a:ext>
+            </a:extLst>
+          </p:cNvPr>
+          <p:cNvCxnSpPr>
+            <a:stCxn id="229" idx="3"/>
+            <a:endCxn id="227" idx="1"/>
+          </p:cNvCxnSpPr>
+          <p:nvPr/>
+        </p:nvCxnSpPr>
+        <p:spPr>
+          <a:xfrm>
+            <a:off x="2633492" y="4280336"/>
+            <a:ext cx="200920" cy="10557"/>
+          </a:xfrm>
+          <a:prstGeom prst="straightConnector1">
+            <a:avLst/>
+          </a:prstGeom>
+          <a:ln w="19050">
+            <a:solidFill>
+              <a:srgbClr val="7030A0"/>
+            </a:solidFill>
+            <a:headEnd type="none" w="med" len="med"/>
+            <a:tailEnd type="arrow" w="med" len="med"/>
+          </a:ln>
+          <a:effectLst/>
+        </p:spPr>
+        <p:style>
+          <a:lnRef idx="1">
+            <a:schemeClr val="accent2"/>
+          </a:lnRef>
+          <a:fillRef idx="2">
+            <a:schemeClr val="accent2"/>
+          </a:fillRef>
+          <a:effectRef idx="1">
+            <a:schemeClr val="accent2"/>
+          </a:effectRef>
+          <a:fontRef idx="minor">
+            <a:schemeClr val="dk1"/>
+          </a:fontRef>
+        </p:style>
+      </p:cxnSp>
+      <p:sp>
+        <p:nvSpPr>
+          <p:cNvPr id="229" name="Flowchart: Decision 96">
+            <a:extLst>
+              <a:ext uri="{FF2B5EF4-FFF2-40B4-BE49-F238E27FC236}">
+                <a16:creationId xmlns:a16="http://schemas.microsoft.com/office/drawing/2014/main" id="{92EE9209-1D18-4E70-B55D-D9F70EF59420}"/>
               </a:ext>
             </a:extLst>
           </p:cNvPr>
@@ -5588,15 +6277,13 @@
         </p:nvSpPr>
         <p:spPr>
           <a:xfrm>
-            <a:off x="5911329" y="2262081"/>
+            <a:off x="2397444" y="4193646"/>
             <a:ext cx="236048" cy="173380"/>
           </a:xfrm>
           <a:prstGeom prst="flowChartDecision">
             <a:avLst/>
           </a:prstGeom>
-          <a:solidFill>
-            <a:srgbClr val="7030A0"/>
-          </a:solidFill>
+          <a:noFill/>
           <a:ln w="19050">
             <a:solidFill>
               <a:srgbClr val="7030A0"/>
@@ -5627,111 +6314,24 @@
           </a:p>
         </p:txBody>
       </p:sp>
-      <p:cxnSp>
-        <p:nvCxnSpPr>
-          <p:cNvPr id="72" name="Elbow Connector 78">
-            <a:extLst>
-              <a:ext uri="{FF2B5EF4-FFF2-40B4-BE49-F238E27FC236}">
-                <a16:creationId xmlns:a16="http://schemas.microsoft.com/office/drawing/2014/main" id="{D5DFB8C5-B0B0-46C1-967B-4449112ABD6F}"/>
-              </a:ext>
-            </a:extLst>
-          </p:cNvPr>
-          <p:cNvCxnSpPr>
-            <a:cxnSpLocks/>
-            <a:stCxn id="55" idx="3"/>
-            <a:endCxn id="67" idx="2"/>
-          </p:cNvCxnSpPr>
-          <p:nvPr/>
-        </p:nvCxnSpPr>
-        <p:spPr>
-          <a:xfrm rot="16200000" flipV="1">
-            <a:off x="6557898" y="2519778"/>
-            <a:ext cx="227001" cy="217"/>
-          </a:xfrm>
-          <a:prstGeom prst="bentConnector3">
-            <a:avLst>
-              <a:gd name="adj1" fmla="val 50000"/>
-            </a:avLst>
-          </a:prstGeom>
-          <a:ln w="19050">
-            <a:solidFill>
-              <a:srgbClr val="7030A0"/>
-            </a:solidFill>
-            <a:headEnd type="none" w="med" len="med"/>
-            <a:tailEnd type="arrow" w="med" len="med"/>
-          </a:ln>
-          <a:effectLst/>
-        </p:spPr>
-        <p:style>
-          <a:lnRef idx="1">
-            <a:schemeClr val="accent2"/>
-          </a:lnRef>
-          <a:fillRef idx="2">
-            <a:schemeClr val="accent2"/>
-          </a:fillRef>
-          <a:effectRef idx="1">
-            <a:schemeClr val="accent2"/>
-          </a:effectRef>
-          <a:fontRef idx="minor">
-            <a:schemeClr val="dk1"/>
-          </a:fontRef>
-        </p:style>
-      </p:cxnSp>
-      <p:cxnSp>
-        <p:nvCxnSpPr>
-          <p:cNvPr id="90" name="Elbow Connector 63"/>
-          <p:cNvCxnSpPr>
-            <a:stCxn id="91" idx="3"/>
-          </p:cNvCxnSpPr>
-          <p:nvPr/>
-        </p:nvCxnSpPr>
-        <p:spPr>
-          <a:xfrm rot="5400000">
-            <a:off x="3470636" y="2687353"/>
-            <a:ext cx="293825" cy="5938"/>
-          </a:xfrm>
-          <a:prstGeom prst="bentConnector3">
-            <a:avLst>
-              <a:gd name="adj1" fmla="val 50000"/>
-            </a:avLst>
-          </a:prstGeom>
-          <a:ln w="19050">
-            <a:solidFill>
-              <a:srgbClr val="7030A0"/>
-            </a:solidFill>
-            <a:prstDash val="sysDot"/>
-            <a:headEnd type="none" w="med" len="med"/>
-            <a:tailEnd type="none" w="med" len="med"/>
-          </a:ln>
-          <a:effectLst/>
-        </p:spPr>
-        <p:style>
-          <a:lnRef idx="1">
-            <a:schemeClr val="accent2"/>
-          </a:lnRef>
-          <a:fillRef idx="2">
-            <a:schemeClr val="accent2"/>
-          </a:fillRef>
-          <a:effectRef idx="1">
-            <a:schemeClr val="accent2"/>
-          </a:effectRef>
-          <a:fontRef idx="minor">
-            <a:schemeClr val="dk1"/>
-          </a:fontRef>
-        </p:style>
-      </p:cxnSp>
-      <p:sp>
-        <p:nvSpPr>
-          <p:cNvPr id="91" name="Isosceles Triangle 102"/>
+      <p:sp>
+        <p:nvSpPr>
+          <p:cNvPr id="230" name="Rectangle 8">
+            <a:extLst>
+              <a:ext uri="{FF2B5EF4-FFF2-40B4-BE49-F238E27FC236}">
+                <a16:creationId xmlns:a16="http://schemas.microsoft.com/office/drawing/2014/main" id="{E9F68D61-B676-433B-B28E-B6A1A35E56F4}"/>
+              </a:ext>
+            </a:extLst>
+          </p:cNvPr>
           <p:cNvSpPr/>
           <p:nvPr/>
         </p:nvSpPr>
         <p:spPr>
-          <a:xfrm rot="10800000" flipV="1">
-            <a:off x="3479324" y="2386348"/>
-            <a:ext cx="282387" cy="157062"/>
-          </a:xfrm>
-          <a:prstGeom prst="triangle">
+          <a:xfrm>
+            <a:off x="4701782" y="4123465"/>
+            <a:ext cx="1156969" cy="346760"/>
+          </a:xfrm>
+          <a:prstGeom prst="rect">
             <a:avLst/>
           </a:prstGeom>
           <a:ln w="19050">
@@ -5760,9 +6360,17 @@
           <a:lstStyle/>
           <a:p>
             <a:pPr algn="ctr"/>
-            <a:endParaRPr lang="en-SG" sz="1050" b="1">
+            <a:r>
+              <a:rPr lang="en-US" sz="1050" dirty="0" err="1">
+                <a:solidFill>
+                  <a:srgbClr val="7030A0"/>
+                </a:solidFill>
+              </a:rPr>
+              <a:t>UniqueEventList</a:t>
+            </a:r>
+            <a:endParaRPr lang="en-SG" sz="1050" dirty="0">
               <a:solidFill>
-                <a:srgbClr val="92D050"/>
+                <a:srgbClr val="7030A0"/>
               </a:solidFill>
             </a:endParaRPr>
           </a:p>
@@ -5770,14 +6378,73 @@
       </p:sp>
       <p:sp>
         <p:nvSpPr>
-          <p:cNvPr id="92" name="Rectangle 8"/>
+          <p:cNvPr id="231" name="Flowchart: Decision 96">
+            <a:extLst>
+              <a:ext uri="{FF2B5EF4-FFF2-40B4-BE49-F238E27FC236}">
+                <a16:creationId xmlns:a16="http://schemas.microsoft.com/office/drawing/2014/main" id="{2211BBB8-72FB-4217-BF9B-94407CAEEDE3}"/>
+              </a:ext>
+            </a:extLst>
+          </p:cNvPr>
           <p:cNvSpPr/>
           <p:nvPr/>
         </p:nvSpPr>
         <p:spPr>
           <a:xfrm>
-            <a:off x="1177947" y="1998144"/>
-            <a:ext cx="1443661" cy="364396"/>
+            <a:off x="4334104" y="4330141"/>
+            <a:ext cx="236048" cy="173380"/>
+          </a:xfrm>
+          <a:prstGeom prst="flowChartDecision">
+            <a:avLst/>
+          </a:prstGeom>
+          <a:solidFill>
+            <a:srgbClr val="7030A0"/>
+          </a:solidFill>
+          <a:ln w="19050">
+            <a:solidFill>
+              <a:srgbClr val="7030A0"/>
+            </a:solidFill>
+          </a:ln>
+          <a:effectLst/>
+        </p:spPr>
+        <p:style>
+          <a:lnRef idx="1">
+            <a:schemeClr val="accent6"/>
+          </a:lnRef>
+          <a:fillRef idx="2">
+            <a:schemeClr val="accent6"/>
+          </a:fillRef>
+          <a:effectRef idx="1">
+            <a:schemeClr val="accent6"/>
+          </a:effectRef>
+          <a:fontRef idx="minor">
+            <a:schemeClr val="dk1"/>
+          </a:fontRef>
+        </p:style>
+        <p:txBody>
+          <a:bodyPr rtlCol="0" anchor="ctr"/>
+          <a:lstStyle/>
+          <a:p>
+            <a:pPr algn="ctr"/>
+            <a:endParaRPr lang="en-US" sz="1050"/>
+          </a:p>
+        </p:txBody>
+      </p:sp>
+      <p:sp>
+        <p:nvSpPr>
+          <p:cNvPr id="232" name="Rectangle 8">
+            <a:extLst>
+              <a:ext uri="{FF2B5EF4-FFF2-40B4-BE49-F238E27FC236}">
+                <a16:creationId xmlns:a16="http://schemas.microsoft.com/office/drawing/2014/main" id="{2216C3AB-18CE-4B48-BDE2-DA7C7395E0B2}"/>
+              </a:ext>
+            </a:extLst>
+          </p:cNvPr>
+          <p:cNvSpPr/>
+          <p:nvPr/>
+        </p:nvSpPr>
+        <p:spPr>
+          <a:xfrm>
+            <a:off x="6322809" y="4135369"/>
+            <a:ext cx="708186" cy="346760"/>
           </a:xfrm>
           <a:prstGeom prst="rect">
             <a:avLst/>
@@ -5814,22 +6481,7 @@
                   <a:srgbClr val="7030A0"/>
                 </a:solidFill>
               </a:rPr>
-              <a:t>&lt;&lt;interface&gt;&gt;</a:t>
-            </a:r>
-            <a:br>
-              <a:rPr lang="en-US" sz="1050" dirty="0">
-                <a:solidFill>
-                  <a:srgbClr val="7030A0"/>
-                </a:solidFill>
-              </a:rPr>
-            </a:br>
-            <a:r>
-              <a:rPr lang="en-US" sz="1050" dirty="0" err="1">
-                <a:solidFill>
-                  <a:srgbClr val="7030A0"/>
-                </a:solidFill>
-              </a:rPr>
-              <a:t>ReadOnlyAddressBook</a:t>
+              <a:t>Event</a:t>
             </a:r>
             <a:endParaRPr lang="en-SG" sz="1050" dirty="0">
               <a:solidFill>
@@ -5841,16 +6493,445 @@
       </p:sp>
       <p:sp>
         <p:nvSpPr>
-          <p:cNvPr id="93" name="Rectangle 8"/>
+          <p:cNvPr id="233" name="Flowchart: Decision 96">
+            <a:extLst>
+              <a:ext uri="{FF2B5EF4-FFF2-40B4-BE49-F238E27FC236}">
+                <a16:creationId xmlns:a16="http://schemas.microsoft.com/office/drawing/2014/main" id="{E98CD532-7AA9-4A5D-89CE-67D552B184E5}"/>
+              </a:ext>
+            </a:extLst>
+          </p:cNvPr>
           <p:cNvSpPr/>
           <p:nvPr/>
         </p:nvSpPr>
         <p:spPr>
           <a:xfrm>
-            <a:off x="3087206" y="1998144"/>
-            <a:ext cx="1060683" cy="364396"/>
+            <a:off x="5867883" y="4218979"/>
+            <a:ext cx="236048" cy="173380"/>
+          </a:xfrm>
+          <a:prstGeom prst="flowChartDecision">
+            <a:avLst/>
+          </a:prstGeom>
+          <a:noFill/>
+          <a:ln w="19050">
+            <a:solidFill>
+              <a:srgbClr val="7030A0"/>
+            </a:solidFill>
+          </a:ln>
+          <a:effectLst/>
+        </p:spPr>
+        <p:style>
+          <a:lnRef idx="1">
+            <a:schemeClr val="accent6"/>
+          </a:lnRef>
+          <a:fillRef idx="2">
+            <a:schemeClr val="accent6"/>
+          </a:fillRef>
+          <a:effectRef idx="1">
+            <a:schemeClr val="accent6"/>
+          </a:effectRef>
+          <a:fontRef idx="minor">
+            <a:schemeClr val="dk1"/>
+          </a:fontRef>
+        </p:style>
+        <p:txBody>
+          <a:bodyPr rtlCol="0" anchor="ctr"/>
+          <a:lstStyle/>
+          <a:p>
+            <a:pPr algn="ctr"/>
+            <a:endParaRPr lang="en-US" sz="1050"/>
+          </a:p>
+        </p:txBody>
+      </p:sp>
+      <p:cxnSp>
+        <p:nvCxnSpPr>
+          <p:cNvPr id="234" name="Elbow Connector 63">
+            <a:extLst>
+              <a:ext uri="{FF2B5EF4-FFF2-40B4-BE49-F238E27FC236}">
+                <a16:creationId xmlns:a16="http://schemas.microsoft.com/office/drawing/2014/main" id="{FEEF3E50-D97E-4AB6-AF95-29613B5E0D57}"/>
+              </a:ext>
+            </a:extLst>
+          </p:cNvPr>
+          <p:cNvCxnSpPr>
+            <a:stCxn id="233" idx="3"/>
+            <a:endCxn id="232" idx="1"/>
+          </p:cNvCxnSpPr>
+          <p:nvPr/>
+        </p:nvCxnSpPr>
+        <p:spPr>
+          <a:xfrm>
+            <a:off x="6103931" y="4305669"/>
+            <a:ext cx="218878" cy="3080"/>
+          </a:xfrm>
+          <a:prstGeom prst="bentConnector3">
+            <a:avLst/>
+          </a:prstGeom>
+          <a:ln w="19050">
+            <a:solidFill>
+              <a:srgbClr val="7030A0"/>
+            </a:solidFill>
+            <a:headEnd type="none" w="med" len="med"/>
+            <a:tailEnd type="arrow" w="med" len="med"/>
+          </a:ln>
+          <a:effectLst/>
+        </p:spPr>
+        <p:style>
+          <a:lnRef idx="1">
+            <a:schemeClr val="accent2"/>
+          </a:lnRef>
+          <a:fillRef idx="2">
+            <a:schemeClr val="accent2"/>
+          </a:fillRef>
+          <a:effectRef idx="1">
+            <a:schemeClr val="accent2"/>
+          </a:effectRef>
+          <a:fontRef idx="minor">
+            <a:schemeClr val="dk1"/>
+          </a:fontRef>
+        </p:style>
+      </p:cxnSp>
+      <p:sp>
+        <p:nvSpPr>
+          <p:cNvPr id="235" name="TextBox 234">
+            <a:extLst>
+              <a:ext uri="{FF2B5EF4-FFF2-40B4-BE49-F238E27FC236}">
+                <a16:creationId xmlns:a16="http://schemas.microsoft.com/office/drawing/2014/main" id="{E3A4F28D-5759-412C-893D-54BE367538B1}"/>
+              </a:ext>
+            </a:extLst>
+          </p:cNvPr>
+          <p:cNvSpPr txBox="1"/>
+          <p:nvPr/>
+        </p:nvSpPr>
+        <p:spPr>
+          <a:xfrm>
+            <a:off x="4484389" y="4464560"/>
+            <a:ext cx="189257" cy="178683"/>
           </a:xfrm>
           <a:prstGeom prst="rect">
+            <a:avLst/>
+          </a:prstGeom>
+          <a:noFill/>
+        </p:spPr>
+        <p:txBody>
+          <a:bodyPr wrap="square" lIns="0" tIns="0" rIns="0" bIns="0" rtlCol="0">
+            <a:noAutofit/>
+          </a:bodyPr>
+          <a:lstStyle/>
+          <a:p>
+            <a:pPr algn="ctr"/>
+            <a:r>
+              <a:rPr lang="en-US" sz="1100" dirty="0">
+                <a:solidFill>
+                  <a:srgbClr val="7030A0"/>
+                </a:solidFill>
+              </a:rPr>
+              <a:t>1</a:t>
+            </a:r>
+            <a:endParaRPr lang="en-SG" sz="1100" dirty="0">
+              <a:solidFill>
+                <a:srgbClr val="7030A0"/>
+              </a:solidFill>
+            </a:endParaRPr>
+          </a:p>
+        </p:txBody>
+      </p:sp>
+      <p:sp>
+        <p:nvSpPr>
+          <p:cNvPr id="236" name="TextBox 235">
+            <a:extLst>
+              <a:ext uri="{FF2B5EF4-FFF2-40B4-BE49-F238E27FC236}">
+                <a16:creationId xmlns:a16="http://schemas.microsoft.com/office/drawing/2014/main" id="{C2C0BA7E-073F-4633-8F25-6547099A30AD}"/>
+              </a:ext>
+            </a:extLst>
+          </p:cNvPr>
+          <p:cNvSpPr txBox="1"/>
+          <p:nvPr/>
+        </p:nvSpPr>
+        <p:spPr>
+          <a:xfrm>
+            <a:off x="6144388" y="4375220"/>
+            <a:ext cx="189257" cy="178683"/>
+          </a:xfrm>
+          <a:prstGeom prst="rect">
+            <a:avLst/>
+          </a:prstGeom>
+          <a:noFill/>
+        </p:spPr>
+        <p:txBody>
+          <a:bodyPr wrap="square" lIns="0" tIns="0" rIns="0" bIns="0" rtlCol="0">
+            <a:noAutofit/>
+          </a:bodyPr>
+          <a:lstStyle/>
+          <a:p>
+            <a:pPr algn="ctr"/>
+            <a:r>
+              <a:rPr lang="en-US" sz="1100" dirty="0">
+                <a:solidFill>
+                  <a:srgbClr val="7030A0"/>
+                </a:solidFill>
+              </a:rPr>
+              <a:t>*</a:t>
+            </a:r>
+            <a:endParaRPr lang="en-SG" sz="1100" dirty="0">
+              <a:solidFill>
+                <a:srgbClr val="7030A0"/>
+              </a:solidFill>
+            </a:endParaRPr>
+          </a:p>
+        </p:txBody>
+      </p:sp>
+      <p:sp>
+        <p:nvSpPr>
+          <p:cNvPr id="237" name="TextBox 236">
+            <a:extLst>
+              <a:ext uri="{FF2B5EF4-FFF2-40B4-BE49-F238E27FC236}">
+                <a16:creationId xmlns:a16="http://schemas.microsoft.com/office/drawing/2014/main" id="{7926C44F-B509-475E-ABB3-1B890D0378B5}"/>
+              </a:ext>
+            </a:extLst>
+          </p:cNvPr>
+          <p:cNvSpPr txBox="1"/>
+          <p:nvPr/>
+        </p:nvSpPr>
+        <p:spPr>
+          <a:xfrm>
+            <a:off x="2582526" y="4034018"/>
+            <a:ext cx="170110" cy="137542"/>
+          </a:xfrm>
+          <a:prstGeom prst="rect">
+            <a:avLst/>
+          </a:prstGeom>
+          <a:noFill/>
+        </p:spPr>
+        <p:txBody>
+          <a:bodyPr wrap="square" lIns="0" tIns="0" rIns="0" bIns="0" rtlCol="0">
+            <a:noAutofit/>
+          </a:bodyPr>
+          <a:lstStyle/>
+          <a:p>
+            <a:pPr algn="ctr"/>
+            <a:r>
+              <a:rPr lang="en-US" sz="1100" dirty="0">
+                <a:solidFill>
+                  <a:srgbClr val="7030A0"/>
+                </a:solidFill>
+              </a:rPr>
+              <a:t>1</a:t>
+            </a:r>
+            <a:endParaRPr lang="en-SG" sz="1100" dirty="0">
+              <a:solidFill>
+                <a:srgbClr val="7030A0"/>
+              </a:solidFill>
+            </a:endParaRPr>
+          </a:p>
+        </p:txBody>
+      </p:sp>
+      <p:cxnSp>
+        <p:nvCxnSpPr>
+          <p:cNvPr id="238" name="Straight Arrow Connector 237">
+            <a:extLst>
+              <a:ext uri="{FF2B5EF4-FFF2-40B4-BE49-F238E27FC236}">
+                <a16:creationId xmlns:a16="http://schemas.microsoft.com/office/drawing/2014/main" id="{221AD497-D1C8-4227-88B1-F79A55C206EF}"/>
+              </a:ext>
+            </a:extLst>
+          </p:cNvPr>
+          <p:cNvCxnSpPr>
+            <a:cxnSpLocks/>
+            <a:endCxn id="230" idx="1"/>
+          </p:cNvCxnSpPr>
+          <p:nvPr/>
+        </p:nvCxnSpPr>
+        <p:spPr>
+          <a:xfrm>
+            <a:off x="4334104" y="4284525"/>
+            <a:ext cx="367678" cy="12320"/>
+          </a:xfrm>
+          <a:prstGeom prst="straightConnector1">
+            <a:avLst/>
+          </a:prstGeom>
+          <a:ln w="19050">
+            <a:solidFill>
+              <a:srgbClr val="7030A0"/>
+            </a:solidFill>
+            <a:headEnd type="none" w="med" len="med"/>
+            <a:tailEnd type="arrow" w="med" len="med"/>
+          </a:ln>
+          <a:effectLst/>
+        </p:spPr>
+        <p:style>
+          <a:lnRef idx="1">
+            <a:schemeClr val="accent2"/>
+          </a:lnRef>
+          <a:fillRef idx="2">
+            <a:schemeClr val="accent2"/>
+          </a:fillRef>
+          <a:effectRef idx="1">
+            <a:schemeClr val="accent2"/>
+          </a:effectRef>
+          <a:fontRef idx="minor">
+            <a:schemeClr val="dk1"/>
+          </a:fontRef>
+        </p:style>
+      </p:cxnSp>
+      <p:cxnSp>
+        <p:nvCxnSpPr>
+          <p:cNvPr id="239" name="Elbow Connector 106">
+            <a:extLst>
+              <a:ext uri="{FF2B5EF4-FFF2-40B4-BE49-F238E27FC236}">
+                <a16:creationId xmlns:a16="http://schemas.microsoft.com/office/drawing/2014/main" id="{51CE78C2-068D-47D9-8B14-B86651FB37F9}"/>
+              </a:ext>
+            </a:extLst>
+          </p:cNvPr>
+          <p:cNvCxnSpPr>
+            <a:cxnSpLocks/>
+            <a:endCxn id="232" idx="0"/>
+          </p:cNvCxnSpPr>
+          <p:nvPr/>
+        </p:nvCxnSpPr>
+        <p:spPr>
+          <a:xfrm>
+            <a:off x="2220076" y="3938972"/>
+            <a:ext cx="4456826" cy="196397"/>
+          </a:xfrm>
+          <a:prstGeom prst="bentConnector2">
+            <a:avLst/>
+          </a:prstGeom>
+          <a:ln w="19050">
+            <a:solidFill>
+              <a:srgbClr val="7030A0"/>
+            </a:solidFill>
+            <a:prstDash val="solid"/>
+            <a:headEnd type="none" w="med" len="med"/>
+            <a:tailEnd type="arrow" w="med" len="med"/>
+          </a:ln>
+          <a:effectLst/>
+        </p:spPr>
+        <p:style>
+          <a:lnRef idx="1">
+            <a:schemeClr val="accent2"/>
+          </a:lnRef>
+          <a:fillRef idx="2">
+            <a:schemeClr val="accent2"/>
+          </a:fillRef>
+          <a:effectRef idx="1">
+            <a:schemeClr val="accent2"/>
+          </a:effectRef>
+          <a:fontRef idx="minor">
+            <a:schemeClr val="dk1"/>
+          </a:fontRef>
+        </p:style>
+      </p:cxnSp>
+      <p:sp>
+        <p:nvSpPr>
+          <p:cNvPr id="240" name="TextBox 239">
+            <a:extLst>
+              <a:ext uri="{FF2B5EF4-FFF2-40B4-BE49-F238E27FC236}">
+                <a16:creationId xmlns:a16="http://schemas.microsoft.com/office/drawing/2014/main" id="{4A5346F5-1BD5-4A06-B22D-9CC08EB5A9F3}"/>
+              </a:ext>
+            </a:extLst>
+          </p:cNvPr>
+          <p:cNvSpPr txBox="1"/>
+          <p:nvPr/>
+        </p:nvSpPr>
+        <p:spPr>
+          <a:xfrm>
+            <a:off x="6302294" y="3670461"/>
+            <a:ext cx="881018" cy="261610"/>
+          </a:xfrm>
+          <a:prstGeom prst="rect">
+            <a:avLst/>
+          </a:prstGeom>
+          <a:noFill/>
+        </p:spPr>
+        <p:txBody>
+          <a:bodyPr wrap="square" rtlCol="0">
+            <a:spAutoFit/>
+          </a:bodyPr>
+          <a:lstStyle/>
+          <a:p>
+            <a:pPr algn="r"/>
+            <a:r>
+              <a:rPr lang="en-US" sz="1100" dirty="0">
+                <a:solidFill>
+                  <a:srgbClr val="7030A0"/>
+                </a:solidFill>
+              </a:rPr>
+              <a:t>filtered list</a:t>
+            </a:r>
+            <a:endParaRPr lang="en-SG" sz="1100" dirty="0">
+              <a:solidFill>
+                <a:srgbClr val="7030A0"/>
+              </a:solidFill>
+            </a:endParaRPr>
+          </a:p>
+        </p:txBody>
+      </p:sp>
+      <p:cxnSp>
+        <p:nvCxnSpPr>
+          <p:cNvPr id="241" name="Elbow Connector 63">
+            <a:extLst>
+              <a:ext uri="{FF2B5EF4-FFF2-40B4-BE49-F238E27FC236}">
+                <a16:creationId xmlns:a16="http://schemas.microsoft.com/office/drawing/2014/main" id="{920C4039-8159-4646-9C2D-DED62064D0BC}"/>
+              </a:ext>
+            </a:extLst>
+          </p:cNvPr>
+          <p:cNvCxnSpPr>
+            <a:cxnSpLocks/>
+            <a:stCxn id="242" idx="3"/>
+          </p:cNvCxnSpPr>
+          <p:nvPr/>
+        </p:nvCxnSpPr>
+        <p:spPr>
+          <a:xfrm rot="16200000" flipV="1">
+            <a:off x="3989653" y="4516981"/>
+            <a:ext cx="119389" cy="2069"/>
+          </a:xfrm>
+          <a:prstGeom prst="bentConnector3">
+            <a:avLst>
+              <a:gd name="adj1" fmla="val 50000"/>
+            </a:avLst>
+          </a:prstGeom>
+          <a:ln w="19050">
+            <a:solidFill>
+              <a:srgbClr val="7030A0"/>
+            </a:solidFill>
+            <a:prstDash val="sysDot"/>
+            <a:headEnd type="none" w="med" len="med"/>
+            <a:tailEnd type="none" w="med" len="med"/>
+          </a:ln>
+          <a:effectLst/>
+        </p:spPr>
+        <p:style>
+          <a:lnRef idx="1">
+            <a:schemeClr val="accent2"/>
+          </a:lnRef>
+          <a:fillRef idx="2">
+            <a:schemeClr val="accent2"/>
+          </a:fillRef>
+          <a:effectRef idx="1">
+            <a:schemeClr val="accent2"/>
+          </a:effectRef>
+          <a:fontRef idx="minor">
+            <a:schemeClr val="dk1"/>
+          </a:fontRef>
+        </p:style>
+      </p:cxnSp>
+      <p:sp>
+        <p:nvSpPr>
+          <p:cNvPr id="242" name="Isosceles Triangle 102">
+            <a:extLst>
+              <a:ext uri="{FF2B5EF4-FFF2-40B4-BE49-F238E27FC236}">
+                <a16:creationId xmlns:a16="http://schemas.microsoft.com/office/drawing/2014/main" id="{526F689F-1E11-4887-A8B8-C3A964E780EB}"/>
+              </a:ext>
+            </a:extLst>
+          </p:cNvPr>
+          <p:cNvSpPr/>
+          <p:nvPr/>
+        </p:nvSpPr>
+        <p:spPr>
+          <a:xfrm flipV="1">
+            <a:off x="3909187" y="4577710"/>
+            <a:ext cx="282387" cy="157062"/>
+          </a:xfrm>
+          <a:prstGeom prst="triangle">
             <a:avLst/>
           </a:prstGeom>
           <a:ln w="19050">
@@ -5879,13 +6960,67 @@
           <a:lstStyle/>
           <a:p>
             <a:pPr algn="ctr"/>
+            <a:endParaRPr lang="en-SG" sz="1050" b="1">
+              <a:solidFill>
+                <a:srgbClr val="92D050"/>
+              </a:solidFill>
+            </a:endParaRPr>
+          </a:p>
+        </p:txBody>
+      </p:sp>
+      <p:sp>
+        <p:nvSpPr>
+          <p:cNvPr id="243" name="Rectangle 8">
+            <a:extLst>
+              <a:ext uri="{FF2B5EF4-FFF2-40B4-BE49-F238E27FC236}">
+                <a16:creationId xmlns:a16="http://schemas.microsoft.com/office/drawing/2014/main" id="{69B1CE57-749A-4561-BEDB-976ADBA2DB5F}"/>
+              </a:ext>
+            </a:extLst>
+          </p:cNvPr>
+          <p:cNvSpPr/>
+          <p:nvPr/>
+        </p:nvSpPr>
+        <p:spPr>
+          <a:xfrm>
+            <a:off x="3479784" y="4751288"/>
+            <a:ext cx="1060683" cy="364396"/>
+          </a:xfrm>
+          <a:prstGeom prst="rect">
+            <a:avLst/>
+          </a:prstGeom>
+          <a:ln w="19050">
+            <a:solidFill>
+              <a:srgbClr val="7030A0"/>
+            </a:solidFill>
+          </a:ln>
+          <a:effectLst/>
+        </p:spPr>
+        <p:style>
+          <a:lnRef idx="1">
+            <a:schemeClr val="accent4"/>
+          </a:lnRef>
+          <a:fillRef idx="2">
+            <a:schemeClr val="accent4"/>
+          </a:fillRef>
+          <a:effectRef idx="1">
+            <a:schemeClr val="accent4"/>
+          </a:effectRef>
+          <a:fontRef idx="minor">
+            <a:schemeClr val="dk1"/>
+          </a:fontRef>
+        </p:style>
+        <p:txBody>
+          <a:bodyPr rtlCol="0" anchor="ctr"/>
+          <a:lstStyle/>
+          <a:p>
+            <a:pPr algn="ctr"/>
             <a:r>
               <a:rPr lang="en-US" sz="1050" dirty="0" err="1">
                 <a:solidFill>
                   <a:srgbClr val="7030A0"/>
                 </a:solidFill>
               </a:rPr>
-              <a:t>AddressBook</a:t>
+              <a:t>EventList</a:t>
             </a:r>
             <a:endParaRPr lang="en-SG" sz="1050" dirty="0">
               <a:solidFill>
@@ -5897,13 +7032,96 @@
       </p:sp>
       <p:sp>
         <p:nvSpPr>
-          <p:cNvPr id="94" name="Isosceles Triangle 102"/>
+          <p:cNvPr id="244" name="Rectangle 8">
+            <a:extLst>
+              <a:ext uri="{FF2B5EF4-FFF2-40B4-BE49-F238E27FC236}">
+                <a16:creationId xmlns:a16="http://schemas.microsoft.com/office/drawing/2014/main" id="{03C14A99-AFE2-4118-A16F-28A955A84754}"/>
+              </a:ext>
+            </a:extLst>
+          </p:cNvPr>
           <p:cNvSpPr/>
           <p:nvPr/>
         </p:nvSpPr>
         <p:spPr>
+          <a:xfrm>
+            <a:off x="1582708" y="4751288"/>
+            <a:ext cx="1443661" cy="364396"/>
+          </a:xfrm>
+          <a:prstGeom prst="rect">
+            <a:avLst/>
+          </a:prstGeom>
+          <a:ln w="19050">
+            <a:solidFill>
+              <a:srgbClr val="7030A0"/>
+            </a:solidFill>
+          </a:ln>
+          <a:effectLst/>
+        </p:spPr>
+        <p:style>
+          <a:lnRef idx="1">
+            <a:schemeClr val="accent4"/>
+          </a:lnRef>
+          <a:fillRef idx="2">
+            <a:schemeClr val="accent4"/>
+          </a:fillRef>
+          <a:effectRef idx="1">
+            <a:schemeClr val="accent4"/>
+          </a:effectRef>
+          <a:fontRef idx="minor">
+            <a:schemeClr val="dk1"/>
+          </a:fontRef>
+        </p:style>
+        <p:txBody>
+          <a:bodyPr rtlCol="0" anchor="ctr"/>
+          <a:lstStyle/>
+          <a:p>
+            <a:pPr algn="ctr"/>
+            <a:r>
+              <a:rPr lang="en-US" sz="1050" dirty="0">
+                <a:solidFill>
+                  <a:srgbClr val="7030A0"/>
+                </a:solidFill>
+              </a:rPr>
+              <a:t>&lt;&lt;interface&gt;&gt;</a:t>
+            </a:r>
+            <a:br>
+              <a:rPr lang="en-US" sz="1050" dirty="0">
+                <a:solidFill>
+                  <a:srgbClr val="7030A0"/>
+                </a:solidFill>
+              </a:rPr>
+            </a:br>
+            <a:r>
+              <a:rPr lang="en-US" sz="1050" dirty="0" err="1">
+                <a:solidFill>
+                  <a:srgbClr val="7030A0"/>
+                </a:solidFill>
+              </a:rPr>
+              <a:t>ReadOnlyEventList</a:t>
+            </a:r>
+            <a:endParaRPr lang="en-SG" sz="1050" dirty="0">
+              <a:solidFill>
+                <a:srgbClr val="7030A0"/>
+              </a:solidFill>
+            </a:endParaRPr>
+          </a:p>
+        </p:txBody>
+      </p:sp>
+      <p:sp>
+        <p:nvSpPr>
+          <p:cNvPr id="245" name="Isosceles Triangle 102">
+            <a:extLst>
+              <a:ext uri="{FF2B5EF4-FFF2-40B4-BE49-F238E27FC236}">
+                <a16:creationId xmlns:a16="http://schemas.microsoft.com/office/drawing/2014/main" id="{E4824317-C158-4E45-941F-4FCDC2ED7FBD}"/>
+              </a:ext>
+            </a:extLst>
+          </p:cNvPr>
+          <p:cNvSpPr/>
+          <p:nvPr/>
+        </p:nvSpPr>
+        <p:spPr>
           <a:xfrm rot="16200000">
-            <a:off x="2586098" y="2068952"/>
+            <a:off x="2990859" y="4822096"/>
             <a:ext cx="271014" cy="187417"/>
           </a:xfrm>
           <a:prstGeom prst="triangle">
@@ -5949,16 +7167,21 @@
       </p:sp>
       <p:cxnSp>
         <p:nvCxnSpPr>
-          <p:cNvPr id="95" name="Elbow Connector 63"/>
+          <p:cNvPr id="246" name="Elbow Connector 63">
+            <a:extLst>
+              <a:ext uri="{FF2B5EF4-FFF2-40B4-BE49-F238E27FC236}">
+                <a16:creationId xmlns:a16="http://schemas.microsoft.com/office/drawing/2014/main" id="{E83DBFE0-E92A-4F52-8869-3C6BDDA369AB}"/>
+              </a:ext>
+            </a:extLst>
+          </p:cNvPr>
           <p:cNvCxnSpPr>
-            <a:stCxn id="94" idx="3"/>
-            <a:endCxn id="93" idx="1"/>
+            <a:stCxn id="245" idx="3"/>
           </p:cNvCxnSpPr>
           <p:nvPr/>
         </p:nvCxnSpPr>
         <p:spPr>
           <a:xfrm>
-            <a:off x="2815314" y="2177521"/>
+            <a:off x="3220075" y="4930665"/>
             <a:ext cx="271892" cy="2821"/>
           </a:xfrm>
           <a:prstGeom prst="bentConnector3">
@@ -5973,6 +7196,1272 @@
             <a:prstDash val="sysDot"/>
             <a:headEnd type="none" w="med" len="med"/>
             <a:tailEnd type="none" w="med" len="med"/>
+          </a:ln>
+          <a:effectLst/>
+        </p:spPr>
+        <p:style>
+          <a:lnRef idx="1">
+            <a:schemeClr val="accent2"/>
+          </a:lnRef>
+          <a:fillRef idx="2">
+            <a:schemeClr val="accent2"/>
+          </a:fillRef>
+          <a:effectRef idx="1">
+            <a:schemeClr val="accent2"/>
+          </a:effectRef>
+          <a:fontRef idx="minor">
+            <a:schemeClr val="dk1"/>
+          </a:fontRef>
+        </p:style>
+      </p:cxnSp>
+      <p:sp>
+        <p:nvSpPr>
+          <p:cNvPr id="247" name="Flowchart: Decision 96">
+            <a:extLst>
+              <a:ext uri="{FF2B5EF4-FFF2-40B4-BE49-F238E27FC236}">
+                <a16:creationId xmlns:a16="http://schemas.microsoft.com/office/drawing/2014/main" id="{48BFFA69-CC50-47EA-84AA-BB29052615E3}"/>
+              </a:ext>
+            </a:extLst>
+          </p:cNvPr>
+          <p:cNvSpPr/>
+          <p:nvPr/>
+        </p:nvSpPr>
+        <p:spPr>
+          <a:xfrm>
+            <a:off x="7030995" y="4237813"/>
+            <a:ext cx="236048" cy="173380"/>
+          </a:xfrm>
+          <a:prstGeom prst="flowChartDecision">
+            <a:avLst/>
+          </a:prstGeom>
+          <a:solidFill>
+            <a:srgbClr val="7030A0"/>
+          </a:solidFill>
+          <a:ln w="19050">
+            <a:solidFill>
+              <a:srgbClr val="7030A0"/>
+            </a:solidFill>
+          </a:ln>
+          <a:effectLst/>
+        </p:spPr>
+        <p:style>
+          <a:lnRef idx="1">
+            <a:schemeClr val="accent6"/>
+          </a:lnRef>
+          <a:fillRef idx="2">
+            <a:schemeClr val="accent6"/>
+          </a:fillRef>
+          <a:effectRef idx="1">
+            <a:schemeClr val="accent6"/>
+          </a:effectRef>
+          <a:fontRef idx="minor">
+            <a:schemeClr val="dk1"/>
+          </a:fontRef>
+        </p:style>
+        <p:txBody>
+          <a:bodyPr rtlCol="0" anchor="ctr"/>
+          <a:lstStyle/>
+          <a:p>
+            <a:pPr algn="ctr"/>
+            <a:endParaRPr lang="en-US" sz="1050"/>
+          </a:p>
+        </p:txBody>
+      </p:sp>
+      <p:sp>
+        <p:nvSpPr>
+          <p:cNvPr id="248" name="Rectangle 8">
+            <a:extLst>
+              <a:ext uri="{FF2B5EF4-FFF2-40B4-BE49-F238E27FC236}">
+                <a16:creationId xmlns:a16="http://schemas.microsoft.com/office/drawing/2014/main" id="{49DE0DAA-29FD-4BA9-ACA2-9A42112BEECC}"/>
+              </a:ext>
+            </a:extLst>
+          </p:cNvPr>
+          <p:cNvSpPr/>
+          <p:nvPr/>
+        </p:nvSpPr>
+        <p:spPr>
+          <a:xfrm>
+            <a:off x="7712396" y="3847007"/>
+            <a:ext cx="822003" cy="285783"/>
+          </a:xfrm>
+          <a:prstGeom prst="rect">
+            <a:avLst/>
+          </a:prstGeom>
+          <a:ln w="19050">
+            <a:solidFill>
+              <a:srgbClr val="7030A0"/>
+            </a:solidFill>
+          </a:ln>
+          <a:effectLst/>
+        </p:spPr>
+        <p:style>
+          <a:lnRef idx="1">
+            <a:schemeClr val="accent4"/>
+          </a:lnRef>
+          <a:fillRef idx="2">
+            <a:schemeClr val="accent4"/>
+          </a:fillRef>
+          <a:effectRef idx="1">
+            <a:schemeClr val="accent4"/>
+          </a:effectRef>
+          <a:fontRef idx="minor">
+            <a:schemeClr val="dk1"/>
+          </a:fontRef>
+        </p:style>
+        <p:txBody>
+          <a:bodyPr rtlCol="0" anchor="ctr"/>
+          <a:lstStyle/>
+          <a:p>
+            <a:pPr algn="ctr"/>
+            <a:r>
+              <a:rPr lang="en-US" sz="1050" dirty="0" err="1">
+                <a:solidFill>
+                  <a:srgbClr val="7030A0"/>
+                </a:solidFill>
+              </a:rPr>
+              <a:t>EventName</a:t>
+            </a:r>
+            <a:endParaRPr lang="en-SG" sz="1050" dirty="0">
+              <a:solidFill>
+                <a:srgbClr val="7030A0"/>
+              </a:solidFill>
+            </a:endParaRPr>
+          </a:p>
+        </p:txBody>
+      </p:sp>
+      <p:sp>
+        <p:nvSpPr>
+          <p:cNvPr id="249" name="Rectangle 8">
+            <a:extLst>
+              <a:ext uri="{FF2B5EF4-FFF2-40B4-BE49-F238E27FC236}">
+                <a16:creationId xmlns:a16="http://schemas.microsoft.com/office/drawing/2014/main" id="{1F847553-DF9D-45B7-92EF-F382ACEB4C63}"/>
+              </a:ext>
+            </a:extLst>
+          </p:cNvPr>
+          <p:cNvSpPr/>
+          <p:nvPr/>
+        </p:nvSpPr>
+        <p:spPr>
+          <a:xfrm>
+            <a:off x="7712396" y="4182328"/>
+            <a:ext cx="822003" cy="285783"/>
+          </a:xfrm>
+          <a:prstGeom prst="rect">
+            <a:avLst/>
+          </a:prstGeom>
+          <a:ln w="19050">
+            <a:solidFill>
+              <a:srgbClr val="7030A0"/>
+            </a:solidFill>
+          </a:ln>
+          <a:effectLst/>
+        </p:spPr>
+        <p:style>
+          <a:lnRef idx="1">
+            <a:schemeClr val="accent4"/>
+          </a:lnRef>
+          <a:fillRef idx="2">
+            <a:schemeClr val="accent4"/>
+          </a:fillRef>
+          <a:effectRef idx="1">
+            <a:schemeClr val="accent4"/>
+          </a:effectRef>
+          <a:fontRef idx="minor">
+            <a:schemeClr val="dk1"/>
+          </a:fontRef>
+        </p:style>
+        <p:txBody>
+          <a:bodyPr rtlCol="0" anchor="ctr"/>
+          <a:lstStyle/>
+          <a:p>
+            <a:pPr algn="ctr"/>
+            <a:r>
+              <a:rPr lang="en-US" sz="1050" dirty="0">
+                <a:solidFill>
+                  <a:srgbClr val="7030A0"/>
+                </a:solidFill>
+              </a:rPr>
+              <a:t>Description</a:t>
+            </a:r>
+            <a:endParaRPr lang="en-SG" sz="1050" dirty="0">
+              <a:solidFill>
+                <a:srgbClr val="7030A0"/>
+              </a:solidFill>
+            </a:endParaRPr>
+          </a:p>
+        </p:txBody>
+      </p:sp>
+      <p:sp>
+        <p:nvSpPr>
+          <p:cNvPr id="250" name="Rectangle 8">
+            <a:extLst>
+              <a:ext uri="{FF2B5EF4-FFF2-40B4-BE49-F238E27FC236}">
+                <a16:creationId xmlns:a16="http://schemas.microsoft.com/office/drawing/2014/main" id="{83F43990-05A1-4783-81C4-CEAD15CDDF78}"/>
+              </a:ext>
+            </a:extLst>
+          </p:cNvPr>
+          <p:cNvSpPr/>
+          <p:nvPr/>
+        </p:nvSpPr>
+        <p:spPr>
+          <a:xfrm>
+            <a:off x="7705136" y="4530157"/>
+            <a:ext cx="822003" cy="285783"/>
+          </a:xfrm>
+          <a:prstGeom prst="rect">
+            <a:avLst/>
+          </a:prstGeom>
+          <a:ln w="19050">
+            <a:solidFill>
+              <a:srgbClr val="7030A0"/>
+            </a:solidFill>
+          </a:ln>
+          <a:effectLst/>
+        </p:spPr>
+        <p:style>
+          <a:lnRef idx="1">
+            <a:schemeClr val="accent4"/>
+          </a:lnRef>
+          <a:fillRef idx="2">
+            <a:schemeClr val="accent4"/>
+          </a:fillRef>
+          <a:effectRef idx="1">
+            <a:schemeClr val="accent4"/>
+          </a:effectRef>
+          <a:fontRef idx="minor">
+            <a:schemeClr val="dk1"/>
+          </a:fontRef>
+        </p:style>
+        <p:txBody>
+          <a:bodyPr rtlCol="0" anchor="ctr"/>
+          <a:lstStyle/>
+          <a:p>
+            <a:pPr algn="ctr"/>
+            <a:r>
+              <a:rPr lang="en-US" sz="1050" dirty="0">
+                <a:solidFill>
+                  <a:srgbClr val="7030A0"/>
+                </a:solidFill>
+              </a:rPr>
+              <a:t>Location</a:t>
+            </a:r>
+            <a:endParaRPr lang="en-SG" sz="1050" dirty="0">
+              <a:solidFill>
+                <a:srgbClr val="7030A0"/>
+              </a:solidFill>
+            </a:endParaRPr>
+          </a:p>
+        </p:txBody>
+      </p:sp>
+      <p:sp>
+        <p:nvSpPr>
+          <p:cNvPr id="251" name="Rectangle 8">
+            <a:extLst>
+              <a:ext uri="{FF2B5EF4-FFF2-40B4-BE49-F238E27FC236}">
+                <a16:creationId xmlns:a16="http://schemas.microsoft.com/office/drawing/2014/main" id="{520AFD69-CC77-4EEE-A211-20FDDC27923B}"/>
+              </a:ext>
+            </a:extLst>
+          </p:cNvPr>
+          <p:cNvSpPr/>
+          <p:nvPr/>
+        </p:nvSpPr>
+        <p:spPr>
+          <a:xfrm>
+            <a:off x="7712395" y="4877521"/>
+            <a:ext cx="822003" cy="285783"/>
+          </a:xfrm>
+          <a:prstGeom prst="rect">
+            <a:avLst/>
+          </a:prstGeom>
+          <a:ln w="19050">
+            <a:solidFill>
+              <a:srgbClr val="7030A0"/>
+            </a:solidFill>
+          </a:ln>
+          <a:effectLst/>
+        </p:spPr>
+        <p:style>
+          <a:lnRef idx="1">
+            <a:schemeClr val="accent4"/>
+          </a:lnRef>
+          <a:fillRef idx="2">
+            <a:schemeClr val="accent4"/>
+          </a:fillRef>
+          <a:effectRef idx="1">
+            <a:schemeClr val="accent4"/>
+          </a:effectRef>
+          <a:fontRef idx="minor">
+            <a:schemeClr val="dk1"/>
+          </a:fontRef>
+        </p:style>
+        <p:txBody>
+          <a:bodyPr rtlCol="0" anchor="ctr"/>
+          <a:lstStyle/>
+          <a:p>
+            <a:pPr algn="ctr"/>
+            <a:r>
+              <a:rPr lang="en-US" sz="1050" dirty="0">
+                <a:solidFill>
+                  <a:srgbClr val="7030A0"/>
+                </a:solidFill>
+              </a:rPr>
+              <a:t>Date</a:t>
+            </a:r>
+            <a:endParaRPr lang="en-SG" sz="1050" dirty="0">
+              <a:solidFill>
+                <a:srgbClr val="7030A0"/>
+              </a:solidFill>
+            </a:endParaRPr>
+          </a:p>
+        </p:txBody>
+      </p:sp>
+      <p:sp>
+        <p:nvSpPr>
+          <p:cNvPr id="252" name="Rectangle 8">
+            <a:extLst>
+              <a:ext uri="{FF2B5EF4-FFF2-40B4-BE49-F238E27FC236}">
+                <a16:creationId xmlns:a16="http://schemas.microsoft.com/office/drawing/2014/main" id="{8D2A408E-69B8-45AF-8B49-9275841084E3}"/>
+              </a:ext>
+            </a:extLst>
+          </p:cNvPr>
+          <p:cNvSpPr/>
+          <p:nvPr/>
+        </p:nvSpPr>
+        <p:spPr>
+          <a:xfrm>
+            <a:off x="7712395" y="5230426"/>
+            <a:ext cx="822003" cy="285783"/>
+          </a:xfrm>
+          <a:prstGeom prst="rect">
+            <a:avLst/>
+          </a:prstGeom>
+          <a:ln w="19050">
+            <a:solidFill>
+              <a:srgbClr val="7030A0"/>
+            </a:solidFill>
+          </a:ln>
+          <a:effectLst/>
+        </p:spPr>
+        <p:style>
+          <a:lnRef idx="1">
+            <a:schemeClr val="accent4"/>
+          </a:lnRef>
+          <a:fillRef idx="2">
+            <a:schemeClr val="accent4"/>
+          </a:fillRef>
+          <a:effectRef idx="1">
+            <a:schemeClr val="accent4"/>
+          </a:effectRef>
+          <a:fontRef idx="minor">
+            <a:schemeClr val="dk1"/>
+          </a:fontRef>
+        </p:style>
+        <p:txBody>
+          <a:bodyPr rtlCol="0" anchor="ctr"/>
+          <a:lstStyle/>
+          <a:p>
+            <a:pPr algn="ctr"/>
+            <a:r>
+              <a:rPr lang="en-US" sz="1050" dirty="0" err="1">
+                <a:solidFill>
+                  <a:srgbClr val="7030A0"/>
+                </a:solidFill>
+              </a:rPr>
+              <a:t>StartTime</a:t>
+            </a:r>
+            <a:endParaRPr lang="en-SG" sz="1050" dirty="0">
+              <a:solidFill>
+                <a:srgbClr val="7030A0"/>
+              </a:solidFill>
+            </a:endParaRPr>
+          </a:p>
+        </p:txBody>
+      </p:sp>
+      <p:sp>
+        <p:nvSpPr>
+          <p:cNvPr id="253" name="Rectangle 8">
+            <a:extLst>
+              <a:ext uri="{FF2B5EF4-FFF2-40B4-BE49-F238E27FC236}">
+                <a16:creationId xmlns:a16="http://schemas.microsoft.com/office/drawing/2014/main" id="{C3FC6752-0256-4166-ADB7-03270C5EB22F}"/>
+              </a:ext>
+            </a:extLst>
+          </p:cNvPr>
+          <p:cNvSpPr/>
+          <p:nvPr/>
+        </p:nvSpPr>
+        <p:spPr>
+          <a:xfrm>
+            <a:off x="7712395" y="5583331"/>
+            <a:ext cx="822003" cy="285783"/>
+          </a:xfrm>
+          <a:prstGeom prst="rect">
+            <a:avLst/>
+          </a:prstGeom>
+          <a:ln w="19050">
+            <a:solidFill>
+              <a:srgbClr val="7030A0"/>
+            </a:solidFill>
+          </a:ln>
+          <a:effectLst/>
+        </p:spPr>
+        <p:style>
+          <a:lnRef idx="1">
+            <a:schemeClr val="accent4"/>
+          </a:lnRef>
+          <a:fillRef idx="2">
+            <a:schemeClr val="accent4"/>
+          </a:fillRef>
+          <a:effectRef idx="1">
+            <a:schemeClr val="accent4"/>
+          </a:effectRef>
+          <a:fontRef idx="minor">
+            <a:schemeClr val="dk1"/>
+          </a:fontRef>
+        </p:style>
+        <p:txBody>
+          <a:bodyPr rtlCol="0" anchor="ctr"/>
+          <a:lstStyle/>
+          <a:p>
+            <a:pPr algn="ctr"/>
+            <a:r>
+              <a:rPr lang="en-US" sz="1050" dirty="0" err="1">
+                <a:solidFill>
+                  <a:srgbClr val="7030A0"/>
+                </a:solidFill>
+              </a:rPr>
+              <a:t>EndTime</a:t>
+            </a:r>
+            <a:endParaRPr lang="en-SG" sz="1050" dirty="0">
+              <a:solidFill>
+                <a:srgbClr val="7030A0"/>
+              </a:solidFill>
+            </a:endParaRPr>
+          </a:p>
+        </p:txBody>
+      </p:sp>
+      <p:cxnSp>
+        <p:nvCxnSpPr>
+          <p:cNvPr id="254" name="Elbow Connector 80">
+            <a:extLst>
+              <a:ext uri="{FF2B5EF4-FFF2-40B4-BE49-F238E27FC236}">
+                <a16:creationId xmlns:a16="http://schemas.microsoft.com/office/drawing/2014/main" id="{14059A74-FBED-48B2-A63F-F54DA5CAEA2B}"/>
+              </a:ext>
+            </a:extLst>
+          </p:cNvPr>
+          <p:cNvCxnSpPr>
+            <a:cxnSpLocks/>
+            <a:stCxn id="247" idx="3"/>
+            <a:endCxn id="248" idx="1"/>
+          </p:cNvCxnSpPr>
+          <p:nvPr/>
+        </p:nvCxnSpPr>
+        <p:spPr>
+          <a:xfrm flipV="1">
+            <a:off x="7267043" y="3989899"/>
+            <a:ext cx="445353" cy="334604"/>
+          </a:xfrm>
+          <a:prstGeom prst="bentConnector3">
+            <a:avLst/>
+          </a:prstGeom>
+          <a:ln w="19050">
+            <a:solidFill>
+              <a:srgbClr val="7030A0"/>
+            </a:solidFill>
+            <a:headEnd type="none" w="med" len="med"/>
+            <a:tailEnd type="arrow" w="med" len="med"/>
+          </a:ln>
+          <a:effectLst/>
+        </p:spPr>
+        <p:style>
+          <a:lnRef idx="1">
+            <a:schemeClr val="accent2"/>
+          </a:lnRef>
+          <a:fillRef idx="2">
+            <a:schemeClr val="accent2"/>
+          </a:fillRef>
+          <a:effectRef idx="1">
+            <a:schemeClr val="accent2"/>
+          </a:effectRef>
+          <a:fontRef idx="minor">
+            <a:schemeClr val="dk1"/>
+          </a:fontRef>
+        </p:style>
+      </p:cxnSp>
+      <p:cxnSp>
+        <p:nvCxnSpPr>
+          <p:cNvPr id="255" name="Elbow Connector 80">
+            <a:extLst>
+              <a:ext uri="{FF2B5EF4-FFF2-40B4-BE49-F238E27FC236}">
+                <a16:creationId xmlns:a16="http://schemas.microsoft.com/office/drawing/2014/main" id="{FF2D7F1E-C036-4996-9F7E-E8EEF31935EB}"/>
+              </a:ext>
+            </a:extLst>
+          </p:cNvPr>
+          <p:cNvCxnSpPr>
+            <a:cxnSpLocks/>
+            <a:stCxn id="247" idx="3"/>
+            <a:endCxn id="249" idx="1"/>
+          </p:cNvCxnSpPr>
+          <p:nvPr/>
+        </p:nvCxnSpPr>
+        <p:spPr>
+          <a:xfrm>
+            <a:off x="7267043" y="4324503"/>
+            <a:ext cx="445353" cy="717"/>
+          </a:xfrm>
+          <a:prstGeom prst="bentConnector3">
+            <a:avLst/>
+          </a:prstGeom>
+          <a:ln w="19050">
+            <a:solidFill>
+              <a:srgbClr val="7030A0"/>
+            </a:solidFill>
+            <a:headEnd type="none" w="med" len="med"/>
+            <a:tailEnd type="arrow" w="med" len="med"/>
+          </a:ln>
+          <a:effectLst/>
+        </p:spPr>
+        <p:style>
+          <a:lnRef idx="1">
+            <a:schemeClr val="accent2"/>
+          </a:lnRef>
+          <a:fillRef idx="2">
+            <a:schemeClr val="accent2"/>
+          </a:fillRef>
+          <a:effectRef idx="1">
+            <a:schemeClr val="accent2"/>
+          </a:effectRef>
+          <a:fontRef idx="minor">
+            <a:schemeClr val="dk1"/>
+          </a:fontRef>
+        </p:style>
+      </p:cxnSp>
+      <p:cxnSp>
+        <p:nvCxnSpPr>
+          <p:cNvPr id="256" name="Elbow Connector 80">
+            <a:extLst>
+              <a:ext uri="{FF2B5EF4-FFF2-40B4-BE49-F238E27FC236}">
+                <a16:creationId xmlns:a16="http://schemas.microsoft.com/office/drawing/2014/main" id="{23FE1157-879A-4369-82F8-C1C9CF1239BF}"/>
+              </a:ext>
+            </a:extLst>
+          </p:cNvPr>
+          <p:cNvCxnSpPr>
+            <a:cxnSpLocks/>
+            <a:endCxn id="250" idx="1"/>
+          </p:cNvCxnSpPr>
+          <p:nvPr/>
+        </p:nvCxnSpPr>
+        <p:spPr>
+          <a:xfrm>
+            <a:off x="7277995" y="4321101"/>
+            <a:ext cx="427141" cy="351948"/>
+          </a:xfrm>
+          <a:prstGeom prst="bentConnector3">
+            <a:avLst/>
+          </a:prstGeom>
+          <a:ln w="19050">
+            <a:solidFill>
+              <a:srgbClr val="7030A0"/>
+            </a:solidFill>
+            <a:headEnd type="none" w="med" len="med"/>
+            <a:tailEnd type="arrow" w="med" len="med"/>
+          </a:ln>
+          <a:effectLst/>
+        </p:spPr>
+        <p:style>
+          <a:lnRef idx="1">
+            <a:schemeClr val="accent2"/>
+          </a:lnRef>
+          <a:fillRef idx="2">
+            <a:schemeClr val="accent2"/>
+          </a:fillRef>
+          <a:effectRef idx="1">
+            <a:schemeClr val="accent2"/>
+          </a:effectRef>
+          <a:fontRef idx="minor">
+            <a:schemeClr val="dk1"/>
+          </a:fontRef>
+        </p:style>
+      </p:cxnSp>
+      <p:cxnSp>
+        <p:nvCxnSpPr>
+          <p:cNvPr id="257" name="Elbow Connector 80">
+            <a:extLst>
+              <a:ext uri="{FF2B5EF4-FFF2-40B4-BE49-F238E27FC236}">
+                <a16:creationId xmlns:a16="http://schemas.microsoft.com/office/drawing/2014/main" id="{654DBAD8-E72C-42A4-8236-11A19663ED75}"/>
+              </a:ext>
+            </a:extLst>
+          </p:cNvPr>
+          <p:cNvCxnSpPr>
+            <a:cxnSpLocks/>
+            <a:stCxn id="247" idx="3"/>
+            <a:endCxn id="251" idx="1"/>
+          </p:cNvCxnSpPr>
+          <p:nvPr/>
+        </p:nvCxnSpPr>
+        <p:spPr>
+          <a:xfrm>
+            <a:off x="7267043" y="4324503"/>
+            <a:ext cx="445352" cy="695910"/>
+          </a:xfrm>
+          <a:prstGeom prst="bentConnector3">
+            <a:avLst/>
+          </a:prstGeom>
+          <a:ln w="19050">
+            <a:solidFill>
+              <a:srgbClr val="7030A0"/>
+            </a:solidFill>
+            <a:headEnd type="none" w="med" len="med"/>
+            <a:tailEnd type="arrow" w="med" len="med"/>
+          </a:ln>
+          <a:effectLst/>
+        </p:spPr>
+        <p:style>
+          <a:lnRef idx="1">
+            <a:schemeClr val="accent2"/>
+          </a:lnRef>
+          <a:fillRef idx="2">
+            <a:schemeClr val="accent2"/>
+          </a:fillRef>
+          <a:effectRef idx="1">
+            <a:schemeClr val="accent2"/>
+          </a:effectRef>
+          <a:fontRef idx="minor">
+            <a:schemeClr val="dk1"/>
+          </a:fontRef>
+        </p:style>
+      </p:cxnSp>
+      <p:cxnSp>
+        <p:nvCxnSpPr>
+          <p:cNvPr id="258" name="Elbow Connector 80">
+            <a:extLst>
+              <a:ext uri="{FF2B5EF4-FFF2-40B4-BE49-F238E27FC236}">
+                <a16:creationId xmlns:a16="http://schemas.microsoft.com/office/drawing/2014/main" id="{65131DEE-19D9-4462-8AA2-80946A8C00D3}"/>
+              </a:ext>
+            </a:extLst>
+          </p:cNvPr>
+          <p:cNvCxnSpPr>
+            <a:cxnSpLocks/>
+            <a:stCxn id="247" idx="3"/>
+            <a:endCxn id="252" idx="1"/>
+          </p:cNvCxnSpPr>
+          <p:nvPr/>
+        </p:nvCxnSpPr>
+        <p:spPr>
+          <a:xfrm>
+            <a:off x="7267043" y="4324503"/>
+            <a:ext cx="445352" cy="1048815"/>
+          </a:xfrm>
+          <a:prstGeom prst="bentConnector3">
+            <a:avLst>
+              <a:gd name="adj1" fmla="val 50000"/>
+            </a:avLst>
+          </a:prstGeom>
+          <a:ln w="19050">
+            <a:solidFill>
+              <a:srgbClr val="7030A0"/>
+            </a:solidFill>
+            <a:headEnd type="none" w="med" len="med"/>
+            <a:tailEnd type="arrow" w="med" len="med"/>
+          </a:ln>
+          <a:effectLst/>
+        </p:spPr>
+        <p:style>
+          <a:lnRef idx="1">
+            <a:schemeClr val="accent2"/>
+          </a:lnRef>
+          <a:fillRef idx="2">
+            <a:schemeClr val="accent2"/>
+          </a:fillRef>
+          <a:effectRef idx="1">
+            <a:schemeClr val="accent2"/>
+          </a:effectRef>
+          <a:fontRef idx="minor">
+            <a:schemeClr val="dk1"/>
+          </a:fontRef>
+        </p:style>
+      </p:cxnSp>
+      <p:cxnSp>
+        <p:nvCxnSpPr>
+          <p:cNvPr id="259" name="Elbow Connector 80">
+            <a:extLst>
+              <a:ext uri="{FF2B5EF4-FFF2-40B4-BE49-F238E27FC236}">
+                <a16:creationId xmlns:a16="http://schemas.microsoft.com/office/drawing/2014/main" id="{71DA4A65-45BA-41B4-851C-A8143393B315}"/>
+              </a:ext>
+            </a:extLst>
+          </p:cNvPr>
+          <p:cNvCxnSpPr>
+            <a:cxnSpLocks/>
+            <a:stCxn id="247" idx="3"/>
+            <a:endCxn id="253" idx="1"/>
+          </p:cNvCxnSpPr>
+          <p:nvPr/>
+        </p:nvCxnSpPr>
+        <p:spPr>
+          <a:xfrm>
+            <a:off x="7267043" y="4324503"/>
+            <a:ext cx="445352" cy="1401720"/>
+          </a:xfrm>
+          <a:prstGeom prst="bentConnector3">
+            <a:avLst>
+              <a:gd name="adj1" fmla="val 50000"/>
+            </a:avLst>
+          </a:prstGeom>
+          <a:ln w="19050">
+            <a:solidFill>
+              <a:srgbClr val="7030A0"/>
+            </a:solidFill>
+            <a:headEnd type="none" w="med" len="med"/>
+            <a:tailEnd type="arrow" w="med" len="med"/>
+          </a:ln>
+          <a:effectLst/>
+        </p:spPr>
+        <p:style>
+          <a:lnRef idx="1">
+            <a:schemeClr val="accent2"/>
+          </a:lnRef>
+          <a:fillRef idx="2">
+            <a:schemeClr val="accent2"/>
+          </a:fillRef>
+          <a:effectRef idx="1">
+            <a:schemeClr val="accent2"/>
+          </a:effectRef>
+          <a:fontRef idx="minor">
+            <a:schemeClr val="dk1"/>
+          </a:fontRef>
+        </p:style>
+      </p:cxnSp>
+      <p:sp>
+        <p:nvSpPr>
+          <p:cNvPr id="260" name="TextBox 259">
+            <a:extLst>
+              <a:ext uri="{FF2B5EF4-FFF2-40B4-BE49-F238E27FC236}">
+                <a16:creationId xmlns:a16="http://schemas.microsoft.com/office/drawing/2014/main" id="{CCDF2DC3-34B2-4C97-93C5-37F8D0807DA3}"/>
+              </a:ext>
+            </a:extLst>
+          </p:cNvPr>
+          <p:cNvSpPr txBox="1"/>
+          <p:nvPr/>
+        </p:nvSpPr>
+        <p:spPr>
+          <a:xfrm>
+            <a:off x="6456384" y="3949785"/>
+            <a:ext cx="189257" cy="178683"/>
+          </a:xfrm>
+          <a:prstGeom prst="rect">
+            <a:avLst/>
+          </a:prstGeom>
+          <a:noFill/>
+        </p:spPr>
+        <p:txBody>
+          <a:bodyPr wrap="square" lIns="0" tIns="0" rIns="0" bIns="0" rtlCol="0">
+            <a:noAutofit/>
+          </a:bodyPr>
+          <a:lstStyle/>
+          <a:p>
+            <a:pPr algn="ctr"/>
+            <a:r>
+              <a:rPr lang="en-US" sz="1100" dirty="0">
+                <a:solidFill>
+                  <a:srgbClr val="7030A0"/>
+                </a:solidFill>
+              </a:rPr>
+              <a:t>1</a:t>
+            </a:r>
+            <a:endParaRPr lang="en-SG" sz="1100" dirty="0">
+              <a:solidFill>
+                <a:srgbClr val="7030A0"/>
+              </a:solidFill>
+            </a:endParaRPr>
+          </a:p>
+        </p:txBody>
+      </p:sp>
+      <p:sp>
+        <p:nvSpPr>
+          <p:cNvPr id="261" name="Rectangle 8">
+            <a:extLst>
+              <a:ext uri="{FF2B5EF4-FFF2-40B4-BE49-F238E27FC236}">
+                <a16:creationId xmlns:a16="http://schemas.microsoft.com/office/drawing/2014/main" id="{40440DB0-D254-468E-8668-44A057684A94}"/>
+              </a:ext>
+            </a:extLst>
+          </p:cNvPr>
+          <p:cNvSpPr/>
+          <p:nvPr/>
+        </p:nvSpPr>
+        <p:spPr>
+          <a:xfrm>
+            <a:off x="4780047" y="1933935"/>
+            <a:ext cx="1156969" cy="285783"/>
+          </a:xfrm>
+          <a:prstGeom prst="rect">
+            <a:avLst/>
+          </a:prstGeom>
+          <a:ln w="19050">
+            <a:solidFill>
+              <a:srgbClr val="7030A0"/>
+            </a:solidFill>
+          </a:ln>
+          <a:effectLst/>
+        </p:spPr>
+        <p:style>
+          <a:lnRef idx="1">
+            <a:schemeClr val="accent4"/>
+          </a:lnRef>
+          <a:fillRef idx="2">
+            <a:schemeClr val="accent4"/>
+          </a:fillRef>
+          <a:effectRef idx="1">
+            <a:schemeClr val="accent4"/>
+          </a:effectRef>
+          <a:fontRef idx="minor">
+            <a:schemeClr val="dk1"/>
+          </a:fontRef>
+        </p:style>
+        <p:txBody>
+          <a:bodyPr rtlCol="0" anchor="ctr"/>
+          <a:lstStyle/>
+          <a:p>
+            <a:pPr algn="ctr"/>
+            <a:r>
+              <a:rPr lang="en-US" sz="1050" dirty="0" err="1">
+                <a:solidFill>
+                  <a:srgbClr val="7030A0"/>
+                </a:solidFill>
+              </a:rPr>
+              <a:t>UniqueTagList</a:t>
+            </a:r>
+            <a:endParaRPr lang="en-SG" sz="1050" dirty="0">
+              <a:solidFill>
+                <a:srgbClr val="7030A0"/>
+              </a:solidFill>
+            </a:endParaRPr>
+          </a:p>
+        </p:txBody>
+      </p:sp>
+      <p:cxnSp>
+        <p:nvCxnSpPr>
+          <p:cNvPr id="262" name="Elbow Connector 78">
+            <a:extLst>
+              <a:ext uri="{FF2B5EF4-FFF2-40B4-BE49-F238E27FC236}">
+                <a16:creationId xmlns:a16="http://schemas.microsoft.com/office/drawing/2014/main" id="{1B5CC598-D1F7-4158-AE10-30CB5A318697}"/>
+              </a:ext>
+            </a:extLst>
+          </p:cNvPr>
+          <p:cNvCxnSpPr>
+            <a:cxnSpLocks/>
+            <a:endCxn id="261" idx="1"/>
+          </p:cNvCxnSpPr>
+          <p:nvPr/>
+        </p:nvCxnSpPr>
+        <p:spPr>
+          <a:xfrm rot="5400000" flipH="1" flipV="1">
+            <a:off x="4257356" y="2263248"/>
+            <a:ext cx="709111" cy="336271"/>
+          </a:xfrm>
+          <a:prstGeom prst="bentConnector2">
+            <a:avLst/>
+          </a:prstGeom>
+          <a:ln w="19050">
+            <a:solidFill>
+              <a:srgbClr val="7030A0"/>
+            </a:solidFill>
+            <a:headEnd type="none" w="med" len="med"/>
+            <a:tailEnd type="arrow" w="med" len="med"/>
+          </a:ln>
+          <a:effectLst/>
+        </p:spPr>
+        <p:style>
+          <a:lnRef idx="1">
+            <a:schemeClr val="accent2"/>
+          </a:lnRef>
+          <a:fillRef idx="2">
+            <a:schemeClr val="accent2"/>
+          </a:fillRef>
+          <a:effectRef idx="1">
+            <a:schemeClr val="accent2"/>
+          </a:effectRef>
+          <a:fontRef idx="minor">
+            <a:schemeClr val="dk1"/>
+          </a:fontRef>
+        </p:style>
+      </p:cxnSp>
+      <p:sp>
+        <p:nvSpPr>
+          <p:cNvPr id="263" name="TextBox 262">
+            <a:extLst>
+              <a:ext uri="{FF2B5EF4-FFF2-40B4-BE49-F238E27FC236}">
+                <a16:creationId xmlns:a16="http://schemas.microsoft.com/office/drawing/2014/main" id="{036C3F31-C28C-4690-B68D-5533FF17B32C}"/>
+              </a:ext>
+            </a:extLst>
+          </p:cNvPr>
+          <p:cNvSpPr txBox="1"/>
+          <p:nvPr/>
+        </p:nvSpPr>
+        <p:spPr>
+          <a:xfrm>
+            <a:off x="6738519" y="2157795"/>
+            <a:ext cx="189257" cy="178683"/>
+          </a:xfrm>
+          <a:prstGeom prst="rect">
+            <a:avLst/>
+          </a:prstGeom>
+          <a:noFill/>
+        </p:spPr>
+        <p:txBody>
+          <a:bodyPr wrap="square" lIns="0" tIns="0" rIns="0" bIns="0" rtlCol="0">
+            <a:noAutofit/>
+          </a:bodyPr>
+          <a:lstStyle/>
+          <a:p>
+            <a:pPr algn="ctr"/>
+            <a:r>
+              <a:rPr lang="en-US" sz="1100" dirty="0">
+                <a:solidFill>
+                  <a:srgbClr val="7030A0"/>
+                </a:solidFill>
+              </a:rPr>
+              <a:t>*</a:t>
+            </a:r>
+            <a:endParaRPr lang="en-SG" sz="1100" dirty="0">
+              <a:solidFill>
+                <a:srgbClr val="7030A0"/>
+              </a:solidFill>
+            </a:endParaRPr>
+          </a:p>
+        </p:txBody>
+      </p:sp>
+      <p:sp>
+        <p:nvSpPr>
+          <p:cNvPr id="264" name="Flowchart: Decision 96">
+            <a:extLst>
+              <a:ext uri="{FF2B5EF4-FFF2-40B4-BE49-F238E27FC236}">
+                <a16:creationId xmlns:a16="http://schemas.microsoft.com/office/drawing/2014/main" id="{9785EFD0-EF50-48C3-B7BC-AF13AD39E7C4}"/>
+              </a:ext>
+            </a:extLst>
+          </p:cNvPr>
+          <p:cNvSpPr/>
+          <p:nvPr/>
+        </p:nvSpPr>
+        <p:spPr>
+          <a:xfrm rot="16200000">
+            <a:off x="6577440" y="2521046"/>
+            <a:ext cx="236048" cy="173380"/>
+          </a:xfrm>
+          <a:prstGeom prst="flowChartDecision">
+            <a:avLst/>
+          </a:prstGeom>
+          <a:noFill/>
+          <a:ln w="19050">
+            <a:solidFill>
+              <a:srgbClr val="7030A0"/>
+            </a:solidFill>
+          </a:ln>
+          <a:effectLst/>
+        </p:spPr>
+        <p:style>
+          <a:lnRef idx="1">
+            <a:schemeClr val="accent6"/>
+          </a:lnRef>
+          <a:fillRef idx="2">
+            <a:schemeClr val="accent6"/>
+          </a:fillRef>
+          <a:effectRef idx="1">
+            <a:schemeClr val="accent6"/>
+          </a:effectRef>
+          <a:fontRef idx="minor">
+            <a:schemeClr val="dk1"/>
+          </a:fontRef>
+        </p:style>
+        <p:txBody>
+          <a:bodyPr rtlCol="0" anchor="ctr"/>
+          <a:lstStyle/>
+          <a:p>
+            <a:pPr algn="ctr"/>
+            <a:endParaRPr lang="en-US" sz="1050"/>
+          </a:p>
+        </p:txBody>
+      </p:sp>
+      <p:cxnSp>
+        <p:nvCxnSpPr>
+          <p:cNvPr id="265" name="Elbow Connector 63">
+            <a:extLst>
+              <a:ext uri="{FF2B5EF4-FFF2-40B4-BE49-F238E27FC236}">
+                <a16:creationId xmlns:a16="http://schemas.microsoft.com/office/drawing/2014/main" id="{CD3147BD-CB71-4290-BD5E-DBBF3BA83AC7}"/>
+              </a:ext>
+            </a:extLst>
+          </p:cNvPr>
+          <p:cNvCxnSpPr>
+            <a:cxnSpLocks/>
+            <a:endCxn id="266" idx="1"/>
+          </p:cNvCxnSpPr>
+          <p:nvPr/>
+        </p:nvCxnSpPr>
+        <p:spPr>
+          <a:xfrm flipV="1">
+            <a:off x="5908455" y="1960080"/>
+            <a:ext cx="432916" cy="111294"/>
+          </a:xfrm>
+          <a:prstGeom prst="bentConnector3">
+            <a:avLst/>
+          </a:prstGeom>
+          <a:ln w="19050">
+            <a:solidFill>
+              <a:srgbClr val="7030A0"/>
+            </a:solidFill>
+            <a:headEnd type="none" w="med" len="med"/>
+            <a:tailEnd type="arrow" w="med" len="med"/>
+          </a:ln>
+          <a:effectLst/>
+        </p:spPr>
+        <p:style>
+          <a:lnRef idx="1">
+            <a:schemeClr val="accent2"/>
+          </a:lnRef>
+          <a:fillRef idx="2">
+            <a:schemeClr val="accent2"/>
+          </a:fillRef>
+          <a:effectRef idx="1">
+            <a:schemeClr val="accent2"/>
+          </a:effectRef>
+          <a:fontRef idx="minor">
+            <a:schemeClr val="dk1"/>
+          </a:fontRef>
+        </p:style>
+      </p:cxnSp>
+      <p:sp>
+        <p:nvSpPr>
+          <p:cNvPr id="266" name="Rectangle 8">
+            <a:extLst>
+              <a:ext uri="{FF2B5EF4-FFF2-40B4-BE49-F238E27FC236}">
+                <a16:creationId xmlns:a16="http://schemas.microsoft.com/office/drawing/2014/main" id="{88A6E12A-4257-4782-8709-FF8EF2B63ED0}"/>
+              </a:ext>
+            </a:extLst>
+          </p:cNvPr>
+          <p:cNvSpPr/>
+          <p:nvPr/>
+        </p:nvSpPr>
+        <p:spPr>
+          <a:xfrm>
+            <a:off x="6341371" y="1786700"/>
+            <a:ext cx="708186" cy="346760"/>
+          </a:xfrm>
+          <a:prstGeom prst="rect">
+            <a:avLst/>
+          </a:prstGeom>
+          <a:ln w="19050">
+            <a:solidFill>
+              <a:srgbClr val="7030A0"/>
+            </a:solidFill>
+          </a:ln>
+          <a:effectLst/>
+        </p:spPr>
+        <p:style>
+          <a:lnRef idx="1">
+            <a:schemeClr val="accent4"/>
+          </a:lnRef>
+          <a:fillRef idx="2">
+            <a:schemeClr val="accent4"/>
+          </a:fillRef>
+          <a:effectRef idx="1">
+            <a:schemeClr val="accent4"/>
+          </a:effectRef>
+          <a:fontRef idx="minor">
+            <a:schemeClr val="dk1"/>
+          </a:fontRef>
+        </p:style>
+        <p:txBody>
+          <a:bodyPr rtlCol="0" anchor="ctr"/>
+          <a:lstStyle/>
+          <a:p>
+            <a:pPr algn="ctr"/>
+            <a:r>
+              <a:rPr lang="en-US" sz="1050" dirty="0">
+                <a:solidFill>
+                  <a:srgbClr val="7030A0"/>
+                </a:solidFill>
+              </a:rPr>
+              <a:t>Tag</a:t>
+            </a:r>
+            <a:endParaRPr lang="en-SG" sz="1050" dirty="0">
+              <a:solidFill>
+                <a:srgbClr val="7030A0"/>
+              </a:solidFill>
+            </a:endParaRPr>
+          </a:p>
+        </p:txBody>
+      </p:sp>
+      <p:sp>
+        <p:nvSpPr>
+          <p:cNvPr id="267" name="TextBox 266">
+            <a:extLst>
+              <a:ext uri="{FF2B5EF4-FFF2-40B4-BE49-F238E27FC236}">
+                <a16:creationId xmlns:a16="http://schemas.microsoft.com/office/drawing/2014/main" id="{FE64F77B-DFCA-4865-8A67-5636D4BC0CE3}"/>
+              </a:ext>
+            </a:extLst>
+          </p:cNvPr>
+          <p:cNvSpPr txBox="1"/>
+          <p:nvPr/>
+        </p:nvSpPr>
+        <p:spPr>
+          <a:xfrm>
+            <a:off x="6159431" y="2005088"/>
+            <a:ext cx="189257" cy="178683"/>
+          </a:xfrm>
+          <a:prstGeom prst="rect">
+            <a:avLst/>
+          </a:prstGeom>
+          <a:noFill/>
+        </p:spPr>
+        <p:txBody>
+          <a:bodyPr wrap="square" lIns="0" tIns="0" rIns="0" bIns="0" rtlCol="0">
+            <a:noAutofit/>
+          </a:bodyPr>
+          <a:lstStyle/>
+          <a:p>
+            <a:pPr algn="ctr"/>
+            <a:r>
+              <a:rPr lang="en-US" sz="1100" dirty="0">
+                <a:solidFill>
+                  <a:srgbClr val="7030A0"/>
+                </a:solidFill>
+              </a:rPr>
+              <a:t>*</a:t>
+            </a:r>
+            <a:endParaRPr lang="en-SG" sz="1100" dirty="0">
+              <a:solidFill>
+                <a:srgbClr val="7030A0"/>
+              </a:solidFill>
+            </a:endParaRPr>
+          </a:p>
+        </p:txBody>
+      </p:sp>
+      <p:sp>
+        <p:nvSpPr>
+          <p:cNvPr id="268" name="TextBox 267">
+            <a:extLst>
+              <a:ext uri="{FF2B5EF4-FFF2-40B4-BE49-F238E27FC236}">
+                <a16:creationId xmlns:a16="http://schemas.microsoft.com/office/drawing/2014/main" id="{DEBAD80E-9558-4545-9B5C-1011497635DE}"/>
+              </a:ext>
+            </a:extLst>
+          </p:cNvPr>
+          <p:cNvSpPr txBox="1"/>
+          <p:nvPr/>
+        </p:nvSpPr>
+        <p:spPr>
+          <a:xfrm>
+            <a:off x="4391275" y="1900046"/>
+            <a:ext cx="189257" cy="178683"/>
+          </a:xfrm>
+          <a:prstGeom prst="rect">
+            <a:avLst/>
+          </a:prstGeom>
+          <a:noFill/>
+        </p:spPr>
+        <p:txBody>
+          <a:bodyPr wrap="square" lIns="0" tIns="0" rIns="0" bIns="0" rtlCol="0">
+            <a:noAutofit/>
+          </a:bodyPr>
+          <a:lstStyle/>
+          <a:p>
+            <a:pPr algn="ctr"/>
+            <a:r>
+              <a:rPr lang="en-US" sz="1100" dirty="0">
+                <a:solidFill>
+                  <a:srgbClr val="7030A0"/>
+                </a:solidFill>
+              </a:rPr>
+              <a:t>1</a:t>
+            </a:r>
+            <a:endParaRPr lang="en-SG" sz="1100" dirty="0">
+              <a:solidFill>
+                <a:srgbClr val="7030A0"/>
+              </a:solidFill>
+            </a:endParaRPr>
+          </a:p>
+        </p:txBody>
+      </p:sp>
+      <p:sp>
+        <p:nvSpPr>
+          <p:cNvPr id="269" name="Flowchart: Decision 96">
+            <a:extLst>
+              <a:ext uri="{FF2B5EF4-FFF2-40B4-BE49-F238E27FC236}">
+                <a16:creationId xmlns:a16="http://schemas.microsoft.com/office/drawing/2014/main" id="{706253E2-1226-4B48-A404-BCE6BDD4745D}"/>
+              </a:ext>
+            </a:extLst>
+          </p:cNvPr>
+          <p:cNvSpPr/>
+          <p:nvPr/>
+        </p:nvSpPr>
+        <p:spPr>
+          <a:xfrm>
+            <a:off x="5935504" y="1989155"/>
+            <a:ext cx="236048" cy="173380"/>
+          </a:xfrm>
+          <a:prstGeom prst="flowChartDecision">
+            <a:avLst/>
+          </a:prstGeom>
+          <a:solidFill>
+            <a:srgbClr val="7030A0"/>
+          </a:solidFill>
+          <a:ln w="19050">
+            <a:solidFill>
+              <a:srgbClr val="7030A0"/>
+            </a:solidFill>
+          </a:ln>
+          <a:effectLst/>
+        </p:spPr>
+        <p:style>
+          <a:lnRef idx="1">
+            <a:schemeClr val="accent6"/>
+          </a:lnRef>
+          <a:fillRef idx="2">
+            <a:schemeClr val="accent6"/>
+          </a:fillRef>
+          <a:effectRef idx="1">
+            <a:schemeClr val="accent6"/>
+          </a:effectRef>
+          <a:fontRef idx="minor">
+            <a:schemeClr val="dk1"/>
+          </a:fontRef>
+        </p:style>
+        <p:txBody>
+          <a:bodyPr rtlCol="0" anchor="ctr"/>
+          <a:lstStyle/>
+          <a:p>
+            <a:pPr algn="ctr"/>
+            <a:endParaRPr lang="en-US" sz="1050"/>
+          </a:p>
+        </p:txBody>
+      </p:sp>
+      <p:cxnSp>
+        <p:nvCxnSpPr>
+          <p:cNvPr id="270" name="Elbow Connector 63">
+            <a:extLst>
+              <a:ext uri="{FF2B5EF4-FFF2-40B4-BE49-F238E27FC236}">
+                <a16:creationId xmlns:a16="http://schemas.microsoft.com/office/drawing/2014/main" id="{C87BABFE-EDB5-4B1E-891B-C51B3268DDE7}"/>
+              </a:ext>
+            </a:extLst>
+          </p:cNvPr>
+          <p:cNvCxnSpPr>
+            <a:cxnSpLocks/>
+            <a:stCxn id="264" idx="3"/>
+            <a:endCxn id="266" idx="2"/>
+          </p:cNvCxnSpPr>
+          <p:nvPr/>
+        </p:nvCxnSpPr>
+        <p:spPr>
+          <a:xfrm rot="5400000" flipH="1" flipV="1">
+            <a:off x="6517338" y="2311586"/>
+            <a:ext cx="356252" cy="12700"/>
+          </a:xfrm>
+          <a:prstGeom prst="bentConnector3">
+            <a:avLst/>
+          </a:prstGeom>
+          <a:ln w="19050">
+            <a:solidFill>
+              <a:srgbClr val="7030A0"/>
+            </a:solidFill>
+            <a:headEnd type="none" w="med" len="med"/>
+            <a:tailEnd type="arrow" w="med" len="med"/>
           </a:ln>
           <a:effectLst/>
         </p:spPr>

--- a/docs/diagrams/ModelComponentClassBetterOopDiagram.pptx
+++ b/docs/diagrams/ModelComponentClassBetterOopDiagram.pptx
@@ -208,7 +208,7 @@
           <a:p>
             <a:fld id="{F5CC4B3F-88C1-4FFA-B1B6-F41C21DC6924}" type="datetimeFigureOut">
               <a:rPr lang="en-US" smtClean="0"/>
-              <a:t>6/27/2018</a:t>
+              <a:t>11/10/2018</a:t>
             </a:fld>
             <a:endParaRPr lang="en-US"/>
           </a:p>
@@ -654,7 +654,7 @@
           <a:p>
             <a:fld id="{78C97017-6FC3-485B-9764-EAC9E56C1D49}" type="datetimeFigureOut">
               <a:rPr lang="en-US" smtClean="0"/>
-              <a:t>6/27/2018</a:t>
+              <a:t>11/10/2018</a:t>
             </a:fld>
             <a:endParaRPr lang="en-US"/>
           </a:p>
@@ -822,7 +822,7 @@
           <a:p>
             <a:fld id="{78C97017-6FC3-485B-9764-EAC9E56C1D49}" type="datetimeFigureOut">
               <a:rPr lang="en-US" smtClean="0"/>
-              <a:t>6/27/2018</a:t>
+              <a:t>11/10/2018</a:t>
             </a:fld>
             <a:endParaRPr lang="en-US"/>
           </a:p>
@@ -1000,7 +1000,7 @@
           <a:p>
             <a:fld id="{78C97017-6FC3-485B-9764-EAC9E56C1D49}" type="datetimeFigureOut">
               <a:rPr lang="en-US" smtClean="0"/>
-              <a:t>6/27/2018</a:t>
+              <a:t>11/10/2018</a:t>
             </a:fld>
             <a:endParaRPr lang="en-US"/>
           </a:p>
@@ -1168,7 +1168,7 @@
           <a:p>
             <a:fld id="{78C97017-6FC3-485B-9764-EAC9E56C1D49}" type="datetimeFigureOut">
               <a:rPr lang="en-US" smtClean="0"/>
-              <a:t>6/27/2018</a:t>
+              <a:t>11/10/2018</a:t>
             </a:fld>
             <a:endParaRPr lang="en-US"/>
           </a:p>
@@ -1413,7 +1413,7 @@
           <a:p>
             <a:fld id="{78C97017-6FC3-485B-9764-EAC9E56C1D49}" type="datetimeFigureOut">
               <a:rPr lang="en-US" smtClean="0"/>
-              <a:t>6/27/2018</a:t>
+              <a:t>11/10/2018</a:t>
             </a:fld>
             <a:endParaRPr lang="en-US"/>
           </a:p>
@@ -1698,7 +1698,7 @@
           <a:p>
             <a:fld id="{78C97017-6FC3-485B-9764-EAC9E56C1D49}" type="datetimeFigureOut">
               <a:rPr lang="en-US" smtClean="0"/>
-              <a:t>6/27/2018</a:t>
+              <a:t>11/10/2018</a:t>
             </a:fld>
             <a:endParaRPr lang="en-US"/>
           </a:p>
@@ -2117,7 +2117,7 @@
           <a:p>
             <a:fld id="{78C97017-6FC3-485B-9764-EAC9E56C1D49}" type="datetimeFigureOut">
               <a:rPr lang="en-US" smtClean="0"/>
-              <a:t>6/27/2018</a:t>
+              <a:t>11/10/2018</a:t>
             </a:fld>
             <a:endParaRPr lang="en-US"/>
           </a:p>
@@ -2234,7 +2234,7 @@
           <a:p>
             <a:fld id="{78C97017-6FC3-485B-9764-EAC9E56C1D49}" type="datetimeFigureOut">
               <a:rPr lang="en-US" smtClean="0"/>
-              <a:t>6/27/2018</a:t>
+              <a:t>11/10/2018</a:t>
             </a:fld>
             <a:endParaRPr lang="en-US"/>
           </a:p>
@@ -2329,7 +2329,7 @@
           <a:p>
             <a:fld id="{78C97017-6FC3-485B-9764-EAC9E56C1D49}" type="datetimeFigureOut">
               <a:rPr lang="en-US" smtClean="0"/>
-              <a:t>6/27/2018</a:t>
+              <a:t>11/10/2018</a:t>
             </a:fld>
             <a:endParaRPr lang="en-US"/>
           </a:p>
@@ -2604,7 +2604,7 @@
           <a:p>
             <a:fld id="{78C97017-6FC3-485B-9764-EAC9E56C1D49}" type="datetimeFigureOut">
               <a:rPr lang="en-US" smtClean="0"/>
-              <a:t>6/27/2018</a:t>
+              <a:t>11/10/2018</a:t>
             </a:fld>
             <a:endParaRPr lang="en-US"/>
           </a:p>
@@ -2856,7 +2856,7 @@
           <a:p>
             <a:fld id="{78C97017-6FC3-485B-9764-EAC9E56C1D49}" type="datetimeFigureOut">
               <a:rPr lang="en-US" smtClean="0"/>
-              <a:t>6/27/2018</a:t>
+              <a:t>11/10/2018</a:t>
             </a:fld>
             <a:endParaRPr lang="en-US"/>
           </a:p>
@@ -3067,7 +3067,7 @@
           <a:p>
             <a:fld id="{78C97017-6FC3-485B-9764-EAC9E56C1D49}" type="datetimeFigureOut">
               <a:rPr lang="en-US" smtClean="0"/>
-              <a:t>6/27/2018</a:t>
+              <a:t>11/10/2018</a:t>
             </a:fld>
             <a:endParaRPr lang="en-US"/>
           </a:p>
@@ -3450,8 +3450,8 @@
         </p:nvSpPr>
         <p:spPr>
           <a:xfrm>
-            <a:off x="1119865" y="1676400"/>
-            <a:ext cx="7490735" cy="3059747"/>
+            <a:off x="454803" y="455752"/>
+            <a:ext cx="8231997" cy="3059747"/>
           </a:xfrm>
           <a:prstGeom prst="roundRect">
             <a:avLst>
@@ -3511,7 +3511,7 @@
         </p:nvSpPr>
         <p:spPr>
           <a:xfrm>
-            <a:off x="2877180" y="3463240"/>
+            <a:off x="2671715" y="2244040"/>
             <a:ext cx="1093635" cy="346760"/>
           </a:xfrm>
           <a:prstGeom prst="rect">
@@ -3570,7 +3570,7 @@
         </p:nvSpPr>
         <p:spPr>
           <a:xfrm rot="16200000">
-            <a:off x="1661548" y="3097750"/>
+            <a:off x="1456083" y="1878550"/>
             <a:ext cx="1093635" cy="346760"/>
           </a:xfrm>
           <a:prstGeom prst="rect">
@@ -3631,7 +3631,7 @@
         </p:nvCxnSpPr>
         <p:spPr>
           <a:xfrm rot="5400000" flipH="1" flipV="1">
-            <a:off x="4155901" y="1308943"/>
+            <a:off x="3950436" y="89743"/>
             <a:ext cx="613122" cy="4459404"/>
           </a:xfrm>
           <a:prstGeom prst="bentConnector3">
@@ -3672,7 +3672,7 @@
         </p:nvSpPr>
         <p:spPr>
           <a:xfrm rot="16200000">
-            <a:off x="956202" y="2861202"/>
+            <a:off x="750737" y="1642002"/>
             <a:ext cx="1093635" cy="346760"/>
           </a:xfrm>
           <a:prstGeom prst="rect">
@@ -3742,7 +3742,7 @@
         </p:nvSpPr>
         <p:spPr>
           <a:xfrm rot="16200000">
-            <a:off x="1626910" y="2952291"/>
+            <a:off x="1421445" y="1733091"/>
             <a:ext cx="270504" cy="175523"/>
           </a:xfrm>
           <a:prstGeom prst="triangle">
@@ -3792,7 +3792,7 @@
         </p:nvCxnSpPr>
         <p:spPr>
           <a:xfrm>
-            <a:off x="2609828" y="3636620"/>
+            <a:off x="2404363" y="2417420"/>
             <a:ext cx="267352" cy="0"/>
           </a:xfrm>
           <a:prstGeom prst="straightConnector1">
@@ -3830,7 +3830,7 @@
         </p:nvCxnSpPr>
         <p:spPr>
           <a:xfrm>
-            <a:off x="910091" y="3040053"/>
+            <a:off x="704626" y="1820853"/>
             <a:ext cx="419548" cy="2860"/>
           </a:xfrm>
           <a:prstGeom prst="bentConnector3">
@@ -3875,7 +3875,7 @@
         </p:nvCxnSpPr>
         <p:spPr>
           <a:xfrm flipV="1">
-            <a:off x="1849924" y="3040052"/>
+            <a:off x="1644459" y="1820852"/>
             <a:ext cx="216105" cy="1"/>
           </a:xfrm>
           <a:prstGeom prst="line">
@@ -3914,7 +3914,7 @@
         </p:nvSpPr>
         <p:spPr>
           <a:xfrm>
-            <a:off x="2373780" y="3549930"/>
+            <a:off x="2168315" y="2330730"/>
             <a:ext cx="236048" cy="173380"/>
           </a:xfrm>
           <a:prstGeom prst="flowChartDecision">
@@ -3959,7 +3959,7 @@
         </p:nvSpPr>
         <p:spPr>
           <a:xfrm>
-            <a:off x="2786406" y="2834911"/>
+            <a:off x="2580941" y="1615711"/>
             <a:ext cx="1447688" cy="346760"/>
           </a:xfrm>
           <a:prstGeom prst="rect">
@@ -3992,12 +3992,28 @@
           <a:p>
             <a:pPr algn="ctr"/>
             <a:r>
-              <a:rPr lang="en-US" sz="1050" dirty="0" err="1" smtClean="0">
+              <a:rPr lang="en-US" sz="1050" dirty="0" err="1">
                 <a:solidFill>
                   <a:srgbClr val="7030A0"/>
                 </a:solidFill>
               </a:rPr>
-              <a:t>VersionedAddressBook</a:t>
+              <a:t>VersionedFinancial</a:t>
+            </a:r>
+            <a:endParaRPr lang="en-US" sz="1050" dirty="0">
+              <a:solidFill>
+                <a:srgbClr val="7030A0"/>
+              </a:solidFill>
+            </a:endParaRPr>
+          </a:p>
+          <a:p>
+            <a:pPr algn="ctr"/>
+            <a:r>
+              <a:rPr lang="en-US" sz="1050" dirty="0">
+                <a:solidFill>
+                  <a:srgbClr val="7030A0"/>
+                </a:solidFill>
+              </a:rPr>
+              <a:t>Planner</a:t>
             </a:r>
             <a:endParaRPr lang="en-SG" sz="1050" dirty="0">
               <a:solidFill>
@@ -4018,7 +4034,7 @@
         </p:nvCxnSpPr>
         <p:spPr>
           <a:xfrm>
-            <a:off x="2624360" y="3003033"/>
+            <a:off x="2418895" y="1783833"/>
             <a:ext cx="162046" cy="5258"/>
           </a:xfrm>
           <a:prstGeom prst="straightConnector1">
@@ -4056,7 +4072,7 @@
         </p:nvSpPr>
         <p:spPr>
           <a:xfrm>
-            <a:off x="2388312" y="2916343"/>
+            <a:off x="2182847" y="1697143"/>
             <a:ext cx="236048" cy="173380"/>
           </a:xfrm>
           <a:prstGeom prst="flowChartDecision">
@@ -4101,7 +4117,7 @@
         </p:nvSpPr>
         <p:spPr>
           <a:xfrm>
-            <a:off x="4762209" y="2863434"/>
+            <a:off x="4556744" y="1644234"/>
             <a:ext cx="1156969" cy="346760"/>
           </a:xfrm>
           <a:prstGeom prst="rect">
@@ -4139,7 +4155,7 @@
                   <a:srgbClr val="7030A0"/>
                 </a:solidFill>
               </a:rPr>
-              <a:t>UniquePersonList</a:t>
+              <a:t>UniqueRecordList</a:t>
             </a:r>
             <a:endParaRPr lang="en-SG" sz="1050" dirty="0">
               <a:solidFill>
@@ -4157,7 +4173,7 @@
         </p:nvSpPr>
         <p:spPr>
           <a:xfrm>
-            <a:off x="4233246" y="2948201"/>
+            <a:off x="4027781" y="1729001"/>
             <a:ext cx="236048" cy="173380"/>
           </a:xfrm>
           <a:prstGeom prst="flowChartDecision">
@@ -4207,7 +4223,7 @@
         </p:nvCxnSpPr>
         <p:spPr>
           <a:xfrm>
-            <a:off x="4469294" y="3034891"/>
+            <a:off x="4263829" y="1815691"/>
             <a:ext cx="292915" cy="1923"/>
           </a:xfrm>
           <a:prstGeom prst="bentConnector3">
@@ -4245,7 +4261,7 @@
         </p:nvSpPr>
         <p:spPr>
           <a:xfrm>
-            <a:off x="6313677" y="2858066"/>
+            <a:off x="6108212" y="1638866"/>
             <a:ext cx="708186" cy="346760"/>
           </a:xfrm>
           <a:prstGeom prst="rect">
@@ -4283,7 +4299,7 @@
                   <a:srgbClr val="7030A0"/>
                 </a:solidFill>
               </a:rPr>
-              <a:t>Person</a:t>
+              <a:t>Record</a:t>
             </a:r>
             <a:endParaRPr lang="en-SG" sz="1050" dirty="0">
               <a:solidFill>
@@ -4301,7 +4317,7 @@
         </p:nvSpPr>
         <p:spPr>
           <a:xfrm>
-            <a:off x="5918460" y="2941065"/>
+            <a:off x="5712995" y="1721865"/>
             <a:ext cx="236048" cy="173380"/>
           </a:xfrm>
           <a:prstGeom prst="flowChartDecision">
@@ -4350,7 +4366,7 @@
         </p:nvCxnSpPr>
         <p:spPr>
           <a:xfrm>
-            <a:off x="6154508" y="3027755"/>
+            <a:off x="5949043" y="1808555"/>
             <a:ext cx="159169" cy="3691"/>
           </a:xfrm>
           <a:prstGeom prst="bentConnector3">
@@ -4388,8 +4404,8 @@
         </p:nvSpPr>
         <p:spPr>
           <a:xfrm>
-            <a:off x="7712397" y="2564238"/>
-            <a:ext cx="708186" cy="285783"/>
+            <a:off x="7506932" y="1345038"/>
+            <a:ext cx="877212" cy="285783"/>
           </a:xfrm>
           <a:prstGeom prst="rect">
             <a:avLst/>
@@ -4444,7 +4460,7 @@
         </p:nvSpPr>
         <p:spPr>
           <a:xfrm>
-            <a:off x="7041947" y="2948201"/>
+            <a:off x="6836482" y="1729001"/>
             <a:ext cx="236048" cy="173380"/>
           </a:xfrm>
           <a:prstGeom prst="flowChartDecision">
@@ -4493,7 +4509,7 @@
         </p:nvCxnSpPr>
         <p:spPr>
           <a:xfrm flipV="1">
-            <a:off x="7277995" y="2706821"/>
+            <a:off x="7072530" y="1487621"/>
             <a:ext cx="434402" cy="327761"/>
           </a:xfrm>
           <a:prstGeom prst="bentConnector3">
@@ -4531,8 +4547,8 @@
         </p:nvSpPr>
         <p:spPr>
           <a:xfrm>
-            <a:off x="7712397" y="2887216"/>
-            <a:ext cx="708186" cy="285783"/>
+            <a:off x="7506932" y="1668016"/>
+            <a:ext cx="877212" cy="285783"/>
           </a:xfrm>
           <a:prstGeom prst="rect">
             <a:avLst/>
@@ -4564,12 +4580,12 @@
           <a:p>
             <a:pPr algn="ctr"/>
             <a:r>
-              <a:rPr lang="en-US" sz="1050" dirty="0">
+              <a:rPr lang="en-US" sz="1050" dirty="0" err="1">
                 <a:solidFill>
                   <a:srgbClr val="7030A0"/>
                 </a:solidFill>
               </a:rPr>
-              <a:t>Phone</a:t>
+              <a:t>Moneyflow</a:t>
             </a:r>
             <a:endParaRPr lang="en-SG" sz="1050" dirty="0">
               <a:solidFill>
@@ -4583,6 +4599,7 @@
         <p:nvCxnSpPr>
           <p:cNvPr id="81" name="Elbow Connector 80"/>
           <p:cNvCxnSpPr>
+            <a:cxnSpLocks/>
             <a:stCxn id="78" idx="3"/>
             <a:endCxn id="80" idx="1"/>
           </p:cNvCxnSpPr>
@@ -4590,7 +4607,7 @@
         </p:nvCxnSpPr>
         <p:spPr>
           <a:xfrm flipV="1">
-            <a:off x="7277995" y="3030108"/>
+            <a:off x="7072530" y="1810908"/>
             <a:ext cx="434402" cy="4783"/>
           </a:xfrm>
           <a:prstGeom prst="bentConnector3">
@@ -4628,8 +4645,8 @@
         </p:nvSpPr>
         <p:spPr>
           <a:xfrm>
-            <a:off x="7712397" y="3210194"/>
-            <a:ext cx="708186" cy="285783"/>
+            <a:off x="7506932" y="1990994"/>
+            <a:ext cx="877212" cy="285783"/>
           </a:xfrm>
           <a:prstGeom prst="rect">
             <a:avLst/>
@@ -4666,7 +4683,7 @@
                   <a:srgbClr val="7030A0"/>
                 </a:solidFill>
               </a:rPr>
-              <a:t>Email</a:t>
+              <a:t>Date</a:t>
             </a:r>
             <a:endParaRPr lang="en-SG" sz="1050" dirty="0">
               <a:solidFill>
@@ -4680,6 +4697,7 @@
         <p:nvCxnSpPr>
           <p:cNvPr id="84" name="Elbow Connector 83"/>
           <p:cNvCxnSpPr>
+            <a:cxnSpLocks/>
             <a:stCxn id="78" idx="3"/>
             <a:endCxn id="83" idx="1"/>
           </p:cNvCxnSpPr>
@@ -4687,7 +4705,7 @@
         </p:nvCxnSpPr>
         <p:spPr>
           <a:xfrm>
-            <a:off x="7277995" y="3034891"/>
+            <a:off x="7072530" y="1815691"/>
             <a:ext cx="434402" cy="318195"/>
           </a:xfrm>
           <a:prstGeom prst="bentConnector3">
@@ -4719,14 +4737,53 @@
       </p:cxnSp>
       <p:sp>
         <p:nvSpPr>
-          <p:cNvPr id="85" name="Rectangle 8"/>
+          <p:cNvPr id="114" name="TextBox 113"/>
+          <p:cNvSpPr txBox="1"/>
+          <p:nvPr/>
+        </p:nvSpPr>
+        <p:spPr>
+          <a:xfrm rot="16200000">
+            <a:off x="6157421" y="2367105"/>
+            <a:ext cx="881018" cy="261610"/>
+          </a:xfrm>
+          <a:prstGeom prst="rect">
+            <a:avLst/>
+          </a:prstGeom>
+          <a:noFill/>
+        </p:spPr>
+        <p:txBody>
+          <a:bodyPr wrap="square" rtlCol="0">
+            <a:spAutoFit/>
+          </a:bodyPr>
+          <a:lstStyle/>
+          <a:p>
+            <a:pPr algn="r"/>
+            <a:r>
+              <a:rPr lang="en-US" sz="1100" dirty="0">
+                <a:solidFill>
+                  <a:srgbClr val="7030A0"/>
+                </a:solidFill>
+              </a:rPr>
+              <a:t>filtered list</a:t>
+            </a:r>
+            <a:endParaRPr lang="en-SG" sz="1100" dirty="0">
+              <a:solidFill>
+                <a:srgbClr val="7030A0"/>
+              </a:solidFill>
+            </a:endParaRPr>
+          </a:p>
+        </p:txBody>
+      </p:sp>
+      <p:sp>
+        <p:nvSpPr>
+          <p:cNvPr id="122" name="Rectangle 8"/>
           <p:cNvSpPr/>
           <p:nvPr/>
         </p:nvSpPr>
         <p:spPr>
           <a:xfrm>
-            <a:off x="7712397" y="3533171"/>
-            <a:ext cx="708186" cy="285783"/>
+            <a:off x="1851936" y="3020291"/>
+            <a:ext cx="1066800" cy="346760"/>
           </a:xfrm>
           <a:prstGeom prst="rect">
             <a:avLst/>
@@ -4763,7 +4820,22 @@
                   <a:srgbClr val="7030A0"/>
                 </a:solidFill>
               </a:rPr>
-              <a:t>Address</a:t>
+              <a:t>&lt;&lt;interface&gt;&gt;</a:t>
+            </a:r>
+            <a:br>
+              <a:rPr lang="en-US" sz="1050" dirty="0">
+                <a:solidFill>
+                  <a:srgbClr val="7030A0"/>
+                </a:solidFill>
+              </a:rPr>
+            </a:br>
+            <a:r>
+              <a:rPr lang="en-US" sz="1050" dirty="0" err="1">
+                <a:solidFill>
+                  <a:srgbClr val="7030A0"/>
+                </a:solidFill>
+              </a:rPr>
+              <a:t>ObservableList</a:t>
             </a:r>
             <a:endParaRPr lang="en-SG" sz="1050" dirty="0">
               <a:solidFill>
@@ -4775,25 +4847,26 @@
       </p:sp>
       <p:cxnSp>
         <p:nvCxnSpPr>
-          <p:cNvPr id="86" name="Elbow Connector 85"/>
+          <p:cNvPr id="124" name="Elbow Connector 122"/>
           <p:cNvCxnSpPr>
-            <a:stCxn id="78" idx="3"/>
-            <a:endCxn id="85" idx="1"/>
+            <a:stCxn id="119" idx="1"/>
+            <a:endCxn id="122" idx="1"/>
           </p:cNvCxnSpPr>
           <p:nvPr/>
         </p:nvCxnSpPr>
         <p:spPr>
-          <a:xfrm>
-            <a:off x="7277995" y="3034891"/>
-            <a:ext cx="434402" cy="641172"/>
-          </a:xfrm>
-          <a:prstGeom prst="bentConnector3">
+          <a:xfrm rot="16200000" flipH="1">
+            <a:off x="1159010" y="2500744"/>
+            <a:ext cx="831471" cy="554381"/>
+          </a:xfrm>
+          <a:prstGeom prst="bentConnector2">
             <a:avLst/>
           </a:prstGeom>
           <a:ln w="19050">
             <a:solidFill>
               <a:srgbClr val="7030A0"/>
             </a:solidFill>
+            <a:prstDash val="sysDot"/>
             <a:headEnd type="none" w="med" len="med"/>
             <a:tailEnd type="arrow" w="med" len="med"/>
           </a:ln>
@@ -4816,173 +4889,13 @@
       </p:cxnSp>
       <p:sp>
         <p:nvSpPr>
-          <p:cNvPr id="114" name="TextBox 113"/>
-          <p:cNvSpPr txBox="1"/>
-          <p:nvPr/>
-        </p:nvSpPr>
-        <p:spPr>
-          <a:xfrm rot="16200000">
-            <a:off x="6362886" y="3586305"/>
-            <a:ext cx="881018" cy="261610"/>
-          </a:xfrm>
-          <a:prstGeom prst="rect">
-            <a:avLst/>
-          </a:prstGeom>
-          <a:noFill/>
-        </p:spPr>
-        <p:txBody>
-          <a:bodyPr wrap="square" rtlCol="0">
-            <a:spAutoFit/>
-          </a:bodyPr>
-          <a:lstStyle/>
-          <a:p>
-            <a:pPr algn="r"/>
-            <a:r>
-              <a:rPr lang="en-US" sz="1100" dirty="0">
-                <a:solidFill>
-                  <a:srgbClr val="7030A0"/>
-                </a:solidFill>
-              </a:rPr>
-              <a:t>filtered list</a:t>
-            </a:r>
-            <a:endParaRPr lang="en-SG" sz="1100" dirty="0">
-              <a:solidFill>
-                <a:srgbClr val="7030A0"/>
-              </a:solidFill>
-            </a:endParaRPr>
-          </a:p>
-        </p:txBody>
-      </p:sp>
-      <p:sp>
-        <p:nvSpPr>
-          <p:cNvPr id="122" name="Rectangle 8"/>
-          <p:cNvSpPr/>
-          <p:nvPr/>
-        </p:nvSpPr>
-        <p:spPr>
-          <a:xfrm>
-            <a:off x="2057401" y="4239491"/>
-            <a:ext cx="1066800" cy="346760"/>
-          </a:xfrm>
-          <a:prstGeom prst="rect">
-            <a:avLst/>
-          </a:prstGeom>
-          <a:ln w="19050">
-            <a:solidFill>
-              <a:srgbClr val="7030A0"/>
-            </a:solidFill>
-          </a:ln>
-          <a:effectLst/>
-        </p:spPr>
-        <p:style>
-          <a:lnRef idx="1">
-            <a:schemeClr val="accent4"/>
-          </a:lnRef>
-          <a:fillRef idx="2">
-            <a:schemeClr val="accent4"/>
-          </a:fillRef>
-          <a:effectRef idx="1">
-            <a:schemeClr val="accent4"/>
-          </a:effectRef>
-          <a:fontRef idx="minor">
-            <a:schemeClr val="dk1"/>
-          </a:fontRef>
-        </p:style>
-        <p:txBody>
-          <a:bodyPr rtlCol="0" anchor="ctr"/>
-          <a:lstStyle/>
-          <a:p>
-            <a:pPr algn="ctr"/>
-            <a:r>
-              <a:rPr lang="en-US" sz="1050" dirty="0">
-                <a:solidFill>
-                  <a:srgbClr val="7030A0"/>
-                </a:solidFill>
-              </a:rPr>
-              <a:t>&lt;&lt;interface&gt;&gt;</a:t>
-            </a:r>
-            <a:r>
-              <a:rPr lang="en-US" sz="1050">
-                <a:solidFill>
-                  <a:srgbClr val="7030A0"/>
-                </a:solidFill>
-              </a:rPr>
-              <a:t/>
-            </a:r>
-            <a:br>
-              <a:rPr lang="en-US" sz="1050">
-                <a:solidFill>
-                  <a:srgbClr val="7030A0"/>
-                </a:solidFill>
-              </a:rPr>
-            </a:br>
-            <a:r>
-              <a:rPr lang="en-US" sz="1050" dirty="0" err="1">
-                <a:solidFill>
-                  <a:srgbClr val="7030A0"/>
-                </a:solidFill>
-              </a:rPr>
-              <a:t>ObservableList</a:t>
-            </a:r>
-            <a:endParaRPr lang="en-SG" sz="1050" dirty="0">
-              <a:solidFill>
-                <a:srgbClr val="7030A0"/>
-              </a:solidFill>
-            </a:endParaRPr>
-          </a:p>
-        </p:txBody>
-      </p:sp>
-      <p:cxnSp>
-        <p:nvCxnSpPr>
-          <p:cNvPr id="124" name="Elbow Connector 122"/>
-          <p:cNvCxnSpPr>
-            <a:stCxn id="119" idx="1"/>
-            <a:endCxn id="122" idx="1"/>
-          </p:cNvCxnSpPr>
-          <p:nvPr/>
-        </p:nvCxnSpPr>
-        <p:spPr>
-          <a:xfrm rot="16200000" flipH="1">
-            <a:off x="1364475" y="3719944"/>
-            <a:ext cx="831471" cy="554381"/>
-          </a:xfrm>
-          <a:prstGeom prst="bentConnector2">
-            <a:avLst/>
-          </a:prstGeom>
-          <a:ln w="19050">
-            <a:solidFill>
-              <a:srgbClr val="7030A0"/>
-            </a:solidFill>
-            <a:prstDash val="sysDot"/>
-            <a:headEnd type="none" w="med" len="med"/>
-            <a:tailEnd type="arrow" w="med" len="med"/>
-          </a:ln>
-          <a:effectLst/>
-        </p:spPr>
-        <p:style>
-          <a:lnRef idx="1">
-            <a:schemeClr val="accent2"/>
-          </a:lnRef>
-          <a:fillRef idx="2">
-            <a:schemeClr val="accent2"/>
-          </a:fillRef>
-          <a:effectRef idx="1">
-            <a:schemeClr val="accent2"/>
-          </a:effectRef>
-          <a:fontRef idx="minor">
-            <a:schemeClr val="dk1"/>
-          </a:fontRef>
-        </p:style>
-      </p:cxnSp>
-      <p:sp>
-        <p:nvSpPr>
           <p:cNvPr id="54" name="TextBox 53"/>
           <p:cNvSpPr txBox="1"/>
           <p:nvPr/>
         </p:nvSpPr>
         <p:spPr>
           <a:xfrm>
-            <a:off x="4324972" y="3058864"/>
+            <a:off x="4119507" y="1839664"/>
             <a:ext cx="189257" cy="178683"/>
           </a:xfrm>
           <a:prstGeom prst="rect">
@@ -5021,7 +4934,7 @@
         </p:nvSpPr>
         <p:spPr>
           <a:xfrm>
-            <a:off x="6135256" y="3097917"/>
+            <a:off x="5929791" y="1878717"/>
             <a:ext cx="189257" cy="178683"/>
           </a:xfrm>
           <a:prstGeom prst="rect">
@@ -5060,7 +4973,7 @@
         </p:nvSpPr>
         <p:spPr>
           <a:xfrm>
-            <a:off x="2560167" y="2753818"/>
+            <a:off x="2354702" y="1534618"/>
             <a:ext cx="78378" cy="193767"/>
           </a:xfrm>
           <a:prstGeom prst="rect">
@@ -5099,7 +5012,7 @@
         </p:nvSpPr>
         <p:spPr>
           <a:xfrm>
-            <a:off x="2707070" y="3667737"/>
+            <a:off x="2501605" y="2448537"/>
             <a:ext cx="189257" cy="178683"/>
           </a:xfrm>
           <a:prstGeom prst="rect">
@@ -5138,7 +5051,7 @@
         </p:nvSpPr>
         <p:spPr>
           <a:xfrm>
-            <a:off x="6449896" y="3204826"/>
+            <a:off x="6244431" y="1985626"/>
             <a:ext cx="189257" cy="178683"/>
           </a:xfrm>
           <a:prstGeom prst="rect">
@@ -5183,7 +5096,7 @@
         </p:nvSpPr>
         <p:spPr>
           <a:xfrm>
-            <a:off x="4755872" y="2206861"/>
+            <a:off x="4550407" y="987661"/>
             <a:ext cx="1156969" cy="285783"/>
           </a:xfrm>
           <a:prstGeom prst="rect">
@@ -5249,7 +5162,7 @@
         </p:nvCxnSpPr>
         <p:spPr>
           <a:xfrm rot="5400000" flipH="1" flipV="1">
-            <a:off x="4233181" y="2536174"/>
+            <a:off x="4027716" y="1316974"/>
             <a:ext cx="709111" cy="336271"/>
           </a:xfrm>
           <a:prstGeom prst="bentConnector2">
@@ -5293,7 +5206,7 @@
         </p:nvSpPr>
         <p:spPr>
           <a:xfrm>
-            <a:off x="6714344" y="2430721"/>
+            <a:off x="6508879" y="1211521"/>
             <a:ext cx="189257" cy="178683"/>
           </a:xfrm>
           <a:prstGeom prst="rect">
@@ -5338,7 +5251,7 @@
         </p:nvSpPr>
         <p:spPr>
           <a:xfrm rot="16200000">
-            <a:off x="6553482" y="2664721"/>
+            <a:off x="6348017" y="1445521"/>
             <a:ext cx="236048" cy="173380"/>
           </a:xfrm>
           <a:prstGeom prst="flowChartDecision">
@@ -5392,7 +5305,7 @@
         </p:nvCxnSpPr>
         <p:spPr>
           <a:xfrm flipV="1">
-            <a:off x="5884280" y="2233006"/>
+            <a:off x="5678815" y="1013806"/>
             <a:ext cx="432916" cy="111294"/>
           </a:xfrm>
           <a:prstGeom prst="bentConnector3">
@@ -5436,7 +5349,7 @@
         </p:nvSpPr>
         <p:spPr>
           <a:xfrm>
-            <a:off x="6317196" y="2059626"/>
+            <a:off x="6111731" y="840426"/>
             <a:ext cx="708186" cy="346760"/>
           </a:xfrm>
           <a:prstGeom prst="rect">
@@ -5498,7 +5411,7 @@
         </p:nvSpPr>
         <p:spPr>
           <a:xfrm>
-            <a:off x="6135256" y="2278014"/>
+            <a:off x="5929791" y="1058814"/>
             <a:ext cx="189257" cy="178683"/>
           </a:xfrm>
           <a:prstGeom prst="rect">
@@ -5543,7 +5456,7 @@
         </p:nvSpPr>
         <p:spPr>
           <a:xfrm>
-            <a:off x="4367100" y="2172972"/>
+            <a:off x="4161635" y="953772"/>
             <a:ext cx="189257" cy="178683"/>
           </a:xfrm>
           <a:prstGeom prst="rect">
@@ -5588,7 +5501,7 @@
         </p:nvSpPr>
         <p:spPr>
           <a:xfrm>
-            <a:off x="5911329" y="2262081"/>
+            <a:off x="5705864" y="1042881"/>
             <a:ext cx="236048" cy="173380"/>
           </a:xfrm>
           <a:prstGeom prst="flowChartDecision">
@@ -5645,7 +5558,7 @@
         </p:nvCxnSpPr>
         <p:spPr>
           <a:xfrm rot="16200000" flipV="1">
-            <a:off x="6557898" y="2519778"/>
+            <a:off x="6352433" y="1300578"/>
             <a:ext cx="227001" cy="217"/>
           </a:xfrm>
           <a:prstGeom prst="bentConnector3">
@@ -5681,13 +5594,14 @@
         <p:nvCxnSpPr>
           <p:cNvPr id="90" name="Elbow Connector 63"/>
           <p:cNvCxnSpPr>
+            <a:cxnSpLocks/>
             <a:stCxn id="91" idx="3"/>
           </p:cNvCxnSpPr>
           <p:nvPr/>
         </p:nvCxnSpPr>
         <p:spPr>
           <a:xfrm rot="5400000">
-            <a:off x="3470636" y="2687353"/>
+            <a:off x="3265171" y="1468153"/>
             <a:ext cx="293825" cy="5938"/>
           </a:xfrm>
           <a:prstGeom prst="bentConnector3">
@@ -5728,7 +5642,7 @@
         </p:nvSpPr>
         <p:spPr>
           <a:xfrm rot="10800000" flipV="1">
-            <a:off x="3479324" y="2386348"/>
+            <a:off x="3273859" y="1167148"/>
             <a:ext cx="282387" cy="157062"/>
           </a:xfrm>
           <a:prstGeom prst="triangle">
@@ -5760,7 +5674,7 @@
           <a:lstStyle/>
           <a:p>
             <a:pPr algn="ctr"/>
-            <a:endParaRPr lang="en-SG" sz="1050" b="1">
+            <a:endParaRPr lang="en-SG" sz="1050" b="1" dirty="0">
               <a:solidFill>
                 <a:srgbClr val="92D050"/>
               </a:solidFill>
@@ -5776,8 +5690,8 @@
         </p:nvSpPr>
         <p:spPr>
           <a:xfrm>
-            <a:off x="1177947" y="1998144"/>
-            <a:ext cx="1443661" cy="364396"/>
+            <a:off x="972482" y="727217"/>
+            <a:ext cx="1443661" cy="494987"/>
           </a:xfrm>
           <a:prstGeom prst="rect">
             <a:avLst/>
@@ -5829,7 +5743,23 @@
                   <a:srgbClr val="7030A0"/>
                 </a:solidFill>
               </a:rPr>
-              <a:t>ReadOnlyAddressBook</a:t>
+              <a:t>ReadOnlyFinancial</a:t>
+            </a:r>
+            <a:endParaRPr lang="en-US" sz="1050" dirty="0">
+              <a:solidFill>
+                <a:srgbClr val="7030A0"/>
+              </a:solidFill>
+            </a:endParaRPr>
+          </a:p>
+          <a:p>
+            <a:pPr algn="ctr"/>
+            <a:r>
+              <a:rPr lang="en-US" sz="1050" dirty="0">
+                <a:solidFill>
+                  <a:srgbClr val="7030A0"/>
+                </a:solidFill>
+              </a:rPr>
+              <a:t>Planner</a:t>
             </a:r>
             <a:endParaRPr lang="en-SG" sz="1050" dirty="0">
               <a:solidFill>
@@ -5847,7 +5777,7 @@
         </p:nvSpPr>
         <p:spPr>
           <a:xfrm>
-            <a:off x="3087206" y="1998144"/>
+            <a:off x="2881741" y="778944"/>
             <a:ext cx="1060683" cy="364396"/>
           </a:xfrm>
           <a:prstGeom prst="rect">
@@ -5880,12 +5810,23 @@
           <a:p>
             <a:pPr algn="ctr"/>
             <a:r>
-              <a:rPr lang="en-US" sz="1050" dirty="0" err="1">
+              <a:rPr lang="en-US" sz="1050" dirty="0">
                 <a:solidFill>
                   <a:srgbClr val="7030A0"/>
                 </a:solidFill>
               </a:rPr>
-              <a:t>AddressBook</a:t>
+              <a:t>Financial</a:t>
+            </a:r>
+          </a:p>
+          <a:p>
+            <a:pPr algn="ctr"/>
+            <a:r>
+              <a:rPr lang="en-US" sz="1050" dirty="0">
+                <a:solidFill>
+                  <a:srgbClr val="7030A0"/>
+                </a:solidFill>
+              </a:rPr>
+              <a:t>Planner</a:t>
             </a:r>
             <a:endParaRPr lang="en-SG" sz="1050" dirty="0">
               <a:solidFill>
@@ -5903,7 +5844,7 @@
         </p:nvSpPr>
         <p:spPr>
           <a:xfrm rot="16200000">
-            <a:off x="2586098" y="2068952"/>
+            <a:off x="2380633" y="849752"/>
             <a:ext cx="271014" cy="187417"/>
           </a:xfrm>
           <a:prstGeom prst="triangle">
@@ -5958,7 +5899,7 @@
         </p:nvCxnSpPr>
         <p:spPr>
           <a:xfrm>
-            <a:off x="2815314" y="2177521"/>
+            <a:off x="2609849" y="958321"/>
             <a:ext cx="271892" cy="2821"/>
           </a:xfrm>
           <a:prstGeom prst="bentConnector3">

--- a/docs/diagrams/ModelComponentClassBetterOopDiagram.pptx
+++ b/docs/diagrams/ModelComponentClassBetterOopDiagram.pptx
@@ -208,7 +208,7 @@
           <a:p>
             <a:fld id="{F5CC4B3F-88C1-4FFA-B1B6-F41C21DC6924}" type="datetimeFigureOut">
               <a:rPr lang="en-US" smtClean="0"/>
-              <a:t>6/27/2018</a:t>
+              <a:t>11/12/2018</a:t>
             </a:fld>
             <a:endParaRPr lang="en-US"/>
           </a:p>
@@ -654,7 +654,7 @@
           <a:p>
             <a:fld id="{78C97017-6FC3-485B-9764-EAC9E56C1D49}" type="datetimeFigureOut">
               <a:rPr lang="en-US" smtClean="0"/>
-              <a:t>6/27/2018</a:t>
+              <a:t>11/12/2018</a:t>
             </a:fld>
             <a:endParaRPr lang="en-US"/>
           </a:p>
@@ -822,7 +822,7 @@
           <a:p>
             <a:fld id="{78C97017-6FC3-485B-9764-EAC9E56C1D49}" type="datetimeFigureOut">
               <a:rPr lang="en-US" smtClean="0"/>
-              <a:t>6/27/2018</a:t>
+              <a:t>11/12/2018</a:t>
             </a:fld>
             <a:endParaRPr lang="en-US"/>
           </a:p>
@@ -1000,7 +1000,7 @@
           <a:p>
             <a:fld id="{78C97017-6FC3-485B-9764-EAC9E56C1D49}" type="datetimeFigureOut">
               <a:rPr lang="en-US" smtClean="0"/>
-              <a:t>6/27/2018</a:t>
+              <a:t>11/12/2018</a:t>
             </a:fld>
             <a:endParaRPr lang="en-US"/>
           </a:p>
@@ -1168,7 +1168,7 @@
           <a:p>
             <a:fld id="{78C97017-6FC3-485B-9764-EAC9E56C1D49}" type="datetimeFigureOut">
               <a:rPr lang="en-US" smtClean="0"/>
-              <a:t>6/27/2018</a:t>
+              <a:t>11/12/2018</a:t>
             </a:fld>
             <a:endParaRPr lang="en-US"/>
           </a:p>
@@ -1413,7 +1413,7 @@
           <a:p>
             <a:fld id="{78C97017-6FC3-485B-9764-EAC9E56C1D49}" type="datetimeFigureOut">
               <a:rPr lang="en-US" smtClean="0"/>
-              <a:t>6/27/2018</a:t>
+              <a:t>11/12/2018</a:t>
             </a:fld>
             <a:endParaRPr lang="en-US"/>
           </a:p>
@@ -1698,7 +1698,7 @@
           <a:p>
             <a:fld id="{78C97017-6FC3-485B-9764-EAC9E56C1D49}" type="datetimeFigureOut">
               <a:rPr lang="en-US" smtClean="0"/>
-              <a:t>6/27/2018</a:t>
+              <a:t>11/12/2018</a:t>
             </a:fld>
             <a:endParaRPr lang="en-US"/>
           </a:p>
@@ -2117,7 +2117,7 @@
           <a:p>
             <a:fld id="{78C97017-6FC3-485B-9764-EAC9E56C1D49}" type="datetimeFigureOut">
               <a:rPr lang="en-US" smtClean="0"/>
-              <a:t>6/27/2018</a:t>
+              <a:t>11/12/2018</a:t>
             </a:fld>
             <a:endParaRPr lang="en-US"/>
           </a:p>
@@ -2234,7 +2234,7 @@
           <a:p>
             <a:fld id="{78C97017-6FC3-485B-9764-EAC9E56C1D49}" type="datetimeFigureOut">
               <a:rPr lang="en-US" smtClean="0"/>
-              <a:t>6/27/2018</a:t>
+              <a:t>11/12/2018</a:t>
             </a:fld>
             <a:endParaRPr lang="en-US"/>
           </a:p>
@@ -2329,7 +2329,7 @@
           <a:p>
             <a:fld id="{78C97017-6FC3-485B-9764-EAC9E56C1D49}" type="datetimeFigureOut">
               <a:rPr lang="en-US" smtClean="0"/>
-              <a:t>6/27/2018</a:t>
+              <a:t>11/12/2018</a:t>
             </a:fld>
             <a:endParaRPr lang="en-US"/>
           </a:p>
@@ -2604,7 +2604,7 @@
           <a:p>
             <a:fld id="{78C97017-6FC3-485B-9764-EAC9E56C1D49}" type="datetimeFigureOut">
               <a:rPr lang="en-US" smtClean="0"/>
-              <a:t>6/27/2018</a:t>
+              <a:t>11/12/2018</a:t>
             </a:fld>
             <a:endParaRPr lang="en-US"/>
           </a:p>
@@ -2856,7 +2856,7 @@
           <a:p>
             <a:fld id="{78C97017-6FC3-485B-9764-EAC9E56C1D49}" type="datetimeFigureOut">
               <a:rPr lang="en-US" smtClean="0"/>
-              <a:t>6/27/2018</a:t>
+              <a:t>11/12/2018</a:t>
             </a:fld>
             <a:endParaRPr lang="en-US"/>
           </a:p>
@@ -3067,7 +3067,7 @@
           <a:p>
             <a:fld id="{78C97017-6FC3-485B-9764-EAC9E56C1D49}" type="datetimeFigureOut">
               <a:rPr lang="en-US" smtClean="0"/>
-              <a:t>6/27/2018</a:t>
+              <a:t>11/12/2018</a:t>
             </a:fld>
             <a:endParaRPr lang="en-US"/>
           </a:p>
@@ -3992,7 +3992,7 @@
           <a:p>
             <a:pPr algn="ctr"/>
             <a:r>
-              <a:rPr lang="en-US" sz="1050" dirty="0" err="1" smtClean="0">
+              <a:rPr lang="en-US" sz="1050" dirty="0" err="1">
                 <a:solidFill>
                   <a:srgbClr val="7030A0"/>
                 </a:solidFill>
@@ -4900,14 +4900,6 @@
                 </a:solidFill>
               </a:rPr>
               <a:t>&lt;&lt;interface&gt;&gt;</a:t>
-            </a:r>
-            <a:r>
-              <a:rPr lang="en-US" sz="1050">
-                <a:solidFill>
-                  <a:srgbClr val="7030A0"/>
-                </a:solidFill>
-              </a:rPr>
-              <a:t/>
             </a:r>
             <a:br>
               <a:rPr lang="en-US" sz="1050">
@@ -5991,6 +5983,114 @@
           </a:fontRef>
         </p:style>
       </p:cxnSp>
+      <p:cxnSp>
+        <p:nvCxnSpPr>
+          <p:cNvPr id="56" name="Elbow Connector 80">
+            <a:extLst>
+              <a:ext uri="{FF2B5EF4-FFF2-40B4-BE49-F238E27FC236}">
+                <a16:creationId xmlns:a16="http://schemas.microsoft.com/office/drawing/2014/main" id="{4A208E2B-FF7A-41E3-A262-6D7F83320BCF}"/>
+              </a:ext>
+            </a:extLst>
+          </p:cNvPr>
+          <p:cNvCxnSpPr>
+            <a:cxnSpLocks/>
+          </p:cNvCxnSpPr>
+          <p:nvPr/>
+        </p:nvCxnSpPr>
+        <p:spPr>
+          <a:xfrm rot="5400000" flipH="1" flipV="1">
+            <a:off x="7109860" y="2750923"/>
+            <a:ext cx="987003" cy="216598"/>
+          </a:xfrm>
+          <a:prstGeom prst="bentConnector2">
+            <a:avLst/>
+          </a:prstGeom>
+          <a:ln w="19050">
+            <a:solidFill>
+              <a:srgbClr val="7030A0"/>
+            </a:solidFill>
+            <a:headEnd type="none" w="med" len="med"/>
+            <a:tailEnd type="arrow" w="med" len="med"/>
+          </a:ln>
+          <a:effectLst/>
+        </p:spPr>
+        <p:style>
+          <a:lnRef idx="1">
+            <a:schemeClr val="accent2"/>
+          </a:lnRef>
+          <a:fillRef idx="2">
+            <a:schemeClr val="accent2"/>
+          </a:fillRef>
+          <a:effectRef idx="1">
+            <a:schemeClr val="accent2"/>
+          </a:effectRef>
+          <a:fontRef idx="minor">
+            <a:schemeClr val="dk1"/>
+          </a:fontRef>
+        </p:style>
+      </p:cxnSp>
+      <p:sp>
+        <p:nvSpPr>
+          <p:cNvPr id="57" name="Rectangle 8">
+            <a:extLst>
+              <a:ext uri="{FF2B5EF4-FFF2-40B4-BE49-F238E27FC236}">
+                <a16:creationId xmlns:a16="http://schemas.microsoft.com/office/drawing/2014/main" id="{057844B0-B07F-4DAA-9934-CA8FBAAB605B}"/>
+              </a:ext>
+            </a:extLst>
+          </p:cNvPr>
+          <p:cNvSpPr/>
+          <p:nvPr/>
+        </p:nvSpPr>
+        <p:spPr>
+          <a:xfrm>
+            <a:off x="7712397" y="2233006"/>
+            <a:ext cx="708186" cy="285783"/>
+          </a:xfrm>
+          <a:prstGeom prst="rect">
+            <a:avLst/>
+          </a:prstGeom>
+          <a:ln w="19050">
+            <a:solidFill>
+              <a:srgbClr val="7030A0"/>
+            </a:solidFill>
+          </a:ln>
+          <a:effectLst/>
+        </p:spPr>
+        <p:style>
+          <a:lnRef idx="1">
+            <a:schemeClr val="accent4"/>
+          </a:lnRef>
+          <a:fillRef idx="2">
+            <a:schemeClr val="accent4"/>
+          </a:fillRef>
+          <a:effectRef idx="1">
+            <a:schemeClr val="accent4"/>
+          </a:effectRef>
+          <a:fontRef idx="minor">
+            <a:schemeClr val="dk1"/>
+          </a:fontRef>
+        </p:style>
+        <p:txBody>
+          <a:bodyPr rtlCol="0" anchor="ctr"/>
+          <a:lstStyle/>
+          <a:p>
+            <a:pPr algn="ctr"/>
+            <a:r>
+              <a:rPr lang="en-US" sz="1050">
+                <a:solidFill>
+                  <a:srgbClr val="7030A0"/>
+                </a:solidFill>
+              </a:rPr>
+              <a:t>Skill</a:t>
+            </a:r>
+            <a:endParaRPr lang="en-SG" sz="1050" dirty="0">
+              <a:solidFill>
+                <a:srgbClr val="7030A0"/>
+              </a:solidFill>
+            </a:endParaRPr>
+          </a:p>
+        </p:txBody>
+      </p:sp>
     </p:spTree>
     <p:extLst>
       <p:ext uri="{BB962C8B-B14F-4D97-AF65-F5344CB8AC3E}">

--- a/docs/diagrams/ModelComponentClassBetterOopDiagram.pptx
+++ b/docs/diagrams/ModelComponentClassBetterOopDiagram.pptx
@@ -208,7 +208,7 @@
           <a:p>
             <a:fld id="{F5CC4B3F-88C1-4FFA-B1B6-F41C21DC6924}" type="datetimeFigureOut">
               <a:rPr lang="en-US" smtClean="0"/>
-              <a:t>11/7/2018</a:t>
+              <a:t>11/12/2018</a:t>
             </a:fld>
             <a:endParaRPr lang="en-US"/>
           </a:p>
@@ -654,7 +654,7 @@
           <a:p>
             <a:fld id="{78C97017-6FC3-485B-9764-EAC9E56C1D49}" type="datetimeFigureOut">
               <a:rPr lang="en-US" smtClean="0"/>
-              <a:t>11/7/2018</a:t>
+              <a:t>11/12/2018</a:t>
             </a:fld>
             <a:endParaRPr lang="en-US"/>
           </a:p>
@@ -822,7 +822,7 @@
           <a:p>
             <a:fld id="{78C97017-6FC3-485B-9764-EAC9E56C1D49}" type="datetimeFigureOut">
               <a:rPr lang="en-US" smtClean="0"/>
-              <a:t>11/7/2018</a:t>
+              <a:t>11/12/2018</a:t>
             </a:fld>
             <a:endParaRPr lang="en-US"/>
           </a:p>
@@ -1000,7 +1000,7 @@
           <a:p>
             <a:fld id="{78C97017-6FC3-485B-9764-EAC9E56C1D49}" type="datetimeFigureOut">
               <a:rPr lang="en-US" smtClean="0"/>
-              <a:t>11/7/2018</a:t>
+              <a:t>11/12/2018</a:t>
             </a:fld>
             <a:endParaRPr lang="en-US"/>
           </a:p>
@@ -1168,7 +1168,7 @@
           <a:p>
             <a:fld id="{78C97017-6FC3-485B-9764-EAC9E56C1D49}" type="datetimeFigureOut">
               <a:rPr lang="en-US" smtClean="0"/>
-              <a:t>11/7/2018</a:t>
+              <a:t>11/12/2018</a:t>
             </a:fld>
             <a:endParaRPr lang="en-US"/>
           </a:p>
@@ -1413,7 +1413,7 @@
           <a:p>
             <a:fld id="{78C97017-6FC3-485B-9764-EAC9E56C1D49}" type="datetimeFigureOut">
               <a:rPr lang="en-US" smtClean="0"/>
-              <a:t>11/7/2018</a:t>
+              <a:t>11/12/2018</a:t>
             </a:fld>
             <a:endParaRPr lang="en-US"/>
           </a:p>
@@ -1698,7 +1698,7 @@
           <a:p>
             <a:fld id="{78C97017-6FC3-485B-9764-EAC9E56C1D49}" type="datetimeFigureOut">
               <a:rPr lang="en-US" smtClean="0"/>
-              <a:t>11/7/2018</a:t>
+              <a:t>11/12/2018</a:t>
             </a:fld>
             <a:endParaRPr lang="en-US"/>
           </a:p>
@@ -2117,7 +2117,7 @@
           <a:p>
             <a:fld id="{78C97017-6FC3-485B-9764-EAC9E56C1D49}" type="datetimeFigureOut">
               <a:rPr lang="en-US" smtClean="0"/>
-              <a:t>11/7/2018</a:t>
+              <a:t>11/12/2018</a:t>
             </a:fld>
             <a:endParaRPr lang="en-US"/>
           </a:p>
@@ -2234,7 +2234,7 @@
           <a:p>
             <a:fld id="{78C97017-6FC3-485B-9764-EAC9E56C1D49}" type="datetimeFigureOut">
               <a:rPr lang="en-US" smtClean="0"/>
-              <a:t>11/7/2018</a:t>
+              <a:t>11/12/2018</a:t>
             </a:fld>
             <a:endParaRPr lang="en-US"/>
           </a:p>
@@ -2329,7 +2329,7 @@
           <a:p>
             <a:fld id="{78C97017-6FC3-485B-9764-EAC9E56C1D49}" type="datetimeFigureOut">
               <a:rPr lang="en-US" smtClean="0"/>
-              <a:t>11/7/2018</a:t>
+              <a:t>11/12/2018</a:t>
             </a:fld>
             <a:endParaRPr lang="en-US"/>
           </a:p>
@@ -2604,7 +2604,7 @@
           <a:p>
             <a:fld id="{78C97017-6FC3-485B-9764-EAC9E56C1D49}" type="datetimeFigureOut">
               <a:rPr lang="en-US" smtClean="0"/>
-              <a:t>11/7/2018</a:t>
+              <a:t>11/12/2018</a:t>
             </a:fld>
             <a:endParaRPr lang="en-US"/>
           </a:p>
@@ -2856,7 +2856,7 @@
           <a:p>
             <a:fld id="{78C97017-6FC3-485B-9764-EAC9E56C1D49}" type="datetimeFigureOut">
               <a:rPr lang="en-US" smtClean="0"/>
-              <a:t>11/7/2018</a:t>
+              <a:t>11/12/2018</a:t>
             </a:fld>
             <a:endParaRPr lang="en-US"/>
           </a:p>
@@ -3067,7 +3067,7 @@
           <a:p>
             <a:fld id="{78C97017-6FC3-485B-9764-EAC9E56C1D49}" type="datetimeFigureOut">
               <a:rPr lang="en-US" smtClean="0"/>
-              <a:t>11/7/2018</a:t>
+              <a:t>11/12/2018</a:t>
             </a:fld>
             <a:endParaRPr lang="en-US"/>
           </a:p>
@@ -3456,8 +3456,8 @@
         </p:nvSpPr>
         <p:spPr>
           <a:xfrm>
-            <a:off x="1119865" y="1318280"/>
-            <a:ext cx="7719335" cy="4777720"/>
+            <a:off x="1119865" y="1447800"/>
+            <a:ext cx="7719335" cy="4895800"/>
           </a:xfrm>
           <a:prstGeom prst="roundRect">
             <a:avLst>
@@ -5510,10 +5510,10 @@
       </p:sp>
       <p:sp>
         <p:nvSpPr>
-          <p:cNvPr id="215" name="Rectangle 8">
-            <a:extLst>
-              <a:ext uri="{FF2B5EF4-FFF2-40B4-BE49-F238E27FC236}">
-                <a16:creationId xmlns:a16="http://schemas.microsoft.com/office/drawing/2014/main" id="{1C555377-58C2-48B9-B5C7-3729910C208B}"/>
+          <p:cNvPr id="218" name="Rectangle 8">
+            <a:extLst>
+              <a:ext uri="{FF2B5EF4-FFF2-40B4-BE49-F238E27FC236}">
+                <a16:creationId xmlns:a16="http://schemas.microsoft.com/office/drawing/2014/main" id="{2F8D4629-D8BC-405A-BF7F-3656BCD42FB2}"/>
               </a:ext>
             </a:extLst>
           </p:cNvPr>
@@ -5522,8 +5522,8 @@
         </p:nvSpPr>
         <p:spPr>
           <a:xfrm>
-            <a:off x="7712397" y="2096511"/>
-            <a:ext cx="708186" cy="285783"/>
+            <a:off x="3170181" y="1883241"/>
+            <a:ext cx="1060683" cy="364396"/>
           </a:xfrm>
           <a:prstGeom prst="rect">
             <a:avLst/>
@@ -5555,12 +5555,12 @@
           <a:p>
             <a:pPr algn="ctr"/>
             <a:r>
-              <a:rPr lang="en-US" sz="1050" dirty="0">
+              <a:rPr lang="en-US" sz="1050" dirty="0" err="1">
                 <a:solidFill>
                   <a:srgbClr val="7030A0"/>
                 </a:solidFill>
               </a:rPr>
-              <a:t>Tag</a:t>
+              <a:t>AddressBook</a:t>
             </a:r>
             <a:endParaRPr lang="en-SG" sz="1050" dirty="0">
               <a:solidFill>
@@ -5572,29 +5572,26 @@
       </p:sp>
       <p:cxnSp>
         <p:nvCxnSpPr>
-          <p:cNvPr id="216" name="Elbow Connector 78">
-            <a:extLst>
-              <a:ext uri="{FF2B5EF4-FFF2-40B4-BE49-F238E27FC236}">
-                <a16:creationId xmlns:a16="http://schemas.microsoft.com/office/drawing/2014/main" id="{DD5861F4-A25C-45D0-905B-F4F9AF16077B}"/>
+          <p:cNvPr id="219" name="Straight Arrow Connector 218">
+            <a:extLst>
+              <a:ext uri="{FF2B5EF4-FFF2-40B4-BE49-F238E27FC236}">
+                <a16:creationId xmlns:a16="http://schemas.microsoft.com/office/drawing/2014/main" id="{533BD535-16BE-44AD-AA58-75A4D200A5FF}"/>
               </a:ext>
             </a:extLst>
           </p:cNvPr>
           <p:cNvCxnSpPr>
             <a:cxnSpLocks/>
-            <a:stCxn id="196" idx="3"/>
-            <a:endCxn id="215" idx="1"/>
+            <a:endCxn id="190" idx="1"/>
           </p:cNvCxnSpPr>
           <p:nvPr/>
         </p:nvCxnSpPr>
         <p:spPr>
-          <a:xfrm flipV="1">
-            <a:off x="7277995" y="2239403"/>
-            <a:ext cx="434402" cy="663182"/>
-          </a:xfrm>
-          <a:prstGeom prst="bentConnector3">
-            <a:avLst>
-              <a:gd name="adj1" fmla="val 50000"/>
-            </a:avLst>
+          <a:xfrm>
+            <a:off x="4324972" y="2874916"/>
+            <a:ext cx="367678" cy="12320"/>
+          </a:xfrm>
+          <a:prstGeom prst="straightConnector1">
+            <a:avLst/>
           </a:prstGeom>
           <a:ln w="19050">
             <a:solidFill>
@@ -5622,55 +5619,118 @@
       </p:cxnSp>
       <p:sp>
         <p:nvSpPr>
-          <p:cNvPr id="217" name="TextBox 216">
-            <a:extLst>
-              <a:ext uri="{FF2B5EF4-FFF2-40B4-BE49-F238E27FC236}">
-                <a16:creationId xmlns:a16="http://schemas.microsoft.com/office/drawing/2014/main" id="{2EA638DC-3261-4CDF-97BF-A40E923DF83D}"/>
-              </a:ext>
-            </a:extLst>
-          </p:cNvPr>
-          <p:cNvSpPr txBox="1"/>
-          <p:nvPr/>
-        </p:nvSpPr>
-        <p:spPr>
-          <a:xfrm>
-            <a:off x="7466243" y="2255711"/>
-            <a:ext cx="189257" cy="178683"/>
-          </a:xfrm>
-          <a:prstGeom prst="rect">
-            <a:avLst/>
-          </a:prstGeom>
-          <a:noFill/>
-        </p:spPr>
-        <p:txBody>
-          <a:bodyPr wrap="square" lIns="0" tIns="0" rIns="0" bIns="0" rtlCol="0">
-            <a:noAutofit/>
-          </a:bodyPr>
+          <p:cNvPr id="220" name="Isosceles Triangle 102">
+            <a:extLst>
+              <a:ext uri="{FF2B5EF4-FFF2-40B4-BE49-F238E27FC236}">
+                <a16:creationId xmlns:a16="http://schemas.microsoft.com/office/drawing/2014/main" id="{C31312B4-D123-4696-AB36-E6C4FC15A30B}"/>
+              </a:ext>
+            </a:extLst>
+          </p:cNvPr>
+          <p:cNvSpPr/>
+          <p:nvPr/>
+        </p:nvSpPr>
+        <p:spPr>
+          <a:xfrm rot="16200000">
+            <a:off x="2669073" y="1954049"/>
+            <a:ext cx="271014" cy="187417"/>
+          </a:xfrm>
+          <a:prstGeom prst="triangle">
+            <a:avLst>
+              <a:gd name="adj" fmla="val 44517"/>
+            </a:avLst>
+          </a:prstGeom>
+          <a:solidFill>
+            <a:schemeClr val="accent4">
+              <a:lumMod val="20000"/>
+              <a:lumOff val="80000"/>
+            </a:schemeClr>
+          </a:solidFill>
+          <a:ln w="19050">
+            <a:solidFill>
+              <a:srgbClr val="7030A0"/>
+            </a:solidFill>
+          </a:ln>
+          <a:effectLst/>
+        </p:spPr>
+        <p:style>
+          <a:lnRef idx="1">
+            <a:schemeClr val="accent6"/>
+          </a:lnRef>
+          <a:fillRef idx="2">
+            <a:schemeClr val="accent6"/>
+          </a:fillRef>
+          <a:effectRef idx="1">
+            <a:schemeClr val="accent6"/>
+          </a:effectRef>
+          <a:fontRef idx="minor">
+            <a:schemeClr val="dk1"/>
+          </a:fontRef>
+        </p:style>
+        <p:txBody>
+          <a:bodyPr rtlCol="0" anchor="ctr"/>
           <a:lstStyle/>
           <a:p>
             <a:pPr algn="ctr"/>
-            <a:r>
-              <a:rPr lang="en-US" sz="1100" dirty="0">
-                <a:solidFill>
-                  <a:srgbClr val="7030A0"/>
-                </a:solidFill>
-              </a:rPr>
-              <a:t>*</a:t>
-            </a:r>
-            <a:endParaRPr lang="en-SG" sz="1100" dirty="0">
-              <a:solidFill>
-                <a:srgbClr val="7030A0"/>
-              </a:solidFill>
-            </a:endParaRPr>
-          </a:p>
-        </p:txBody>
-      </p:sp>
-      <p:sp>
-        <p:nvSpPr>
-          <p:cNvPr id="218" name="Rectangle 8">
-            <a:extLst>
-              <a:ext uri="{FF2B5EF4-FFF2-40B4-BE49-F238E27FC236}">
-                <a16:creationId xmlns:a16="http://schemas.microsoft.com/office/drawing/2014/main" id="{2F8D4629-D8BC-405A-BF7F-3656BCD42FB2}"/>
+            <a:endParaRPr lang="en-SG" sz="1050"/>
+          </a:p>
+        </p:txBody>
+      </p:sp>
+      <p:cxnSp>
+        <p:nvCxnSpPr>
+          <p:cNvPr id="221" name="Elbow Connector 63">
+            <a:extLst>
+              <a:ext uri="{FF2B5EF4-FFF2-40B4-BE49-F238E27FC236}">
+                <a16:creationId xmlns:a16="http://schemas.microsoft.com/office/drawing/2014/main" id="{F23A24C8-102B-442D-8C02-F05D0A53BC8D}"/>
+              </a:ext>
+            </a:extLst>
+          </p:cNvPr>
+          <p:cNvCxnSpPr>
+            <a:stCxn id="220" idx="3"/>
+            <a:endCxn id="218" idx="1"/>
+          </p:cNvCxnSpPr>
+          <p:nvPr/>
+        </p:nvCxnSpPr>
+        <p:spPr>
+          <a:xfrm>
+            <a:off x="2898289" y="2062618"/>
+            <a:ext cx="271892" cy="2821"/>
+          </a:xfrm>
+          <a:prstGeom prst="bentConnector3">
+            <a:avLst>
+              <a:gd name="adj1" fmla="val 50000"/>
+            </a:avLst>
+          </a:prstGeom>
+          <a:ln w="19050">
+            <a:solidFill>
+              <a:srgbClr val="7030A0"/>
+            </a:solidFill>
+            <a:prstDash val="sysDot"/>
+            <a:headEnd type="none" w="med" len="med"/>
+            <a:tailEnd type="none" w="med" len="med"/>
+          </a:ln>
+          <a:effectLst/>
+        </p:spPr>
+        <p:style>
+          <a:lnRef idx="1">
+            <a:schemeClr val="accent2"/>
+          </a:lnRef>
+          <a:fillRef idx="2">
+            <a:schemeClr val="accent2"/>
+          </a:fillRef>
+          <a:effectRef idx="1">
+            <a:schemeClr val="accent2"/>
+          </a:effectRef>
+          <a:fontRef idx="minor">
+            <a:schemeClr val="dk1"/>
+          </a:fontRef>
+        </p:style>
+      </p:cxnSp>
+      <p:sp>
+        <p:nvSpPr>
+          <p:cNvPr id="222" name="Rectangle 8">
+            <a:extLst>
+              <a:ext uri="{FF2B5EF4-FFF2-40B4-BE49-F238E27FC236}">
+                <a16:creationId xmlns:a16="http://schemas.microsoft.com/office/drawing/2014/main" id="{F087045D-28B2-42B5-9C83-02AC6E68AFD4}"/>
               </a:ext>
             </a:extLst>
           </p:cNvPr>
@@ -5679,8 +5739,8 @@
         </p:nvSpPr>
         <p:spPr>
           <a:xfrm>
-            <a:off x="3170181" y="1883241"/>
-            <a:ext cx="1060683" cy="364396"/>
+            <a:off x="7712396" y="2075770"/>
+            <a:ext cx="898204" cy="285783"/>
           </a:xfrm>
           <a:prstGeom prst="rect">
             <a:avLst/>
@@ -5712,12 +5772,12 @@
           <a:p>
             <a:pPr algn="ctr"/>
             <a:r>
-              <a:rPr lang="en-US" sz="1050" dirty="0" err="1">
+              <a:rPr lang="en-US" sz="1050" dirty="0">
                 <a:solidFill>
                   <a:srgbClr val="7030A0"/>
                 </a:solidFill>
               </a:rPr>
-              <a:t>AddressBook</a:t>
+              <a:t>Department</a:t>
             </a:r>
             <a:endParaRPr lang="en-SG" sz="1050" dirty="0">
               <a:solidFill>
@@ -5727,28 +5787,93 @@
           </a:p>
         </p:txBody>
       </p:sp>
+      <p:sp>
+        <p:nvSpPr>
+          <p:cNvPr id="223" name="Rectangle 8">
+            <a:extLst>
+              <a:ext uri="{FF2B5EF4-FFF2-40B4-BE49-F238E27FC236}">
+                <a16:creationId xmlns:a16="http://schemas.microsoft.com/office/drawing/2014/main" id="{9EEC79AC-1DB9-4342-8812-5044F64E31AA}"/>
+              </a:ext>
+            </a:extLst>
+          </p:cNvPr>
+          <p:cNvSpPr/>
+          <p:nvPr/>
+        </p:nvSpPr>
+        <p:spPr>
+          <a:xfrm>
+            <a:off x="7712396" y="1740349"/>
+            <a:ext cx="898204" cy="285783"/>
+          </a:xfrm>
+          <a:prstGeom prst="rect">
+            <a:avLst/>
+          </a:prstGeom>
+          <a:ln w="19050">
+            <a:solidFill>
+              <a:srgbClr val="7030A0"/>
+            </a:solidFill>
+          </a:ln>
+          <a:effectLst/>
+        </p:spPr>
+        <p:style>
+          <a:lnRef idx="1">
+            <a:schemeClr val="accent4"/>
+          </a:lnRef>
+          <a:fillRef idx="2">
+            <a:schemeClr val="accent4"/>
+          </a:fillRef>
+          <a:effectRef idx="1">
+            <a:schemeClr val="accent4"/>
+          </a:effectRef>
+          <a:fontRef idx="minor">
+            <a:schemeClr val="dk1"/>
+          </a:fontRef>
+        </p:style>
+        <p:txBody>
+          <a:bodyPr rtlCol="0" anchor="ctr"/>
+          <a:lstStyle/>
+          <a:p>
+            <a:pPr algn="ctr"/>
+            <a:r>
+              <a:rPr lang="en-US" sz="1050" dirty="0">
+                <a:solidFill>
+                  <a:srgbClr val="7030A0"/>
+                </a:solidFill>
+              </a:rPr>
+              <a:t>Designation</a:t>
+            </a:r>
+            <a:endParaRPr lang="en-SG" sz="1050" dirty="0">
+              <a:solidFill>
+                <a:srgbClr val="7030A0"/>
+              </a:solidFill>
+            </a:endParaRPr>
+          </a:p>
+        </p:txBody>
+      </p:sp>
       <p:cxnSp>
         <p:nvCxnSpPr>
-          <p:cNvPr id="219" name="Straight Arrow Connector 218">
-            <a:extLst>
-              <a:ext uri="{FF2B5EF4-FFF2-40B4-BE49-F238E27FC236}">
-                <a16:creationId xmlns:a16="http://schemas.microsoft.com/office/drawing/2014/main" id="{533BD535-16BE-44AD-AA58-75A4D200A5FF}"/>
+          <p:cNvPr id="225" name="Elbow Connector 78">
+            <a:extLst>
+              <a:ext uri="{FF2B5EF4-FFF2-40B4-BE49-F238E27FC236}">
+                <a16:creationId xmlns:a16="http://schemas.microsoft.com/office/drawing/2014/main" id="{8D86C177-4A09-4CB2-87AC-447B44BA63FA}"/>
               </a:ext>
             </a:extLst>
           </p:cNvPr>
           <p:cNvCxnSpPr>
             <a:cxnSpLocks/>
-            <a:endCxn id="190" idx="1"/>
+            <a:stCxn id="196" idx="3"/>
+            <a:endCxn id="222" idx="1"/>
           </p:cNvCxnSpPr>
           <p:nvPr/>
         </p:nvCxnSpPr>
         <p:spPr>
-          <a:xfrm>
-            <a:off x="4324972" y="2874916"/>
-            <a:ext cx="367678" cy="12320"/>
-          </a:xfrm>
-          <a:prstGeom prst="straightConnector1">
-            <a:avLst/>
+          <a:xfrm flipV="1">
+            <a:off x="7277995" y="2218662"/>
+            <a:ext cx="434401" cy="683923"/>
+          </a:xfrm>
+          <a:prstGeom prst="bentConnector3">
+            <a:avLst>
+              <a:gd name="adj1" fmla="val 50000"/>
+            </a:avLst>
           </a:prstGeom>
           <a:ln w="19050">
             <a:solidFill>
@@ -5774,12 +5899,62 @@
           </a:fontRef>
         </p:style>
       </p:cxnSp>
-      <p:sp>
-        <p:nvSpPr>
-          <p:cNvPr id="220" name="Isosceles Triangle 102">
-            <a:extLst>
-              <a:ext uri="{FF2B5EF4-FFF2-40B4-BE49-F238E27FC236}">
-                <a16:creationId xmlns:a16="http://schemas.microsoft.com/office/drawing/2014/main" id="{C31312B4-D123-4696-AB36-E6C4FC15A30B}"/>
+      <p:cxnSp>
+        <p:nvCxnSpPr>
+          <p:cNvPr id="226" name="Elbow Connector 78">
+            <a:extLst>
+              <a:ext uri="{FF2B5EF4-FFF2-40B4-BE49-F238E27FC236}">
+                <a16:creationId xmlns:a16="http://schemas.microsoft.com/office/drawing/2014/main" id="{A11078A2-4EAF-4109-AE2C-CADB3C023EEB}"/>
+              </a:ext>
+            </a:extLst>
+          </p:cNvPr>
+          <p:cNvCxnSpPr>
+            <a:cxnSpLocks/>
+            <a:stCxn id="196" idx="3"/>
+            <a:endCxn id="223" idx="1"/>
+          </p:cNvCxnSpPr>
+          <p:nvPr/>
+        </p:nvCxnSpPr>
+        <p:spPr>
+          <a:xfrm flipV="1">
+            <a:off x="7277995" y="1883241"/>
+            <a:ext cx="434401" cy="1019344"/>
+          </a:xfrm>
+          <a:prstGeom prst="bentConnector3">
+            <a:avLst>
+              <a:gd name="adj1" fmla="val 50000"/>
+            </a:avLst>
+          </a:prstGeom>
+          <a:ln w="19050">
+            <a:solidFill>
+              <a:srgbClr val="7030A0"/>
+            </a:solidFill>
+            <a:headEnd type="none" w="med" len="med"/>
+            <a:tailEnd type="arrow" w="med" len="med"/>
+          </a:ln>
+          <a:effectLst/>
+        </p:spPr>
+        <p:style>
+          <a:lnRef idx="1">
+            <a:schemeClr val="accent2"/>
+          </a:lnRef>
+          <a:fillRef idx="2">
+            <a:schemeClr val="accent2"/>
+          </a:fillRef>
+          <a:effectRef idx="1">
+            <a:schemeClr val="accent2"/>
+          </a:effectRef>
+          <a:fontRef idx="minor">
+            <a:schemeClr val="dk1"/>
+          </a:fontRef>
+        </p:style>
+      </p:cxnSp>
+      <p:sp>
+        <p:nvSpPr>
+          <p:cNvPr id="227" name="Rectangle 8">
+            <a:extLst>
+              <a:ext uri="{FF2B5EF4-FFF2-40B4-BE49-F238E27FC236}">
+                <a16:creationId xmlns:a16="http://schemas.microsoft.com/office/drawing/2014/main" id="{CF29C074-CDE0-47FC-91AC-B2EB995EE04F}"/>
               </a:ext>
             </a:extLst>
           </p:cNvPr>
@@ -5787,21 +5962,123 @@
           <p:nvPr/>
         </p:nvSpPr>
         <p:spPr>
-          <a:xfrm rot="16200000">
-            <a:off x="2669073" y="1954049"/>
-            <a:ext cx="271014" cy="187417"/>
-          </a:xfrm>
-          <a:prstGeom prst="triangle">
-            <a:avLst>
-              <a:gd name="adj" fmla="val 44517"/>
-            </a:avLst>
-          </a:prstGeom>
-          <a:solidFill>
-            <a:schemeClr val="accent4">
-              <a:lumMod val="20000"/>
-              <a:lumOff val="80000"/>
-            </a:schemeClr>
-          </a:solidFill>
+          <a:xfrm>
+            <a:off x="2834412" y="4123465"/>
+            <a:ext cx="1490560" cy="334856"/>
+          </a:xfrm>
+          <a:prstGeom prst="rect">
+            <a:avLst/>
+          </a:prstGeom>
+          <a:ln w="19050">
+            <a:solidFill>
+              <a:srgbClr val="7030A0"/>
+            </a:solidFill>
+          </a:ln>
+          <a:effectLst/>
+        </p:spPr>
+        <p:style>
+          <a:lnRef idx="1">
+            <a:schemeClr val="accent4"/>
+          </a:lnRef>
+          <a:fillRef idx="2">
+            <a:schemeClr val="accent4"/>
+          </a:fillRef>
+          <a:effectRef idx="1">
+            <a:schemeClr val="accent4"/>
+          </a:effectRef>
+          <a:fontRef idx="minor">
+            <a:schemeClr val="dk1"/>
+          </a:fontRef>
+        </p:style>
+        <p:txBody>
+          <a:bodyPr rtlCol="0" anchor="ctr"/>
+          <a:lstStyle/>
+          <a:p>
+            <a:pPr algn="ctr"/>
+            <a:r>
+              <a:rPr lang="en-US" sz="1050" dirty="0" err="1">
+                <a:solidFill>
+                  <a:srgbClr val="7030A0"/>
+                </a:solidFill>
+              </a:rPr>
+              <a:t>VersionedEventList</a:t>
+            </a:r>
+            <a:endParaRPr lang="en-SG" sz="1050" dirty="0">
+              <a:solidFill>
+                <a:srgbClr val="7030A0"/>
+              </a:solidFill>
+            </a:endParaRPr>
+          </a:p>
+        </p:txBody>
+      </p:sp>
+      <p:cxnSp>
+        <p:nvCxnSpPr>
+          <p:cNvPr id="228" name="Straight Arrow Connector 227">
+            <a:extLst>
+              <a:ext uri="{FF2B5EF4-FFF2-40B4-BE49-F238E27FC236}">
+                <a16:creationId xmlns:a16="http://schemas.microsoft.com/office/drawing/2014/main" id="{E924F568-5BB6-4225-B9DE-31C831FCBF4A}"/>
+              </a:ext>
+            </a:extLst>
+          </p:cNvPr>
+          <p:cNvCxnSpPr>
+            <a:stCxn id="229" idx="3"/>
+            <a:endCxn id="227" idx="1"/>
+          </p:cNvCxnSpPr>
+          <p:nvPr/>
+        </p:nvCxnSpPr>
+        <p:spPr>
+          <a:xfrm>
+            <a:off x="2633492" y="4280336"/>
+            <a:ext cx="200920" cy="10557"/>
+          </a:xfrm>
+          <a:prstGeom prst="straightConnector1">
+            <a:avLst/>
+          </a:prstGeom>
+          <a:ln w="19050">
+            <a:solidFill>
+              <a:srgbClr val="7030A0"/>
+            </a:solidFill>
+            <a:headEnd type="none" w="med" len="med"/>
+            <a:tailEnd type="arrow" w="med" len="med"/>
+          </a:ln>
+          <a:effectLst/>
+        </p:spPr>
+        <p:style>
+          <a:lnRef idx="1">
+            <a:schemeClr val="accent2"/>
+          </a:lnRef>
+          <a:fillRef idx="2">
+            <a:schemeClr val="accent2"/>
+          </a:fillRef>
+          <a:effectRef idx="1">
+            <a:schemeClr val="accent2"/>
+          </a:effectRef>
+          <a:fontRef idx="minor">
+            <a:schemeClr val="dk1"/>
+          </a:fontRef>
+        </p:style>
+      </p:cxnSp>
+      <p:sp>
+        <p:nvSpPr>
+          <p:cNvPr id="229" name="Flowchart: Decision 96">
+            <a:extLst>
+              <a:ext uri="{FF2B5EF4-FFF2-40B4-BE49-F238E27FC236}">
+                <a16:creationId xmlns:a16="http://schemas.microsoft.com/office/drawing/2014/main" id="{92EE9209-1D18-4E70-B55D-D9F70EF59420}"/>
+              </a:ext>
+            </a:extLst>
+          </p:cNvPr>
+          <p:cNvSpPr/>
+          <p:nvPr/>
+        </p:nvSpPr>
+        <p:spPr>
+          <a:xfrm>
+            <a:off x="2397444" y="4193646"/>
+            <a:ext cx="236048" cy="173380"/>
+          </a:xfrm>
+          <a:prstGeom prst="flowChartDecision">
+            <a:avLst/>
+          </a:prstGeom>
+          <a:noFill/>
           <a:ln w="19050">
             <a:solidFill>
               <a:srgbClr val="7030A0"/>
@@ -5828,66 +6105,16 @@
           <a:lstStyle/>
           <a:p>
             <a:pPr algn="ctr"/>
-            <a:endParaRPr lang="en-SG" sz="1050"/>
-          </a:p>
-        </p:txBody>
-      </p:sp>
-      <p:cxnSp>
-        <p:nvCxnSpPr>
-          <p:cNvPr id="221" name="Elbow Connector 63">
-            <a:extLst>
-              <a:ext uri="{FF2B5EF4-FFF2-40B4-BE49-F238E27FC236}">
-                <a16:creationId xmlns:a16="http://schemas.microsoft.com/office/drawing/2014/main" id="{F23A24C8-102B-442D-8C02-F05D0A53BC8D}"/>
-              </a:ext>
-            </a:extLst>
-          </p:cNvPr>
-          <p:cNvCxnSpPr>
-            <a:stCxn id="220" idx="3"/>
-            <a:endCxn id="218" idx="1"/>
-          </p:cNvCxnSpPr>
-          <p:nvPr/>
-        </p:nvCxnSpPr>
-        <p:spPr>
-          <a:xfrm>
-            <a:off x="2898289" y="2062618"/>
-            <a:ext cx="271892" cy="2821"/>
-          </a:xfrm>
-          <a:prstGeom prst="bentConnector3">
-            <a:avLst>
-              <a:gd name="adj1" fmla="val 50000"/>
-            </a:avLst>
-          </a:prstGeom>
-          <a:ln w="19050">
-            <a:solidFill>
-              <a:srgbClr val="7030A0"/>
-            </a:solidFill>
-            <a:prstDash val="sysDot"/>
-            <a:headEnd type="none" w="med" len="med"/>
-            <a:tailEnd type="none" w="med" len="med"/>
-          </a:ln>
-          <a:effectLst/>
-        </p:spPr>
-        <p:style>
-          <a:lnRef idx="1">
-            <a:schemeClr val="accent2"/>
-          </a:lnRef>
-          <a:fillRef idx="2">
-            <a:schemeClr val="accent2"/>
-          </a:fillRef>
-          <a:effectRef idx="1">
-            <a:schemeClr val="accent2"/>
-          </a:effectRef>
-          <a:fontRef idx="minor">
-            <a:schemeClr val="dk1"/>
-          </a:fontRef>
-        </p:style>
-      </p:cxnSp>
-      <p:sp>
-        <p:nvSpPr>
-          <p:cNvPr id="222" name="Rectangle 8">
-            <a:extLst>
-              <a:ext uri="{FF2B5EF4-FFF2-40B4-BE49-F238E27FC236}">
-                <a16:creationId xmlns:a16="http://schemas.microsoft.com/office/drawing/2014/main" id="{F087045D-28B2-42B5-9C83-02AC6E68AFD4}"/>
+            <a:endParaRPr lang="en-US" sz="1050"/>
+          </a:p>
+        </p:txBody>
+      </p:sp>
+      <p:sp>
+        <p:nvSpPr>
+          <p:cNvPr id="230" name="Rectangle 8">
+            <a:extLst>
+              <a:ext uri="{FF2B5EF4-FFF2-40B4-BE49-F238E27FC236}">
+                <a16:creationId xmlns:a16="http://schemas.microsoft.com/office/drawing/2014/main" id="{E9F68D61-B676-433B-B28E-B6A1A35E56F4}"/>
               </a:ext>
             </a:extLst>
           </p:cNvPr>
@@ -5896,8 +6123,8 @@
         </p:nvSpPr>
         <p:spPr>
           <a:xfrm>
-            <a:off x="7712396" y="1764616"/>
-            <a:ext cx="898204" cy="285783"/>
+            <a:off x="4701782" y="4123465"/>
+            <a:ext cx="1156969" cy="346760"/>
           </a:xfrm>
           <a:prstGeom prst="rect">
             <a:avLst/>
@@ -5929,12 +6156,12 @@
           <a:p>
             <a:pPr algn="ctr"/>
             <a:r>
-              <a:rPr lang="en-US" sz="1050" dirty="0">
+              <a:rPr lang="en-US" sz="1050" dirty="0" err="1">
                 <a:solidFill>
                   <a:srgbClr val="7030A0"/>
                 </a:solidFill>
               </a:rPr>
-              <a:t>Department</a:t>
+              <a:t>UniqueEventList</a:t>
             </a:r>
             <a:endParaRPr lang="en-SG" sz="1050" dirty="0">
               <a:solidFill>
@@ -5946,10 +6173,10 @@
       </p:sp>
       <p:sp>
         <p:nvSpPr>
-          <p:cNvPr id="223" name="Rectangle 8">
-            <a:extLst>
-              <a:ext uri="{FF2B5EF4-FFF2-40B4-BE49-F238E27FC236}">
-                <a16:creationId xmlns:a16="http://schemas.microsoft.com/office/drawing/2014/main" id="{9EEC79AC-1DB9-4342-8812-5044F64E31AA}"/>
+          <p:cNvPr id="231" name="Flowchart: Decision 96">
+            <a:extLst>
+              <a:ext uri="{FF2B5EF4-FFF2-40B4-BE49-F238E27FC236}">
+                <a16:creationId xmlns:a16="http://schemas.microsoft.com/office/drawing/2014/main" id="{2211BBB8-72FB-4217-BF9B-94407CAEEDE3}"/>
               </a:ext>
             </a:extLst>
           </p:cNvPr>
@@ -5958,8 +6185,61 @@
         </p:nvSpPr>
         <p:spPr>
           <a:xfrm>
-            <a:off x="7712396" y="1429195"/>
-            <a:ext cx="898204" cy="285783"/>
+            <a:off x="4334104" y="4330141"/>
+            <a:ext cx="236048" cy="173380"/>
+          </a:xfrm>
+          <a:prstGeom prst="flowChartDecision">
+            <a:avLst/>
+          </a:prstGeom>
+          <a:solidFill>
+            <a:srgbClr val="7030A0"/>
+          </a:solidFill>
+          <a:ln w="19050">
+            <a:solidFill>
+              <a:srgbClr val="7030A0"/>
+            </a:solidFill>
+          </a:ln>
+          <a:effectLst/>
+        </p:spPr>
+        <p:style>
+          <a:lnRef idx="1">
+            <a:schemeClr val="accent6"/>
+          </a:lnRef>
+          <a:fillRef idx="2">
+            <a:schemeClr val="accent6"/>
+          </a:fillRef>
+          <a:effectRef idx="1">
+            <a:schemeClr val="accent6"/>
+          </a:effectRef>
+          <a:fontRef idx="minor">
+            <a:schemeClr val="dk1"/>
+          </a:fontRef>
+        </p:style>
+        <p:txBody>
+          <a:bodyPr rtlCol="0" anchor="ctr"/>
+          <a:lstStyle/>
+          <a:p>
+            <a:pPr algn="ctr"/>
+            <a:endParaRPr lang="en-US" sz="1050"/>
+          </a:p>
+        </p:txBody>
+      </p:sp>
+      <p:sp>
+        <p:nvSpPr>
+          <p:cNvPr id="232" name="Rectangle 8">
+            <a:extLst>
+              <a:ext uri="{FF2B5EF4-FFF2-40B4-BE49-F238E27FC236}">
+                <a16:creationId xmlns:a16="http://schemas.microsoft.com/office/drawing/2014/main" id="{2216C3AB-18CE-4B48-BDE2-DA7C7395E0B2}"/>
+              </a:ext>
+            </a:extLst>
+          </p:cNvPr>
+          <p:cNvSpPr/>
+          <p:nvPr/>
+        </p:nvSpPr>
+        <p:spPr>
+          <a:xfrm>
+            <a:off x="6322809" y="4135369"/>
+            <a:ext cx="708186" cy="346760"/>
           </a:xfrm>
           <a:prstGeom prst="rect">
             <a:avLst/>
@@ -5996,7 +6276,7 @@
                   <a:srgbClr val="7030A0"/>
                 </a:solidFill>
               </a:rPr>
-              <a:t>Designation</a:t>
+              <a:t>Event</a:t>
             </a:r>
             <a:endParaRPr lang="en-SG" sz="1050" dirty="0">
               <a:solidFill>
@@ -6006,29 +6286,79 @@
           </a:p>
         </p:txBody>
       </p:sp>
+      <p:sp>
+        <p:nvSpPr>
+          <p:cNvPr id="233" name="Flowchart: Decision 96">
+            <a:extLst>
+              <a:ext uri="{FF2B5EF4-FFF2-40B4-BE49-F238E27FC236}">
+                <a16:creationId xmlns:a16="http://schemas.microsoft.com/office/drawing/2014/main" id="{E98CD532-7AA9-4A5D-89CE-67D552B184E5}"/>
+              </a:ext>
+            </a:extLst>
+          </p:cNvPr>
+          <p:cNvSpPr/>
+          <p:nvPr/>
+        </p:nvSpPr>
+        <p:spPr>
+          <a:xfrm>
+            <a:off x="5867883" y="4218979"/>
+            <a:ext cx="236048" cy="173380"/>
+          </a:xfrm>
+          <a:prstGeom prst="flowChartDecision">
+            <a:avLst/>
+          </a:prstGeom>
+          <a:noFill/>
+          <a:ln w="19050">
+            <a:solidFill>
+              <a:srgbClr val="7030A0"/>
+            </a:solidFill>
+          </a:ln>
+          <a:effectLst/>
+        </p:spPr>
+        <p:style>
+          <a:lnRef idx="1">
+            <a:schemeClr val="accent6"/>
+          </a:lnRef>
+          <a:fillRef idx="2">
+            <a:schemeClr val="accent6"/>
+          </a:fillRef>
+          <a:effectRef idx="1">
+            <a:schemeClr val="accent6"/>
+          </a:effectRef>
+          <a:fontRef idx="minor">
+            <a:schemeClr val="dk1"/>
+          </a:fontRef>
+        </p:style>
+        <p:txBody>
+          <a:bodyPr rtlCol="0" anchor="ctr"/>
+          <a:lstStyle/>
+          <a:p>
+            <a:pPr algn="ctr"/>
+            <a:endParaRPr lang="en-US" sz="1050"/>
+          </a:p>
+        </p:txBody>
+      </p:sp>
       <p:cxnSp>
         <p:nvCxnSpPr>
-          <p:cNvPr id="224" name="Elbow Connector 78">
-            <a:extLst>
-              <a:ext uri="{FF2B5EF4-FFF2-40B4-BE49-F238E27FC236}">
-                <a16:creationId xmlns:a16="http://schemas.microsoft.com/office/drawing/2014/main" id="{D9E27835-B31D-4C49-842B-CE8ED4A11EB9}"/>
+          <p:cNvPr id="234" name="Elbow Connector 63">
+            <a:extLst>
+              <a:ext uri="{FF2B5EF4-FFF2-40B4-BE49-F238E27FC236}">
+                <a16:creationId xmlns:a16="http://schemas.microsoft.com/office/drawing/2014/main" id="{FEEF3E50-D97E-4AB6-AF95-29613B5E0D57}"/>
               </a:ext>
             </a:extLst>
           </p:cNvPr>
           <p:cNvCxnSpPr>
-            <a:cxnSpLocks/>
+            <a:stCxn id="233" idx="3"/>
+            <a:endCxn id="232" idx="1"/>
           </p:cNvCxnSpPr>
           <p:nvPr/>
         </p:nvCxnSpPr>
         <p:spPr>
-          <a:xfrm flipV="1">
-            <a:off x="7270103" y="2232878"/>
-            <a:ext cx="434402" cy="663182"/>
+          <a:xfrm>
+            <a:off x="6103931" y="4305669"/>
+            <a:ext cx="218878" cy="3080"/>
           </a:xfrm>
           <a:prstGeom prst="bentConnector3">
-            <a:avLst>
-              <a:gd name="adj1" fmla="val 50000"/>
-            </a:avLst>
+            <a:avLst/>
           </a:prstGeom>
           <a:ln w="19050">
             <a:solidFill>
@@ -6054,31 +6384,163 @@
           </a:fontRef>
         </p:style>
       </p:cxnSp>
+      <p:sp>
+        <p:nvSpPr>
+          <p:cNvPr id="235" name="TextBox 234">
+            <a:extLst>
+              <a:ext uri="{FF2B5EF4-FFF2-40B4-BE49-F238E27FC236}">
+                <a16:creationId xmlns:a16="http://schemas.microsoft.com/office/drawing/2014/main" id="{E3A4F28D-5759-412C-893D-54BE367538B1}"/>
+              </a:ext>
+            </a:extLst>
+          </p:cNvPr>
+          <p:cNvSpPr txBox="1"/>
+          <p:nvPr/>
+        </p:nvSpPr>
+        <p:spPr>
+          <a:xfrm>
+            <a:off x="4484389" y="4464560"/>
+            <a:ext cx="189257" cy="178683"/>
+          </a:xfrm>
+          <a:prstGeom prst="rect">
+            <a:avLst/>
+          </a:prstGeom>
+          <a:noFill/>
+        </p:spPr>
+        <p:txBody>
+          <a:bodyPr wrap="square" lIns="0" tIns="0" rIns="0" bIns="0" rtlCol="0">
+            <a:noAutofit/>
+          </a:bodyPr>
+          <a:lstStyle/>
+          <a:p>
+            <a:pPr algn="ctr"/>
+            <a:r>
+              <a:rPr lang="en-US" sz="1100" dirty="0">
+                <a:solidFill>
+                  <a:srgbClr val="7030A0"/>
+                </a:solidFill>
+              </a:rPr>
+              <a:t>1</a:t>
+            </a:r>
+            <a:endParaRPr lang="en-SG" sz="1100" dirty="0">
+              <a:solidFill>
+                <a:srgbClr val="7030A0"/>
+              </a:solidFill>
+            </a:endParaRPr>
+          </a:p>
+        </p:txBody>
+      </p:sp>
+      <p:sp>
+        <p:nvSpPr>
+          <p:cNvPr id="236" name="TextBox 235">
+            <a:extLst>
+              <a:ext uri="{FF2B5EF4-FFF2-40B4-BE49-F238E27FC236}">
+                <a16:creationId xmlns:a16="http://schemas.microsoft.com/office/drawing/2014/main" id="{C2C0BA7E-073F-4633-8F25-6547099A30AD}"/>
+              </a:ext>
+            </a:extLst>
+          </p:cNvPr>
+          <p:cNvSpPr txBox="1"/>
+          <p:nvPr/>
+        </p:nvSpPr>
+        <p:spPr>
+          <a:xfrm>
+            <a:off x="6144388" y="4375220"/>
+            <a:ext cx="189257" cy="178683"/>
+          </a:xfrm>
+          <a:prstGeom prst="rect">
+            <a:avLst/>
+          </a:prstGeom>
+          <a:noFill/>
+        </p:spPr>
+        <p:txBody>
+          <a:bodyPr wrap="square" lIns="0" tIns="0" rIns="0" bIns="0" rtlCol="0">
+            <a:noAutofit/>
+          </a:bodyPr>
+          <a:lstStyle/>
+          <a:p>
+            <a:pPr algn="ctr"/>
+            <a:r>
+              <a:rPr lang="en-US" sz="1100" dirty="0">
+                <a:solidFill>
+                  <a:srgbClr val="7030A0"/>
+                </a:solidFill>
+              </a:rPr>
+              <a:t>*</a:t>
+            </a:r>
+            <a:endParaRPr lang="en-SG" sz="1100" dirty="0">
+              <a:solidFill>
+                <a:srgbClr val="7030A0"/>
+              </a:solidFill>
+            </a:endParaRPr>
+          </a:p>
+        </p:txBody>
+      </p:sp>
+      <p:sp>
+        <p:nvSpPr>
+          <p:cNvPr id="237" name="TextBox 236">
+            <a:extLst>
+              <a:ext uri="{FF2B5EF4-FFF2-40B4-BE49-F238E27FC236}">
+                <a16:creationId xmlns:a16="http://schemas.microsoft.com/office/drawing/2014/main" id="{7926C44F-B509-475E-ABB3-1B890D0378B5}"/>
+              </a:ext>
+            </a:extLst>
+          </p:cNvPr>
+          <p:cNvSpPr txBox="1"/>
+          <p:nvPr/>
+        </p:nvSpPr>
+        <p:spPr>
+          <a:xfrm>
+            <a:off x="2582526" y="4034018"/>
+            <a:ext cx="170110" cy="137542"/>
+          </a:xfrm>
+          <a:prstGeom prst="rect">
+            <a:avLst/>
+          </a:prstGeom>
+          <a:noFill/>
+        </p:spPr>
+        <p:txBody>
+          <a:bodyPr wrap="square" lIns="0" tIns="0" rIns="0" bIns="0" rtlCol="0">
+            <a:noAutofit/>
+          </a:bodyPr>
+          <a:lstStyle/>
+          <a:p>
+            <a:pPr algn="ctr"/>
+            <a:r>
+              <a:rPr lang="en-US" sz="1100" dirty="0">
+                <a:solidFill>
+                  <a:srgbClr val="7030A0"/>
+                </a:solidFill>
+              </a:rPr>
+              <a:t>1</a:t>
+            </a:r>
+            <a:endParaRPr lang="en-SG" sz="1100" dirty="0">
+              <a:solidFill>
+                <a:srgbClr val="7030A0"/>
+              </a:solidFill>
+            </a:endParaRPr>
+          </a:p>
+        </p:txBody>
+      </p:sp>
       <p:cxnSp>
         <p:nvCxnSpPr>
-          <p:cNvPr id="225" name="Elbow Connector 78">
-            <a:extLst>
-              <a:ext uri="{FF2B5EF4-FFF2-40B4-BE49-F238E27FC236}">
-                <a16:creationId xmlns:a16="http://schemas.microsoft.com/office/drawing/2014/main" id="{8D86C177-4A09-4CB2-87AC-447B44BA63FA}"/>
+          <p:cNvPr id="238" name="Straight Arrow Connector 237">
+            <a:extLst>
+              <a:ext uri="{FF2B5EF4-FFF2-40B4-BE49-F238E27FC236}">
+                <a16:creationId xmlns:a16="http://schemas.microsoft.com/office/drawing/2014/main" id="{221AD497-D1C8-4227-88B1-F79A55C206EF}"/>
               </a:ext>
             </a:extLst>
           </p:cNvPr>
           <p:cNvCxnSpPr>
             <a:cxnSpLocks/>
-            <a:stCxn id="196" idx="3"/>
-            <a:endCxn id="222" idx="1"/>
+            <a:endCxn id="230" idx="1"/>
           </p:cNvCxnSpPr>
           <p:nvPr/>
         </p:nvCxnSpPr>
         <p:spPr>
-          <a:xfrm flipV="1">
-            <a:off x="7277995" y="1907508"/>
-            <a:ext cx="434401" cy="995077"/>
-          </a:xfrm>
-          <a:prstGeom prst="bentConnector3">
-            <a:avLst>
-              <a:gd name="adj1" fmla="val 50000"/>
-            </a:avLst>
+          <a:xfrm>
+            <a:off x="4334104" y="4284525"/>
+            <a:ext cx="367678" cy="12320"/>
+          </a:xfrm>
+          <a:prstGeom prst="straightConnector1">
+            <a:avLst/>
           </a:prstGeom>
           <a:ln w="19050">
             <a:solidFill>
@@ -6106,34 +6568,32 @@
       </p:cxnSp>
       <p:cxnSp>
         <p:nvCxnSpPr>
-          <p:cNvPr id="226" name="Elbow Connector 78">
-            <a:extLst>
-              <a:ext uri="{FF2B5EF4-FFF2-40B4-BE49-F238E27FC236}">
-                <a16:creationId xmlns:a16="http://schemas.microsoft.com/office/drawing/2014/main" id="{A11078A2-4EAF-4109-AE2C-CADB3C023EEB}"/>
+          <p:cNvPr id="239" name="Elbow Connector 106">
+            <a:extLst>
+              <a:ext uri="{FF2B5EF4-FFF2-40B4-BE49-F238E27FC236}">
+                <a16:creationId xmlns:a16="http://schemas.microsoft.com/office/drawing/2014/main" id="{51CE78C2-068D-47D9-8B14-B86651FB37F9}"/>
               </a:ext>
             </a:extLst>
           </p:cNvPr>
           <p:cNvCxnSpPr>
             <a:cxnSpLocks/>
-            <a:stCxn id="196" idx="3"/>
-            <a:endCxn id="223" idx="1"/>
+            <a:endCxn id="232" idx="0"/>
           </p:cNvCxnSpPr>
           <p:nvPr/>
         </p:nvCxnSpPr>
         <p:spPr>
-          <a:xfrm flipV="1">
-            <a:off x="7277995" y="1572087"/>
-            <a:ext cx="434401" cy="1330498"/>
-          </a:xfrm>
-          <a:prstGeom prst="bentConnector3">
-            <a:avLst>
-              <a:gd name="adj1" fmla="val 50000"/>
-            </a:avLst>
+          <a:xfrm>
+            <a:off x="2220076" y="3938972"/>
+            <a:ext cx="4456826" cy="196397"/>
+          </a:xfrm>
+          <a:prstGeom prst="bentConnector2">
+            <a:avLst/>
           </a:prstGeom>
           <a:ln w="19050">
             <a:solidFill>
               <a:srgbClr val="7030A0"/>
             </a:solidFill>
+            <a:prstDash val="solid"/>
             <a:headEnd type="none" w="med" len="med"/>
             <a:tailEnd type="arrow" w="med" len="med"/>
           </a:ln>
@@ -6156,10 +6616,105 @@
       </p:cxnSp>
       <p:sp>
         <p:nvSpPr>
-          <p:cNvPr id="227" name="Rectangle 8">
-            <a:extLst>
-              <a:ext uri="{FF2B5EF4-FFF2-40B4-BE49-F238E27FC236}">
-                <a16:creationId xmlns:a16="http://schemas.microsoft.com/office/drawing/2014/main" id="{CF29C074-CDE0-47FC-91AC-B2EB995EE04F}"/>
+          <p:cNvPr id="240" name="TextBox 239">
+            <a:extLst>
+              <a:ext uri="{FF2B5EF4-FFF2-40B4-BE49-F238E27FC236}">
+                <a16:creationId xmlns:a16="http://schemas.microsoft.com/office/drawing/2014/main" id="{4A5346F5-1BD5-4A06-B22D-9CC08EB5A9F3}"/>
+              </a:ext>
+            </a:extLst>
+          </p:cNvPr>
+          <p:cNvSpPr txBox="1"/>
+          <p:nvPr/>
+        </p:nvSpPr>
+        <p:spPr>
+          <a:xfrm>
+            <a:off x="6302294" y="3670461"/>
+            <a:ext cx="881018" cy="261610"/>
+          </a:xfrm>
+          <a:prstGeom prst="rect">
+            <a:avLst/>
+          </a:prstGeom>
+          <a:noFill/>
+        </p:spPr>
+        <p:txBody>
+          <a:bodyPr wrap="square" rtlCol="0">
+            <a:spAutoFit/>
+          </a:bodyPr>
+          <a:lstStyle/>
+          <a:p>
+            <a:pPr algn="r"/>
+            <a:r>
+              <a:rPr lang="en-US" sz="1100" dirty="0">
+                <a:solidFill>
+                  <a:srgbClr val="7030A0"/>
+                </a:solidFill>
+              </a:rPr>
+              <a:t>filtered list</a:t>
+            </a:r>
+            <a:endParaRPr lang="en-SG" sz="1100" dirty="0">
+              <a:solidFill>
+                <a:srgbClr val="7030A0"/>
+              </a:solidFill>
+            </a:endParaRPr>
+          </a:p>
+        </p:txBody>
+      </p:sp>
+      <p:cxnSp>
+        <p:nvCxnSpPr>
+          <p:cNvPr id="241" name="Elbow Connector 63">
+            <a:extLst>
+              <a:ext uri="{FF2B5EF4-FFF2-40B4-BE49-F238E27FC236}">
+                <a16:creationId xmlns:a16="http://schemas.microsoft.com/office/drawing/2014/main" id="{920C4039-8159-4646-9C2D-DED62064D0BC}"/>
+              </a:ext>
+            </a:extLst>
+          </p:cNvPr>
+          <p:cNvCxnSpPr>
+            <a:cxnSpLocks/>
+            <a:stCxn id="242" idx="3"/>
+          </p:cNvCxnSpPr>
+          <p:nvPr/>
+        </p:nvCxnSpPr>
+        <p:spPr>
+          <a:xfrm rot="16200000" flipV="1">
+            <a:off x="3989653" y="4516981"/>
+            <a:ext cx="119389" cy="2069"/>
+          </a:xfrm>
+          <a:prstGeom prst="bentConnector3">
+            <a:avLst>
+              <a:gd name="adj1" fmla="val 50000"/>
+            </a:avLst>
+          </a:prstGeom>
+          <a:ln w="19050">
+            <a:solidFill>
+              <a:srgbClr val="7030A0"/>
+            </a:solidFill>
+            <a:prstDash val="sysDot"/>
+            <a:headEnd type="none" w="med" len="med"/>
+            <a:tailEnd type="none" w="med" len="med"/>
+          </a:ln>
+          <a:effectLst/>
+        </p:spPr>
+        <p:style>
+          <a:lnRef idx="1">
+            <a:schemeClr val="accent2"/>
+          </a:lnRef>
+          <a:fillRef idx="2">
+            <a:schemeClr val="accent2"/>
+          </a:fillRef>
+          <a:effectRef idx="1">
+            <a:schemeClr val="accent2"/>
+          </a:effectRef>
+          <a:fontRef idx="minor">
+            <a:schemeClr val="dk1"/>
+          </a:fontRef>
+        </p:style>
+      </p:cxnSp>
+      <p:sp>
+        <p:nvSpPr>
+          <p:cNvPr id="242" name="Isosceles Triangle 102">
+            <a:extLst>
+              <a:ext uri="{FF2B5EF4-FFF2-40B4-BE49-F238E27FC236}">
+                <a16:creationId xmlns:a16="http://schemas.microsoft.com/office/drawing/2014/main" id="{526F689F-1E11-4887-A8B8-C3A964E780EB}"/>
               </a:ext>
             </a:extLst>
           </p:cNvPr>
@@ -6167,11 +6722,11 @@
           <p:nvPr/>
         </p:nvSpPr>
         <p:spPr>
-          <a:xfrm>
-            <a:off x="2834412" y="4123465"/>
-            <a:ext cx="1490560" cy="334856"/>
-          </a:xfrm>
-          <a:prstGeom prst="rect">
+          <a:xfrm flipV="1">
+            <a:off x="3909187" y="4577710"/>
+            <a:ext cx="282387" cy="157062"/>
+          </a:xfrm>
+          <a:prstGeom prst="triangle">
             <a:avLst/>
           </a:prstGeom>
           <a:ln w="19050">
@@ -6200,13 +6755,67 @@
           <a:lstStyle/>
           <a:p>
             <a:pPr algn="ctr"/>
+            <a:endParaRPr lang="en-SG" sz="1050" b="1">
+              <a:solidFill>
+                <a:srgbClr val="92D050"/>
+              </a:solidFill>
+            </a:endParaRPr>
+          </a:p>
+        </p:txBody>
+      </p:sp>
+      <p:sp>
+        <p:nvSpPr>
+          <p:cNvPr id="243" name="Rectangle 8">
+            <a:extLst>
+              <a:ext uri="{FF2B5EF4-FFF2-40B4-BE49-F238E27FC236}">
+                <a16:creationId xmlns:a16="http://schemas.microsoft.com/office/drawing/2014/main" id="{69B1CE57-749A-4561-BEDB-976ADBA2DB5F}"/>
+              </a:ext>
+            </a:extLst>
+          </p:cNvPr>
+          <p:cNvSpPr/>
+          <p:nvPr/>
+        </p:nvSpPr>
+        <p:spPr>
+          <a:xfrm>
+            <a:off x="3479784" y="4751288"/>
+            <a:ext cx="1060683" cy="364396"/>
+          </a:xfrm>
+          <a:prstGeom prst="rect">
+            <a:avLst/>
+          </a:prstGeom>
+          <a:ln w="19050">
+            <a:solidFill>
+              <a:srgbClr val="7030A0"/>
+            </a:solidFill>
+          </a:ln>
+          <a:effectLst/>
+        </p:spPr>
+        <p:style>
+          <a:lnRef idx="1">
+            <a:schemeClr val="accent4"/>
+          </a:lnRef>
+          <a:fillRef idx="2">
+            <a:schemeClr val="accent4"/>
+          </a:fillRef>
+          <a:effectRef idx="1">
+            <a:schemeClr val="accent4"/>
+          </a:effectRef>
+          <a:fontRef idx="minor">
+            <a:schemeClr val="dk1"/>
+          </a:fontRef>
+        </p:style>
+        <p:txBody>
+          <a:bodyPr rtlCol="0" anchor="ctr"/>
+          <a:lstStyle/>
+          <a:p>
+            <a:pPr algn="ctr"/>
             <a:r>
               <a:rPr lang="en-US" sz="1050" dirty="0" err="1">
                 <a:solidFill>
                   <a:srgbClr val="7030A0"/>
                 </a:solidFill>
               </a:rPr>
-              <a:t>VersionedEventList</a:t>
+              <a:t>EventList</a:t>
             </a:r>
             <a:endParaRPr lang="en-SG" sz="1050" dirty="0">
               <a:solidFill>
@@ -6216,59 +6825,89 @@
           </a:p>
         </p:txBody>
       </p:sp>
-      <p:cxnSp>
-        <p:nvCxnSpPr>
-          <p:cNvPr id="228" name="Straight Arrow Connector 227">
-            <a:extLst>
-              <a:ext uri="{FF2B5EF4-FFF2-40B4-BE49-F238E27FC236}">
-                <a16:creationId xmlns:a16="http://schemas.microsoft.com/office/drawing/2014/main" id="{E924F568-5BB6-4225-B9DE-31C831FCBF4A}"/>
-              </a:ext>
-            </a:extLst>
-          </p:cNvPr>
-          <p:cNvCxnSpPr>
-            <a:stCxn id="229" idx="3"/>
-            <a:endCxn id="227" idx="1"/>
-          </p:cNvCxnSpPr>
-          <p:nvPr/>
-        </p:nvCxnSpPr>
-        <p:spPr>
-          <a:xfrm>
-            <a:off x="2633492" y="4280336"/>
-            <a:ext cx="200920" cy="10557"/>
-          </a:xfrm>
-          <a:prstGeom prst="straightConnector1">
+      <p:sp>
+        <p:nvSpPr>
+          <p:cNvPr id="244" name="Rectangle 8">
+            <a:extLst>
+              <a:ext uri="{FF2B5EF4-FFF2-40B4-BE49-F238E27FC236}">
+                <a16:creationId xmlns:a16="http://schemas.microsoft.com/office/drawing/2014/main" id="{03C14A99-AFE2-4118-A16F-28A955A84754}"/>
+              </a:ext>
+            </a:extLst>
+          </p:cNvPr>
+          <p:cNvSpPr/>
+          <p:nvPr/>
+        </p:nvSpPr>
+        <p:spPr>
+          <a:xfrm>
+            <a:off x="1582708" y="4751288"/>
+            <a:ext cx="1443661" cy="364396"/>
+          </a:xfrm>
+          <a:prstGeom prst="rect">
             <a:avLst/>
           </a:prstGeom>
           <a:ln w="19050">
             <a:solidFill>
               <a:srgbClr val="7030A0"/>
             </a:solidFill>
-            <a:headEnd type="none" w="med" len="med"/>
-            <a:tailEnd type="arrow" w="med" len="med"/>
           </a:ln>
           <a:effectLst/>
         </p:spPr>
         <p:style>
           <a:lnRef idx="1">
-            <a:schemeClr val="accent2"/>
+            <a:schemeClr val="accent4"/>
           </a:lnRef>
           <a:fillRef idx="2">
-            <a:schemeClr val="accent2"/>
+            <a:schemeClr val="accent4"/>
           </a:fillRef>
           <a:effectRef idx="1">
-            <a:schemeClr val="accent2"/>
+            <a:schemeClr val="accent4"/>
           </a:effectRef>
           <a:fontRef idx="minor">
             <a:schemeClr val="dk1"/>
           </a:fontRef>
         </p:style>
-      </p:cxnSp>
-      <p:sp>
-        <p:nvSpPr>
-          <p:cNvPr id="229" name="Flowchart: Decision 96">
-            <a:extLst>
-              <a:ext uri="{FF2B5EF4-FFF2-40B4-BE49-F238E27FC236}">
-                <a16:creationId xmlns:a16="http://schemas.microsoft.com/office/drawing/2014/main" id="{92EE9209-1D18-4E70-B55D-D9F70EF59420}"/>
+        <p:txBody>
+          <a:bodyPr rtlCol="0" anchor="ctr"/>
+          <a:lstStyle/>
+          <a:p>
+            <a:pPr algn="ctr"/>
+            <a:r>
+              <a:rPr lang="en-US" sz="1050" dirty="0">
+                <a:solidFill>
+                  <a:srgbClr val="7030A0"/>
+                </a:solidFill>
+              </a:rPr>
+              <a:t>&lt;&lt;interface&gt;&gt;</a:t>
+            </a:r>
+            <a:br>
+              <a:rPr lang="en-US" sz="1050" dirty="0">
+                <a:solidFill>
+                  <a:srgbClr val="7030A0"/>
+                </a:solidFill>
+              </a:rPr>
+            </a:br>
+            <a:r>
+              <a:rPr lang="en-US" sz="1050" dirty="0" err="1">
+                <a:solidFill>
+                  <a:srgbClr val="7030A0"/>
+                </a:solidFill>
+              </a:rPr>
+              <a:t>ReadOnlyEventList</a:t>
+            </a:r>
+            <a:endParaRPr lang="en-SG" sz="1050" dirty="0">
+              <a:solidFill>
+                <a:srgbClr val="7030A0"/>
+              </a:solidFill>
+            </a:endParaRPr>
+          </a:p>
+        </p:txBody>
+      </p:sp>
+      <p:sp>
+        <p:nvSpPr>
+          <p:cNvPr id="245" name="Isosceles Triangle 102">
+            <a:extLst>
+              <a:ext uri="{FF2B5EF4-FFF2-40B4-BE49-F238E27FC236}">
+                <a16:creationId xmlns:a16="http://schemas.microsoft.com/office/drawing/2014/main" id="{E4824317-C158-4E45-941F-4FCDC2ED7FBD}"/>
               </a:ext>
             </a:extLst>
           </p:cNvPr>
@@ -6276,14 +6915,21 @@
           <p:nvPr/>
         </p:nvSpPr>
         <p:spPr>
-          <a:xfrm>
-            <a:off x="2397444" y="4193646"/>
-            <a:ext cx="236048" cy="173380"/>
-          </a:xfrm>
-          <a:prstGeom prst="flowChartDecision">
-            <a:avLst/>
-          </a:prstGeom>
-          <a:noFill/>
+          <a:xfrm rot="16200000">
+            <a:off x="2990859" y="4822096"/>
+            <a:ext cx="271014" cy="187417"/>
+          </a:xfrm>
+          <a:prstGeom prst="triangle">
+            <a:avLst>
+              <a:gd name="adj" fmla="val 44517"/>
+            </a:avLst>
+          </a:prstGeom>
+          <a:solidFill>
+            <a:schemeClr val="accent4">
+              <a:lumMod val="20000"/>
+              <a:lumOff val="80000"/>
+            </a:schemeClr>
+          </a:solidFill>
           <a:ln w="19050">
             <a:solidFill>
               <a:srgbClr val="7030A0"/>
@@ -6310,16 +6956,118 @@
           <a:lstStyle/>
           <a:p>
             <a:pPr algn="ctr"/>
+            <a:endParaRPr lang="en-SG" sz="1050"/>
+          </a:p>
+        </p:txBody>
+      </p:sp>
+      <p:cxnSp>
+        <p:nvCxnSpPr>
+          <p:cNvPr id="246" name="Elbow Connector 63">
+            <a:extLst>
+              <a:ext uri="{FF2B5EF4-FFF2-40B4-BE49-F238E27FC236}">
+                <a16:creationId xmlns:a16="http://schemas.microsoft.com/office/drawing/2014/main" id="{E83DBFE0-E92A-4F52-8869-3C6BDDA369AB}"/>
+              </a:ext>
+            </a:extLst>
+          </p:cNvPr>
+          <p:cNvCxnSpPr>
+            <a:stCxn id="245" idx="3"/>
+          </p:cNvCxnSpPr>
+          <p:nvPr/>
+        </p:nvCxnSpPr>
+        <p:spPr>
+          <a:xfrm>
+            <a:off x="3220075" y="4930665"/>
+            <a:ext cx="271892" cy="2821"/>
+          </a:xfrm>
+          <a:prstGeom prst="bentConnector3">
+            <a:avLst>
+              <a:gd name="adj1" fmla="val 50000"/>
+            </a:avLst>
+          </a:prstGeom>
+          <a:ln w="19050">
+            <a:solidFill>
+              <a:srgbClr val="7030A0"/>
+            </a:solidFill>
+            <a:prstDash val="sysDot"/>
+            <a:headEnd type="none" w="med" len="med"/>
+            <a:tailEnd type="none" w="med" len="med"/>
+          </a:ln>
+          <a:effectLst/>
+        </p:spPr>
+        <p:style>
+          <a:lnRef idx="1">
+            <a:schemeClr val="accent2"/>
+          </a:lnRef>
+          <a:fillRef idx="2">
+            <a:schemeClr val="accent2"/>
+          </a:fillRef>
+          <a:effectRef idx="1">
+            <a:schemeClr val="accent2"/>
+          </a:effectRef>
+          <a:fontRef idx="minor">
+            <a:schemeClr val="dk1"/>
+          </a:fontRef>
+        </p:style>
+      </p:cxnSp>
+      <p:sp>
+        <p:nvSpPr>
+          <p:cNvPr id="247" name="Flowchart: Decision 96">
+            <a:extLst>
+              <a:ext uri="{FF2B5EF4-FFF2-40B4-BE49-F238E27FC236}">
+                <a16:creationId xmlns:a16="http://schemas.microsoft.com/office/drawing/2014/main" id="{48BFFA69-CC50-47EA-84AA-BB29052615E3}"/>
+              </a:ext>
+            </a:extLst>
+          </p:cNvPr>
+          <p:cNvSpPr/>
+          <p:nvPr/>
+        </p:nvSpPr>
+        <p:spPr>
+          <a:xfrm>
+            <a:off x="7030995" y="4237813"/>
+            <a:ext cx="236048" cy="173380"/>
+          </a:xfrm>
+          <a:prstGeom prst="flowChartDecision">
+            <a:avLst/>
+          </a:prstGeom>
+          <a:solidFill>
+            <a:srgbClr val="7030A0"/>
+          </a:solidFill>
+          <a:ln w="19050">
+            <a:solidFill>
+              <a:srgbClr val="7030A0"/>
+            </a:solidFill>
+          </a:ln>
+          <a:effectLst/>
+        </p:spPr>
+        <p:style>
+          <a:lnRef idx="1">
+            <a:schemeClr val="accent6"/>
+          </a:lnRef>
+          <a:fillRef idx="2">
+            <a:schemeClr val="accent6"/>
+          </a:fillRef>
+          <a:effectRef idx="1">
+            <a:schemeClr val="accent6"/>
+          </a:effectRef>
+          <a:fontRef idx="minor">
+            <a:schemeClr val="dk1"/>
+          </a:fontRef>
+        </p:style>
+        <p:txBody>
+          <a:bodyPr rtlCol="0" anchor="ctr"/>
+          <a:lstStyle/>
+          <a:p>
+            <a:pPr algn="ctr"/>
             <a:endParaRPr lang="en-US" sz="1050"/>
           </a:p>
         </p:txBody>
       </p:sp>
       <p:sp>
         <p:nvSpPr>
-          <p:cNvPr id="230" name="Rectangle 8">
-            <a:extLst>
-              <a:ext uri="{FF2B5EF4-FFF2-40B4-BE49-F238E27FC236}">
-                <a16:creationId xmlns:a16="http://schemas.microsoft.com/office/drawing/2014/main" id="{E9F68D61-B676-433B-B28E-B6A1A35E56F4}"/>
+          <p:cNvPr id="248" name="Rectangle 8">
+            <a:extLst>
+              <a:ext uri="{FF2B5EF4-FFF2-40B4-BE49-F238E27FC236}">
+                <a16:creationId xmlns:a16="http://schemas.microsoft.com/office/drawing/2014/main" id="{49DE0DAA-29FD-4BA9-ACA2-9A42112BEECC}"/>
               </a:ext>
             </a:extLst>
           </p:cNvPr>
@@ -6328,8 +7076,8 @@
         </p:nvSpPr>
         <p:spPr>
           <a:xfrm>
-            <a:off x="4701782" y="4123465"/>
-            <a:ext cx="1156969" cy="346760"/>
+            <a:off x="7712396" y="3847007"/>
+            <a:ext cx="822003" cy="285783"/>
           </a:xfrm>
           <a:prstGeom prst="rect">
             <a:avLst/>
@@ -6366,7 +7114,7 @@
                   <a:srgbClr val="7030A0"/>
                 </a:solidFill>
               </a:rPr>
-              <a:t>UniqueEventList</a:t>
+              <a:t>EventName</a:t>
             </a:r>
             <a:endParaRPr lang="en-SG" sz="1050" dirty="0">
               <a:solidFill>
@@ -6378,10 +7126,10 @@
       </p:sp>
       <p:sp>
         <p:nvSpPr>
-          <p:cNvPr id="231" name="Flowchart: Decision 96">
-            <a:extLst>
-              <a:ext uri="{FF2B5EF4-FFF2-40B4-BE49-F238E27FC236}">
-                <a16:creationId xmlns:a16="http://schemas.microsoft.com/office/drawing/2014/main" id="{2211BBB8-72FB-4217-BF9B-94407CAEEDE3}"/>
+          <p:cNvPr id="249" name="Rectangle 8">
+            <a:extLst>
+              <a:ext uri="{FF2B5EF4-FFF2-40B4-BE49-F238E27FC236}">
+                <a16:creationId xmlns:a16="http://schemas.microsoft.com/office/drawing/2014/main" id="{1F847553-DF9D-45B7-92EF-F382ACEB4C63}"/>
               </a:ext>
             </a:extLst>
           </p:cNvPr>
@@ -6390,15 +7138,813 @@
         </p:nvSpPr>
         <p:spPr>
           <a:xfrm>
-            <a:off x="4334104" y="4330141"/>
+            <a:off x="7712396" y="4182328"/>
+            <a:ext cx="822003" cy="285783"/>
+          </a:xfrm>
+          <a:prstGeom prst="rect">
+            <a:avLst/>
+          </a:prstGeom>
+          <a:ln w="19050">
+            <a:solidFill>
+              <a:srgbClr val="7030A0"/>
+            </a:solidFill>
+          </a:ln>
+          <a:effectLst/>
+        </p:spPr>
+        <p:style>
+          <a:lnRef idx="1">
+            <a:schemeClr val="accent4"/>
+          </a:lnRef>
+          <a:fillRef idx="2">
+            <a:schemeClr val="accent4"/>
+          </a:fillRef>
+          <a:effectRef idx="1">
+            <a:schemeClr val="accent4"/>
+          </a:effectRef>
+          <a:fontRef idx="minor">
+            <a:schemeClr val="dk1"/>
+          </a:fontRef>
+        </p:style>
+        <p:txBody>
+          <a:bodyPr rtlCol="0" anchor="ctr"/>
+          <a:lstStyle/>
+          <a:p>
+            <a:pPr algn="ctr"/>
+            <a:r>
+              <a:rPr lang="en-US" sz="1050" dirty="0">
+                <a:solidFill>
+                  <a:srgbClr val="7030A0"/>
+                </a:solidFill>
+              </a:rPr>
+              <a:t>Description</a:t>
+            </a:r>
+            <a:endParaRPr lang="en-SG" sz="1050" dirty="0">
+              <a:solidFill>
+                <a:srgbClr val="7030A0"/>
+              </a:solidFill>
+            </a:endParaRPr>
+          </a:p>
+        </p:txBody>
+      </p:sp>
+      <p:sp>
+        <p:nvSpPr>
+          <p:cNvPr id="250" name="Rectangle 8">
+            <a:extLst>
+              <a:ext uri="{FF2B5EF4-FFF2-40B4-BE49-F238E27FC236}">
+                <a16:creationId xmlns:a16="http://schemas.microsoft.com/office/drawing/2014/main" id="{83F43990-05A1-4783-81C4-CEAD15CDDF78}"/>
+              </a:ext>
+            </a:extLst>
+          </p:cNvPr>
+          <p:cNvSpPr/>
+          <p:nvPr/>
+        </p:nvSpPr>
+        <p:spPr>
+          <a:xfrm>
+            <a:off x="7705136" y="4530157"/>
+            <a:ext cx="822003" cy="285783"/>
+          </a:xfrm>
+          <a:prstGeom prst="rect">
+            <a:avLst/>
+          </a:prstGeom>
+          <a:ln w="19050">
+            <a:solidFill>
+              <a:srgbClr val="7030A0"/>
+            </a:solidFill>
+          </a:ln>
+          <a:effectLst/>
+        </p:spPr>
+        <p:style>
+          <a:lnRef idx="1">
+            <a:schemeClr val="accent4"/>
+          </a:lnRef>
+          <a:fillRef idx="2">
+            <a:schemeClr val="accent4"/>
+          </a:fillRef>
+          <a:effectRef idx="1">
+            <a:schemeClr val="accent4"/>
+          </a:effectRef>
+          <a:fontRef idx="minor">
+            <a:schemeClr val="dk1"/>
+          </a:fontRef>
+        </p:style>
+        <p:txBody>
+          <a:bodyPr rtlCol="0" anchor="ctr"/>
+          <a:lstStyle/>
+          <a:p>
+            <a:pPr algn="ctr"/>
+            <a:r>
+              <a:rPr lang="en-US" sz="1050" dirty="0">
+                <a:solidFill>
+                  <a:srgbClr val="7030A0"/>
+                </a:solidFill>
+              </a:rPr>
+              <a:t>Location</a:t>
+            </a:r>
+            <a:endParaRPr lang="en-SG" sz="1050" dirty="0">
+              <a:solidFill>
+                <a:srgbClr val="7030A0"/>
+              </a:solidFill>
+            </a:endParaRPr>
+          </a:p>
+        </p:txBody>
+      </p:sp>
+      <p:sp>
+        <p:nvSpPr>
+          <p:cNvPr id="251" name="Rectangle 8">
+            <a:extLst>
+              <a:ext uri="{FF2B5EF4-FFF2-40B4-BE49-F238E27FC236}">
+                <a16:creationId xmlns:a16="http://schemas.microsoft.com/office/drawing/2014/main" id="{520AFD69-CC77-4EEE-A211-20FDDC27923B}"/>
+              </a:ext>
+            </a:extLst>
+          </p:cNvPr>
+          <p:cNvSpPr/>
+          <p:nvPr/>
+        </p:nvSpPr>
+        <p:spPr>
+          <a:xfrm>
+            <a:off x="7712395" y="4877521"/>
+            <a:ext cx="822003" cy="285783"/>
+          </a:xfrm>
+          <a:prstGeom prst="rect">
+            <a:avLst/>
+          </a:prstGeom>
+          <a:ln w="19050">
+            <a:solidFill>
+              <a:srgbClr val="7030A0"/>
+            </a:solidFill>
+          </a:ln>
+          <a:effectLst/>
+        </p:spPr>
+        <p:style>
+          <a:lnRef idx="1">
+            <a:schemeClr val="accent4"/>
+          </a:lnRef>
+          <a:fillRef idx="2">
+            <a:schemeClr val="accent4"/>
+          </a:fillRef>
+          <a:effectRef idx="1">
+            <a:schemeClr val="accent4"/>
+          </a:effectRef>
+          <a:fontRef idx="minor">
+            <a:schemeClr val="dk1"/>
+          </a:fontRef>
+        </p:style>
+        <p:txBody>
+          <a:bodyPr rtlCol="0" anchor="ctr"/>
+          <a:lstStyle/>
+          <a:p>
+            <a:pPr algn="ctr"/>
+            <a:r>
+              <a:rPr lang="en-US" sz="1050" dirty="0">
+                <a:solidFill>
+                  <a:srgbClr val="7030A0"/>
+                </a:solidFill>
+              </a:rPr>
+              <a:t>Date</a:t>
+            </a:r>
+            <a:endParaRPr lang="en-SG" sz="1050" dirty="0">
+              <a:solidFill>
+                <a:srgbClr val="7030A0"/>
+              </a:solidFill>
+            </a:endParaRPr>
+          </a:p>
+        </p:txBody>
+      </p:sp>
+      <p:sp>
+        <p:nvSpPr>
+          <p:cNvPr id="252" name="Rectangle 8">
+            <a:extLst>
+              <a:ext uri="{FF2B5EF4-FFF2-40B4-BE49-F238E27FC236}">
+                <a16:creationId xmlns:a16="http://schemas.microsoft.com/office/drawing/2014/main" id="{8D2A408E-69B8-45AF-8B49-9275841084E3}"/>
+              </a:ext>
+            </a:extLst>
+          </p:cNvPr>
+          <p:cNvSpPr/>
+          <p:nvPr/>
+        </p:nvSpPr>
+        <p:spPr>
+          <a:xfrm>
+            <a:off x="7712395" y="5230426"/>
+            <a:ext cx="822003" cy="285783"/>
+          </a:xfrm>
+          <a:prstGeom prst="rect">
+            <a:avLst/>
+          </a:prstGeom>
+          <a:ln w="19050">
+            <a:solidFill>
+              <a:srgbClr val="7030A0"/>
+            </a:solidFill>
+          </a:ln>
+          <a:effectLst/>
+        </p:spPr>
+        <p:style>
+          <a:lnRef idx="1">
+            <a:schemeClr val="accent4"/>
+          </a:lnRef>
+          <a:fillRef idx="2">
+            <a:schemeClr val="accent4"/>
+          </a:fillRef>
+          <a:effectRef idx="1">
+            <a:schemeClr val="accent4"/>
+          </a:effectRef>
+          <a:fontRef idx="minor">
+            <a:schemeClr val="dk1"/>
+          </a:fontRef>
+        </p:style>
+        <p:txBody>
+          <a:bodyPr rtlCol="0" anchor="ctr"/>
+          <a:lstStyle/>
+          <a:p>
+            <a:pPr algn="ctr"/>
+            <a:r>
+              <a:rPr lang="en-US" sz="1050" dirty="0" err="1">
+                <a:solidFill>
+                  <a:srgbClr val="7030A0"/>
+                </a:solidFill>
+              </a:rPr>
+              <a:t>StartTime</a:t>
+            </a:r>
+            <a:endParaRPr lang="en-SG" sz="1050" dirty="0">
+              <a:solidFill>
+                <a:srgbClr val="7030A0"/>
+              </a:solidFill>
+            </a:endParaRPr>
+          </a:p>
+        </p:txBody>
+      </p:sp>
+      <p:sp>
+        <p:nvSpPr>
+          <p:cNvPr id="253" name="Rectangle 8">
+            <a:extLst>
+              <a:ext uri="{FF2B5EF4-FFF2-40B4-BE49-F238E27FC236}">
+                <a16:creationId xmlns:a16="http://schemas.microsoft.com/office/drawing/2014/main" id="{C3FC6752-0256-4166-ADB7-03270C5EB22F}"/>
+              </a:ext>
+            </a:extLst>
+          </p:cNvPr>
+          <p:cNvSpPr/>
+          <p:nvPr/>
+        </p:nvSpPr>
+        <p:spPr>
+          <a:xfrm>
+            <a:off x="7712395" y="5583331"/>
+            <a:ext cx="822003" cy="285783"/>
+          </a:xfrm>
+          <a:prstGeom prst="rect">
+            <a:avLst/>
+          </a:prstGeom>
+          <a:ln w="19050">
+            <a:solidFill>
+              <a:srgbClr val="7030A0"/>
+            </a:solidFill>
+          </a:ln>
+          <a:effectLst/>
+        </p:spPr>
+        <p:style>
+          <a:lnRef idx="1">
+            <a:schemeClr val="accent4"/>
+          </a:lnRef>
+          <a:fillRef idx="2">
+            <a:schemeClr val="accent4"/>
+          </a:fillRef>
+          <a:effectRef idx="1">
+            <a:schemeClr val="accent4"/>
+          </a:effectRef>
+          <a:fontRef idx="minor">
+            <a:schemeClr val="dk1"/>
+          </a:fontRef>
+        </p:style>
+        <p:txBody>
+          <a:bodyPr rtlCol="0" anchor="ctr"/>
+          <a:lstStyle/>
+          <a:p>
+            <a:pPr algn="ctr"/>
+            <a:r>
+              <a:rPr lang="en-US" sz="1050" dirty="0" err="1">
+                <a:solidFill>
+                  <a:srgbClr val="7030A0"/>
+                </a:solidFill>
+              </a:rPr>
+              <a:t>EndTime</a:t>
+            </a:r>
+            <a:endParaRPr lang="en-SG" sz="1050" dirty="0">
+              <a:solidFill>
+                <a:srgbClr val="7030A0"/>
+              </a:solidFill>
+            </a:endParaRPr>
+          </a:p>
+        </p:txBody>
+      </p:sp>
+      <p:cxnSp>
+        <p:nvCxnSpPr>
+          <p:cNvPr id="254" name="Elbow Connector 80">
+            <a:extLst>
+              <a:ext uri="{FF2B5EF4-FFF2-40B4-BE49-F238E27FC236}">
+                <a16:creationId xmlns:a16="http://schemas.microsoft.com/office/drawing/2014/main" id="{14059A74-FBED-48B2-A63F-F54DA5CAEA2B}"/>
+              </a:ext>
+            </a:extLst>
+          </p:cNvPr>
+          <p:cNvCxnSpPr>
+            <a:cxnSpLocks/>
+            <a:stCxn id="247" idx="3"/>
+            <a:endCxn id="248" idx="1"/>
+          </p:cNvCxnSpPr>
+          <p:nvPr/>
+        </p:nvCxnSpPr>
+        <p:spPr>
+          <a:xfrm flipV="1">
+            <a:off x="7267043" y="3989899"/>
+            <a:ext cx="445353" cy="334604"/>
+          </a:xfrm>
+          <a:prstGeom prst="bentConnector3">
+            <a:avLst/>
+          </a:prstGeom>
+          <a:ln w="19050">
+            <a:solidFill>
+              <a:srgbClr val="7030A0"/>
+            </a:solidFill>
+            <a:headEnd type="none" w="med" len="med"/>
+            <a:tailEnd type="arrow" w="med" len="med"/>
+          </a:ln>
+          <a:effectLst/>
+        </p:spPr>
+        <p:style>
+          <a:lnRef idx="1">
+            <a:schemeClr val="accent2"/>
+          </a:lnRef>
+          <a:fillRef idx="2">
+            <a:schemeClr val="accent2"/>
+          </a:fillRef>
+          <a:effectRef idx="1">
+            <a:schemeClr val="accent2"/>
+          </a:effectRef>
+          <a:fontRef idx="minor">
+            <a:schemeClr val="dk1"/>
+          </a:fontRef>
+        </p:style>
+      </p:cxnSp>
+      <p:cxnSp>
+        <p:nvCxnSpPr>
+          <p:cNvPr id="255" name="Elbow Connector 80">
+            <a:extLst>
+              <a:ext uri="{FF2B5EF4-FFF2-40B4-BE49-F238E27FC236}">
+                <a16:creationId xmlns:a16="http://schemas.microsoft.com/office/drawing/2014/main" id="{FF2D7F1E-C036-4996-9F7E-E8EEF31935EB}"/>
+              </a:ext>
+            </a:extLst>
+          </p:cNvPr>
+          <p:cNvCxnSpPr>
+            <a:cxnSpLocks/>
+            <a:stCxn id="247" idx="3"/>
+            <a:endCxn id="249" idx="1"/>
+          </p:cNvCxnSpPr>
+          <p:nvPr/>
+        </p:nvCxnSpPr>
+        <p:spPr>
+          <a:xfrm>
+            <a:off x="7267043" y="4324503"/>
+            <a:ext cx="445353" cy="717"/>
+          </a:xfrm>
+          <a:prstGeom prst="bentConnector3">
+            <a:avLst/>
+          </a:prstGeom>
+          <a:ln w="19050">
+            <a:solidFill>
+              <a:srgbClr val="7030A0"/>
+            </a:solidFill>
+            <a:headEnd type="none" w="med" len="med"/>
+            <a:tailEnd type="arrow" w="med" len="med"/>
+          </a:ln>
+          <a:effectLst/>
+        </p:spPr>
+        <p:style>
+          <a:lnRef idx="1">
+            <a:schemeClr val="accent2"/>
+          </a:lnRef>
+          <a:fillRef idx="2">
+            <a:schemeClr val="accent2"/>
+          </a:fillRef>
+          <a:effectRef idx="1">
+            <a:schemeClr val="accent2"/>
+          </a:effectRef>
+          <a:fontRef idx="minor">
+            <a:schemeClr val="dk1"/>
+          </a:fontRef>
+        </p:style>
+      </p:cxnSp>
+      <p:cxnSp>
+        <p:nvCxnSpPr>
+          <p:cNvPr id="256" name="Elbow Connector 80">
+            <a:extLst>
+              <a:ext uri="{FF2B5EF4-FFF2-40B4-BE49-F238E27FC236}">
+                <a16:creationId xmlns:a16="http://schemas.microsoft.com/office/drawing/2014/main" id="{23FE1157-879A-4369-82F8-C1C9CF1239BF}"/>
+              </a:ext>
+            </a:extLst>
+          </p:cNvPr>
+          <p:cNvCxnSpPr>
+            <a:cxnSpLocks/>
+            <a:endCxn id="250" idx="1"/>
+          </p:cNvCxnSpPr>
+          <p:nvPr/>
+        </p:nvCxnSpPr>
+        <p:spPr>
+          <a:xfrm>
+            <a:off x="7277995" y="4321101"/>
+            <a:ext cx="427141" cy="351948"/>
+          </a:xfrm>
+          <a:prstGeom prst="bentConnector3">
+            <a:avLst/>
+          </a:prstGeom>
+          <a:ln w="19050">
+            <a:solidFill>
+              <a:srgbClr val="7030A0"/>
+            </a:solidFill>
+            <a:headEnd type="none" w="med" len="med"/>
+            <a:tailEnd type="arrow" w="med" len="med"/>
+          </a:ln>
+          <a:effectLst/>
+        </p:spPr>
+        <p:style>
+          <a:lnRef idx="1">
+            <a:schemeClr val="accent2"/>
+          </a:lnRef>
+          <a:fillRef idx="2">
+            <a:schemeClr val="accent2"/>
+          </a:fillRef>
+          <a:effectRef idx="1">
+            <a:schemeClr val="accent2"/>
+          </a:effectRef>
+          <a:fontRef idx="minor">
+            <a:schemeClr val="dk1"/>
+          </a:fontRef>
+        </p:style>
+      </p:cxnSp>
+      <p:cxnSp>
+        <p:nvCxnSpPr>
+          <p:cNvPr id="257" name="Elbow Connector 80">
+            <a:extLst>
+              <a:ext uri="{FF2B5EF4-FFF2-40B4-BE49-F238E27FC236}">
+                <a16:creationId xmlns:a16="http://schemas.microsoft.com/office/drawing/2014/main" id="{654DBAD8-E72C-42A4-8236-11A19663ED75}"/>
+              </a:ext>
+            </a:extLst>
+          </p:cNvPr>
+          <p:cNvCxnSpPr>
+            <a:cxnSpLocks/>
+            <a:stCxn id="247" idx="3"/>
+            <a:endCxn id="251" idx="1"/>
+          </p:cNvCxnSpPr>
+          <p:nvPr/>
+        </p:nvCxnSpPr>
+        <p:spPr>
+          <a:xfrm>
+            <a:off x="7267043" y="4324503"/>
+            <a:ext cx="445352" cy="695910"/>
+          </a:xfrm>
+          <a:prstGeom prst="bentConnector3">
+            <a:avLst/>
+          </a:prstGeom>
+          <a:ln w="19050">
+            <a:solidFill>
+              <a:srgbClr val="7030A0"/>
+            </a:solidFill>
+            <a:headEnd type="none" w="med" len="med"/>
+            <a:tailEnd type="arrow" w="med" len="med"/>
+          </a:ln>
+          <a:effectLst/>
+        </p:spPr>
+        <p:style>
+          <a:lnRef idx="1">
+            <a:schemeClr val="accent2"/>
+          </a:lnRef>
+          <a:fillRef idx="2">
+            <a:schemeClr val="accent2"/>
+          </a:fillRef>
+          <a:effectRef idx="1">
+            <a:schemeClr val="accent2"/>
+          </a:effectRef>
+          <a:fontRef idx="minor">
+            <a:schemeClr val="dk1"/>
+          </a:fontRef>
+        </p:style>
+      </p:cxnSp>
+      <p:cxnSp>
+        <p:nvCxnSpPr>
+          <p:cNvPr id="258" name="Elbow Connector 80">
+            <a:extLst>
+              <a:ext uri="{FF2B5EF4-FFF2-40B4-BE49-F238E27FC236}">
+                <a16:creationId xmlns:a16="http://schemas.microsoft.com/office/drawing/2014/main" id="{65131DEE-19D9-4462-8AA2-80946A8C00D3}"/>
+              </a:ext>
+            </a:extLst>
+          </p:cNvPr>
+          <p:cNvCxnSpPr>
+            <a:cxnSpLocks/>
+            <a:stCxn id="247" idx="3"/>
+            <a:endCxn id="252" idx="1"/>
+          </p:cNvCxnSpPr>
+          <p:nvPr/>
+        </p:nvCxnSpPr>
+        <p:spPr>
+          <a:xfrm>
+            <a:off x="7267043" y="4324503"/>
+            <a:ext cx="445352" cy="1048815"/>
+          </a:xfrm>
+          <a:prstGeom prst="bentConnector3">
+            <a:avLst>
+              <a:gd name="adj1" fmla="val 50000"/>
+            </a:avLst>
+          </a:prstGeom>
+          <a:ln w="19050">
+            <a:solidFill>
+              <a:srgbClr val="7030A0"/>
+            </a:solidFill>
+            <a:headEnd type="none" w="med" len="med"/>
+            <a:tailEnd type="arrow" w="med" len="med"/>
+          </a:ln>
+          <a:effectLst/>
+        </p:spPr>
+        <p:style>
+          <a:lnRef idx="1">
+            <a:schemeClr val="accent2"/>
+          </a:lnRef>
+          <a:fillRef idx="2">
+            <a:schemeClr val="accent2"/>
+          </a:fillRef>
+          <a:effectRef idx="1">
+            <a:schemeClr val="accent2"/>
+          </a:effectRef>
+          <a:fontRef idx="minor">
+            <a:schemeClr val="dk1"/>
+          </a:fontRef>
+        </p:style>
+      </p:cxnSp>
+      <p:cxnSp>
+        <p:nvCxnSpPr>
+          <p:cNvPr id="259" name="Elbow Connector 80">
+            <a:extLst>
+              <a:ext uri="{FF2B5EF4-FFF2-40B4-BE49-F238E27FC236}">
+                <a16:creationId xmlns:a16="http://schemas.microsoft.com/office/drawing/2014/main" id="{71DA4A65-45BA-41B4-851C-A8143393B315}"/>
+              </a:ext>
+            </a:extLst>
+          </p:cNvPr>
+          <p:cNvCxnSpPr>
+            <a:cxnSpLocks/>
+            <a:stCxn id="247" idx="3"/>
+            <a:endCxn id="253" idx="1"/>
+          </p:cNvCxnSpPr>
+          <p:nvPr/>
+        </p:nvCxnSpPr>
+        <p:spPr>
+          <a:xfrm>
+            <a:off x="7267043" y="4324503"/>
+            <a:ext cx="445352" cy="1401720"/>
+          </a:xfrm>
+          <a:prstGeom prst="bentConnector3">
+            <a:avLst>
+              <a:gd name="adj1" fmla="val 50000"/>
+            </a:avLst>
+          </a:prstGeom>
+          <a:ln w="19050">
+            <a:solidFill>
+              <a:srgbClr val="7030A0"/>
+            </a:solidFill>
+            <a:headEnd type="none" w="med" len="med"/>
+            <a:tailEnd type="arrow" w="med" len="med"/>
+          </a:ln>
+          <a:effectLst/>
+        </p:spPr>
+        <p:style>
+          <a:lnRef idx="1">
+            <a:schemeClr val="accent2"/>
+          </a:lnRef>
+          <a:fillRef idx="2">
+            <a:schemeClr val="accent2"/>
+          </a:fillRef>
+          <a:effectRef idx="1">
+            <a:schemeClr val="accent2"/>
+          </a:effectRef>
+          <a:fontRef idx="minor">
+            <a:schemeClr val="dk1"/>
+          </a:fontRef>
+        </p:style>
+      </p:cxnSp>
+      <p:sp>
+        <p:nvSpPr>
+          <p:cNvPr id="260" name="TextBox 259">
+            <a:extLst>
+              <a:ext uri="{FF2B5EF4-FFF2-40B4-BE49-F238E27FC236}">
+                <a16:creationId xmlns:a16="http://schemas.microsoft.com/office/drawing/2014/main" id="{CCDF2DC3-34B2-4C97-93C5-37F8D0807DA3}"/>
+              </a:ext>
+            </a:extLst>
+          </p:cNvPr>
+          <p:cNvSpPr txBox="1"/>
+          <p:nvPr/>
+        </p:nvSpPr>
+        <p:spPr>
+          <a:xfrm>
+            <a:off x="6456384" y="3949785"/>
+            <a:ext cx="189257" cy="178683"/>
+          </a:xfrm>
+          <a:prstGeom prst="rect">
+            <a:avLst/>
+          </a:prstGeom>
+          <a:noFill/>
+        </p:spPr>
+        <p:txBody>
+          <a:bodyPr wrap="square" lIns="0" tIns="0" rIns="0" bIns="0" rtlCol="0">
+            <a:noAutofit/>
+          </a:bodyPr>
+          <a:lstStyle/>
+          <a:p>
+            <a:pPr algn="ctr"/>
+            <a:r>
+              <a:rPr lang="en-US" sz="1100" dirty="0">
+                <a:solidFill>
+                  <a:srgbClr val="7030A0"/>
+                </a:solidFill>
+              </a:rPr>
+              <a:t>1</a:t>
+            </a:r>
+            <a:endParaRPr lang="en-SG" sz="1100" dirty="0">
+              <a:solidFill>
+                <a:srgbClr val="7030A0"/>
+              </a:solidFill>
+            </a:endParaRPr>
+          </a:p>
+        </p:txBody>
+      </p:sp>
+      <p:sp>
+        <p:nvSpPr>
+          <p:cNvPr id="261" name="Rectangle 8">
+            <a:extLst>
+              <a:ext uri="{FF2B5EF4-FFF2-40B4-BE49-F238E27FC236}">
+                <a16:creationId xmlns:a16="http://schemas.microsoft.com/office/drawing/2014/main" id="{40440DB0-D254-468E-8668-44A057684A94}"/>
+              </a:ext>
+            </a:extLst>
+          </p:cNvPr>
+          <p:cNvSpPr/>
+          <p:nvPr/>
+        </p:nvSpPr>
+        <p:spPr>
+          <a:xfrm>
+            <a:off x="4780047" y="1933935"/>
+            <a:ext cx="1156969" cy="285783"/>
+          </a:xfrm>
+          <a:prstGeom prst="rect">
+            <a:avLst/>
+          </a:prstGeom>
+          <a:ln w="19050">
+            <a:solidFill>
+              <a:srgbClr val="7030A0"/>
+            </a:solidFill>
+          </a:ln>
+          <a:effectLst/>
+        </p:spPr>
+        <p:style>
+          <a:lnRef idx="1">
+            <a:schemeClr val="accent4"/>
+          </a:lnRef>
+          <a:fillRef idx="2">
+            <a:schemeClr val="accent4"/>
+          </a:fillRef>
+          <a:effectRef idx="1">
+            <a:schemeClr val="accent4"/>
+          </a:effectRef>
+          <a:fontRef idx="minor">
+            <a:schemeClr val="dk1"/>
+          </a:fontRef>
+        </p:style>
+        <p:txBody>
+          <a:bodyPr rtlCol="0" anchor="ctr"/>
+          <a:lstStyle/>
+          <a:p>
+            <a:pPr algn="ctr"/>
+            <a:r>
+              <a:rPr lang="en-US" sz="1050" dirty="0" err="1">
+                <a:solidFill>
+                  <a:srgbClr val="7030A0"/>
+                </a:solidFill>
+              </a:rPr>
+              <a:t>UniqueTagList</a:t>
+            </a:r>
+            <a:endParaRPr lang="en-SG" sz="1050" dirty="0">
+              <a:solidFill>
+                <a:srgbClr val="7030A0"/>
+              </a:solidFill>
+            </a:endParaRPr>
+          </a:p>
+        </p:txBody>
+      </p:sp>
+      <p:cxnSp>
+        <p:nvCxnSpPr>
+          <p:cNvPr id="262" name="Elbow Connector 78">
+            <a:extLst>
+              <a:ext uri="{FF2B5EF4-FFF2-40B4-BE49-F238E27FC236}">
+                <a16:creationId xmlns:a16="http://schemas.microsoft.com/office/drawing/2014/main" id="{1B5CC598-D1F7-4158-AE10-30CB5A318697}"/>
+              </a:ext>
+            </a:extLst>
+          </p:cNvPr>
+          <p:cNvCxnSpPr>
+            <a:cxnSpLocks/>
+            <a:endCxn id="261" idx="1"/>
+          </p:cNvCxnSpPr>
+          <p:nvPr/>
+        </p:nvCxnSpPr>
+        <p:spPr>
+          <a:xfrm rot="5400000" flipH="1" flipV="1">
+            <a:off x="4257356" y="2263248"/>
+            <a:ext cx="709111" cy="336271"/>
+          </a:xfrm>
+          <a:prstGeom prst="bentConnector2">
+            <a:avLst/>
+          </a:prstGeom>
+          <a:ln w="19050">
+            <a:solidFill>
+              <a:srgbClr val="7030A0"/>
+            </a:solidFill>
+            <a:headEnd type="none" w="med" len="med"/>
+            <a:tailEnd type="arrow" w="med" len="med"/>
+          </a:ln>
+          <a:effectLst/>
+        </p:spPr>
+        <p:style>
+          <a:lnRef idx="1">
+            <a:schemeClr val="accent2"/>
+          </a:lnRef>
+          <a:fillRef idx="2">
+            <a:schemeClr val="accent2"/>
+          </a:fillRef>
+          <a:effectRef idx="1">
+            <a:schemeClr val="accent2"/>
+          </a:effectRef>
+          <a:fontRef idx="minor">
+            <a:schemeClr val="dk1"/>
+          </a:fontRef>
+        </p:style>
+      </p:cxnSp>
+      <p:sp>
+        <p:nvSpPr>
+          <p:cNvPr id="263" name="TextBox 262">
+            <a:extLst>
+              <a:ext uri="{FF2B5EF4-FFF2-40B4-BE49-F238E27FC236}">
+                <a16:creationId xmlns:a16="http://schemas.microsoft.com/office/drawing/2014/main" id="{036C3F31-C28C-4690-B68D-5533FF17B32C}"/>
+              </a:ext>
+            </a:extLst>
+          </p:cNvPr>
+          <p:cNvSpPr txBox="1"/>
+          <p:nvPr/>
+        </p:nvSpPr>
+        <p:spPr>
+          <a:xfrm>
+            <a:off x="6738519" y="2157795"/>
+            <a:ext cx="189257" cy="178683"/>
+          </a:xfrm>
+          <a:prstGeom prst="rect">
+            <a:avLst/>
+          </a:prstGeom>
+          <a:noFill/>
+        </p:spPr>
+        <p:txBody>
+          <a:bodyPr wrap="square" lIns="0" tIns="0" rIns="0" bIns="0" rtlCol="0">
+            <a:noAutofit/>
+          </a:bodyPr>
+          <a:lstStyle/>
+          <a:p>
+            <a:pPr algn="ctr"/>
+            <a:r>
+              <a:rPr lang="en-US" sz="1100" dirty="0">
+                <a:solidFill>
+                  <a:srgbClr val="7030A0"/>
+                </a:solidFill>
+              </a:rPr>
+              <a:t>*</a:t>
+            </a:r>
+            <a:endParaRPr lang="en-SG" sz="1100" dirty="0">
+              <a:solidFill>
+                <a:srgbClr val="7030A0"/>
+              </a:solidFill>
+            </a:endParaRPr>
+          </a:p>
+        </p:txBody>
+      </p:sp>
+      <p:sp>
+        <p:nvSpPr>
+          <p:cNvPr id="264" name="Flowchart: Decision 96">
+            <a:extLst>
+              <a:ext uri="{FF2B5EF4-FFF2-40B4-BE49-F238E27FC236}">
+                <a16:creationId xmlns:a16="http://schemas.microsoft.com/office/drawing/2014/main" id="{9785EFD0-EF50-48C3-B7BC-AF13AD39E7C4}"/>
+              </a:ext>
+            </a:extLst>
+          </p:cNvPr>
+          <p:cNvSpPr/>
+          <p:nvPr/>
+        </p:nvSpPr>
+        <p:spPr>
+          <a:xfrm rot="16200000">
+            <a:off x="6577440" y="2521046"/>
             <a:ext cx="236048" cy="173380"/>
           </a:xfrm>
           <a:prstGeom prst="flowChartDecision">
             <a:avLst/>
           </a:prstGeom>
-          <a:solidFill>
-            <a:srgbClr val="7030A0"/>
-          </a:solidFill>
+          <a:noFill/>
           <a:ln w="19050">
             <a:solidFill>
               <a:srgbClr val="7030A0"/>
@@ -6429,12 +7975,59 @@
           </a:p>
         </p:txBody>
       </p:sp>
-      <p:sp>
-        <p:nvSpPr>
-          <p:cNvPr id="232" name="Rectangle 8">
-            <a:extLst>
-              <a:ext uri="{FF2B5EF4-FFF2-40B4-BE49-F238E27FC236}">
-                <a16:creationId xmlns:a16="http://schemas.microsoft.com/office/drawing/2014/main" id="{2216C3AB-18CE-4B48-BDE2-DA7C7395E0B2}"/>
+      <p:cxnSp>
+        <p:nvCxnSpPr>
+          <p:cNvPr id="265" name="Elbow Connector 63">
+            <a:extLst>
+              <a:ext uri="{FF2B5EF4-FFF2-40B4-BE49-F238E27FC236}">
+                <a16:creationId xmlns:a16="http://schemas.microsoft.com/office/drawing/2014/main" id="{CD3147BD-CB71-4290-BD5E-DBBF3BA83AC7}"/>
+              </a:ext>
+            </a:extLst>
+          </p:cNvPr>
+          <p:cNvCxnSpPr>
+            <a:cxnSpLocks/>
+            <a:endCxn id="266" idx="1"/>
+          </p:cNvCxnSpPr>
+          <p:nvPr/>
+        </p:nvCxnSpPr>
+        <p:spPr>
+          <a:xfrm flipV="1">
+            <a:off x="5908455" y="1960080"/>
+            <a:ext cx="432916" cy="111294"/>
+          </a:xfrm>
+          <a:prstGeom prst="bentConnector3">
+            <a:avLst/>
+          </a:prstGeom>
+          <a:ln w="19050">
+            <a:solidFill>
+              <a:srgbClr val="7030A0"/>
+            </a:solidFill>
+            <a:headEnd type="none" w="med" len="med"/>
+            <a:tailEnd type="arrow" w="med" len="med"/>
+          </a:ln>
+          <a:effectLst/>
+        </p:spPr>
+        <p:style>
+          <a:lnRef idx="1">
+            <a:schemeClr val="accent2"/>
+          </a:lnRef>
+          <a:fillRef idx="2">
+            <a:schemeClr val="accent2"/>
+          </a:fillRef>
+          <a:effectRef idx="1">
+            <a:schemeClr val="accent2"/>
+          </a:effectRef>
+          <a:fontRef idx="minor">
+            <a:schemeClr val="dk1"/>
+          </a:fontRef>
+        </p:style>
+      </p:cxnSp>
+      <p:sp>
+        <p:nvSpPr>
+          <p:cNvPr id="266" name="Rectangle 8">
+            <a:extLst>
+              <a:ext uri="{FF2B5EF4-FFF2-40B4-BE49-F238E27FC236}">
+                <a16:creationId xmlns:a16="http://schemas.microsoft.com/office/drawing/2014/main" id="{88A6E12A-4257-4782-8709-FF8EF2B63ED0}"/>
               </a:ext>
             </a:extLst>
           </p:cNvPr>
@@ -6443,7 +8036,7 @@
         </p:nvSpPr>
         <p:spPr>
           <a:xfrm>
-            <a:off x="6322809" y="4135369"/>
+            <a:off x="6341371" y="1786700"/>
             <a:ext cx="708186" cy="346760"/>
           </a:xfrm>
           <a:prstGeom prst="rect">
@@ -6481,7 +8074,7 @@
                   <a:srgbClr val="7030A0"/>
                 </a:solidFill>
               </a:rPr>
-              <a:t>Event</a:t>
+              <a:t>Tag</a:t>
             </a:r>
             <a:endParaRPr lang="en-SG" sz="1050" dirty="0">
               <a:solidFill>
@@ -6493,10 +8086,100 @@
       </p:sp>
       <p:sp>
         <p:nvSpPr>
-          <p:cNvPr id="233" name="Flowchart: Decision 96">
-            <a:extLst>
-              <a:ext uri="{FF2B5EF4-FFF2-40B4-BE49-F238E27FC236}">
-                <a16:creationId xmlns:a16="http://schemas.microsoft.com/office/drawing/2014/main" id="{E98CD532-7AA9-4A5D-89CE-67D552B184E5}"/>
+          <p:cNvPr id="267" name="TextBox 266">
+            <a:extLst>
+              <a:ext uri="{FF2B5EF4-FFF2-40B4-BE49-F238E27FC236}">
+                <a16:creationId xmlns:a16="http://schemas.microsoft.com/office/drawing/2014/main" id="{FE64F77B-DFCA-4865-8A67-5636D4BC0CE3}"/>
+              </a:ext>
+            </a:extLst>
+          </p:cNvPr>
+          <p:cNvSpPr txBox="1"/>
+          <p:nvPr/>
+        </p:nvSpPr>
+        <p:spPr>
+          <a:xfrm>
+            <a:off x="6159431" y="2005088"/>
+            <a:ext cx="189257" cy="178683"/>
+          </a:xfrm>
+          <a:prstGeom prst="rect">
+            <a:avLst/>
+          </a:prstGeom>
+          <a:noFill/>
+        </p:spPr>
+        <p:txBody>
+          <a:bodyPr wrap="square" lIns="0" tIns="0" rIns="0" bIns="0" rtlCol="0">
+            <a:noAutofit/>
+          </a:bodyPr>
+          <a:lstStyle/>
+          <a:p>
+            <a:pPr algn="ctr"/>
+            <a:r>
+              <a:rPr lang="en-US" sz="1100" dirty="0">
+                <a:solidFill>
+                  <a:srgbClr val="7030A0"/>
+                </a:solidFill>
+              </a:rPr>
+              <a:t>*</a:t>
+            </a:r>
+            <a:endParaRPr lang="en-SG" sz="1100" dirty="0">
+              <a:solidFill>
+                <a:srgbClr val="7030A0"/>
+              </a:solidFill>
+            </a:endParaRPr>
+          </a:p>
+        </p:txBody>
+      </p:sp>
+      <p:sp>
+        <p:nvSpPr>
+          <p:cNvPr id="268" name="TextBox 267">
+            <a:extLst>
+              <a:ext uri="{FF2B5EF4-FFF2-40B4-BE49-F238E27FC236}">
+                <a16:creationId xmlns:a16="http://schemas.microsoft.com/office/drawing/2014/main" id="{DEBAD80E-9558-4545-9B5C-1011497635DE}"/>
+              </a:ext>
+            </a:extLst>
+          </p:cNvPr>
+          <p:cNvSpPr txBox="1"/>
+          <p:nvPr/>
+        </p:nvSpPr>
+        <p:spPr>
+          <a:xfrm>
+            <a:off x="4391275" y="1900046"/>
+            <a:ext cx="189257" cy="178683"/>
+          </a:xfrm>
+          <a:prstGeom prst="rect">
+            <a:avLst/>
+          </a:prstGeom>
+          <a:noFill/>
+        </p:spPr>
+        <p:txBody>
+          <a:bodyPr wrap="square" lIns="0" tIns="0" rIns="0" bIns="0" rtlCol="0">
+            <a:noAutofit/>
+          </a:bodyPr>
+          <a:lstStyle/>
+          <a:p>
+            <a:pPr algn="ctr"/>
+            <a:r>
+              <a:rPr lang="en-US" sz="1100" dirty="0">
+                <a:solidFill>
+                  <a:srgbClr val="7030A0"/>
+                </a:solidFill>
+              </a:rPr>
+              <a:t>1</a:t>
+            </a:r>
+            <a:endParaRPr lang="en-SG" sz="1100" dirty="0">
+              <a:solidFill>
+                <a:srgbClr val="7030A0"/>
+              </a:solidFill>
+            </a:endParaRPr>
+          </a:p>
+        </p:txBody>
+      </p:sp>
+      <p:sp>
+        <p:nvSpPr>
+          <p:cNvPr id="269" name="Flowchart: Decision 96">
+            <a:extLst>
+              <a:ext uri="{FF2B5EF4-FFF2-40B4-BE49-F238E27FC236}">
+                <a16:creationId xmlns:a16="http://schemas.microsoft.com/office/drawing/2014/main" id="{706253E2-1226-4B48-A404-BCE6BDD4745D}"/>
               </a:ext>
             </a:extLst>
           </p:cNvPr>
@@ -6505,13 +8188,15 @@
         </p:nvSpPr>
         <p:spPr>
           <a:xfrm>
-            <a:off x="5867883" y="4218979"/>
+            <a:off x="5935504" y="1989155"/>
             <a:ext cx="236048" cy="173380"/>
           </a:xfrm>
           <a:prstGeom prst="flowChartDecision">
             <a:avLst/>
           </a:prstGeom>
-          <a:noFill/>
+          <a:solidFill>
+            <a:srgbClr val="7030A0"/>
+          </a:solidFill>
           <a:ln w="19050">
             <a:solidFill>
               <a:srgbClr val="7030A0"/>
@@ -6544,23 +8229,24 @@
       </p:sp>
       <p:cxnSp>
         <p:nvCxnSpPr>
-          <p:cNvPr id="234" name="Elbow Connector 63">
-            <a:extLst>
-              <a:ext uri="{FF2B5EF4-FFF2-40B4-BE49-F238E27FC236}">
-                <a16:creationId xmlns:a16="http://schemas.microsoft.com/office/drawing/2014/main" id="{FEEF3E50-D97E-4AB6-AF95-29613B5E0D57}"/>
+          <p:cNvPr id="270" name="Elbow Connector 63">
+            <a:extLst>
+              <a:ext uri="{FF2B5EF4-FFF2-40B4-BE49-F238E27FC236}">
+                <a16:creationId xmlns:a16="http://schemas.microsoft.com/office/drawing/2014/main" id="{C87BABFE-EDB5-4B1E-891B-C51B3268DDE7}"/>
               </a:ext>
             </a:extLst>
           </p:cNvPr>
           <p:cNvCxnSpPr>
-            <a:stCxn id="233" idx="3"/>
-            <a:endCxn id="232" idx="1"/>
+            <a:cxnSpLocks/>
+            <a:stCxn id="264" idx="3"/>
+            <a:endCxn id="266" idx="2"/>
           </p:cNvCxnSpPr>
           <p:nvPr/>
         </p:nvCxnSpPr>
         <p:spPr>
-          <a:xfrm>
-            <a:off x="6103931" y="4305669"/>
-            <a:ext cx="218878" cy="3080"/>
+          <a:xfrm rot="5400000" flipH="1" flipV="1">
+            <a:off x="6517338" y="2311586"/>
+            <a:ext cx="356252" cy="12700"/>
           </a:xfrm>
           <a:prstGeom prst="bentConnector3">
             <a:avLst/>
@@ -6591,347 +8277,22 @@
       </p:cxnSp>
       <p:sp>
         <p:nvSpPr>
-          <p:cNvPr id="235" name="TextBox 234">
-            <a:extLst>
-              <a:ext uri="{FF2B5EF4-FFF2-40B4-BE49-F238E27FC236}">
-                <a16:creationId xmlns:a16="http://schemas.microsoft.com/office/drawing/2014/main" id="{E3A4F28D-5759-412C-893D-54BE367538B1}"/>
-              </a:ext>
-            </a:extLst>
-          </p:cNvPr>
-          <p:cNvSpPr txBox="1"/>
-          <p:nvPr/>
-        </p:nvSpPr>
-        <p:spPr>
-          <a:xfrm>
-            <a:off x="4484389" y="4464560"/>
-            <a:ext cx="189257" cy="178683"/>
+          <p:cNvPr id="96" name="Rectangle 8">
+            <a:extLst>
+              <a:ext uri="{FF2B5EF4-FFF2-40B4-BE49-F238E27FC236}">
+                <a16:creationId xmlns:a16="http://schemas.microsoft.com/office/drawing/2014/main" id="{4135A876-424B-454F-9E44-8881DB782A2B}"/>
+              </a:ext>
+            </a:extLst>
+          </p:cNvPr>
+          <p:cNvSpPr/>
+          <p:nvPr/>
+        </p:nvSpPr>
+        <p:spPr>
+          <a:xfrm>
+            <a:off x="7712396" y="5927266"/>
+            <a:ext cx="898204" cy="285783"/>
           </a:xfrm>
           <a:prstGeom prst="rect">
-            <a:avLst/>
-          </a:prstGeom>
-          <a:noFill/>
-        </p:spPr>
-        <p:txBody>
-          <a:bodyPr wrap="square" lIns="0" tIns="0" rIns="0" bIns="0" rtlCol="0">
-            <a:noAutofit/>
-          </a:bodyPr>
-          <a:lstStyle/>
-          <a:p>
-            <a:pPr algn="ctr"/>
-            <a:r>
-              <a:rPr lang="en-US" sz="1100" dirty="0">
-                <a:solidFill>
-                  <a:srgbClr val="7030A0"/>
-                </a:solidFill>
-              </a:rPr>
-              <a:t>1</a:t>
-            </a:r>
-            <a:endParaRPr lang="en-SG" sz="1100" dirty="0">
-              <a:solidFill>
-                <a:srgbClr val="7030A0"/>
-              </a:solidFill>
-            </a:endParaRPr>
-          </a:p>
-        </p:txBody>
-      </p:sp>
-      <p:sp>
-        <p:nvSpPr>
-          <p:cNvPr id="236" name="TextBox 235">
-            <a:extLst>
-              <a:ext uri="{FF2B5EF4-FFF2-40B4-BE49-F238E27FC236}">
-                <a16:creationId xmlns:a16="http://schemas.microsoft.com/office/drawing/2014/main" id="{C2C0BA7E-073F-4633-8F25-6547099A30AD}"/>
-              </a:ext>
-            </a:extLst>
-          </p:cNvPr>
-          <p:cNvSpPr txBox="1"/>
-          <p:nvPr/>
-        </p:nvSpPr>
-        <p:spPr>
-          <a:xfrm>
-            <a:off x="6144388" y="4375220"/>
-            <a:ext cx="189257" cy="178683"/>
-          </a:xfrm>
-          <a:prstGeom prst="rect">
-            <a:avLst/>
-          </a:prstGeom>
-          <a:noFill/>
-        </p:spPr>
-        <p:txBody>
-          <a:bodyPr wrap="square" lIns="0" tIns="0" rIns="0" bIns="0" rtlCol="0">
-            <a:noAutofit/>
-          </a:bodyPr>
-          <a:lstStyle/>
-          <a:p>
-            <a:pPr algn="ctr"/>
-            <a:r>
-              <a:rPr lang="en-US" sz="1100" dirty="0">
-                <a:solidFill>
-                  <a:srgbClr val="7030A0"/>
-                </a:solidFill>
-              </a:rPr>
-              <a:t>*</a:t>
-            </a:r>
-            <a:endParaRPr lang="en-SG" sz="1100" dirty="0">
-              <a:solidFill>
-                <a:srgbClr val="7030A0"/>
-              </a:solidFill>
-            </a:endParaRPr>
-          </a:p>
-        </p:txBody>
-      </p:sp>
-      <p:sp>
-        <p:nvSpPr>
-          <p:cNvPr id="237" name="TextBox 236">
-            <a:extLst>
-              <a:ext uri="{FF2B5EF4-FFF2-40B4-BE49-F238E27FC236}">
-                <a16:creationId xmlns:a16="http://schemas.microsoft.com/office/drawing/2014/main" id="{7926C44F-B509-475E-ABB3-1B890D0378B5}"/>
-              </a:ext>
-            </a:extLst>
-          </p:cNvPr>
-          <p:cNvSpPr txBox="1"/>
-          <p:nvPr/>
-        </p:nvSpPr>
-        <p:spPr>
-          <a:xfrm>
-            <a:off x="2582526" y="4034018"/>
-            <a:ext cx="170110" cy="137542"/>
-          </a:xfrm>
-          <a:prstGeom prst="rect">
-            <a:avLst/>
-          </a:prstGeom>
-          <a:noFill/>
-        </p:spPr>
-        <p:txBody>
-          <a:bodyPr wrap="square" lIns="0" tIns="0" rIns="0" bIns="0" rtlCol="0">
-            <a:noAutofit/>
-          </a:bodyPr>
-          <a:lstStyle/>
-          <a:p>
-            <a:pPr algn="ctr"/>
-            <a:r>
-              <a:rPr lang="en-US" sz="1100" dirty="0">
-                <a:solidFill>
-                  <a:srgbClr val="7030A0"/>
-                </a:solidFill>
-              </a:rPr>
-              <a:t>1</a:t>
-            </a:r>
-            <a:endParaRPr lang="en-SG" sz="1100" dirty="0">
-              <a:solidFill>
-                <a:srgbClr val="7030A0"/>
-              </a:solidFill>
-            </a:endParaRPr>
-          </a:p>
-        </p:txBody>
-      </p:sp>
-      <p:cxnSp>
-        <p:nvCxnSpPr>
-          <p:cNvPr id="238" name="Straight Arrow Connector 237">
-            <a:extLst>
-              <a:ext uri="{FF2B5EF4-FFF2-40B4-BE49-F238E27FC236}">
-                <a16:creationId xmlns:a16="http://schemas.microsoft.com/office/drawing/2014/main" id="{221AD497-D1C8-4227-88B1-F79A55C206EF}"/>
-              </a:ext>
-            </a:extLst>
-          </p:cNvPr>
-          <p:cNvCxnSpPr>
-            <a:cxnSpLocks/>
-            <a:endCxn id="230" idx="1"/>
-          </p:cNvCxnSpPr>
-          <p:nvPr/>
-        </p:nvCxnSpPr>
-        <p:spPr>
-          <a:xfrm>
-            <a:off x="4334104" y="4284525"/>
-            <a:ext cx="367678" cy="12320"/>
-          </a:xfrm>
-          <a:prstGeom prst="straightConnector1">
-            <a:avLst/>
-          </a:prstGeom>
-          <a:ln w="19050">
-            <a:solidFill>
-              <a:srgbClr val="7030A0"/>
-            </a:solidFill>
-            <a:headEnd type="none" w="med" len="med"/>
-            <a:tailEnd type="arrow" w="med" len="med"/>
-          </a:ln>
-          <a:effectLst/>
-        </p:spPr>
-        <p:style>
-          <a:lnRef idx="1">
-            <a:schemeClr val="accent2"/>
-          </a:lnRef>
-          <a:fillRef idx="2">
-            <a:schemeClr val="accent2"/>
-          </a:fillRef>
-          <a:effectRef idx="1">
-            <a:schemeClr val="accent2"/>
-          </a:effectRef>
-          <a:fontRef idx="minor">
-            <a:schemeClr val="dk1"/>
-          </a:fontRef>
-        </p:style>
-      </p:cxnSp>
-      <p:cxnSp>
-        <p:nvCxnSpPr>
-          <p:cNvPr id="239" name="Elbow Connector 106">
-            <a:extLst>
-              <a:ext uri="{FF2B5EF4-FFF2-40B4-BE49-F238E27FC236}">
-                <a16:creationId xmlns:a16="http://schemas.microsoft.com/office/drawing/2014/main" id="{51CE78C2-068D-47D9-8B14-B86651FB37F9}"/>
-              </a:ext>
-            </a:extLst>
-          </p:cNvPr>
-          <p:cNvCxnSpPr>
-            <a:cxnSpLocks/>
-            <a:endCxn id="232" idx="0"/>
-          </p:cNvCxnSpPr>
-          <p:nvPr/>
-        </p:nvCxnSpPr>
-        <p:spPr>
-          <a:xfrm>
-            <a:off x="2220076" y="3938972"/>
-            <a:ext cx="4456826" cy="196397"/>
-          </a:xfrm>
-          <a:prstGeom prst="bentConnector2">
-            <a:avLst/>
-          </a:prstGeom>
-          <a:ln w="19050">
-            <a:solidFill>
-              <a:srgbClr val="7030A0"/>
-            </a:solidFill>
-            <a:prstDash val="solid"/>
-            <a:headEnd type="none" w="med" len="med"/>
-            <a:tailEnd type="arrow" w="med" len="med"/>
-          </a:ln>
-          <a:effectLst/>
-        </p:spPr>
-        <p:style>
-          <a:lnRef idx="1">
-            <a:schemeClr val="accent2"/>
-          </a:lnRef>
-          <a:fillRef idx="2">
-            <a:schemeClr val="accent2"/>
-          </a:fillRef>
-          <a:effectRef idx="1">
-            <a:schemeClr val="accent2"/>
-          </a:effectRef>
-          <a:fontRef idx="minor">
-            <a:schemeClr val="dk1"/>
-          </a:fontRef>
-        </p:style>
-      </p:cxnSp>
-      <p:sp>
-        <p:nvSpPr>
-          <p:cNvPr id="240" name="TextBox 239">
-            <a:extLst>
-              <a:ext uri="{FF2B5EF4-FFF2-40B4-BE49-F238E27FC236}">
-                <a16:creationId xmlns:a16="http://schemas.microsoft.com/office/drawing/2014/main" id="{4A5346F5-1BD5-4A06-B22D-9CC08EB5A9F3}"/>
-              </a:ext>
-            </a:extLst>
-          </p:cNvPr>
-          <p:cNvSpPr txBox="1"/>
-          <p:nvPr/>
-        </p:nvSpPr>
-        <p:spPr>
-          <a:xfrm>
-            <a:off x="6302294" y="3670461"/>
-            <a:ext cx="881018" cy="261610"/>
-          </a:xfrm>
-          <a:prstGeom prst="rect">
-            <a:avLst/>
-          </a:prstGeom>
-          <a:noFill/>
-        </p:spPr>
-        <p:txBody>
-          <a:bodyPr wrap="square" rtlCol="0">
-            <a:spAutoFit/>
-          </a:bodyPr>
-          <a:lstStyle/>
-          <a:p>
-            <a:pPr algn="r"/>
-            <a:r>
-              <a:rPr lang="en-US" sz="1100" dirty="0">
-                <a:solidFill>
-                  <a:srgbClr val="7030A0"/>
-                </a:solidFill>
-              </a:rPr>
-              <a:t>filtered list</a:t>
-            </a:r>
-            <a:endParaRPr lang="en-SG" sz="1100" dirty="0">
-              <a:solidFill>
-                <a:srgbClr val="7030A0"/>
-              </a:solidFill>
-            </a:endParaRPr>
-          </a:p>
-        </p:txBody>
-      </p:sp>
-      <p:cxnSp>
-        <p:nvCxnSpPr>
-          <p:cNvPr id="241" name="Elbow Connector 63">
-            <a:extLst>
-              <a:ext uri="{FF2B5EF4-FFF2-40B4-BE49-F238E27FC236}">
-                <a16:creationId xmlns:a16="http://schemas.microsoft.com/office/drawing/2014/main" id="{920C4039-8159-4646-9C2D-DED62064D0BC}"/>
-              </a:ext>
-            </a:extLst>
-          </p:cNvPr>
-          <p:cNvCxnSpPr>
-            <a:cxnSpLocks/>
-            <a:stCxn id="242" idx="3"/>
-          </p:cNvCxnSpPr>
-          <p:nvPr/>
-        </p:nvCxnSpPr>
-        <p:spPr>
-          <a:xfrm rot="16200000" flipV="1">
-            <a:off x="3989653" y="4516981"/>
-            <a:ext cx="119389" cy="2069"/>
-          </a:xfrm>
-          <a:prstGeom prst="bentConnector3">
-            <a:avLst>
-              <a:gd name="adj1" fmla="val 50000"/>
-            </a:avLst>
-          </a:prstGeom>
-          <a:ln w="19050">
-            <a:solidFill>
-              <a:srgbClr val="7030A0"/>
-            </a:solidFill>
-            <a:prstDash val="sysDot"/>
-            <a:headEnd type="none" w="med" len="med"/>
-            <a:tailEnd type="none" w="med" len="med"/>
-          </a:ln>
-          <a:effectLst/>
-        </p:spPr>
-        <p:style>
-          <a:lnRef idx="1">
-            <a:schemeClr val="accent2"/>
-          </a:lnRef>
-          <a:fillRef idx="2">
-            <a:schemeClr val="accent2"/>
-          </a:fillRef>
-          <a:effectRef idx="1">
-            <a:schemeClr val="accent2"/>
-          </a:effectRef>
-          <a:fontRef idx="minor">
-            <a:schemeClr val="dk1"/>
-          </a:fontRef>
-        </p:style>
-      </p:cxnSp>
-      <p:sp>
-        <p:nvSpPr>
-          <p:cNvPr id="242" name="Isosceles Triangle 102">
-            <a:extLst>
-              <a:ext uri="{FF2B5EF4-FFF2-40B4-BE49-F238E27FC236}">
-                <a16:creationId xmlns:a16="http://schemas.microsoft.com/office/drawing/2014/main" id="{526F689F-1E11-4887-A8B8-C3A964E780EB}"/>
-              </a:ext>
-            </a:extLst>
-          </p:cNvPr>
-          <p:cNvSpPr/>
-          <p:nvPr/>
-        </p:nvSpPr>
-        <p:spPr>
-          <a:xfrm flipV="1">
-            <a:off x="3909187" y="4577710"/>
-            <a:ext cx="282387" cy="157062"/>
-          </a:xfrm>
-          <a:prstGeom prst="triangle">
             <a:avLst/>
           </a:prstGeom>
           <a:ln w="19050">
@@ -6960,67 +8321,13 @@
           <a:lstStyle/>
           <a:p>
             <a:pPr algn="ctr"/>
-            <a:endParaRPr lang="en-SG" sz="1050" b="1">
-              <a:solidFill>
-                <a:srgbClr val="92D050"/>
-              </a:solidFill>
-            </a:endParaRPr>
-          </a:p>
-        </p:txBody>
-      </p:sp>
-      <p:sp>
-        <p:nvSpPr>
-          <p:cNvPr id="243" name="Rectangle 8">
-            <a:extLst>
-              <a:ext uri="{FF2B5EF4-FFF2-40B4-BE49-F238E27FC236}">
-                <a16:creationId xmlns:a16="http://schemas.microsoft.com/office/drawing/2014/main" id="{69B1CE57-749A-4561-BEDB-976ADBA2DB5F}"/>
-              </a:ext>
-            </a:extLst>
-          </p:cNvPr>
-          <p:cNvSpPr/>
-          <p:nvPr/>
-        </p:nvSpPr>
-        <p:spPr>
-          <a:xfrm>
-            <a:off x="3479784" y="4751288"/>
-            <a:ext cx="1060683" cy="364396"/>
-          </a:xfrm>
-          <a:prstGeom prst="rect">
-            <a:avLst/>
-          </a:prstGeom>
-          <a:ln w="19050">
-            <a:solidFill>
-              <a:srgbClr val="7030A0"/>
-            </a:solidFill>
-          </a:ln>
-          <a:effectLst/>
-        </p:spPr>
-        <p:style>
-          <a:lnRef idx="1">
-            <a:schemeClr val="accent4"/>
-          </a:lnRef>
-          <a:fillRef idx="2">
-            <a:schemeClr val="accent4"/>
-          </a:fillRef>
-          <a:effectRef idx="1">
-            <a:schemeClr val="accent4"/>
-          </a:effectRef>
-          <a:fontRef idx="minor">
-            <a:schemeClr val="dk1"/>
-          </a:fontRef>
-        </p:style>
-        <p:txBody>
-          <a:bodyPr rtlCol="0" anchor="ctr"/>
-          <a:lstStyle/>
-          <a:p>
-            <a:pPr algn="ctr"/>
-            <a:r>
-              <a:rPr lang="en-US" sz="1050" dirty="0" err="1">
+            <a:r>
+              <a:rPr lang="en-US" sz="1050" dirty="0">
                 <a:solidFill>
                   <a:srgbClr val="7030A0"/>
                 </a:solidFill>
               </a:rPr>
-              <a:t>EventList</a:t>
+              <a:t>Attendees</a:t>
             </a:r>
             <a:endParaRPr lang="en-SG" sz="1050" dirty="0">
               <a:solidFill>
@@ -7030,1431 +8337,31 @@
           </a:p>
         </p:txBody>
       </p:sp>
-      <p:sp>
-        <p:nvSpPr>
-          <p:cNvPr id="244" name="Rectangle 8">
-            <a:extLst>
-              <a:ext uri="{FF2B5EF4-FFF2-40B4-BE49-F238E27FC236}">
-                <a16:creationId xmlns:a16="http://schemas.microsoft.com/office/drawing/2014/main" id="{03C14A99-AFE2-4118-A16F-28A955A84754}"/>
-              </a:ext>
-            </a:extLst>
-          </p:cNvPr>
-          <p:cNvSpPr/>
-          <p:nvPr/>
-        </p:nvSpPr>
-        <p:spPr>
-          <a:xfrm>
-            <a:off x="1582708" y="4751288"/>
-            <a:ext cx="1443661" cy="364396"/>
-          </a:xfrm>
-          <a:prstGeom prst="rect">
-            <a:avLst/>
-          </a:prstGeom>
-          <a:ln w="19050">
-            <a:solidFill>
-              <a:srgbClr val="7030A0"/>
-            </a:solidFill>
-          </a:ln>
-          <a:effectLst/>
-        </p:spPr>
-        <p:style>
-          <a:lnRef idx="1">
-            <a:schemeClr val="accent4"/>
-          </a:lnRef>
-          <a:fillRef idx="2">
-            <a:schemeClr val="accent4"/>
-          </a:fillRef>
-          <a:effectRef idx="1">
-            <a:schemeClr val="accent4"/>
-          </a:effectRef>
-          <a:fontRef idx="minor">
-            <a:schemeClr val="dk1"/>
-          </a:fontRef>
-        </p:style>
-        <p:txBody>
-          <a:bodyPr rtlCol="0" anchor="ctr"/>
-          <a:lstStyle/>
-          <a:p>
-            <a:pPr algn="ctr"/>
-            <a:r>
-              <a:rPr lang="en-US" sz="1050" dirty="0">
-                <a:solidFill>
-                  <a:srgbClr val="7030A0"/>
-                </a:solidFill>
-              </a:rPr>
-              <a:t>&lt;&lt;interface&gt;&gt;</a:t>
-            </a:r>
-            <a:br>
-              <a:rPr lang="en-US" sz="1050" dirty="0">
-                <a:solidFill>
-                  <a:srgbClr val="7030A0"/>
-                </a:solidFill>
-              </a:rPr>
-            </a:br>
-            <a:r>
-              <a:rPr lang="en-US" sz="1050" dirty="0" err="1">
-                <a:solidFill>
-                  <a:srgbClr val="7030A0"/>
-                </a:solidFill>
-              </a:rPr>
-              <a:t>ReadOnlyEventList</a:t>
-            </a:r>
-            <a:endParaRPr lang="en-SG" sz="1050" dirty="0">
-              <a:solidFill>
-                <a:srgbClr val="7030A0"/>
-              </a:solidFill>
-            </a:endParaRPr>
-          </a:p>
-        </p:txBody>
-      </p:sp>
-      <p:sp>
-        <p:nvSpPr>
-          <p:cNvPr id="245" name="Isosceles Triangle 102">
-            <a:extLst>
-              <a:ext uri="{FF2B5EF4-FFF2-40B4-BE49-F238E27FC236}">
-                <a16:creationId xmlns:a16="http://schemas.microsoft.com/office/drawing/2014/main" id="{E4824317-C158-4E45-941F-4FCDC2ED7FBD}"/>
-              </a:ext>
-            </a:extLst>
-          </p:cNvPr>
-          <p:cNvSpPr/>
-          <p:nvPr/>
-        </p:nvSpPr>
-        <p:spPr>
-          <a:xfrm rot="16200000">
-            <a:off x="2990859" y="4822096"/>
-            <a:ext cx="271014" cy="187417"/>
-          </a:xfrm>
-          <a:prstGeom prst="triangle">
-            <a:avLst>
-              <a:gd name="adj" fmla="val 44517"/>
-            </a:avLst>
-          </a:prstGeom>
-          <a:solidFill>
-            <a:schemeClr val="accent4">
-              <a:lumMod val="20000"/>
-              <a:lumOff val="80000"/>
-            </a:schemeClr>
-          </a:solidFill>
-          <a:ln w="19050">
-            <a:solidFill>
-              <a:srgbClr val="7030A0"/>
-            </a:solidFill>
-          </a:ln>
-          <a:effectLst/>
-        </p:spPr>
-        <p:style>
-          <a:lnRef idx="1">
-            <a:schemeClr val="accent6"/>
-          </a:lnRef>
-          <a:fillRef idx="2">
-            <a:schemeClr val="accent6"/>
-          </a:fillRef>
-          <a:effectRef idx="1">
-            <a:schemeClr val="accent6"/>
-          </a:effectRef>
-          <a:fontRef idx="minor">
-            <a:schemeClr val="dk1"/>
-          </a:fontRef>
-        </p:style>
-        <p:txBody>
-          <a:bodyPr rtlCol="0" anchor="ctr"/>
-          <a:lstStyle/>
-          <a:p>
-            <a:pPr algn="ctr"/>
-            <a:endParaRPr lang="en-SG" sz="1050"/>
-          </a:p>
-        </p:txBody>
-      </p:sp>
       <p:cxnSp>
         <p:nvCxnSpPr>
-          <p:cNvPr id="246" name="Elbow Connector 63">
-            <a:extLst>
-              <a:ext uri="{FF2B5EF4-FFF2-40B4-BE49-F238E27FC236}">
-                <a16:creationId xmlns:a16="http://schemas.microsoft.com/office/drawing/2014/main" id="{E83DBFE0-E92A-4F52-8869-3C6BDDA369AB}"/>
+          <p:cNvPr id="97" name="Elbow Connector 78">
+            <a:extLst>
+              <a:ext uri="{FF2B5EF4-FFF2-40B4-BE49-F238E27FC236}">
+                <a16:creationId xmlns:a16="http://schemas.microsoft.com/office/drawing/2014/main" id="{CC3C9732-03A9-4E00-9B93-6711B6A180A5}"/>
               </a:ext>
             </a:extLst>
           </p:cNvPr>
           <p:cNvCxnSpPr>
-            <a:stCxn id="245" idx="3"/>
+            <a:cxnSpLocks/>
+            <a:stCxn id="247" idx="3"/>
+            <a:endCxn id="96" idx="1"/>
           </p:cNvCxnSpPr>
           <p:nvPr/>
         </p:nvCxnSpPr>
         <p:spPr>
           <a:xfrm>
-            <a:off x="3220075" y="4930665"/>
-            <a:ext cx="271892" cy="2821"/>
+            <a:off x="7267043" y="4324503"/>
+            <a:ext cx="445353" cy="1745655"/>
           </a:xfrm>
           <a:prstGeom prst="bentConnector3">
             <a:avLst>
               <a:gd name="adj1" fmla="val 50000"/>
             </a:avLst>
-          </a:prstGeom>
-          <a:ln w="19050">
-            <a:solidFill>
-              <a:srgbClr val="7030A0"/>
-            </a:solidFill>
-            <a:prstDash val="sysDot"/>
-            <a:headEnd type="none" w="med" len="med"/>
-            <a:tailEnd type="none" w="med" len="med"/>
-          </a:ln>
-          <a:effectLst/>
-        </p:spPr>
-        <p:style>
-          <a:lnRef idx="1">
-            <a:schemeClr val="accent2"/>
-          </a:lnRef>
-          <a:fillRef idx="2">
-            <a:schemeClr val="accent2"/>
-          </a:fillRef>
-          <a:effectRef idx="1">
-            <a:schemeClr val="accent2"/>
-          </a:effectRef>
-          <a:fontRef idx="minor">
-            <a:schemeClr val="dk1"/>
-          </a:fontRef>
-        </p:style>
-      </p:cxnSp>
-      <p:sp>
-        <p:nvSpPr>
-          <p:cNvPr id="247" name="Flowchart: Decision 96">
-            <a:extLst>
-              <a:ext uri="{FF2B5EF4-FFF2-40B4-BE49-F238E27FC236}">
-                <a16:creationId xmlns:a16="http://schemas.microsoft.com/office/drawing/2014/main" id="{48BFFA69-CC50-47EA-84AA-BB29052615E3}"/>
-              </a:ext>
-            </a:extLst>
-          </p:cNvPr>
-          <p:cNvSpPr/>
-          <p:nvPr/>
-        </p:nvSpPr>
-        <p:spPr>
-          <a:xfrm>
-            <a:off x="7030995" y="4237813"/>
-            <a:ext cx="236048" cy="173380"/>
-          </a:xfrm>
-          <a:prstGeom prst="flowChartDecision">
-            <a:avLst/>
-          </a:prstGeom>
-          <a:solidFill>
-            <a:srgbClr val="7030A0"/>
-          </a:solidFill>
-          <a:ln w="19050">
-            <a:solidFill>
-              <a:srgbClr val="7030A0"/>
-            </a:solidFill>
-          </a:ln>
-          <a:effectLst/>
-        </p:spPr>
-        <p:style>
-          <a:lnRef idx="1">
-            <a:schemeClr val="accent6"/>
-          </a:lnRef>
-          <a:fillRef idx="2">
-            <a:schemeClr val="accent6"/>
-          </a:fillRef>
-          <a:effectRef idx="1">
-            <a:schemeClr val="accent6"/>
-          </a:effectRef>
-          <a:fontRef idx="minor">
-            <a:schemeClr val="dk1"/>
-          </a:fontRef>
-        </p:style>
-        <p:txBody>
-          <a:bodyPr rtlCol="0" anchor="ctr"/>
-          <a:lstStyle/>
-          <a:p>
-            <a:pPr algn="ctr"/>
-            <a:endParaRPr lang="en-US" sz="1050"/>
-          </a:p>
-        </p:txBody>
-      </p:sp>
-      <p:sp>
-        <p:nvSpPr>
-          <p:cNvPr id="248" name="Rectangle 8">
-            <a:extLst>
-              <a:ext uri="{FF2B5EF4-FFF2-40B4-BE49-F238E27FC236}">
-                <a16:creationId xmlns:a16="http://schemas.microsoft.com/office/drawing/2014/main" id="{49DE0DAA-29FD-4BA9-ACA2-9A42112BEECC}"/>
-              </a:ext>
-            </a:extLst>
-          </p:cNvPr>
-          <p:cNvSpPr/>
-          <p:nvPr/>
-        </p:nvSpPr>
-        <p:spPr>
-          <a:xfrm>
-            <a:off x="7712396" y="3847007"/>
-            <a:ext cx="822003" cy="285783"/>
-          </a:xfrm>
-          <a:prstGeom prst="rect">
-            <a:avLst/>
-          </a:prstGeom>
-          <a:ln w="19050">
-            <a:solidFill>
-              <a:srgbClr val="7030A0"/>
-            </a:solidFill>
-          </a:ln>
-          <a:effectLst/>
-        </p:spPr>
-        <p:style>
-          <a:lnRef idx="1">
-            <a:schemeClr val="accent4"/>
-          </a:lnRef>
-          <a:fillRef idx="2">
-            <a:schemeClr val="accent4"/>
-          </a:fillRef>
-          <a:effectRef idx="1">
-            <a:schemeClr val="accent4"/>
-          </a:effectRef>
-          <a:fontRef idx="minor">
-            <a:schemeClr val="dk1"/>
-          </a:fontRef>
-        </p:style>
-        <p:txBody>
-          <a:bodyPr rtlCol="0" anchor="ctr"/>
-          <a:lstStyle/>
-          <a:p>
-            <a:pPr algn="ctr"/>
-            <a:r>
-              <a:rPr lang="en-US" sz="1050" dirty="0" err="1">
-                <a:solidFill>
-                  <a:srgbClr val="7030A0"/>
-                </a:solidFill>
-              </a:rPr>
-              <a:t>EventName</a:t>
-            </a:r>
-            <a:endParaRPr lang="en-SG" sz="1050" dirty="0">
-              <a:solidFill>
-                <a:srgbClr val="7030A0"/>
-              </a:solidFill>
-            </a:endParaRPr>
-          </a:p>
-        </p:txBody>
-      </p:sp>
-      <p:sp>
-        <p:nvSpPr>
-          <p:cNvPr id="249" name="Rectangle 8">
-            <a:extLst>
-              <a:ext uri="{FF2B5EF4-FFF2-40B4-BE49-F238E27FC236}">
-                <a16:creationId xmlns:a16="http://schemas.microsoft.com/office/drawing/2014/main" id="{1F847553-DF9D-45B7-92EF-F382ACEB4C63}"/>
-              </a:ext>
-            </a:extLst>
-          </p:cNvPr>
-          <p:cNvSpPr/>
-          <p:nvPr/>
-        </p:nvSpPr>
-        <p:spPr>
-          <a:xfrm>
-            <a:off x="7712396" y="4182328"/>
-            <a:ext cx="822003" cy="285783"/>
-          </a:xfrm>
-          <a:prstGeom prst="rect">
-            <a:avLst/>
-          </a:prstGeom>
-          <a:ln w="19050">
-            <a:solidFill>
-              <a:srgbClr val="7030A0"/>
-            </a:solidFill>
-          </a:ln>
-          <a:effectLst/>
-        </p:spPr>
-        <p:style>
-          <a:lnRef idx="1">
-            <a:schemeClr val="accent4"/>
-          </a:lnRef>
-          <a:fillRef idx="2">
-            <a:schemeClr val="accent4"/>
-          </a:fillRef>
-          <a:effectRef idx="1">
-            <a:schemeClr val="accent4"/>
-          </a:effectRef>
-          <a:fontRef idx="minor">
-            <a:schemeClr val="dk1"/>
-          </a:fontRef>
-        </p:style>
-        <p:txBody>
-          <a:bodyPr rtlCol="0" anchor="ctr"/>
-          <a:lstStyle/>
-          <a:p>
-            <a:pPr algn="ctr"/>
-            <a:r>
-              <a:rPr lang="en-US" sz="1050" dirty="0">
-                <a:solidFill>
-                  <a:srgbClr val="7030A0"/>
-                </a:solidFill>
-              </a:rPr>
-              <a:t>Description</a:t>
-            </a:r>
-            <a:endParaRPr lang="en-SG" sz="1050" dirty="0">
-              <a:solidFill>
-                <a:srgbClr val="7030A0"/>
-              </a:solidFill>
-            </a:endParaRPr>
-          </a:p>
-        </p:txBody>
-      </p:sp>
-      <p:sp>
-        <p:nvSpPr>
-          <p:cNvPr id="250" name="Rectangle 8">
-            <a:extLst>
-              <a:ext uri="{FF2B5EF4-FFF2-40B4-BE49-F238E27FC236}">
-                <a16:creationId xmlns:a16="http://schemas.microsoft.com/office/drawing/2014/main" id="{83F43990-05A1-4783-81C4-CEAD15CDDF78}"/>
-              </a:ext>
-            </a:extLst>
-          </p:cNvPr>
-          <p:cNvSpPr/>
-          <p:nvPr/>
-        </p:nvSpPr>
-        <p:spPr>
-          <a:xfrm>
-            <a:off x="7705136" y="4530157"/>
-            <a:ext cx="822003" cy="285783"/>
-          </a:xfrm>
-          <a:prstGeom prst="rect">
-            <a:avLst/>
-          </a:prstGeom>
-          <a:ln w="19050">
-            <a:solidFill>
-              <a:srgbClr val="7030A0"/>
-            </a:solidFill>
-          </a:ln>
-          <a:effectLst/>
-        </p:spPr>
-        <p:style>
-          <a:lnRef idx="1">
-            <a:schemeClr val="accent4"/>
-          </a:lnRef>
-          <a:fillRef idx="2">
-            <a:schemeClr val="accent4"/>
-          </a:fillRef>
-          <a:effectRef idx="1">
-            <a:schemeClr val="accent4"/>
-          </a:effectRef>
-          <a:fontRef idx="minor">
-            <a:schemeClr val="dk1"/>
-          </a:fontRef>
-        </p:style>
-        <p:txBody>
-          <a:bodyPr rtlCol="0" anchor="ctr"/>
-          <a:lstStyle/>
-          <a:p>
-            <a:pPr algn="ctr"/>
-            <a:r>
-              <a:rPr lang="en-US" sz="1050" dirty="0">
-                <a:solidFill>
-                  <a:srgbClr val="7030A0"/>
-                </a:solidFill>
-              </a:rPr>
-              <a:t>Location</a:t>
-            </a:r>
-            <a:endParaRPr lang="en-SG" sz="1050" dirty="0">
-              <a:solidFill>
-                <a:srgbClr val="7030A0"/>
-              </a:solidFill>
-            </a:endParaRPr>
-          </a:p>
-        </p:txBody>
-      </p:sp>
-      <p:sp>
-        <p:nvSpPr>
-          <p:cNvPr id="251" name="Rectangle 8">
-            <a:extLst>
-              <a:ext uri="{FF2B5EF4-FFF2-40B4-BE49-F238E27FC236}">
-                <a16:creationId xmlns:a16="http://schemas.microsoft.com/office/drawing/2014/main" id="{520AFD69-CC77-4EEE-A211-20FDDC27923B}"/>
-              </a:ext>
-            </a:extLst>
-          </p:cNvPr>
-          <p:cNvSpPr/>
-          <p:nvPr/>
-        </p:nvSpPr>
-        <p:spPr>
-          <a:xfrm>
-            <a:off x="7712395" y="4877521"/>
-            <a:ext cx="822003" cy="285783"/>
-          </a:xfrm>
-          <a:prstGeom prst="rect">
-            <a:avLst/>
-          </a:prstGeom>
-          <a:ln w="19050">
-            <a:solidFill>
-              <a:srgbClr val="7030A0"/>
-            </a:solidFill>
-          </a:ln>
-          <a:effectLst/>
-        </p:spPr>
-        <p:style>
-          <a:lnRef idx="1">
-            <a:schemeClr val="accent4"/>
-          </a:lnRef>
-          <a:fillRef idx="2">
-            <a:schemeClr val="accent4"/>
-          </a:fillRef>
-          <a:effectRef idx="1">
-            <a:schemeClr val="accent4"/>
-          </a:effectRef>
-          <a:fontRef idx="minor">
-            <a:schemeClr val="dk1"/>
-          </a:fontRef>
-        </p:style>
-        <p:txBody>
-          <a:bodyPr rtlCol="0" anchor="ctr"/>
-          <a:lstStyle/>
-          <a:p>
-            <a:pPr algn="ctr"/>
-            <a:r>
-              <a:rPr lang="en-US" sz="1050" dirty="0">
-                <a:solidFill>
-                  <a:srgbClr val="7030A0"/>
-                </a:solidFill>
-              </a:rPr>
-              <a:t>Date</a:t>
-            </a:r>
-            <a:endParaRPr lang="en-SG" sz="1050" dirty="0">
-              <a:solidFill>
-                <a:srgbClr val="7030A0"/>
-              </a:solidFill>
-            </a:endParaRPr>
-          </a:p>
-        </p:txBody>
-      </p:sp>
-      <p:sp>
-        <p:nvSpPr>
-          <p:cNvPr id="252" name="Rectangle 8">
-            <a:extLst>
-              <a:ext uri="{FF2B5EF4-FFF2-40B4-BE49-F238E27FC236}">
-                <a16:creationId xmlns:a16="http://schemas.microsoft.com/office/drawing/2014/main" id="{8D2A408E-69B8-45AF-8B49-9275841084E3}"/>
-              </a:ext>
-            </a:extLst>
-          </p:cNvPr>
-          <p:cNvSpPr/>
-          <p:nvPr/>
-        </p:nvSpPr>
-        <p:spPr>
-          <a:xfrm>
-            <a:off x="7712395" y="5230426"/>
-            <a:ext cx="822003" cy="285783"/>
-          </a:xfrm>
-          <a:prstGeom prst="rect">
-            <a:avLst/>
-          </a:prstGeom>
-          <a:ln w="19050">
-            <a:solidFill>
-              <a:srgbClr val="7030A0"/>
-            </a:solidFill>
-          </a:ln>
-          <a:effectLst/>
-        </p:spPr>
-        <p:style>
-          <a:lnRef idx="1">
-            <a:schemeClr val="accent4"/>
-          </a:lnRef>
-          <a:fillRef idx="2">
-            <a:schemeClr val="accent4"/>
-          </a:fillRef>
-          <a:effectRef idx="1">
-            <a:schemeClr val="accent4"/>
-          </a:effectRef>
-          <a:fontRef idx="minor">
-            <a:schemeClr val="dk1"/>
-          </a:fontRef>
-        </p:style>
-        <p:txBody>
-          <a:bodyPr rtlCol="0" anchor="ctr"/>
-          <a:lstStyle/>
-          <a:p>
-            <a:pPr algn="ctr"/>
-            <a:r>
-              <a:rPr lang="en-US" sz="1050" dirty="0" err="1">
-                <a:solidFill>
-                  <a:srgbClr val="7030A0"/>
-                </a:solidFill>
-              </a:rPr>
-              <a:t>StartTime</a:t>
-            </a:r>
-            <a:endParaRPr lang="en-SG" sz="1050" dirty="0">
-              <a:solidFill>
-                <a:srgbClr val="7030A0"/>
-              </a:solidFill>
-            </a:endParaRPr>
-          </a:p>
-        </p:txBody>
-      </p:sp>
-      <p:sp>
-        <p:nvSpPr>
-          <p:cNvPr id="253" name="Rectangle 8">
-            <a:extLst>
-              <a:ext uri="{FF2B5EF4-FFF2-40B4-BE49-F238E27FC236}">
-                <a16:creationId xmlns:a16="http://schemas.microsoft.com/office/drawing/2014/main" id="{C3FC6752-0256-4166-ADB7-03270C5EB22F}"/>
-              </a:ext>
-            </a:extLst>
-          </p:cNvPr>
-          <p:cNvSpPr/>
-          <p:nvPr/>
-        </p:nvSpPr>
-        <p:spPr>
-          <a:xfrm>
-            <a:off x="7712395" y="5583331"/>
-            <a:ext cx="822003" cy="285783"/>
-          </a:xfrm>
-          <a:prstGeom prst="rect">
-            <a:avLst/>
-          </a:prstGeom>
-          <a:ln w="19050">
-            <a:solidFill>
-              <a:srgbClr val="7030A0"/>
-            </a:solidFill>
-          </a:ln>
-          <a:effectLst/>
-        </p:spPr>
-        <p:style>
-          <a:lnRef idx="1">
-            <a:schemeClr val="accent4"/>
-          </a:lnRef>
-          <a:fillRef idx="2">
-            <a:schemeClr val="accent4"/>
-          </a:fillRef>
-          <a:effectRef idx="1">
-            <a:schemeClr val="accent4"/>
-          </a:effectRef>
-          <a:fontRef idx="minor">
-            <a:schemeClr val="dk1"/>
-          </a:fontRef>
-        </p:style>
-        <p:txBody>
-          <a:bodyPr rtlCol="0" anchor="ctr"/>
-          <a:lstStyle/>
-          <a:p>
-            <a:pPr algn="ctr"/>
-            <a:r>
-              <a:rPr lang="en-US" sz="1050" dirty="0" err="1">
-                <a:solidFill>
-                  <a:srgbClr val="7030A0"/>
-                </a:solidFill>
-              </a:rPr>
-              <a:t>EndTime</a:t>
-            </a:r>
-            <a:endParaRPr lang="en-SG" sz="1050" dirty="0">
-              <a:solidFill>
-                <a:srgbClr val="7030A0"/>
-              </a:solidFill>
-            </a:endParaRPr>
-          </a:p>
-        </p:txBody>
-      </p:sp>
-      <p:cxnSp>
-        <p:nvCxnSpPr>
-          <p:cNvPr id="254" name="Elbow Connector 80">
-            <a:extLst>
-              <a:ext uri="{FF2B5EF4-FFF2-40B4-BE49-F238E27FC236}">
-                <a16:creationId xmlns:a16="http://schemas.microsoft.com/office/drawing/2014/main" id="{14059A74-FBED-48B2-A63F-F54DA5CAEA2B}"/>
-              </a:ext>
-            </a:extLst>
-          </p:cNvPr>
-          <p:cNvCxnSpPr>
-            <a:cxnSpLocks/>
-            <a:stCxn id="247" idx="3"/>
-            <a:endCxn id="248" idx="1"/>
-          </p:cNvCxnSpPr>
-          <p:nvPr/>
-        </p:nvCxnSpPr>
-        <p:spPr>
-          <a:xfrm flipV="1">
-            <a:off x="7267043" y="3989899"/>
-            <a:ext cx="445353" cy="334604"/>
-          </a:xfrm>
-          <a:prstGeom prst="bentConnector3">
-            <a:avLst/>
-          </a:prstGeom>
-          <a:ln w="19050">
-            <a:solidFill>
-              <a:srgbClr val="7030A0"/>
-            </a:solidFill>
-            <a:headEnd type="none" w="med" len="med"/>
-            <a:tailEnd type="arrow" w="med" len="med"/>
-          </a:ln>
-          <a:effectLst/>
-        </p:spPr>
-        <p:style>
-          <a:lnRef idx="1">
-            <a:schemeClr val="accent2"/>
-          </a:lnRef>
-          <a:fillRef idx="2">
-            <a:schemeClr val="accent2"/>
-          </a:fillRef>
-          <a:effectRef idx="1">
-            <a:schemeClr val="accent2"/>
-          </a:effectRef>
-          <a:fontRef idx="minor">
-            <a:schemeClr val="dk1"/>
-          </a:fontRef>
-        </p:style>
-      </p:cxnSp>
-      <p:cxnSp>
-        <p:nvCxnSpPr>
-          <p:cNvPr id="255" name="Elbow Connector 80">
-            <a:extLst>
-              <a:ext uri="{FF2B5EF4-FFF2-40B4-BE49-F238E27FC236}">
-                <a16:creationId xmlns:a16="http://schemas.microsoft.com/office/drawing/2014/main" id="{FF2D7F1E-C036-4996-9F7E-E8EEF31935EB}"/>
-              </a:ext>
-            </a:extLst>
-          </p:cNvPr>
-          <p:cNvCxnSpPr>
-            <a:cxnSpLocks/>
-            <a:stCxn id="247" idx="3"/>
-            <a:endCxn id="249" idx="1"/>
-          </p:cNvCxnSpPr>
-          <p:nvPr/>
-        </p:nvCxnSpPr>
-        <p:spPr>
-          <a:xfrm>
-            <a:off x="7267043" y="4324503"/>
-            <a:ext cx="445353" cy="717"/>
-          </a:xfrm>
-          <a:prstGeom prst="bentConnector3">
-            <a:avLst/>
-          </a:prstGeom>
-          <a:ln w="19050">
-            <a:solidFill>
-              <a:srgbClr val="7030A0"/>
-            </a:solidFill>
-            <a:headEnd type="none" w="med" len="med"/>
-            <a:tailEnd type="arrow" w="med" len="med"/>
-          </a:ln>
-          <a:effectLst/>
-        </p:spPr>
-        <p:style>
-          <a:lnRef idx="1">
-            <a:schemeClr val="accent2"/>
-          </a:lnRef>
-          <a:fillRef idx="2">
-            <a:schemeClr val="accent2"/>
-          </a:fillRef>
-          <a:effectRef idx="1">
-            <a:schemeClr val="accent2"/>
-          </a:effectRef>
-          <a:fontRef idx="minor">
-            <a:schemeClr val="dk1"/>
-          </a:fontRef>
-        </p:style>
-      </p:cxnSp>
-      <p:cxnSp>
-        <p:nvCxnSpPr>
-          <p:cNvPr id="256" name="Elbow Connector 80">
-            <a:extLst>
-              <a:ext uri="{FF2B5EF4-FFF2-40B4-BE49-F238E27FC236}">
-                <a16:creationId xmlns:a16="http://schemas.microsoft.com/office/drawing/2014/main" id="{23FE1157-879A-4369-82F8-C1C9CF1239BF}"/>
-              </a:ext>
-            </a:extLst>
-          </p:cNvPr>
-          <p:cNvCxnSpPr>
-            <a:cxnSpLocks/>
-            <a:endCxn id="250" idx="1"/>
-          </p:cNvCxnSpPr>
-          <p:nvPr/>
-        </p:nvCxnSpPr>
-        <p:spPr>
-          <a:xfrm>
-            <a:off x="7277995" y="4321101"/>
-            <a:ext cx="427141" cy="351948"/>
-          </a:xfrm>
-          <a:prstGeom prst="bentConnector3">
-            <a:avLst/>
-          </a:prstGeom>
-          <a:ln w="19050">
-            <a:solidFill>
-              <a:srgbClr val="7030A0"/>
-            </a:solidFill>
-            <a:headEnd type="none" w="med" len="med"/>
-            <a:tailEnd type="arrow" w="med" len="med"/>
-          </a:ln>
-          <a:effectLst/>
-        </p:spPr>
-        <p:style>
-          <a:lnRef idx="1">
-            <a:schemeClr val="accent2"/>
-          </a:lnRef>
-          <a:fillRef idx="2">
-            <a:schemeClr val="accent2"/>
-          </a:fillRef>
-          <a:effectRef idx="1">
-            <a:schemeClr val="accent2"/>
-          </a:effectRef>
-          <a:fontRef idx="minor">
-            <a:schemeClr val="dk1"/>
-          </a:fontRef>
-        </p:style>
-      </p:cxnSp>
-      <p:cxnSp>
-        <p:nvCxnSpPr>
-          <p:cNvPr id="257" name="Elbow Connector 80">
-            <a:extLst>
-              <a:ext uri="{FF2B5EF4-FFF2-40B4-BE49-F238E27FC236}">
-                <a16:creationId xmlns:a16="http://schemas.microsoft.com/office/drawing/2014/main" id="{654DBAD8-E72C-42A4-8236-11A19663ED75}"/>
-              </a:ext>
-            </a:extLst>
-          </p:cNvPr>
-          <p:cNvCxnSpPr>
-            <a:cxnSpLocks/>
-            <a:stCxn id="247" idx="3"/>
-            <a:endCxn id="251" idx="1"/>
-          </p:cNvCxnSpPr>
-          <p:nvPr/>
-        </p:nvCxnSpPr>
-        <p:spPr>
-          <a:xfrm>
-            <a:off x="7267043" y="4324503"/>
-            <a:ext cx="445352" cy="695910"/>
-          </a:xfrm>
-          <a:prstGeom prst="bentConnector3">
-            <a:avLst/>
-          </a:prstGeom>
-          <a:ln w="19050">
-            <a:solidFill>
-              <a:srgbClr val="7030A0"/>
-            </a:solidFill>
-            <a:headEnd type="none" w="med" len="med"/>
-            <a:tailEnd type="arrow" w="med" len="med"/>
-          </a:ln>
-          <a:effectLst/>
-        </p:spPr>
-        <p:style>
-          <a:lnRef idx="1">
-            <a:schemeClr val="accent2"/>
-          </a:lnRef>
-          <a:fillRef idx="2">
-            <a:schemeClr val="accent2"/>
-          </a:fillRef>
-          <a:effectRef idx="1">
-            <a:schemeClr val="accent2"/>
-          </a:effectRef>
-          <a:fontRef idx="minor">
-            <a:schemeClr val="dk1"/>
-          </a:fontRef>
-        </p:style>
-      </p:cxnSp>
-      <p:cxnSp>
-        <p:nvCxnSpPr>
-          <p:cNvPr id="258" name="Elbow Connector 80">
-            <a:extLst>
-              <a:ext uri="{FF2B5EF4-FFF2-40B4-BE49-F238E27FC236}">
-                <a16:creationId xmlns:a16="http://schemas.microsoft.com/office/drawing/2014/main" id="{65131DEE-19D9-4462-8AA2-80946A8C00D3}"/>
-              </a:ext>
-            </a:extLst>
-          </p:cNvPr>
-          <p:cNvCxnSpPr>
-            <a:cxnSpLocks/>
-            <a:stCxn id="247" idx="3"/>
-            <a:endCxn id="252" idx="1"/>
-          </p:cNvCxnSpPr>
-          <p:nvPr/>
-        </p:nvCxnSpPr>
-        <p:spPr>
-          <a:xfrm>
-            <a:off x="7267043" y="4324503"/>
-            <a:ext cx="445352" cy="1048815"/>
-          </a:xfrm>
-          <a:prstGeom prst="bentConnector3">
-            <a:avLst>
-              <a:gd name="adj1" fmla="val 50000"/>
-            </a:avLst>
-          </a:prstGeom>
-          <a:ln w="19050">
-            <a:solidFill>
-              <a:srgbClr val="7030A0"/>
-            </a:solidFill>
-            <a:headEnd type="none" w="med" len="med"/>
-            <a:tailEnd type="arrow" w="med" len="med"/>
-          </a:ln>
-          <a:effectLst/>
-        </p:spPr>
-        <p:style>
-          <a:lnRef idx="1">
-            <a:schemeClr val="accent2"/>
-          </a:lnRef>
-          <a:fillRef idx="2">
-            <a:schemeClr val="accent2"/>
-          </a:fillRef>
-          <a:effectRef idx="1">
-            <a:schemeClr val="accent2"/>
-          </a:effectRef>
-          <a:fontRef idx="minor">
-            <a:schemeClr val="dk1"/>
-          </a:fontRef>
-        </p:style>
-      </p:cxnSp>
-      <p:cxnSp>
-        <p:nvCxnSpPr>
-          <p:cNvPr id="259" name="Elbow Connector 80">
-            <a:extLst>
-              <a:ext uri="{FF2B5EF4-FFF2-40B4-BE49-F238E27FC236}">
-                <a16:creationId xmlns:a16="http://schemas.microsoft.com/office/drawing/2014/main" id="{71DA4A65-45BA-41B4-851C-A8143393B315}"/>
-              </a:ext>
-            </a:extLst>
-          </p:cNvPr>
-          <p:cNvCxnSpPr>
-            <a:cxnSpLocks/>
-            <a:stCxn id="247" idx="3"/>
-            <a:endCxn id="253" idx="1"/>
-          </p:cNvCxnSpPr>
-          <p:nvPr/>
-        </p:nvCxnSpPr>
-        <p:spPr>
-          <a:xfrm>
-            <a:off x="7267043" y="4324503"/>
-            <a:ext cx="445352" cy="1401720"/>
-          </a:xfrm>
-          <a:prstGeom prst="bentConnector3">
-            <a:avLst>
-              <a:gd name="adj1" fmla="val 50000"/>
-            </a:avLst>
-          </a:prstGeom>
-          <a:ln w="19050">
-            <a:solidFill>
-              <a:srgbClr val="7030A0"/>
-            </a:solidFill>
-            <a:headEnd type="none" w="med" len="med"/>
-            <a:tailEnd type="arrow" w="med" len="med"/>
-          </a:ln>
-          <a:effectLst/>
-        </p:spPr>
-        <p:style>
-          <a:lnRef idx="1">
-            <a:schemeClr val="accent2"/>
-          </a:lnRef>
-          <a:fillRef idx="2">
-            <a:schemeClr val="accent2"/>
-          </a:fillRef>
-          <a:effectRef idx="1">
-            <a:schemeClr val="accent2"/>
-          </a:effectRef>
-          <a:fontRef idx="minor">
-            <a:schemeClr val="dk1"/>
-          </a:fontRef>
-        </p:style>
-      </p:cxnSp>
-      <p:sp>
-        <p:nvSpPr>
-          <p:cNvPr id="260" name="TextBox 259">
-            <a:extLst>
-              <a:ext uri="{FF2B5EF4-FFF2-40B4-BE49-F238E27FC236}">
-                <a16:creationId xmlns:a16="http://schemas.microsoft.com/office/drawing/2014/main" id="{CCDF2DC3-34B2-4C97-93C5-37F8D0807DA3}"/>
-              </a:ext>
-            </a:extLst>
-          </p:cNvPr>
-          <p:cNvSpPr txBox="1"/>
-          <p:nvPr/>
-        </p:nvSpPr>
-        <p:spPr>
-          <a:xfrm>
-            <a:off x="6456384" y="3949785"/>
-            <a:ext cx="189257" cy="178683"/>
-          </a:xfrm>
-          <a:prstGeom prst="rect">
-            <a:avLst/>
-          </a:prstGeom>
-          <a:noFill/>
-        </p:spPr>
-        <p:txBody>
-          <a:bodyPr wrap="square" lIns="0" tIns="0" rIns="0" bIns="0" rtlCol="0">
-            <a:noAutofit/>
-          </a:bodyPr>
-          <a:lstStyle/>
-          <a:p>
-            <a:pPr algn="ctr"/>
-            <a:r>
-              <a:rPr lang="en-US" sz="1100" dirty="0">
-                <a:solidFill>
-                  <a:srgbClr val="7030A0"/>
-                </a:solidFill>
-              </a:rPr>
-              <a:t>1</a:t>
-            </a:r>
-            <a:endParaRPr lang="en-SG" sz="1100" dirty="0">
-              <a:solidFill>
-                <a:srgbClr val="7030A0"/>
-              </a:solidFill>
-            </a:endParaRPr>
-          </a:p>
-        </p:txBody>
-      </p:sp>
-      <p:sp>
-        <p:nvSpPr>
-          <p:cNvPr id="261" name="Rectangle 8">
-            <a:extLst>
-              <a:ext uri="{FF2B5EF4-FFF2-40B4-BE49-F238E27FC236}">
-                <a16:creationId xmlns:a16="http://schemas.microsoft.com/office/drawing/2014/main" id="{40440DB0-D254-468E-8668-44A057684A94}"/>
-              </a:ext>
-            </a:extLst>
-          </p:cNvPr>
-          <p:cNvSpPr/>
-          <p:nvPr/>
-        </p:nvSpPr>
-        <p:spPr>
-          <a:xfrm>
-            <a:off x="4780047" y="1933935"/>
-            <a:ext cx="1156969" cy="285783"/>
-          </a:xfrm>
-          <a:prstGeom prst="rect">
-            <a:avLst/>
-          </a:prstGeom>
-          <a:ln w="19050">
-            <a:solidFill>
-              <a:srgbClr val="7030A0"/>
-            </a:solidFill>
-          </a:ln>
-          <a:effectLst/>
-        </p:spPr>
-        <p:style>
-          <a:lnRef idx="1">
-            <a:schemeClr val="accent4"/>
-          </a:lnRef>
-          <a:fillRef idx="2">
-            <a:schemeClr val="accent4"/>
-          </a:fillRef>
-          <a:effectRef idx="1">
-            <a:schemeClr val="accent4"/>
-          </a:effectRef>
-          <a:fontRef idx="minor">
-            <a:schemeClr val="dk1"/>
-          </a:fontRef>
-        </p:style>
-        <p:txBody>
-          <a:bodyPr rtlCol="0" anchor="ctr"/>
-          <a:lstStyle/>
-          <a:p>
-            <a:pPr algn="ctr"/>
-            <a:r>
-              <a:rPr lang="en-US" sz="1050" dirty="0" err="1">
-                <a:solidFill>
-                  <a:srgbClr val="7030A0"/>
-                </a:solidFill>
-              </a:rPr>
-              <a:t>UniqueTagList</a:t>
-            </a:r>
-            <a:endParaRPr lang="en-SG" sz="1050" dirty="0">
-              <a:solidFill>
-                <a:srgbClr val="7030A0"/>
-              </a:solidFill>
-            </a:endParaRPr>
-          </a:p>
-        </p:txBody>
-      </p:sp>
-      <p:cxnSp>
-        <p:nvCxnSpPr>
-          <p:cNvPr id="262" name="Elbow Connector 78">
-            <a:extLst>
-              <a:ext uri="{FF2B5EF4-FFF2-40B4-BE49-F238E27FC236}">
-                <a16:creationId xmlns:a16="http://schemas.microsoft.com/office/drawing/2014/main" id="{1B5CC598-D1F7-4158-AE10-30CB5A318697}"/>
-              </a:ext>
-            </a:extLst>
-          </p:cNvPr>
-          <p:cNvCxnSpPr>
-            <a:cxnSpLocks/>
-            <a:endCxn id="261" idx="1"/>
-          </p:cNvCxnSpPr>
-          <p:nvPr/>
-        </p:nvCxnSpPr>
-        <p:spPr>
-          <a:xfrm rot="5400000" flipH="1" flipV="1">
-            <a:off x="4257356" y="2263248"/>
-            <a:ext cx="709111" cy="336271"/>
-          </a:xfrm>
-          <a:prstGeom prst="bentConnector2">
-            <a:avLst/>
-          </a:prstGeom>
-          <a:ln w="19050">
-            <a:solidFill>
-              <a:srgbClr val="7030A0"/>
-            </a:solidFill>
-            <a:headEnd type="none" w="med" len="med"/>
-            <a:tailEnd type="arrow" w="med" len="med"/>
-          </a:ln>
-          <a:effectLst/>
-        </p:spPr>
-        <p:style>
-          <a:lnRef idx="1">
-            <a:schemeClr val="accent2"/>
-          </a:lnRef>
-          <a:fillRef idx="2">
-            <a:schemeClr val="accent2"/>
-          </a:fillRef>
-          <a:effectRef idx="1">
-            <a:schemeClr val="accent2"/>
-          </a:effectRef>
-          <a:fontRef idx="minor">
-            <a:schemeClr val="dk1"/>
-          </a:fontRef>
-        </p:style>
-      </p:cxnSp>
-      <p:sp>
-        <p:nvSpPr>
-          <p:cNvPr id="263" name="TextBox 262">
-            <a:extLst>
-              <a:ext uri="{FF2B5EF4-FFF2-40B4-BE49-F238E27FC236}">
-                <a16:creationId xmlns:a16="http://schemas.microsoft.com/office/drawing/2014/main" id="{036C3F31-C28C-4690-B68D-5533FF17B32C}"/>
-              </a:ext>
-            </a:extLst>
-          </p:cNvPr>
-          <p:cNvSpPr txBox="1"/>
-          <p:nvPr/>
-        </p:nvSpPr>
-        <p:spPr>
-          <a:xfrm>
-            <a:off x="6738519" y="2157795"/>
-            <a:ext cx="189257" cy="178683"/>
-          </a:xfrm>
-          <a:prstGeom prst="rect">
-            <a:avLst/>
-          </a:prstGeom>
-          <a:noFill/>
-        </p:spPr>
-        <p:txBody>
-          <a:bodyPr wrap="square" lIns="0" tIns="0" rIns="0" bIns="0" rtlCol="0">
-            <a:noAutofit/>
-          </a:bodyPr>
-          <a:lstStyle/>
-          <a:p>
-            <a:pPr algn="ctr"/>
-            <a:r>
-              <a:rPr lang="en-US" sz="1100" dirty="0">
-                <a:solidFill>
-                  <a:srgbClr val="7030A0"/>
-                </a:solidFill>
-              </a:rPr>
-              <a:t>*</a:t>
-            </a:r>
-            <a:endParaRPr lang="en-SG" sz="1100" dirty="0">
-              <a:solidFill>
-                <a:srgbClr val="7030A0"/>
-              </a:solidFill>
-            </a:endParaRPr>
-          </a:p>
-        </p:txBody>
-      </p:sp>
-      <p:sp>
-        <p:nvSpPr>
-          <p:cNvPr id="264" name="Flowchart: Decision 96">
-            <a:extLst>
-              <a:ext uri="{FF2B5EF4-FFF2-40B4-BE49-F238E27FC236}">
-                <a16:creationId xmlns:a16="http://schemas.microsoft.com/office/drawing/2014/main" id="{9785EFD0-EF50-48C3-B7BC-AF13AD39E7C4}"/>
-              </a:ext>
-            </a:extLst>
-          </p:cNvPr>
-          <p:cNvSpPr/>
-          <p:nvPr/>
-        </p:nvSpPr>
-        <p:spPr>
-          <a:xfrm rot="16200000">
-            <a:off x="6577440" y="2521046"/>
-            <a:ext cx="236048" cy="173380"/>
-          </a:xfrm>
-          <a:prstGeom prst="flowChartDecision">
-            <a:avLst/>
-          </a:prstGeom>
-          <a:noFill/>
-          <a:ln w="19050">
-            <a:solidFill>
-              <a:srgbClr val="7030A0"/>
-            </a:solidFill>
-          </a:ln>
-          <a:effectLst/>
-        </p:spPr>
-        <p:style>
-          <a:lnRef idx="1">
-            <a:schemeClr val="accent6"/>
-          </a:lnRef>
-          <a:fillRef idx="2">
-            <a:schemeClr val="accent6"/>
-          </a:fillRef>
-          <a:effectRef idx="1">
-            <a:schemeClr val="accent6"/>
-          </a:effectRef>
-          <a:fontRef idx="minor">
-            <a:schemeClr val="dk1"/>
-          </a:fontRef>
-        </p:style>
-        <p:txBody>
-          <a:bodyPr rtlCol="0" anchor="ctr"/>
-          <a:lstStyle/>
-          <a:p>
-            <a:pPr algn="ctr"/>
-            <a:endParaRPr lang="en-US" sz="1050"/>
-          </a:p>
-        </p:txBody>
-      </p:sp>
-      <p:cxnSp>
-        <p:nvCxnSpPr>
-          <p:cNvPr id="265" name="Elbow Connector 63">
-            <a:extLst>
-              <a:ext uri="{FF2B5EF4-FFF2-40B4-BE49-F238E27FC236}">
-                <a16:creationId xmlns:a16="http://schemas.microsoft.com/office/drawing/2014/main" id="{CD3147BD-CB71-4290-BD5E-DBBF3BA83AC7}"/>
-              </a:ext>
-            </a:extLst>
-          </p:cNvPr>
-          <p:cNvCxnSpPr>
-            <a:cxnSpLocks/>
-            <a:endCxn id="266" idx="1"/>
-          </p:cNvCxnSpPr>
-          <p:nvPr/>
-        </p:nvCxnSpPr>
-        <p:spPr>
-          <a:xfrm flipV="1">
-            <a:off x="5908455" y="1960080"/>
-            <a:ext cx="432916" cy="111294"/>
-          </a:xfrm>
-          <a:prstGeom prst="bentConnector3">
-            <a:avLst/>
-          </a:prstGeom>
-          <a:ln w="19050">
-            <a:solidFill>
-              <a:srgbClr val="7030A0"/>
-            </a:solidFill>
-            <a:headEnd type="none" w="med" len="med"/>
-            <a:tailEnd type="arrow" w="med" len="med"/>
-          </a:ln>
-          <a:effectLst/>
-        </p:spPr>
-        <p:style>
-          <a:lnRef idx="1">
-            <a:schemeClr val="accent2"/>
-          </a:lnRef>
-          <a:fillRef idx="2">
-            <a:schemeClr val="accent2"/>
-          </a:fillRef>
-          <a:effectRef idx="1">
-            <a:schemeClr val="accent2"/>
-          </a:effectRef>
-          <a:fontRef idx="minor">
-            <a:schemeClr val="dk1"/>
-          </a:fontRef>
-        </p:style>
-      </p:cxnSp>
-      <p:sp>
-        <p:nvSpPr>
-          <p:cNvPr id="266" name="Rectangle 8">
-            <a:extLst>
-              <a:ext uri="{FF2B5EF4-FFF2-40B4-BE49-F238E27FC236}">
-                <a16:creationId xmlns:a16="http://schemas.microsoft.com/office/drawing/2014/main" id="{88A6E12A-4257-4782-8709-FF8EF2B63ED0}"/>
-              </a:ext>
-            </a:extLst>
-          </p:cNvPr>
-          <p:cNvSpPr/>
-          <p:nvPr/>
-        </p:nvSpPr>
-        <p:spPr>
-          <a:xfrm>
-            <a:off x="6341371" y="1786700"/>
-            <a:ext cx="708186" cy="346760"/>
-          </a:xfrm>
-          <a:prstGeom prst="rect">
-            <a:avLst/>
-          </a:prstGeom>
-          <a:ln w="19050">
-            <a:solidFill>
-              <a:srgbClr val="7030A0"/>
-            </a:solidFill>
-          </a:ln>
-          <a:effectLst/>
-        </p:spPr>
-        <p:style>
-          <a:lnRef idx="1">
-            <a:schemeClr val="accent4"/>
-          </a:lnRef>
-          <a:fillRef idx="2">
-            <a:schemeClr val="accent4"/>
-          </a:fillRef>
-          <a:effectRef idx="1">
-            <a:schemeClr val="accent4"/>
-          </a:effectRef>
-          <a:fontRef idx="minor">
-            <a:schemeClr val="dk1"/>
-          </a:fontRef>
-        </p:style>
-        <p:txBody>
-          <a:bodyPr rtlCol="0" anchor="ctr"/>
-          <a:lstStyle/>
-          <a:p>
-            <a:pPr algn="ctr"/>
-            <a:r>
-              <a:rPr lang="en-US" sz="1050" dirty="0">
-                <a:solidFill>
-                  <a:srgbClr val="7030A0"/>
-                </a:solidFill>
-              </a:rPr>
-              <a:t>Tag</a:t>
-            </a:r>
-            <a:endParaRPr lang="en-SG" sz="1050" dirty="0">
-              <a:solidFill>
-                <a:srgbClr val="7030A0"/>
-              </a:solidFill>
-            </a:endParaRPr>
-          </a:p>
-        </p:txBody>
-      </p:sp>
-      <p:sp>
-        <p:nvSpPr>
-          <p:cNvPr id="267" name="TextBox 266">
-            <a:extLst>
-              <a:ext uri="{FF2B5EF4-FFF2-40B4-BE49-F238E27FC236}">
-                <a16:creationId xmlns:a16="http://schemas.microsoft.com/office/drawing/2014/main" id="{FE64F77B-DFCA-4865-8A67-5636D4BC0CE3}"/>
-              </a:ext>
-            </a:extLst>
-          </p:cNvPr>
-          <p:cNvSpPr txBox="1"/>
-          <p:nvPr/>
-        </p:nvSpPr>
-        <p:spPr>
-          <a:xfrm>
-            <a:off x="6159431" y="2005088"/>
-            <a:ext cx="189257" cy="178683"/>
-          </a:xfrm>
-          <a:prstGeom prst="rect">
-            <a:avLst/>
-          </a:prstGeom>
-          <a:noFill/>
-        </p:spPr>
-        <p:txBody>
-          <a:bodyPr wrap="square" lIns="0" tIns="0" rIns="0" bIns="0" rtlCol="0">
-            <a:noAutofit/>
-          </a:bodyPr>
-          <a:lstStyle/>
-          <a:p>
-            <a:pPr algn="ctr"/>
-            <a:r>
-              <a:rPr lang="en-US" sz="1100" dirty="0">
-                <a:solidFill>
-                  <a:srgbClr val="7030A0"/>
-                </a:solidFill>
-              </a:rPr>
-              <a:t>*</a:t>
-            </a:r>
-            <a:endParaRPr lang="en-SG" sz="1100" dirty="0">
-              <a:solidFill>
-                <a:srgbClr val="7030A0"/>
-              </a:solidFill>
-            </a:endParaRPr>
-          </a:p>
-        </p:txBody>
-      </p:sp>
-      <p:sp>
-        <p:nvSpPr>
-          <p:cNvPr id="268" name="TextBox 267">
-            <a:extLst>
-              <a:ext uri="{FF2B5EF4-FFF2-40B4-BE49-F238E27FC236}">
-                <a16:creationId xmlns:a16="http://schemas.microsoft.com/office/drawing/2014/main" id="{DEBAD80E-9558-4545-9B5C-1011497635DE}"/>
-              </a:ext>
-            </a:extLst>
-          </p:cNvPr>
-          <p:cNvSpPr txBox="1"/>
-          <p:nvPr/>
-        </p:nvSpPr>
-        <p:spPr>
-          <a:xfrm>
-            <a:off x="4391275" y="1900046"/>
-            <a:ext cx="189257" cy="178683"/>
-          </a:xfrm>
-          <a:prstGeom prst="rect">
-            <a:avLst/>
-          </a:prstGeom>
-          <a:noFill/>
-        </p:spPr>
-        <p:txBody>
-          <a:bodyPr wrap="square" lIns="0" tIns="0" rIns="0" bIns="0" rtlCol="0">
-            <a:noAutofit/>
-          </a:bodyPr>
-          <a:lstStyle/>
-          <a:p>
-            <a:pPr algn="ctr"/>
-            <a:r>
-              <a:rPr lang="en-US" sz="1100" dirty="0">
-                <a:solidFill>
-                  <a:srgbClr val="7030A0"/>
-                </a:solidFill>
-              </a:rPr>
-              <a:t>1</a:t>
-            </a:r>
-            <a:endParaRPr lang="en-SG" sz="1100" dirty="0">
-              <a:solidFill>
-                <a:srgbClr val="7030A0"/>
-              </a:solidFill>
-            </a:endParaRPr>
-          </a:p>
-        </p:txBody>
-      </p:sp>
-      <p:sp>
-        <p:nvSpPr>
-          <p:cNvPr id="269" name="Flowchart: Decision 96">
-            <a:extLst>
-              <a:ext uri="{FF2B5EF4-FFF2-40B4-BE49-F238E27FC236}">
-                <a16:creationId xmlns:a16="http://schemas.microsoft.com/office/drawing/2014/main" id="{706253E2-1226-4B48-A404-BCE6BDD4745D}"/>
-              </a:ext>
-            </a:extLst>
-          </p:cNvPr>
-          <p:cNvSpPr/>
-          <p:nvPr/>
-        </p:nvSpPr>
-        <p:spPr>
-          <a:xfrm>
-            <a:off x="5935504" y="1989155"/>
-            <a:ext cx="236048" cy="173380"/>
-          </a:xfrm>
-          <a:prstGeom prst="flowChartDecision">
-            <a:avLst/>
-          </a:prstGeom>
-          <a:solidFill>
-            <a:srgbClr val="7030A0"/>
-          </a:solidFill>
-          <a:ln w="19050">
-            <a:solidFill>
-              <a:srgbClr val="7030A0"/>
-            </a:solidFill>
-          </a:ln>
-          <a:effectLst/>
-        </p:spPr>
-        <p:style>
-          <a:lnRef idx="1">
-            <a:schemeClr val="accent6"/>
-          </a:lnRef>
-          <a:fillRef idx="2">
-            <a:schemeClr val="accent6"/>
-          </a:fillRef>
-          <a:effectRef idx="1">
-            <a:schemeClr val="accent6"/>
-          </a:effectRef>
-          <a:fontRef idx="minor">
-            <a:schemeClr val="dk1"/>
-          </a:fontRef>
-        </p:style>
-        <p:txBody>
-          <a:bodyPr rtlCol="0" anchor="ctr"/>
-          <a:lstStyle/>
-          <a:p>
-            <a:pPr algn="ctr"/>
-            <a:endParaRPr lang="en-US" sz="1050"/>
-          </a:p>
-        </p:txBody>
-      </p:sp>
-      <p:cxnSp>
-        <p:nvCxnSpPr>
-          <p:cNvPr id="270" name="Elbow Connector 63">
-            <a:extLst>
-              <a:ext uri="{FF2B5EF4-FFF2-40B4-BE49-F238E27FC236}">
-                <a16:creationId xmlns:a16="http://schemas.microsoft.com/office/drawing/2014/main" id="{C87BABFE-EDB5-4B1E-891B-C51B3268DDE7}"/>
-              </a:ext>
-            </a:extLst>
-          </p:cNvPr>
-          <p:cNvCxnSpPr>
-            <a:cxnSpLocks/>
-            <a:stCxn id="264" idx="3"/>
-            <a:endCxn id="266" idx="2"/>
-          </p:cNvCxnSpPr>
-          <p:nvPr/>
-        </p:nvCxnSpPr>
-        <p:spPr>
-          <a:xfrm rot="5400000" flipH="1" flipV="1">
-            <a:off x="6517338" y="2311586"/>
-            <a:ext cx="356252" cy="12700"/>
-          </a:xfrm>
-          <a:prstGeom prst="bentConnector3">
-            <a:avLst/>
           </a:prstGeom>
           <a:ln w="19050">
             <a:solidFill>
